--- a/Presentation.pptx
+++ b/Presentation.pptx
@@ -1,29 +1,124 @@
 
 <file path=ppt/presentation.xml><?xml version="1.0" encoding="utf-8"?>
-<p:presentation xmlns:a="http://schemas.openxmlformats.org/drawingml/2006/main" xmlns:p="http://schemas.openxmlformats.org/presentationml/2006/main" xmlns:r="http://schemas.openxmlformats.org/officeDocument/2006/relationships" xmlns:p14="http://schemas.microsoft.com/office/powerpoint/2010/main" xmlns:p15="http://schemas.microsoft.com/office/powerpoint/2012/main" xmlns:mc="http://schemas.openxmlformats.org/markup-compatibility/2006">
+<p:presentation xmlns:a="http://schemas.openxmlformats.org/drawingml/2006/main" xmlns:r="http://schemas.openxmlformats.org/officeDocument/2006/relationships" xmlns:p="http://schemas.openxmlformats.org/presentationml/2006/main">
   <p:sldMasterIdLst>
-    <p:sldMasterId id="2147483648" r:id="rId2"/>
-    <p:sldMasterId id="2147483661" r:id="rId3"/>
-    <p:sldMasterId id="2147483674" r:id="rId4"/>
+    <p:sldMasterId id="2147483648" r:id="rId1"/>
+    <p:sldMasterId id="2147483661" r:id="rId2"/>
+    <p:sldMasterId id="2147483674" r:id="rId3"/>
   </p:sldMasterIdLst>
   <p:sldIdLst>
-    <p:sldId id="256" r:id="rId5"/>
-    <p:sldId id="257" r:id="rId6"/>
-    <p:sldId id="258" r:id="rId7"/>
-    <p:sldId id="259" r:id="rId8"/>
-    <p:sldId id="260" r:id="rId9"/>
-    <p:sldId id="261" r:id="rId10"/>
-    <p:sldId id="262" r:id="rId11"/>
-    <p:sldId id="263" r:id="rId12"/>
-    <p:sldId id="264" r:id="rId13"/>
+    <p:sldId id="256" r:id="rId4"/>
+    <p:sldId id="257" r:id="rId5"/>
+    <p:sldId id="258" r:id="rId6"/>
+    <p:sldId id="259" r:id="rId7"/>
+    <p:sldId id="260" r:id="rId8"/>
+    <p:sldId id="261" r:id="rId9"/>
+    <p:sldId id="262" r:id="rId10"/>
+    <p:sldId id="263" r:id="rId11"/>
+    <p:sldId id="264" r:id="rId12"/>
   </p:sldIdLst>
   <p:sldSz cx="12192000" cy="6858000"/>
   <p:notesSz cx="7772400" cy="10058400"/>
+  <p:defaultTextStyle>
+    <a:defPPr>
+      <a:defRPr lang="en-US"/>
+    </a:defPPr>
+    <a:lvl1pPr marL="0" algn="l" defTabSz="914400" rtl="0" eaLnBrk="1" latinLnBrk="0" hangingPunct="1">
+      <a:defRPr sz="1800" kern="1200">
+        <a:solidFill>
+          <a:schemeClr val="tx1"/>
+        </a:solidFill>
+        <a:latin typeface="+mn-lt"/>
+        <a:ea typeface="+mn-ea"/>
+        <a:cs typeface="+mn-cs"/>
+      </a:defRPr>
+    </a:lvl1pPr>
+    <a:lvl2pPr marL="457200" algn="l" defTabSz="914400" rtl="0" eaLnBrk="1" latinLnBrk="0" hangingPunct="1">
+      <a:defRPr sz="1800" kern="1200">
+        <a:solidFill>
+          <a:schemeClr val="tx1"/>
+        </a:solidFill>
+        <a:latin typeface="+mn-lt"/>
+        <a:ea typeface="+mn-ea"/>
+        <a:cs typeface="+mn-cs"/>
+      </a:defRPr>
+    </a:lvl2pPr>
+    <a:lvl3pPr marL="914400" algn="l" defTabSz="914400" rtl="0" eaLnBrk="1" latinLnBrk="0" hangingPunct="1">
+      <a:defRPr sz="1800" kern="1200">
+        <a:solidFill>
+          <a:schemeClr val="tx1"/>
+        </a:solidFill>
+        <a:latin typeface="+mn-lt"/>
+        <a:ea typeface="+mn-ea"/>
+        <a:cs typeface="+mn-cs"/>
+      </a:defRPr>
+    </a:lvl3pPr>
+    <a:lvl4pPr marL="1371600" algn="l" defTabSz="914400" rtl="0" eaLnBrk="1" latinLnBrk="0" hangingPunct="1">
+      <a:defRPr sz="1800" kern="1200">
+        <a:solidFill>
+          <a:schemeClr val="tx1"/>
+        </a:solidFill>
+        <a:latin typeface="+mn-lt"/>
+        <a:ea typeface="+mn-ea"/>
+        <a:cs typeface="+mn-cs"/>
+      </a:defRPr>
+    </a:lvl4pPr>
+    <a:lvl5pPr marL="1828800" algn="l" defTabSz="914400" rtl="0" eaLnBrk="1" latinLnBrk="0" hangingPunct="1">
+      <a:defRPr sz="1800" kern="1200">
+        <a:solidFill>
+          <a:schemeClr val="tx1"/>
+        </a:solidFill>
+        <a:latin typeface="+mn-lt"/>
+        <a:ea typeface="+mn-ea"/>
+        <a:cs typeface="+mn-cs"/>
+      </a:defRPr>
+    </a:lvl5pPr>
+    <a:lvl6pPr marL="2286000" algn="l" defTabSz="914400" rtl="0" eaLnBrk="1" latinLnBrk="0" hangingPunct="1">
+      <a:defRPr sz="1800" kern="1200">
+        <a:solidFill>
+          <a:schemeClr val="tx1"/>
+        </a:solidFill>
+        <a:latin typeface="+mn-lt"/>
+        <a:ea typeface="+mn-ea"/>
+        <a:cs typeface="+mn-cs"/>
+      </a:defRPr>
+    </a:lvl6pPr>
+    <a:lvl7pPr marL="2743200" algn="l" defTabSz="914400" rtl="0" eaLnBrk="1" latinLnBrk="0" hangingPunct="1">
+      <a:defRPr sz="1800" kern="1200">
+        <a:solidFill>
+          <a:schemeClr val="tx1"/>
+        </a:solidFill>
+        <a:latin typeface="+mn-lt"/>
+        <a:ea typeface="+mn-ea"/>
+        <a:cs typeface="+mn-cs"/>
+      </a:defRPr>
+    </a:lvl7pPr>
+    <a:lvl8pPr marL="3200400" algn="l" defTabSz="914400" rtl="0" eaLnBrk="1" latinLnBrk="0" hangingPunct="1">
+      <a:defRPr sz="1800" kern="1200">
+        <a:solidFill>
+          <a:schemeClr val="tx1"/>
+        </a:solidFill>
+        <a:latin typeface="+mn-lt"/>
+        <a:ea typeface="+mn-ea"/>
+        <a:cs typeface="+mn-cs"/>
+      </a:defRPr>
+    </a:lvl8pPr>
+    <a:lvl9pPr marL="3657600" algn="l" defTabSz="914400" rtl="0" eaLnBrk="1" latinLnBrk="0" hangingPunct="1">
+      <a:defRPr sz="1800" kern="1200">
+        <a:solidFill>
+          <a:schemeClr val="tx1"/>
+        </a:solidFill>
+        <a:latin typeface="+mn-lt"/>
+        <a:ea typeface="+mn-ea"/>
+        <a:cs typeface="+mn-cs"/>
+      </a:defRPr>
+    </a:lvl9pPr>
+  </p:defaultTextStyle>
 </p:presentation>
 </file>
 
 <file path=ppt/slideLayouts/slideLayout1.xml><?xml version="1.0" encoding="utf-8"?>
-<p:sldLayout xmlns:a="http://schemas.openxmlformats.org/drawingml/2006/main" xmlns:p="http://schemas.openxmlformats.org/presentationml/2006/main" xmlns:r="http://schemas.openxmlformats.org/officeDocument/2006/relationships" xmlns:p14="http://schemas.microsoft.com/office/powerpoint/2010/main" xmlns:p15="http://schemas.microsoft.com/office/powerpoint/2012/main" xmlns:mc="http://schemas.openxmlformats.org/markup-compatibility/2006" type="blank" preserve="1">
+<p:sldLayout xmlns:a="http://schemas.openxmlformats.org/drawingml/2006/main" xmlns:r="http://schemas.openxmlformats.org/officeDocument/2006/relationships" xmlns:p="http://schemas.openxmlformats.org/presentationml/2006/main" type="blank" preserve="1">
   <p:cSld name="Blank Slide">
     <p:spTree>
       <p:nvGrpSpPr>
@@ -41,11 +136,14 @@
       </p:grpSpPr>
     </p:spTree>
   </p:cSld>
+  <p:clrMapOvr>
+    <a:masterClrMapping/>
+  </p:clrMapOvr>
 </p:sldLayout>
 </file>
 
 <file path=ppt/slideLayouts/slideLayout10.xml><?xml version="1.0" encoding="utf-8"?>
-<p:sldLayout xmlns:a="http://schemas.openxmlformats.org/drawingml/2006/main" xmlns:p="http://schemas.openxmlformats.org/presentationml/2006/main" xmlns:r="http://schemas.openxmlformats.org/officeDocument/2006/relationships" xmlns:p14="http://schemas.microsoft.com/office/powerpoint/2010/main" xmlns:p15="http://schemas.microsoft.com/office/powerpoint/2012/main" xmlns:mc="http://schemas.openxmlformats.org/markup-compatibility/2006" type="objOverTx" preserve="1">
+<p:sldLayout xmlns:a="http://schemas.openxmlformats.org/drawingml/2006/main" xmlns:r="http://schemas.openxmlformats.org/officeDocument/2006/relationships" xmlns:p="http://schemas.openxmlformats.org/presentationml/2006/main" type="objOverTx" preserve="1">
   <p:cSld name="Title, Content over Content">
     <p:spTree>
       <p:nvGrpSpPr>
@@ -81,12 +179,13 @@
           </a:prstGeom>
         </p:spPr>
         <p:txBody>
-          <a:bodyPr lIns="0" rIns="0" tIns="0" bIns="0" anchor="ctr">
+          <a:bodyPr lIns="0" tIns="0" rIns="0" bIns="0" anchor="ctr">
             <a:spAutoFit/>
           </a:bodyPr>
+          <a:lstStyle/>
           <a:p>
             <a:pPr algn="ctr"/>
-            <a:endParaRPr b="0" lang="en-US" sz="5320" spc="-1" strike="noStrike">
+            <a:endParaRPr lang="en-US" sz="5320" b="0" strike="noStrike" spc="-1">
               <a:latin typeface="Arial"/>
             </a:endParaRPr>
           </a:p>
@@ -112,11 +211,12 @@
           </a:prstGeom>
         </p:spPr>
         <p:txBody>
-          <a:bodyPr lIns="0" rIns="0" tIns="0" bIns="0">
+          <a:bodyPr lIns="0" tIns="0" rIns="0" bIns="0">
             <a:normAutofit/>
           </a:bodyPr>
-          <a:p>
-            <a:endParaRPr b="0" lang="en-US" sz="3870" spc="-1" strike="noStrike">
+          <a:lstStyle/>
+          <a:p>
+            <a:endParaRPr lang="en-US" sz="3870" b="0" strike="noStrike" spc="-1">
               <a:latin typeface="Arial"/>
             </a:endParaRPr>
           </a:p>
@@ -142,11 +242,12 @@
           </a:prstGeom>
         </p:spPr>
         <p:txBody>
-          <a:bodyPr lIns="0" rIns="0" tIns="0" bIns="0">
+          <a:bodyPr lIns="0" tIns="0" rIns="0" bIns="0">
             <a:normAutofit/>
           </a:bodyPr>
-          <a:p>
-            <a:endParaRPr b="0" lang="en-US" sz="3870" spc="-1" strike="noStrike">
+          <a:lstStyle/>
+          <a:p>
+            <a:endParaRPr lang="en-US" sz="3870" b="0" strike="noStrike" spc="-1">
               <a:latin typeface="Arial"/>
             </a:endParaRPr>
           </a:p>
@@ -154,11 +255,14 @@
       </p:sp>
     </p:spTree>
   </p:cSld>
+  <p:clrMapOvr>
+    <a:masterClrMapping/>
+  </p:clrMapOvr>
 </p:sldLayout>
 </file>
 
 <file path=ppt/slideLayouts/slideLayout11.xml><?xml version="1.0" encoding="utf-8"?>
-<p:sldLayout xmlns:a="http://schemas.openxmlformats.org/drawingml/2006/main" xmlns:p="http://schemas.openxmlformats.org/presentationml/2006/main" xmlns:r="http://schemas.openxmlformats.org/officeDocument/2006/relationships" xmlns:p14="http://schemas.microsoft.com/office/powerpoint/2010/main" xmlns:p15="http://schemas.microsoft.com/office/powerpoint/2012/main" xmlns:mc="http://schemas.openxmlformats.org/markup-compatibility/2006" type="fourObj" preserve="1">
+<p:sldLayout xmlns:a="http://schemas.openxmlformats.org/drawingml/2006/main" xmlns:r="http://schemas.openxmlformats.org/officeDocument/2006/relationships" xmlns:p="http://schemas.openxmlformats.org/presentationml/2006/main" type="fourObj" preserve="1">
   <p:cSld name="Title, 4 Content">
     <p:spTree>
       <p:nvGrpSpPr>
@@ -194,12 +298,13 @@
           </a:prstGeom>
         </p:spPr>
         <p:txBody>
-          <a:bodyPr lIns="0" rIns="0" tIns="0" bIns="0" anchor="ctr">
+          <a:bodyPr lIns="0" tIns="0" rIns="0" bIns="0" anchor="ctr">
             <a:spAutoFit/>
           </a:bodyPr>
+          <a:lstStyle/>
           <a:p>
             <a:pPr algn="ctr"/>
-            <a:endParaRPr b="0" lang="en-US" sz="5320" spc="-1" strike="noStrike">
+            <a:endParaRPr lang="en-US" sz="5320" b="0" strike="noStrike" spc="-1">
               <a:latin typeface="Arial"/>
             </a:endParaRPr>
           </a:p>
@@ -225,11 +330,12 @@
           </a:prstGeom>
         </p:spPr>
         <p:txBody>
-          <a:bodyPr lIns="0" rIns="0" tIns="0" bIns="0">
+          <a:bodyPr lIns="0" tIns="0" rIns="0" bIns="0">
             <a:normAutofit/>
           </a:bodyPr>
-          <a:p>
-            <a:endParaRPr b="0" lang="en-US" sz="3870" spc="-1" strike="noStrike">
+          <a:lstStyle/>
+          <a:p>
+            <a:endParaRPr lang="en-US" sz="3870" b="0" strike="noStrike" spc="-1">
               <a:latin typeface="Arial"/>
             </a:endParaRPr>
           </a:p>
@@ -255,11 +361,12 @@
           </a:prstGeom>
         </p:spPr>
         <p:txBody>
-          <a:bodyPr lIns="0" rIns="0" tIns="0" bIns="0">
+          <a:bodyPr lIns="0" tIns="0" rIns="0" bIns="0">
             <a:normAutofit/>
           </a:bodyPr>
-          <a:p>
-            <a:endParaRPr b="0" lang="en-US" sz="3870" spc="-1" strike="noStrike">
+          <a:lstStyle/>
+          <a:p>
+            <a:endParaRPr lang="en-US" sz="3870" b="0" strike="noStrike" spc="-1">
               <a:latin typeface="Arial"/>
             </a:endParaRPr>
           </a:p>
@@ -285,11 +392,12 @@
           </a:prstGeom>
         </p:spPr>
         <p:txBody>
-          <a:bodyPr lIns="0" rIns="0" tIns="0" bIns="0">
+          <a:bodyPr lIns="0" tIns="0" rIns="0" bIns="0">
             <a:normAutofit/>
           </a:bodyPr>
-          <a:p>
-            <a:endParaRPr b="0" lang="en-US" sz="3870" spc="-1" strike="noStrike">
+          <a:lstStyle/>
+          <a:p>
+            <a:endParaRPr lang="en-US" sz="3870" b="0" strike="noStrike" spc="-1">
               <a:latin typeface="Arial"/>
             </a:endParaRPr>
           </a:p>
@@ -315,11 +423,12 @@
           </a:prstGeom>
         </p:spPr>
         <p:txBody>
-          <a:bodyPr lIns="0" rIns="0" tIns="0" bIns="0">
+          <a:bodyPr lIns="0" tIns="0" rIns="0" bIns="0">
             <a:normAutofit/>
           </a:bodyPr>
-          <a:p>
-            <a:endParaRPr b="0" lang="en-US" sz="3870" spc="-1" strike="noStrike">
+          <a:lstStyle/>
+          <a:p>
+            <a:endParaRPr lang="en-US" sz="3870" b="0" strike="noStrike" spc="-1">
               <a:latin typeface="Arial"/>
             </a:endParaRPr>
           </a:p>
@@ -327,11 +436,14 @@
       </p:sp>
     </p:spTree>
   </p:cSld>
+  <p:clrMapOvr>
+    <a:masterClrMapping/>
+  </p:clrMapOvr>
 </p:sldLayout>
 </file>
 
 <file path=ppt/slideLayouts/slideLayout12.xml><?xml version="1.0" encoding="utf-8"?>
-<p:sldLayout xmlns:a="http://schemas.openxmlformats.org/drawingml/2006/main" xmlns:p="http://schemas.openxmlformats.org/presentationml/2006/main" xmlns:r="http://schemas.openxmlformats.org/officeDocument/2006/relationships" xmlns:p14="http://schemas.microsoft.com/office/powerpoint/2010/main" xmlns:p15="http://schemas.microsoft.com/office/powerpoint/2012/main" xmlns:mc="http://schemas.openxmlformats.org/markup-compatibility/2006" type="blank" preserve="1">
+<p:sldLayout xmlns:a="http://schemas.openxmlformats.org/drawingml/2006/main" xmlns:r="http://schemas.openxmlformats.org/officeDocument/2006/relationships" xmlns:p="http://schemas.openxmlformats.org/presentationml/2006/main" type="blank" preserve="1">
   <p:cSld name="Title, 6 Content">
     <p:spTree>
       <p:nvGrpSpPr>
@@ -367,12 +479,13 @@
           </a:prstGeom>
         </p:spPr>
         <p:txBody>
-          <a:bodyPr lIns="0" rIns="0" tIns="0" bIns="0" anchor="ctr">
+          <a:bodyPr lIns="0" tIns="0" rIns="0" bIns="0" anchor="ctr">
             <a:spAutoFit/>
           </a:bodyPr>
+          <a:lstStyle/>
           <a:p>
             <a:pPr algn="ctr"/>
-            <a:endParaRPr b="0" lang="en-US" sz="5320" spc="-1" strike="noStrike">
+            <a:endParaRPr lang="en-US" sz="5320" b="0" strike="noStrike" spc="-1">
               <a:latin typeface="Arial"/>
             </a:endParaRPr>
           </a:p>
@@ -398,11 +511,12 @@
           </a:prstGeom>
         </p:spPr>
         <p:txBody>
-          <a:bodyPr lIns="0" rIns="0" tIns="0" bIns="0">
+          <a:bodyPr lIns="0" tIns="0" rIns="0" bIns="0">
             <a:normAutofit/>
           </a:bodyPr>
-          <a:p>
-            <a:endParaRPr b="0" lang="en-US" sz="3870" spc="-1" strike="noStrike">
+          <a:lstStyle/>
+          <a:p>
+            <a:endParaRPr lang="en-US" sz="3870" b="0" strike="noStrike" spc="-1">
               <a:latin typeface="Arial"/>
             </a:endParaRPr>
           </a:p>
@@ -428,11 +542,12 @@
           </a:prstGeom>
         </p:spPr>
         <p:txBody>
-          <a:bodyPr lIns="0" rIns="0" tIns="0" bIns="0">
+          <a:bodyPr lIns="0" tIns="0" rIns="0" bIns="0">
             <a:normAutofit/>
           </a:bodyPr>
-          <a:p>
-            <a:endParaRPr b="0" lang="en-US" sz="3870" spc="-1" strike="noStrike">
+          <a:lstStyle/>
+          <a:p>
+            <a:endParaRPr lang="en-US" sz="3870" b="0" strike="noStrike" spc="-1">
               <a:latin typeface="Arial"/>
             </a:endParaRPr>
           </a:p>
@@ -458,11 +573,12 @@
           </a:prstGeom>
         </p:spPr>
         <p:txBody>
-          <a:bodyPr lIns="0" rIns="0" tIns="0" bIns="0">
+          <a:bodyPr lIns="0" tIns="0" rIns="0" bIns="0">
             <a:normAutofit/>
           </a:bodyPr>
-          <a:p>
-            <a:endParaRPr b="0" lang="en-US" sz="3870" spc="-1" strike="noStrike">
+          <a:lstStyle/>
+          <a:p>
+            <a:endParaRPr lang="en-US" sz="3870" b="0" strike="noStrike" spc="-1">
               <a:latin typeface="Arial"/>
             </a:endParaRPr>
           </a:p>
@@ -488,11 +604,12 @@
           </a:prstGeom>
         </p:spPr>
         <p:txBody>
-          <a:bodyPr lIns="0" rIns="0" tIns="0" bIns="0">
+          <a:bodyPr lIns="0" tIns="0" rIns="0" bIns="0">
             <a:normAutofit/>
           </a:bodyPr>
-          <a:p>
-            <a:endParaRPr b="0" lang="en-US" sz="3870" spc="-1" strike="noStrike">
+          <a:lstStyle/>
+          <a:p>
+            <a:endParaRPr lang="en-US" sz="3870" b="0" strike="noStrike" spc="-1">
               <a:latin typeface="Arial"/>
             </a:endParaRPr>
           </a:p>
@@ -518,11 +635,12 @@
           </a:prstGeom>
         </p:spPr>
         <p:txBody>
-          <a:bodyPr lIns="0" rIns="0" tIns="0" bIns="0">
+          <a:bodyPr lIns="0" tIns="0" rIns="0" bIns="0">
             <a:normAutofit/>
           </a:bodyPr>
-          <a:p>
-            <a:endParaRPr b="0" lang="en-US" sz="3870" spc="-1" strike="noStrike">
+          <a:lstStyle/>
+          <a:p>
+            <a:endParaRPr lang="en-US" sz="3870" b="0" strike="noStrike" spc="-1">
               <a:latin typeface="Arial"/>
             </a:endParaRPr>
           </a:p>
@@ -548,11 +666,12 @@
           </a:prstGeom>
         </p:spPr>
         <p:txBody>
-          <a:bodyPr lIns="0" rIns="0" tIns="0" bIns="0">
+          <a:bodyPr lIns="0" tIns="0" rIns="0" bIns="0">
             <a:normAutofit/>
           </a:bodyPr>
-          <a:p>
-            <a:endParaRPr b="0" lang="en-US" sz="3870" spc="-1" strike="noStrike">
+          <a:lstStyle/>
+          <a:p>
+            <a:endParaRPr lang="en-US" sz="3870" b="0" strike="noStrike" spc="-1">
               <a:latin typeface="Arial"/>
             </a:endParaRPr>
           </a:p>
@@ -560,11 +679,14 @@
       </p:sp>
     </p:spTree>
   </p:cSld>
+  <p:clrMapOvr>
+    <a:masterClrMapping/>
+  </p:clrMapOvr>
 </p:sldLayout>
 </file>
 
 <file path=ppt/slideLayouts/slideLayout13.xml><?xml version="1.0" encoding="utf-8"?>
-<p:sldLayout xmlns:a="http://schemas.openxmlformats.org/drawingml/2006/main" xmlns:p="http://schemas.openxmlformats.org/presentationml/2006/main" xmlns:r="http://schemas.openxmlformats.org/officeDocument/2006/relationships" xmlns:p14="http://schemas.microsoft.com/office/powerpoint/2010/main" xmlns:p15="http://schemas.microsoft.com/office/powerpoint/2012/main" xmlns:mc="http://schemas.openxmlformats.org/markup-compatibility/2006" type="blank" preserve="1">
+<p:sldLayout xmlns:a="http://schemas.openxmlformats.org/drawingml/2006/main" xmlns:r="http://schemas.openxmlformats.org/officeDocument/2006/relationships" xmlns:p="http://schemas.openxmlformats.org/presentationml/2006/main" type="blank" preserve="1">
   <p:cSld name="Blank Slide">
     <p:spTree>
       <p:nvGrpSpPr>
@@ -582,11 +704,14 @@
       </p:grpSpPr>
     </p:spTree>
   </p:cSld>
+  <p:clrMapOvr>
+    <a:masterClrMapping/>
+  </p:clrMapOvr>
 </p:sldLayout>
 </file>
 
 <file path=ppt/slideLayouts/slideLayout14.xml><?xml version="1.0" encoding="utf-8"?>
-<p:sldLayout xmlns:a="http://schemas.openxmlformats.org/drawingml/2006/main" xmlns:p="http://schemas.openxmlformats.org/presentationml/2006/main" xmlns:r="http://schemas.openxmlformats.org/officeDocument/2006/relationships" xmlns:p14="http://schemas.microsoft.com/office/powerpoint/2010/main" xmlns:p15="http://schemas.microsoft.com/office/powerpoint/2012/main" xmlns:mc="http://schemas.openxmlformats.org/markup-compatibility/2006" type="tx" preserve="1">
+<p:sldLayout xmlns:a="http://schemas.openxmlformats.org/drawingml/2006/main" xmlns:r="http://schemas.openxmlformats.org/officeDocument/2006/relationships" xmlns:p="http://schemas.openxmlformats.org/presentationml/2006/main" type="tx" preserve="1">
   <p:cSld name="Title Slide">
     <p:spTree>
       <p:nvGrpSpPr>
@@ -622,12 +747,13 @@
           </a:prstGeom>
         </p:spPr>
         <p:txBody>
-          <a:bodyPr lIns="0" rIns="0" tIns="0" bIns="0" anchor="ctr">
+          <a:bodyPr lIns="0" tIns="0" rIns="0" bIns="0" anchor="ctr">
             <a:spAutoFit/>
           </a:bodyPr>
+          <a:lstStyle/>
           <a:p>
             <a:pPr algn="ctr"/>
-            <a:endParaRPr b="0" lang="en-US" sz="5320" spc="-1" strike="noStrike">
+            <a:endParaRPr lang="en-US" sz="5320" b="0" strike="noStrike" spc="-1">
               <a:latin typeface="Arial"/>
             </a:endParaRPr>
           </a:p>
@@ -653,12 +779,13 @@
           </a:prstGeom>
         </p:spPr>
         <p:txBody>
-          <a:bodyPr lIns="0" rIns="0" tIns="0" bIns="0" anchor="ctr">
+          <a:bodyPr lIns="0" tIns="0" rIns="0" bIns="0" anchor="ctr">
             <a:spAutoFit/>
           </a:bodyPr>
+          <a:lstStyle/>
           <a:p>
             <a:pPr algn="ctr"/>
-            <a:endParaRPr b="0" lang="en-US" sz="3200" spc="-1" strike="noStrike">
+            <a:endParaRPr lang="en-US" sz="3200" b="0" strike="noStrike" spc="-1">
               <a:latin typeface="Arial"/>
             </a:endParaRPr>
           </a:p>
@@ -666,11 +793,14 @@
       </p:sp>
     </p:spTree>
   </p:cSld>
+  <p:clrMapOvr>
+    <a:masterClrMapping/>
+  </p:clrMapOvr>
 </p:sldLayout>
 </file>
 
 <file path=ppt/slideLayouts/slideLayout15.xml><?xml version="1.0" encoding="utf-8"?>
-<p:sldLayout xmlns:a="http://schemas.openxmlformats.org/drawingml/2006/main" xmlns:p="http://schemas.openxmlformats.org/presentationml/2006/main" xmlns:r="http://schemas.openxmlformats.org/officeDocument/2006/relationships" xmlns:p14="http://schemas.microsoft.com/office/powerpoint/2010/main" xmlns:p15="http://schemas.microsoft.com/office/powerpoint/2012/main" xmlns:mc="http://schemas.openxmlformats.org/markup-compatibility/2006" type="obj" preserve="1">
+<p:sldLayout xmlns:a="http://schemas.openxmlformats.org/drawingml/2006/main" xmlns:r="http://schemas.openxmlformats.org/officeDocument/2006/relationships" xmlns:p="http://schemas.openxmlformats.org/presentationml/2006/main" type="obj" preserve="1">
   <p:cSld name="Title, Content">
     <p:spTree>
       <p:nvGrpSpPr>
@@ -706,12 +836,13 @@
           </a:prstGeom>
         </p:spPr>
         <p:txBody>
-          <a:bodyPr lIns="0" rIns="0" tIns="0" bIns="0" anchor="ctr">
+          <a:bodyPr lIns="0" tIns="0" rIns="0" bIns="0" anchor="ctr">
             <a:spAutoFit/>
           </a:bodyPr>
+          <a:lstStyle/>
           <a:p>
             <a:pPr algn="ctr"/>
-            <a:endParaRPr b="0" lang="en-US" sz="5320" spc="-1" strike="noStrike">
+            <a:endParaRPr lang="en-US" sz="5320" b="0" strike="noStrike" spc="-1">
               <a:latin typeface="Arial"/>
             </a:endParaRPr>
           </a:p>
@@ -737,11 +868,12 @@
           </a:prstGeom>
         </p:spPr>
         <p:txBody>
-          <a:bodyPr lIns="0" rIns="0" tIns="0" bIns="0">
+          <a:bodyPr lIns="0" tIns="0" rIns="0" bIns="0">
             <a:normAutofit/>
           </a:bodyPr>
-          <a:p>
-            <a:endParaRPr b="0" lang="en-US" sz="3870" spc="-1" strike="noStrike">
+          <a:lstStyle/>
+          <a:p>
+            <a:endParaRPr lang="en-US" sz="3870" b="0" strike="noStrike" spc="-1">
               <a:latin typeface="Arial"/>
             </a:endParaRPr>
           </a:p>
@@ -749,11 +881,14 @@
       </p:sp>
     </p:spTree>
   </p:cSld>
+  <p:clrMapOvr>
+    <a:masterClrMapping/>
+  </p:clrMapOvr>
 </p:sldLayout>
 </file>
 
 <file path=ppt/slideLayouts/slideLayout16.xml><?xml version="1.0" encoding="utf-8"?>
-<p:sldLayout xmlns:a="http://schemas.openxmlformats.org/drawingml/2006/main" xmlns:p="http://schemas.openxmlformats.org/presentationml/2006/main" xmlns:r="http://schemas.openxmlformats.org/officeDocument/2006/relationships" xmlns:p14="http://schemas.microsoft.com/office/powerpoint/2010/main" xmlns:p15="http://schemas.microsoft.com/office/powerpoint/2012/main" xmlns:mc="http://schemas.openxmlformats.org/markup-compatibility/2006" type="twoObj" preserve="1">
+<p:sldLayout xmlns:a="http://schemas.openxmlformats.org/drawingml/2006/main" xmlns:r="http://schemas.openxmlformats.org/officeDocument/2006/relationships" xmlns:p="http://schemas.openxmlformats.org/presentationml/2006/main" type="twoObj" preserve="1">
   <p:cSld name="Title, 2 Content">
     <p:spTree>
       <p:nvGrpSpPr>
@@ -789,12 +924,13 @@
           </a:prstGeom>
         </p:spPr>
         <p:txBody>
-          <a:bodyPr lIns="0" rIns="0" tIns="0" bIns="0" anchor="ctr">
+          <a:bodyPr lIns="0" tIns="0" rIns="0" bIns="0" anchor="ctr">
             <a:spAutoFit/>
           </a:bodyPr>
+          <a:lstStyle/>
           <a:p>
             <a:pPr algn="ctr"/>
-            <a:endParaRPr b="0" lang="en-US" sz="5320" spc="-1" strike="noStrike">
+            <a:endParaRPr lang="en-US" sz="5320" b="0" strike="noStrike" spc="-1">
               <a:latin typeface="Arial"/>
             </a:endParaRPr>
           </a:p>
@@ -820,11 +956,12 @@
           </a:prstGeom>
         </p:spPr>
         <p:txBody>
-          <a:bodyPr lIns="0" rIns="0" tIns="0" bIns="0">
+          <a:bodyPr lIns="0" tIns="0" rIns="0" bIns="0">
             <a:normAutofit/>
           </a:bodyPr>
-          <a:p>
-            <a:endParaRPr b="0" lang="en-US" sz="3870" spc="-1" strike="noStrike">
+          <a:lstStyle/>
+          <a:p>
+            <a:endParaRPr lang="en-US" sz="3870" b="0" strike="noStrike" spc="-1">
               <a:latin typeface="Arial"/>
             </a:endParaRPr>
           </a:p>
@@ -850,11 +987,12 @@
           </a:prstGeom>
         </p:spPr>
         <p:txBody>
-          <a:bodyPr lIns="0" rIns="0" tIns="0" bIns="0">
+          <a:bodyPr lIns="0" tIns="0" rIns="0" bIns="0">
             <a:normAutofit/>
           </a:bodyPr>
-          <a:p>
-            <a:endParaRPr b="0" lang="en-US" sz="3870" spc="-1" strike="noStrike">
+          <a:lstStyle/>
+          <a:p>
+            <a:endParaRPr lang="en-US" sz="3870" b="0" strike="noStrike" spc="-1">
               <a:latin typeface="Arial"/>
             </a:endParaRPr>
           </a:p>
@@ -862,11 +1000,14 @@
       </p:sp>
     </p:spTree>
   </p:cSld>
+  <p:clrMapOvr>
+    <a:masterClrMapping/>
+  </p:clrMapOvr>
 </p:sldLayout>
 </file>
 
 <file path=ppt/slideLayouts/slideLayout17.xml><?xml version="1.0" encoding="utf-8"?>
-<p:sldLayout xmlns:a="http://schemas.openxmlformats.org/drawingml/2006/main" xmlns:p="http://schemas.openxmlformats.org/presentationml/2006/main" xmlns:r="http://schemas.openxmlformats.org/officeDocument/2006/relationships" xmlns:p14="http://schemas.microsoft.com/office/powerpoint/2010/main" xmlns:p15="http://schemas.microsoft.com/office/powerpoint/2012/main" xmlns:mc="http://schemas.openxmlformats.org/markup-compatibility/2006" type="titleOnly" preserve="1">
+<p:sldLayout xmlns:a="http://schemas.openxmlformats.org/drawingml/2006/main" xmlns:r="http://schemas.openxmlformats.org/officeDocument/2006/relationships" xmlns:p="http://schemas.openxmlformats.org/presentationml/2006/main" type="titleOnly" preserve="1">
   <p:cSld name="Title Only">
     <p:spTree>
       <p:nvGrpSpPr>
@@ -902,12 +1043,13 @@
           </a:prstGeom>
         </p:spPr>
         <p:txBody>
-          <a:bodyPr lIns="0" rIns="0" tIns="0" bIns="0" anchor="ctr">
+          <a:bodyPr lIns="0" tIns="0" rIns="0" bIns="0" anchor="ctr">
             <a:spAutoFit/>
           </a:bodyPr>
+          <a:lstStyle/>
           <a:p>
             <a:pPr algn="ctr"/>
-            <a:endParaRPr b="0" lang="en-US" sz="5320" spc="-1" strike="noStrike">
+            <a:endParaRPr lang="en-US" sz="5320" b="0" strike="noStrike" spc="-1">
               <a:latin typeface="Arial"/>
             </a:endParaRPr>
           </a:p>
@@ -915,11 +1057,14 @@
       </p:sp>
     </p:spTree>
   </p:cSld>
+  <p:clrMapOvr>
+    <a:masterClrMapping/>
+  </p:clrMapOvr>
 </p:sldLayout>
 </file>
 
 <file path=ppt/slideLayouts/slideLayout18.xml><?xml version="1.0" encoding="utf-8"?>
-<p:sldLayout xmlns:a="http://schemas.openxmlformats.org/drawingml/2006/main" xmlns:p="http://schemas.openxmlformats.org/presentationml/2006/main" xmlns:r="http://schemas.openxmlformats.org/officeDocument/2006/relationships" xmlns:p14="http://schemas.microsoft.com/office/powerpoint/2010/main" xmlns:p15="http://schemas.microsoft.com/office/powerpoint/2012/main" xmlns:mc="http://schemas.openxmlformats.org/markup-compatibility/2006" type="objOnly" preserve="1">
+<p:sldLayout xmlns:a="http://schemas.openxmlformats.org/drawingml/2006/main" xmlns:r="http://schemas.openxmlformats.org/officeDocument/2006/relationships" xmlns:p="http://schemas.openxmlformats.org/presentationml/2006/main" type="objOnly" preserve="1">
   <p:cSld name="Centered Text">
     <p:spTree>
       <p:nvGrpSpPr>
@@ -955,12 +1100,13 @@
           </a:prstGeom>
         </p:spPr>
         <p:txBody>
-          <a:bodyPr lIns="0" rIns="0" tIns="0" bIns="0" anchor="ctr">
+          <a:bodyPr lIns="0" tIns="0" rIns="0" bIns="0" anchor="ctr">
             <a:spAutoFit/>
           </a:bodyPr>
+          <a:lstStyle/>
           <a:p>
             <a:pPr algn="ctr"/>
-            <a:endParaRPr b="0" lang="en-US" sz="3200" spc="-1" strike="noStrike">
+            <a:endParaRPr lang="en-US" sz="3200" b="0" strike="noStrike" spc="-1">
               <a:latin typeface="Arial"/>
             </a:endParaRPr>
           </a:p>
@@ -968,11 +1114,14 @@
       </p:sp>
     </p:spTree>
   </p:cSld>
+  <p:clrMapOvr>
+    <a:masterClrMapping/>
+  </p:clrMapOvr>
 </p:sldLayout>
 </file>
 
 <file path=ppt/slideLayouts/slideLayout19.xml><?xml version="1.0" encoding="utf-8"?>
-<p:sldLayout xmlns:a="http://schemas.openxmlformats.org/drawingml/2006/main" xmlns:p="http://schemas.openxmlformats.org/presentationml/2006/main" xmlns:r="http://schemas.openxmlformats.org/officeDocument/2006/relationships" xmlns:p14="http://schemas.microsoft.com/office/powerpoint/2010/main" xmlns:p15="http://schemas.microsoft.com/office/powerpoint/2012/main" xmlns:mc="http://schemas.openxmlformats.org/markup-compatibility/2006" type="twoObjAndObj" preserve="1">
+<p:sldLayout xmlns:a="http://schemas.openxmlformats.org/drawingml/2006/main" xmlns:r="http://schemas.openxmlformats.org/officeDocument/2006/relationships" xmlns:p="http://schemas.openxmlformats.org/presentationml/2006/main" type="twoObjAndObj" preserve="1">
   <p:cSld name="Title, 2 Content and Content">
     <p:spTree>
       <p:nvGrpSpPr>
@@ -1008,12 +1157,13 @@
           </a:prstGeom>
         </p:spPr>
         <p:txBody>
-          <a:bodyPr lIns="0" rIns="0" tIns="0" bIns="0" anchor="ctr">
+          <a:bodyPr lIns="0" tIns="0" rIns="0" bIns="0" anchor="ctr">
             <a:spAutoFit/>
           </a:bodyPr>
+          <a:lstStyle/>
           <a:p>
             <a:pPr algn="ctr"/>
-            <a:endParaRPr b="0" lang="en-US" sz="5320" spc="-1" strike="noStrike">
+            <a:endParaRPr lang="en-US" sz="5320" b="0" strike="noStrike" spc="-1">
               <a:latin typeface="Arial"/>
             </a:endParaRPr>
           </a:p>
@@ -1039,11 +1189,12 @@
           </a:prstGeom>
         </p:spPr>
         <p:txBody>
-          <a:bodyPr lIns="0" rIns="0" tIns="0" bIns="0">
+          <a:bodyPr lIns="0" tIns="0" rIns="0" bIns="0">
             <a:normAutofit/>
           </a:bodyPr>
-          <a:p>
-            <a:endParaRPr b="0" lang="en-US" sz="3870" spc="-1" strike="noStrike">
+          <a:lstStyle/>
+          <a:p>
+            <a:endParaRPr lang="en-US" sz="3870" b="0" strike="noStrike" spc="-1">
               <a:latin typeface="Arial"/>
             </a:endParaRPr>
           </a:p>
@@ -1069,11 +1220,12 @@
           </a:prstGeom>
         </p:spPr>
         <p:txBody>
-          <a:bodyPr lIns="0" rIns="0" tIns="0" bIns="0">
+          <a:bodyPr lIns="0" tIns="0" rIns="0" bIns="0">
             <a:normAutofit/>
           </a:bodyPr>
-          <a:p>
-            <a:endParaRPr b="0" lang="en-US" sz="3870" spc="-1" strike="noStrike">
+          <a:lstStyle/>
+          <a:p>
+            <a:endParaRPr lang="en-US" sz="3870" b="0" strike="noStrike" spc="-1">
               <a:latin typeface="Arial"/>
             </a:endParaRPr>
           </a:p>
@@ -1099,11 +1251,12 @@
           </a:prstGeom>
         </p:spPr>
         <p:txBody>
-          <a:bodyPr lIns="0" rIns="0" tIns="0" bIns="0">
+          <a:bodyPr lIns="0" tIns="0" rIns="0" bIns="0">
             <a:normAutofit/>
           </a:bodyPr>
-          <a:p>
-            <a:endParaRPr b="0" lang="en-US" sz="3870" spc="-1" strike="noStrike">
+          <a:lstStyle/>
+          <a:p>
+            <a:endParaRPr lang="en-US" sz="3870" b="0" strike="noStrike" spc="-1">
               <a:latin typeface="Arial"/>
             </a:endParaRPr>
           </a:p>
@@ -1111,11 +1264,14 @@
       </p:sp>
     </p:spTree>
   </p:cSld>
+  <p:clrMapOvr>
+    <a:masterClrMapping/>
+  </p:clrMapOvr>
 </p:sldLayout>
 </file>
 
 <file path=ppt/slideLayouts/slideLayout2.xml><?xml version="1.0" encoding="utf-8"?>
-<p:sldLayout xmlns:a="http://schemas.openxmlformats.org/drawingml/2006/main" xmlns:p="http://schemas.openxmlformats.org/presentationml/2006/main" xmlns:r="http://schemas.openxmlformats.org/officeDocument/2006/relationships" xmlns:p14="http://schemas.microsoft.com/office/powerpoint/2010/main" xmlns:p15="http://schemas.microsoft.com/office/powerpoint/2012/main" xmlns:mc="http://schemas.openxmlformats.org/markup-compatibility/2006" type="tx" preserve="1">
+<p:sldLayout xmlns:a="http://schemas.openxmlformats.org/drawingml/2006/main" xmlns:r="http://schemas.openxmlformats.org/officeDocument/2006/relationships" xmlns:p="http://schemas.openxmlformats.org/presentationml/2006/main" type="tx" preserve="1">
   <p:cSld name="Title Slide">
     <p:spTree>
       <p:nvGrpSpPr>
@@ -1151,12 +1307,13 @@
           </a:prstGeom>
         </p:spPr>
         <p:txBody>
-          <a:bodyPr lIns="0" rIns="0" tIns="0" bIns="0" anchor="ctr">
+          <a:bodyPr lIns="0" tIns="0" rIns="0" bIns="0" anchor="ctr">
             <a:spAutoFit/>
           </a:bodyPr>
+          <a:lstStyle/>
           <a:p>
             <a:pPr algn="ctr"/>
-            <a:endParaRPr b="0" lang="en-US" sz="5320" spc="-1" strike="noStrike">
+            <a:endParaRPr lang="en-US" sz="5320" b="0" strike="noStrike" spc="-1">
               <a:latin typeface="Arial"/>
             </a:endParaRPr>
           </a:p>
@@ -1182,12 +1339,13 @@
           </a:prstGeom>
         </p:spPr>
         <p:txBody>
-          <a:bodyPr lIns="0" rIns="0" tIns="0" bIns="0" anchor="ctr">
+          <a:bodyPr lIns="0" tIns="0" rIns="0" bIns="0" anchor="ctr">
             <a:spAutoFit/>
           </a:bodyPr>
+          <a:lstStyle/>
           <a:p>
             <a:pPr algn="ctr"/>
-            <a:endParaRPr b="0" lang="en-US" sz="3200" spc="-1" strike="noStrike">
+            <a:endParaRPr lang="en-US" sz="3200" b="0" strike="noStrike" spc="-1">
               <a:latin typeface="Arial"/>
             </a:endParaRPr>
           </a:p>
@@ -1195,11 +1353,14 @@
       </p:sp>
     </p:spTree>
   </p:cSld>
+  <p:clrMapOvr>
+    <a:masterClrMapping/>
+  </p:clrMapOvr>
 </p:sldLayout>
 </file>
 
 <file path=ppt/slideLayouts/slideLayout20.xml><?xml version="1.0" encoding="utf-8"?>
-<p:sldLayout xmlns:a="http://schemas.openxmlformats.org/drawingml/2006/main" xmlns:p="http://schemas.openxmlformats.org/presentationml/2006/main" xmlns:r="http://schemas.openxmlformats.org/officeDocument/2006/relationships" xmlns:p14="http://schemas.microsoft.com/office/powerpoint/2010/main" xmlns:p15="http://schemas.microsoft.com/office/powerpoint/2012/main" xmlns:mc="http://schemas.openxmlformats.org/markup-compatibility/2006" type="objAndTwoObj" preserve="1">
+<p:sldLayout xmlns:a="http://schemas.openxmlformats.org/drawingml/2006/main" xmlns:r="http://schemas.openxmlformats.org/officeDocument/2006/relationships" xmlns:p="http://schemas.openxmlformats.org/presentationml/2006/main" type="objAndTwoObj" preserve="1">
   <p:cSld name="Title Content and 2 Content">
     <p:spTree>
       <p:nvGrpSpPr>
@@ -1235,12 +1396,13 @@
           </a:prstGeom>
         </p:spPr>
         <p:txBody>
-          <a:bodyPr lIns="0" rIns="0" tIns="0" bIns="0" anchor="ctr">
+          <a:bodyPr lIns="0" tIns="0" rIns="0" bIns="0" anchor="ctr">
             <a:spAutoFit/>
           </a:bodyPr>
+          <a:lstStyle/>
           <a:p>
             <a:pPr algn="ctr"/>
-            <a:endParaRPr b="0" lang="en-US" sz="5320" spc="-1" strike="noStrike">
+            <a:endParaRPr lang="en-US" sz="5320" b="0" strike="noStrike" spc="-1">
               <a:latin typeface="Arial"/>
             </a:endParaRPr>
           </a:p>
@@ -1266,11 +1428,12 @@
           </a:prstGeom>
         </p:spPr>
         <p:txBody>
-          <a:bodyPr lIns="0" rIns="0" tIns="0" bIns="0">
+          <a:bodyPr lIns="0" tIns="0" rIns="0" bIns="0">
             <a:normAutofit/>
           </a:bodyPr>
-          <a:p>
-            <a:endParaRPr b="0" lang="en-US" sz="3870" spc="-1" strike="noStrike">
+          <a:lstStyle/>
+          <a:p>
+            <a:endParaRPr lang="en-US" sz="3870" b="0" strike="noStrike" spc="-1">
               <a:latin typeface="Arial"/>
             </a:endParaRPr>
           </a:p>
@@ -1296,11 +1459,12 @@
           </a:prstGeom>
         </p:spPr>
         <p:txBody>
-          <a:bodyPr lIns="0" rIns="0" tIns="0" bIns="0">
+          <a:bodyPr lIns="0" tIns="0" rIns="0" bIns="0">
             <a:normAutofit/>
           </a:bodyPr>
-          <a:p>
-            <a:endParaRPr b="0" lang="en-US" sz="3870" spc="-1" strike="noStrike">
+          <a:lstStyle/>
+          <a:p>
+            <a:endParaRPr lang="en-US" sz="3870" b="0" strike="noStrike" spc="-1">
               <a:latin typeface="Arial"/>
             </a:endParaRPr>
           </a:p>
@@ -1326,11 +1490,12 @@
           </a:prstGeom>
         </p:spPr>
         <p:txBody>
-          <a:bodyPr lIns="0" rIns="0" tIns="0" bIns="0">
+          <a:bodyPr lIns="0" tIns="0" rIns="0" bIns="0">
             <a:normAutofit/>
           </a:bodyPr>
-          <a:p>
-            <a:endParaRPr b="0" lang="en-US" sz="3870" spc="-1" strike="noStrike">
+          <a:lstStyle/>
+          <a:p>
+            <a:endParaRPr lang="en-US" sz="3870" b="0" strike="noStrike" spc="-1">
               <a:latin typeface="Arial"/>
             </a:endParaRPr>
           </a:p>
@@ -1338,11 +1503,14 @@
       </p:sp>
     </p:spTree>
   </p:cSld>
+  <p:clrMapOvr>
+    <a:masterClrMapping/>
+  </p:clrMapOvr>
 </p:sldLayout>
 </file>
 
 <file path=ppt/slideLayouts/slideLayout21.xml><?xml version="1.0" encoding="utf-8"?>
-<p:sldLayout xmlns:a="http://schemas.openxmlformats.org/drawingml/2006/main" xmlns:p="http://schemas.openxmlformats.org/presentationml/2006/main" xmlns:r="http://schemas.openxmlformats.org/officeDocument/2006/relationships" xmlns:p14="http://schemas.microsoft.com/office/powerpoint/2010/main" xmlns:p15="http://schemas.microsoft.com/office/powerpoint/2012/main" xmlns:mc="http://schemas.openxmlformats.org/markup-compatibility/2006" type="twoObjOverTx" preserve="1">
+<p:sldLayout xmlns:a="http://schemas.openxmlformats.org/drawingml/2006/main" xmlns:r="http://schemas.openxmlformats.org/officeDocument/2006/relationships" xmlns:p="http://schemas.openxmlformats.org/presentationml/2006/main" type="twoObjOverTx" preserve="1">
   <p:cSld name="Title, 2 Content over Content">
     <p:spTree>
       <p:nvGrpSpPr>
@@ -1378,12 +1546,13 @@
           </a:prstGeom>
         </p:spPr>
         <p:txBody>
-          <a:bodyPr lIns="0" rIns="0" tIns="0" bIns="0" anchor="ctr">
+          <a:bodyPr lIns="0" tIns="0" rIns="0" bIns="0" anchor="ctr">
             <a:spAutoFit/>
           </a:bodyPr>
+          <a:lstStyle/>
           <a:p>
             <a:pPr algn="ctr"/>
-            <a:endParaRPr b="0" lang="en-US" sz="5320" spc="-1" strike="noStrike">
+            <a:endParaRPr lang="en-US" sz="5320" b="0" strike="noStrike" spc="-1">
               <a:latin typeface="Arial"/>
             </a:endParaRPr>
           </a:p>
@@ -1409,11 +1578,12 @@
           </a:prstGeom>
         </p:spPr>
         <p:txBody>
-          <a:bodyPr lIns="0" rIns="0" tIns="0" bIns="0">
+          <a:bodyPr lIns="0" tIns="0" rIns="0" bIns="0">
             <a:normAutofit/>
           </a:bodyPr>
-          <a:p>
-            <a:endParaRPr b="0" lang="en-US" sz="3870" spc="-1" strike="noStrike">
+          <a:lstStyle/>
+          <a:p>
+            <a:endParaRPr lang="en-US" sz="3870" b="0" strike="noStrike" spc="-1">
               <a:latin typeface="Arial"/>
             </a:endParaRPr>
           </a:p>
@@ -1439,11 +1609,12 @@
           </a:prstGeom>
         </p:spPr>
         <p:txBody>
-          <a:bodyPr lIns="0" rIns="0" tIns="0" bIns="0">
+          <a:bodyPr lIns="0" tIns="0" rIns="0" bIns="0">
             <a:normAutofit/>
           </a:bodyPr>
-          <a:p>
-            <a:endParaRPr b="0" lang="en-US" sz="3870" spc="-1" strike="noStrike">
+          <a:lstStyle/>
+          <a:p>
+            <a:endParaRPr lang="en-US" sz="3870" b="0" strike="noStrike" spc="-1">
               <a:latin typeface="Arial"/>
             </a:endParaRPr>
           </a:p>
@@ -1469,11 +1640,12 @@
           </a:prstGeom>
         </p:spPr>
         <p:txBody>
-          <a:bodyPr lIns="0" rIns="0" tIns="0" bIns="0">
+          <a:bodyPr lIns="0" tIns="0" rIns="0" bIns="0">
             <a:normAutofit/>
           </a:bodyPr>
-          <a:p>
-            <a:endParaRPr b="0" lang="en-US" sz="3870" spc="-1" strike="noStrike">
+          <a:lstStyle/>
+          <a:p>
+            <a:endParaRPr lang="en-US" sz="3870" b="0" strike="noStrike" spc="-1">
               <a:latin typeface="Arial"/>
             </a:endParaRPr>
           </a:p>
@@ -1481,11 +1653,14 @@
       </p:sp>
     </p:spTree>
   </p:cSld>
+  <p:clrMapOvr>
+    <a:masterClrMapping/>
+  </p:clrMapOvr>
 </p:sldLayout>
 </file>
 
 <file path=ppt/slideLayouts/slideLayout22.xml><?xml version="1.0" encoding="utf-8"?>
-<p:sldLayout xmlns:a="http://schemas.openxmlformats.org/drawingml/2006/main" xmlns:p="http://schemas.openxmlformats.org/presentationml/2006/main" xmlns:r="http://schemas.openxmlformats.org/officeDocument/2006/relationships" xmlns:p14="http://schemas.microsoft.com/office/powerpoint/2010/main" xmlns:p15="http://schemas.microsoft.com/office/powerpoint/2012/main" xmlns:mc="http://schemas.openxmlformats.org/markup-compatibility/2006" type="objOverTx" preserve="1">
+<p:sldLayout xmlns:a="http://schemas.openxmlformats.org/drawingml/2006/main" xmlns:r="http://schemas.openxmlformats.org/officeDocument/2006/relationships" xmlns:p="http://schemas.openxmlformats.org/presentationml/2006/main" type="objOverTx" preserve="1">
   <p:cSld name="Title, Content over Content">
     <p:spTree>
       <p:nvGrpSpPr>
@@ -1521,12 +1696,13 @@
           </a:prstGeom>
         </p:spPr>
         <p:txBody>
-          <a:bodyPr lIns="0" rIns="0" tIns="0" bIns="0" anchor="ctr">
+          <a:bodyPr lIns="0" tIns="0" rIns="0" bIns="0" anchor="ctr">
             <a:spAutoFit/>
           </a:bodyPr>
+          <a:lstStyle/>
           <a:p>
             <a:pPr algn="ctr"/>
-            <a:endParaRPr b="0" lang="en-US" sz="5320" spc="-1" strike="noStrike">
+            <a:endParaRPr lang="en-US" sz="5320" b="0" strike="noStrike" spc="-1">
               <a:latin typeface="Arial"/>
             </a:endParaRPr>
           </a:p>
@@ -1552,11 +1728,12 @@
           </a:prstGeom>
         </p:spPr>
         <p:txBody>
-          <a:bodyPr lIns="0" rIns="0" tIns="0" bIns="0">
+          <a:bodyPr lIns="0" tIns="0" rIns="0" bIns="0">
             <a:normAutofit/>
           </a:bodyPr>
-          <a:p>
-            <a:endParaRPr b="0" lang="en-US" sz="3870" spc="-1" strike="noStrike">
+          <a:lstStyle/>
+          <a:p>
+            <a:endParaRPr lang="en-US" sz="3870" b="0" strike="noStrike" spc="-1">
               <a:latin typeface="Arial"/>
             </a:endParaRPr>
           </a:p>
@@ -1582,11 +1759,12 @@
           </a:prstGeom>
         </p:spPr>
         <p:txBody>
-          <a:bodyPr lIns="0" rIns="0" tIns="0" bIns="0">
+          <a:bodyPr lIns="0" tIns="0" rIns="0" bIns="0">
             <a:normAutofit/>
           </a:bodyPr>
-          <a:p>
-            <a:endParaRPr b="0" lang="en-US" sz="3870" spc="-1" strike="noStrike">
+          <a:lstStyle/>
+          <a:p>
+            <a:endParaRPr lang="en-US" sz="3870" b="0" strike="noStrike" spc="-1">
               <a:latin typeface="Arial"/>
             </a:endParaRPr>
           </a:p>
@@ -1594,11 +1772,14 @@
       </p:sp>
     </p:spTree>
   </p:cSld>
+  <p:clrMapOvr>
+    <a:masterClrMapping/>
+  </p:clrMapOvr>
 </p:sldLayout>
 </file>
 
 <file path=ppt/slideLayouts/slideLayout23.xml><?xml version="1.0" encoding="utf-8"?>
-<p:sldLayout xmlns:a="http://schemas.openxmlformats.org/drawingml/2006/main" xmlns:p="http://schemas.openxmlformats.org/presentationml/2006/main" xmlns:r="http://schemas.openxmlformats.org/officeDocument/2006/relationships" xmlns:p14="http://schemas.microsoft.com/office/powerpoint/2010/main" xmlns:p15="http://schemas.microsoft.com/office/powerpoint/2012/main" xmlns:mc="http://schemas.openxmlformats.org/markup-compatibility/2006" type="fourObj" preserve="1">
+<p:sldLayout xmlns:a="http://schemas.openxmlformats.org/drawingml/2006/main" xmlns:r="http://schemas.openxmlformats.org/officeDocument/2006/relationships" xmlns:p="http://schemas.openxmlformats.org/presentationml/2006/main" type="fourObj" preserve="1">
   <p:cSld name="Title, 4 Content">
     <p:spTree>
       <p:nvGrpSpPr>
@@ -1634,12 +1815,13 @@
           </a:prstGeom>
         </p:spPr>
         <p:txBody>
-          <a:bodyPr lIns="0" rIns="0" tIns="0" bIns="0" anchor="ctr">
+          <a:bodyPr lIns="0" tIns="0" rIns="0" bIns="0" anchor="ctr">
             <a:spAutoFit/>
           </a:bodyPr>
+          <a:lstStyle/>
           <a:p>
             <a:pPr algn="ctr"/>
-            <a:endParaRPr b="0" lang="en-US" sz="5320" spc="-1" strike="noStrike">
+            <a:endParaRPr lang="en-US" sz="5320" b="0" strike="noStrike" spc="-1">
               <a:latin typeface="Arial"/>
             </a:endParaRPr>
           </a:p>
@@ -1665,11 +1847,12 @@
           </a:prstGeom>
         </p:spPr>
         <p:txBody>
-          <a:bodyPr lIns="0" rIns="0" tIns="0" bIns="0">
+          <a:bodyPr lIns="0" tIns="0" rIns="0" bIns="0">
             <a:normAutofit/>
           </a:bodyPr>
-          <a:p>
-            <a:endParaRPr b="0" lang="en-US" sz="3870" spc="-1" strike="noStrike">
+          <a:lstStyle/>
+          <a:p>
+            <a:endParaRPr lang="en-US" sz="3870" b="0" strike="noStrike" spc="-1">
               <a:latin typeface="Arial"/>
             </a:endParaRPr>
           </a:p>
@@ -1695,11 +1878,12 @@
           </a:prstGeom>
         </p:spPr>
         <p:txBody>
-          <a:bodyPr lIns="0" rIns="0" tIns="0" bIns="0">
+          <a:bodyPr lIns="0" tIns="0" rIns="0" bIns="0">
             <a:normAutofit/>
           </a:bodyPr>
-          <a:p>
-            <a:endParaRPr b="0" lang="en-US" sz="3870" spc="-1" strike="noStrike">
+          <a:lstStyle/>
+          <a:p>
+            <a:endParaRPr lang="en-US" sz="3870" b="0" strike="noStrike" spc="-1">
               <a:latin typeface="Arial"/>
             </a:endParaRPr>
           </a:p>
@@ -1725,11 +1909,12 @@
           </a:prstGeom>
         </p:spPr>
         <p:txBody>
-          <a:bodyPr lIns="0" rIns="0" tIns="0" bIns="0">
+          <a:bodyPr lIns="0" tIns="0" rIns="0" bIns="0">
             <a:normAutofit/>
           </a:bodyPr>
-          <a:p>
-            <a:endParaRPr b="0" lang="en-US" sz="3870" spc="-1" strike="noStrike">
+          <a:lstStyle/>
+          <a:p>
+            <a:endParaRPr lang="en-US" sz="3870" b="0" strike="noStrike" spc="-1">
               <a:latin typeface="Arial"/>
             </a:endParaRPr>
           </a:p>
@@ -1755,11 +1940,12 @@
           </a:prstGeom>
         </p:spPr>
         <p:txBody>
-          <a:bodyPr lIns="0" rIns="0" tIns="0" bIns="0">
+          <a:bodyPr lIns="0" tIns="0" rIns="0" bIns="0">
             <a:normAutofit/>
           </a:bodyPr>
-          <a:p>
-            <a:endParaRPr b="0" lang="en-US" sz="3870" spc="-1" strike="noStrike">
+          <a:lstStyle/>
+          <a:p>
+            <a:endParaRPr lang="en-US" sz="3870" b="0" strike="noStrike" spc="-1">
               <a:latin typeface="Arial"/>
             </a:endParaRPr>
           </a:p>
@@ -1767,11 +1953,14 @@
       </p:sp>
     </p:spTree>
   </p:cSld>
+  <p:clrMapOvr>
+    <a:masterClrMapping/>
+  </p:clrMapOvr>
 </p:sldLayout>
 </file>
 
 <file path=ppt/slideLayouts/slideLayout24.xml><?xml version="1.0" encoding="utf-8"?>
-<p:sldLayout xmlns:a="http://schemas.openxmlformats.org/drawingml/2006/main" xmlns:p="http://schemas.openxmlformats.org/presentationml/2006/main" xmlns:r="http://schemas.openxmlformats.org/officeDocument/2006/relationships" xmlns:p14="http://schemas.microsoft.com/office/powerpoint/2010/main" xmlns:p15="http://schemas.microsoft.com/office/powerpoint/2012/main" xmlns:mc="http://schemas.openxmlformats.org/markup-compatibility/2006" type="blank" preserve="1">
+<p:sldLayout xmlns:a="http://schemas.openxmlformats.org/drawingml/2006/main" xmlns:r="http://schemas.openxmlformats.org/officeDocument/2006/relationships" xmlns:p="http://schemas.openxmlformats.org/presentationml/2006/main" type="blank" preserve="1">
   <p:cSld name="Title, 6 Content">
     <p:spTree>
       <p:nvGrpSpPr>
@@ -1807,12 +1996,13 @@
           </a:prstGeom>
         </p:spPr>
         <p:txBody>
-          <a:bodyPr lIns="0" rIns="0" tIns="0" bIns="0" anchor="ctr">
+          <a:bodyPr lIns="0" tIns="0" rIns="0" bIns="0" anchor="ctr">
             <a:spAutoFit/>
           </a:bodyPr>
+          <a:lstStyle/>
           <a:p>
             <a:pPr algn="ctr"/>
-            <a:endParaRPr b="0" lang="en-US" sz="5320" spc="-1" strike="noStrike">
+            <a:endParaRPr lang="en-US" sz="5320" b="0" strike="noStrike" spc="-1">
               <a:latin typeface="Arial"/>
             </a:endParaRPr>
           </a:p>
@@ -1838,11 +2028,12 @@
           </a:prstGeom>
         </p:spPr>
         <p:txBody>
-          <a:bodyPr lIns="0" rIns="0" tIns="0" bIns="0">
+          <a:bodyPr lIns="0" tIns="0" rIns="0" bIns="0">
             <a:normAutofit/>
           </a:bodyPr>
-          <a:p>
-            <a:endParaRPr b="0" lang="en-US" sz="3870" spc="-1" strike="noStrike">
+          <a:lstStyle/>
+          <a:p>
+            <a:endParaRPr lang="en-US" sz="3870" b="0" strike="noStrike" spc="-1">
               <a:latin typeface="Arial"/>
             </a:endParaRPr>
           </a:p>
@@ -1868,11 +2059,12 @@
           </a:prstGeom>
         </p:spPr>
         <p:txBody>
-          <a:bodyPr lIns="0" rIns="0" tIns="0" bIns="0">
+          <a:bodyPr lIns="0" tIns="0" rIns="0" bIns="0">
             <a:normAutofit/>
           </a:bodyPr>
-          <a:p>
-            <a:endParaRPr b="0" lang="en-US" sz="3870" spc="-1" strike="noStrike">
+          <a:lstStyle/>
+          <a:p>
+            <a:endParaRPr lang="en-US" sz="3870" b="0" strike="noStrike" spc="-1">
               <a:latin typeface="Arial"/>
             </a:endParaRPr>
           </a:p>
@@ -1898,11 +2090,12 @@
           </a:prstGeom>
         </p:spPr>
         <p:txBody>
-          <a:bodyPr lIns="0" rIns="0" tIns="0" bIns="0">
+          <a:bodyPr lIns="0" tIns="0" rIns="0" bIns="0">
             <a:normAutofit/>
           </a:bodyPr>
-          <a:p>
-            <a:endParaRPr b="0" lang="en-US" sz="3870" spc="-1" strike="noStrike">
+          <a:lstStyle/>
+          <a:p>
+            <a:endParaRPr lang="en-US" sz="3870" b="0" strike="noStrike" spc="-1">
               <a:latin typeface="Arial"/>
             </a:endParaRPr>
           </a:p>
@@ -1928,11 +2121,12 @@
           </a:prstGeom>
         </p:spPr>
         <p:txBody>
-          <a:bodyPr lIns="0" rIns="0" tIns="0" bIns="0">
+          <a:bodyPr lIns="0" tIns="0" rIns="0" bIns="0">
             <a:normAutofit/>
           </a:bodyPr>
-          <a:p>
-            <a:endParaRPr b="0" lang="en-US" sz="3870" spc="-1" strike="noStrike">
+          <a:lstStyle/>
+          <a:p>
+            <a:endParaRPr lang="en-US" sz="3870" b="0" strike="noStrike" spc="-1">
               <a:latin typeface="Arial"/>
             </a:endParaRPr>
           </a:p>
@@ -1958,11 +2152,12 @@
           </a:prstGeom>
         </p:spPr>
         <p:txBody>
-          <a:bodyPr lIns="0" rIns="0" tIns="0" bIns="0">
+          <a:bodyPr lIns="0" tIns="0" rIns="0" bIns="0">
             <a:normAutofit/>
           </a:bodyPr>
-          <a:p>
-            <a:endParaRPr b="0" lang="en-US" sz="3870" spc="-1" strike="noStrike">
+          <a:lstStyle/>
+          <a:p>
+            <a:endParaRPr lang="en-US" sz="3870" b="0" strike="noStrike" spc="-1">
               <a:latin typeface="Arial"/>
             </a:endParaRPr>
           </a:p>
@@ -1988,11 +2183,12 @@
           </a:prstGeom>
         </p:spPr>
         <p:txBody>
-          <a:bodyPr lIns="0" rIns="0" tIns="0" bIns="0">
+          <a:bodyPr lIns="0" tIns="0" rIns="0" bIns="0">
             <a:normAutofit/>
           </a:bodyPr>
-          <a:p>
-            <a:endParaRPr b="0" lang="en-US" sz="3870" spc="-1" strike="noStrike">
+          <a:lstStyle/>
+          <a:p>
+            <a:endParaRPr lang="en-US" sz="3870" b="0" strike="noStrike" spc="-1">
               <a:latin typeface="Arial"/>
             </a:endParaRPr>
           </a:p>
@@ -2000,11 +2196,14 @@
       </p:sp>
     </p:spTree>
   </p:cSld>
+  <p:clrMapOvr>
+    <a:masterClrMapping/>
+  </p:clrMapOvr>
 </p:sldLayout>
 </file>
 
 <file path=ppt/slideLayouts/slideLayout25.xml><?xml version="1.0" encoding="utf-8"?>
-<p:sldLayout xmlns:a="http://schemas.openxmlformats.org/drawingml/2006/main" xmlns:p="http://schemas.openxmlformats.org/presentationml/2006/main" xmlns:r="http://schemas.openxmlformats.org/officeDocument/2006/relationships" xmlns:p14="http://schemas.microsoft.com/office/powerpoint/2010/main" xmlns:p15="http://schemas.microsoft.com/office/powerpoint/2012/main" xmlns:mc="http://schemas.openxmlformats.org/markup-compatibility/2006" type="blank" preserve="1">
+<p:sldLayout xmlns:a="http://schemas.openxmlformats.org/drawingml/2006/main" xmlns:r="http://schemas.openxmlformats.org/officeDocument/2006/relationships" xmlns:p="http://schemas.openxmlformats.org/presentationml/2006/main" type="blank" preserve="1">
   <p:cSld name="Blank Slide">
     <p:spTree>
       <p:nvGrpSpPr>
@@ -2022,11 +2221,14 @@
       </p:grpSpPr>
     </p:spTree>
   </p:cSld>
+  <p:clrMapOvr>
+    <a:masterClrMapping/>
+  </p:clrMapOvr>
 </p:sldLayout>
 </file>
 
 <file path=ppt/slideLayouts/slideLayout26.xml><?xml version="1.0" encoding="utf-8"?>
-<p:sldLayout xmlns:a="http://schemas.openxmlformats.org/drawingml/2006/main" xmlns:p="http://schemas.openxmlformats.org/presentationml/2006/main" xmlns:r="http://schemas.openxmlformats.org/officeDocument/2006/relationships" xmlns:p14="http://schemas.microsoft.com/office/powerpoint/2010/main" xmlns:p15="http://schemas.microsoft.com/office/powerpoint/2012/main" xmlns:mc="http://schemas.openxmlformats.org/markup-compatibility/2006" type="tx" preserve="1">
+<p:sldLayout xmlns:a="http://schemas.openxmlformats.org/drawingml/2006/main" xmlns:r="http://schemas.openxmlformats.org/officeDocument/2006/relationships" xmlns:p="http://schemas.openxmlformats.org/presentationml/2006/main" type="tx" preserve="1">
   <p:cSld name="Title Slide">
     <p:spTree>
       <p:nvGrpSpPr>
@@ -2062,12 +2264,13 @@
           </a:prstGeom>
         </p:spPr>
         <p:txBody>
-          <a:bodyPr lIns="0" rIns="0" tIns="0" bIns="0" anchor="ctr">
+          <a:bodyPr lIns="0" tIns="0" rIns="0" bIns="0" anchor="ctr">
             <a:spAutoFit/>
           </a:bodyPr>
+          <a:lstStyle/>
           <a:p>
             <a:pPr algn="ctr"/>
-            <a:endParaRPr b="0" lang="en-US" sz="5320" spc="-1" strike="noStrike">
+            <a:endParaRPr lang="en-US" sz="5320" b="0" strike="noStrike" spc="-1">
               <a:latin typeface="Arial"/>
             </a:endParaRPr>
           </a:p>
@@ -2093,12 +2296,13 @@
           </a:prstGeom>
         </p:spPr>
         <p:txBody>
-          <a:bodyPr lIns="0" rIns="0" tIns="0" bIns="0" anchor="ctr">
+          <a:bodyPr lIns="0" tIns="0" rIns="0" bIns="0" anchor="ctr">
             <a:spAutoFit/>
           </a:bodyPr>
+          <a:lstStyle/>
           <a:p>
             <a:pPr algn="ctr"/>
-            <a:endParaRPr b="0" lang="en-US" sz="3200" spc="-1" strike="noStrike">
+            <a:endParaRPr lang="en-US" sz="3200" b="0" strike="noStrike" spc="-1">
               <a:latin typeface="Arial"/>
             </a:endParaRPr>
           </a:p>
@@ -2106,11 +2310,14 @@
       </p:sp>
     </p:spTree>
   </p:cSld>
+  <p:clrMapOvr>
+    <a:masterClrMapping/>
+  </p:clrMapOvr>
 </p:sldLayout>
 </file>
 
 <file path=ppt/slideLayouts/slideLayout27.xml><?xml version="1.0" encoding="utf-8"?>
-<p:sldLayout xmlns:a="http://schemas.openxmlformats.org/drawingml/2006/main" xmlns:p="http://schemas.openxmlformats.org/presentationml/2006/main" xmlns:r="http://schemas.openxmlformats.org/officeDocument/2006/relationships" xmlns:p14="http://schemas.microsoft.com/office/powerpoint/2010/main" xmlns:p15="http://schemas.microsoft.com/office/powerpoint/2012/main" xmlns:mc="http://schemas.openxmlformats.org/markup-compatibility/2006" type="obj" preserve="1">
+<p:sldLayout xmlns:a="http://schemas.openxmlformats.org/drawingml/2006/main" xmlns:r="http://schemas.openxmlformats.org/officeDocument/2006/relationships" xmlns:p="http://schemas.openxmlformats.org/presentationml/2006/main" type="obj" preserve="1">
   <p:cSld name="Title, Content">
     <p:spTree>
       <p:nvGrpSpPr>
@@ -2146,12 +2353,13 @@
           </a:prstGeom>
         </p:spPr>
         <p:txBody>
-          <a:bodyPr lIns="0" rIns="0" tIns="0" bIns="0" anchor="ctr">
+          <a:bodyPr lIns="0" tIns="0" rIns="0" bIns="0" anchor="ctr">
             <a:spAutoFit/>
           </a:bodyPr>
+          <a:lstStyle/>
           <a:p>
             <a:pPr algn="ctr"/>
-            <a:endParaRPr b="0" lang="en-US" sz="5320" spc="-1" strike="noStrike">
+            <a:endParaRPr lang="en-US" sz="5320" b="0" strike="noStrike" spc="-1">
               <a:latin typeface="Arial"/>
             </a:endParaRPr>
           </a:p>
@@ -2177,11 +2385,12 @@
           </a:prstGeom>
         </p:spPr>
         <p:txBody>
-          <a:bodyPr lIns="0" rIns="0" tIns="0" bIns="0">
+          <a:bodyPr lIns="0" tIns="0" rIns="0" bIns="0">
             <a:normAutofit/>
           </a:bodyPr>
-          <a:p>
-            <a:endParaRPr b="0" lang="en-US" sz="3870" spc="-1" strike="noStrike">
+          <a:lstStyle/>
+          <a:p>
+            <a:endParaRPr lang="en-US" sz="3870" b="0" strike="noStrike" spc="-1">
               <a:latin typeface="Arial"/>
             </a:endParaRPr>
           </a:p>
@@ -2189,11 +2398,14 @@
       </p:sp>
     </p:spTree>
   </p:cSld>
+  <p:clrMapOvr>
+    <a:masterClrMapping/>
+  </p:clrMapOvr>
 </p:sldLayout>
 </file>
 
 <file path=ppt/slideLayouts/slideLayout28.xml><?xml version="1.0" encoding="utf-8"?>
-<p:sldLayout xmlns:a="http://schemas.openxmlformats.org/drawingml/2006/main" xmlns:p="http://schemas.openxmlformats.org/presentationml/2006/main" xmlns:r="http://schemas.openxmlformats.org/officeDocument/2006/relationships" xmlns:p14="http://schemas.microsoft.com/office/powerpoint/2010/main" xmlns:p15="http://schemas.microsoft.com/office/powerpoint/2012/main" xmlns:mc="http://schemas.openxmlformats.org/markup-compatibility/2006" type="twoObj" preserve="1">
+<p:sldLayout xmlns:a="http://schemas.openxmlformats.org/drawingml/2006/main" xmlns:r="http://schemas.openxmlformats.org/officeDocument/2006/relationships" xmlns:p="http://schemas.openxmlformats.org/presentationml/2006/main" type="twoObj" preserve="1">
   <p:cSld name="Title, 2 Content">
     <p:spTree>
       <p:nvGrpSpPr>
@@ -2229,12 +2441,13 @@
           </a:prstGeom>
         </p:spPr>
         <p:txBody>
-          <a:bodyPr lIns="0" rIns="0" tIns="0" bIns="0" anchor="ctr">
+          <a:bodyPr lIns="0" tIns="0" rIns="0" bIns="0" anchor="ctr">
             <a:spAutoFit/>
           </a:bodyPr>
+          <a:lstStyle/>
           <a:p>
             <a:pPr algn="ctr"/>
-            <a:endParaRPr b="0" lang="en-US" sz="5320" spc="-1" strike="noStrike">
+            <a:endParaRPr lang="en-US" sz="5320" b="0" strike="noStrike" spc="-1">
               <a:latin typeface="Arial"/>
             </a:endParaRPr>
           </a:p>
@@ -2260,11 +2473,12 @@
           </a:prstGeom>
         </p:spPr>
         <p:txBody>
-          <a:bodyPr lIns="0" rIns="0" tIns="0" bIns="0">
+          <a:bodyPr lIns="0" tIns="0" rIns="0" bIns="0">
             <a:normAutofit/>
           </a:bodyPr>
-          <a:p>
-            <a:endParaRPr b="0" lang="en-US" sz="3870" spc="-1" strike="noStrike">
+          <a:lstStyle/>
+          <a:p>
+            <a:endParaRPr lang="en-US" sz="3870" b="0" strike="noStrike" spc="-1">
               <a:latin typeface="Arial"/>
             </a:endParaRPr>
           </a:p>
@@ -2290,11 +2504,12 @@
           </a:prstGeom>
         </p:spPr>
         <p:txBody>
-          <a:bodyPr lIns="0" rIns="0" tIns="0" bIns="0">
+          <a:bodyPr lIns="0" tIns="0" rIns="0" bIns="0">
             <a:normAutofit/>
           </a:bodyPr>
-          <a:p>
-            <a:endParaRPr b="0" lang="en-US" sz="3870" spc="-1" strike="noStrike">
+          <a:lstStyle/>
+          <a:p>
+            <a:endParaRPr lang="en-US" sz="3870" b="0" strike="noStrike" spc="-1">
               <a:latin typeface="Arial"/>
             </a:endParaRPr>
           </a:p>
@@ -2302,11 +2517,14 @@
       </p:sp>
     </p:spTree>
   </p:cSld>
+  <p:clrMapOvr>
+    <a:masterClrMapping/>
+  </p:clrMapOvr>
 </p:sldLayout>
 </file>
 
 <file path=ppt/slideLayouts/slideLayout29.xml><?xml version="1.0" encoding="utf-8"?>
-<p:sldLayout xmlns:a="http://schemas.openxmlformats.org/drawingml/2006/main" xmlns:p="http://schemas.openxmlformats.org/presentationml/2006/main" xmlns:r="http://schemas.openxmlformats.org/officeDocument/2006/relationships" xmlns:p14="http://schemas.microsoft.com/office/powerpoint/2010/main" xmlns:p15="http://schemas.microsoft.com/office/powerpoint/2012/main" xmlns:mc="http://schemas.openxmlformats.org/markup-compatibility/2006" type="titleOnly" preserve="1">
+<p:sldLayout xmlns:a="http://schemas.openxmlformats.org/drawingml/2006/main" xmlns:r="http://schemas.openxmlformats.org/officeDocument/2006/relationships" xmlns:p="http://schemas.openxmlformats.org/presentationml/2006/main" type="titleOnly" preserve="1">
   <p:cSld name="Title Only">
     <p:spTree>
       <p:nvGrpSpPr>
@@ -2342,12 +2560,13 @@
           </a:prstGeom>
         </p:spPr>
         <p:txBody>
-          <a:bodyPr lIns="0" rIns="0" tIns="0" bIns="0" anchor="ctr">
+          <a:bodyPr lIns="0" tIns="0" rIns="0" bIns="0" anchor="ctr">
             <a:spAutoFit/>
           </a:bodyPr>
+          <a:lstStyle/>
           <a:p>
             <a:pPr algn="ctr"/>
-            <a:endParaRPr b="0" lang="en-US" sz="5320" spc="-1" strike="noStrike">
+            <a:endParaRPr lang="en-US" sz="5320" b="0" strike="noStrike" spc="-1">
               <a:latin typeface="Arial"/>
             </a:endParaRPr>
           </a:p>
@@ -2355,11 +2574,14 @@
       </p:sp>
     </p:spTree>
   </p:cSld>
+  <p:clrMapOvr>
+    <a:masterClrMapping/>
+  </p:clrMapOvr>
 </p:sldLayout>
 </file>
 
 <file path=ppt/slideLayouts/slideLayout3.xml><?xml version="1.0" encoding="utf-8"?>
-<p:sldLayout xmlns:a="http://schemas.openxmlformats.org/drawingml/2006/main" xmlns:p="http://schemas.openxmlformats.org/presentationml/2006/main" xmlns:r="http://schemas.openxmlformats.org/officeDocument/2006/relationships" xmlns:p14="http://schemas.microsoft.com/office/powerpoint/2010/main" xmlns:p15="http://schemas.microsoft.com/office/powerpoint/2012/main" xmlns:mc="http://schemas.openxmlformats.org/markup-compatibility/2006" type="obj" preserve="1">
+<p:sldLayout xmlns:a="http://schemas.openxmlformats.org/drawingml/2006/main" xmlns:r="http://schemas.openxmlformats.org/officeDocument/2006/relationships" xmlns:p="http://schemas.openxmlformats.org/presentationml/2006/main" type="obj" preserve="1">
   <p:cSld name="Title, Content">
     <p:spTree>
       <p:nvGrpSpPr>
@@ -2395,12 +2617,13 @@
           </a:prstGeom>
         </p:spPr>
         <p:txBody>
-          <a:bodyPr lIns="0" rIns="0" tIns="0" bIns="0" anchor="ctr">
+          <a:bodyPr lIns="0" tIns="0" rIns="0" bIns="0" anchor="ctr">
             <a:spAutoFit/>
           </a:bodyPr>
+          <a:lstStyle/>
           <a:p>
             <a:pPr algn="ctr"/>
-            <a:endParaRPr b="0" lang="en-US" sz="5320" spc="-1" strike="noStrike">
+            <a:endParaRPr lang="en-US" sz="5320" b="0" strike="noStrike" spc="-1">
               <a:latin typeface="Arial"/>
             </a:endParaRPr>
           </a:p>
@@ -2426,11 +2649,12 @@
           </a:prstGeom>
         </p:spPr>
         <p:txBody>
-          <a:bodyPr lIns="0" rIns="0" tIns="0" bIns="0">
+          <a:bodyPr lIns="0" tIns="0" rIns="0" bIns="0">
             <a:normAutofit/>
           </a:bodyPr>
-          <a:p>
-            <a:endParaRPr b="0" lang="en-US" sz="3870" spc="-1" strike="noStrike">
+          <a:lstStyle/>
+          <a:p>
+            <a:endParaRPr lang="en-US" sz="3870" b="0" strike="noStrike" spc="-1">
               <a:latin typeface="Arial"/>
             </a:endParaRPr>
           </a:p>
@@ -2438,11 +2662,14 @@
       </p:sp>
     </p:spTree>
   </p:cSld>
+  <p:clrMapOvr>
+    <a:masterClrMapping/>
+  </p:clrMapOvr>
 </p:sldLayout>
 </file>
 
 <file path=ppt/slideLayouts/slideLayout30.xml><?xml version="1.0" encoding="utf-8"?>
-<p:sldLayout xmlns:a="http://schemas.openxmlformats.org/drawingml/2006/main" xmlns:p="http://schemas.openxmlformats.org/presentationml/2006/main" xmlns:r="http://schemas.openxmlformats.org/officeDocument/2006/relationships" xmlns:p14="http://schemas.microsoft.com/office/powerpoint/2010/main" xmlns:p15="http://schemas.microsoft.com/office/powerpoint/2012/main" xmlns:mc="http://schemas.openxmlformats.org/markup-compatibility/2006" type="objOnly" preserve="1">
+<p:sldLayout xmlns:a="http://schemas.openxmlformats.org/drawingml/2006/main" xmlns:r="http://schemas.openxmlformats.org/officeDocument/2006/relationships" xmlns:p="http://schemas.openxmlformats.org/presentationml/2006/main" type="objOnly" preserve="1">
   <p:cSld name="Centered Text">
     <p:spTree>
       <p:nvGrpSpPr>
@@ -2478,12 +2705,13 @@
           </a:prstGeom>
         </p:spPr>
         <p:txBody>
-          <a:bodyPr lIns="0" rIns="0" tIns="0" bIns="0" anchor="ctr">
+          <a:bodyPr lIns="0" tIns="0" rIns="0" bIns="0" anchor="ctr">
             <a:spAutoFit/>
           </a:bodyPr>
+          <a:lstStyle/>
           <a:p>
             <a:pPr algn="ctr"/>
-            <a:endParaRPr b="0" lang="en-US" sz="3200" spc="-1" strike="noStrike">
+            <a:endParaRPr lang="en-US" sz="3200" b="0" strike="noStrike" spc="-1">
               <a:latin typeface="Arial"/>
             </a:endParaRPr>
           </a:p>
@@ -2491,11 +2719,14 @@
       </p:sp>
     </p:spTree>
   </p:cSld>
+  <p:clrMapOvr>
+    <a:masterClrMapping/>
+  </p:clrMapOvr>
 </p:sldLayout>
 </file>
 
 <file path=ppt/slideLayouts/slideLayout31.xml><?xml version="1.0" encoding="utf-8"?>
-<p:sldLayout xmlns:a="http://schemas.openxmlformats.org/drawingml/2006/main" xmlns:p="http://schemas.openxmlformats.org/presentationml/2006/main" xmlns:r="http://schemas.openxmlformats.org/officeDocument/2006/relationships" xmlns:p14="http://schemas.microsoft.com/office/powerpoint/2010/main" xmlns:p15="http://schemas.microsoft.com/office/powerpoint/2012/main" xmlns:mc="http://schemas.openxmlformats.org/markup-compatibility/2006" type="twoObjAndObj" preserve="1">
+<p:sldLayout xmlns:a="http://schemas.openxmlformats.org/drawingml/2006/main" xmlns:r="http://schemas.openxmlformats.org/officeDocument/2006/relationships" xmlns:p="http://schemas.openxmlformats.org/presentationml/2006/main" type="twoObjAndObj" preserve="1">
   <p:cSld name="Title, 2 Content and Content">
     <p:spTree>
       <p:nvGrpSpPr>
@@ -2531,12 +2762,13 @@
           </a:prstGeom>
         </p:spPr>
         <p:txBody>
-          <a:bodyPr lIns="0" rIns="0" tIns="0" bIns="0" anchor="ctr">
+          <a:bodyPr lIns="0" tIns="0" rIns="0" bIns="0" anchor="ctr">
             <a:spAutoFit/>
           </a:bodyPr>
+          <a:lstStyle/>
           <a:p>
             <a:pPr algn="ctr"/>
-            <a:endParaRPr b="0" lang="en-US" sz="5320" spc="-1" strike="noStrike">
+            <a:endParaRPr lang="en-US" sz="5320" b="0" strike="noStrike" spc="-1">
               <a:latin typeface="Arial"/>
             </a:endParaRPr>
           </a:p>
@@ -2562,11 +2794,12 @@
           </a:prstGeom>
         </p:spPr>
         <p:txBody>
-          <a:bodyPr lIns="0" rIns="0" tIns="0" bIns="0">
+          <a:bodyPr lIns="0" tIns="0" rIns="0" bIns="0">
             <a:normAutofit/>
           </a:bodyPr>
-          <a:p>
-            <a:endParaRPr b="0" lang="en-US" sz="3870" spc="-1" strike="noStrike">
+          <a:lstStyle/>
+          <a:p>
+            <a:endParaRPr lang="en-US" sz="3870" b="0" strike="noStrike" spc="-1">
               <a:latin typeface="Arial"/>
             </a:endParaRPr>
           </a:p>
@@ -2592,11 +2825,12 @@
           </a:prstGeom>
         </p:spPr>
         <p:txBody>
-          <a:bodyPr lIns="0" rIns="0" tIns="0" bIns="0">
+          <a:bodyPr lIns="0" tIns="0" rIns="0" bIns="0">
             <a:normAutofit/>
           </a:bodyPr>
-          <a:p>
-            <a:endParaRPr b="0" lang="en-US" sz="3870" spc="-1" strike="noStrike">
+          <a:lstStyle/>
+          <a:p>
+            <a:endParaRPr lang="en-US" sz="3870" b="0" strike="noStrike" spc="-1">
               <a:latin typeface="Arial"/>
             </a:endParaRPr>
           </a:p>
@@ -2622,11 +2856,12 @@
           </a:prstGeom>
         </p:spPr>
         <p:txBody>
-          <a:bodyPr lIns="0" rIns="0" tIns="0" bIns="0">
+          <a:bodyPr lIns="0" tIns="0" rIns="0" bIns="0">
             <a:normAutofit/>
           </a:bodyPr>
-          <a:p>
-            <a:endParaRPr b="0" lang="en-US" sz="3870" spc="-1" strike="noStrike">
+          <a:lstStyle/>
+          <a:p>
+            <a:endParaRPr lang="en-US" sz="3870" b="0" strike="noStrike" spc="-1">
               <a:latin typeface="Arial"/>
             </a:endParaRPr>
           </a:p>
@@ -2634,11 +2869,14 @@
       </p:sp>
     </p:spTree>
   </p:cSld>
+  <p:clrMapOvr>
+    <a:masterClrMapping/>
+  </p:clrMapOvr>
 </p:sldLayout>
 </file>
 
 <file path=ppt/slideLayouts/slideLayout32.xml><?xml version="1.0" encoding="utf-8"?>
-<p:sldLayout xmlns:a="http://schemas.openxmlformats.org/drawingml/2006/main" xmlns:p="http://schemas.openxmlformats.org/presentationml/2006/main" xmlns:r="http://schemas.openxmlformats.org/officeDocument/2006/relationships" xmlns:p14="http://schemas.microsoft.com/office/powerpoint/2010/main" xmlns:p15="http://schemas.microsoft.com/office/powerpoint/2012/main" xmlns:mc="http://schemas.openxmlformats.org/markup-compatibility/2006" type="objAndTwoObj" preserve="1">
+<p:sldLayout xmlns:a="http://schemas.openxmlformats.org/drawingml/2006/main" xmlns:r="http://schemas.openxmlformats.org/officeDocument/2006/relationships" xmlns:p="http://schemas.openxmlformats.org/presentationml/2006/main" type="objAndTwoObj" preserve="1">
   <p:cSld name="Title Content and 2 Content">
     <p:spTree>
       <p:nvGrpSpPr>
@@ -2674,12 +2912,13 @@
           </a:prstGeom>
         </p:spPr>
         <p:txBody>
-          <a:bodyPr lIns="0" rIns="0" tIns="0" bIns="0" anchor="ctr">
+          <a:bodyPr lIns="0" tIns="0" rIns="0" bIns="0" anchor="ctr">
             <a:spAutoFit/>
           </a:bodyPr>
+          <a:lstStyle/>
           <a:p>
             <a:pPr algn="ctr"/>
-            <a:endParaRPr b="0" lang="en-US" sz="5320" spc="-1" strike="noStrike">
+            <a:endParaRPr lang="en-US" sz="5320" b="0" strike="noStrike" spc="-1">
               <a:latin typeface="Arial"/>
             </a:endParaRPr>
           </a:p>
@@ -2705,11 +2944,12 @@
           </a:prstGeom>
         </p:spPr>
         <p:txBody>
-          <a:bodyPr lIns="0" rIns="0" tIns="0" bIns="0">
+          <a:bodyPr lIns="0" tIns="0" rIns="0" bIns="0">
             <a:normAutofit/>
           </a:bodyPr>
-          <a:p>
-            <a:endParaRPr b="0" lang="en-US" sz="3870" spc="-1" strike="noStrike">
+          <a:lstStyle/>
+          <a:p>
+            <a:endParaRPr lang="en-US" sz="3870" b="0" strike="noStrike" spc="-1">
               <a:latin typeface="Arial"/>
             </a:endParaRPr>
           </a:p>
@@ -2735,11 +2975,12 @@
           </a:prstGeom>
         </p:spPr>
         <p:txBody>
-          <a:bodyPr lIns="0" rIns="0" tIns="0" bIns="0">
+          <a:bodyPr lIns="0" tIns="0" rIns="0" bIns="0">
             <a:normAutofit/>
           </a:bodyPr>
-          <a:p>
-            <a:endParaRPr b="0" lang="en-US" sz="3870" spc="-1" strike="noStrike">
+          <a:lstStyle/>
+          <a:p>
+            <a:endParaRPr lang="en-US" sz="3870" b="0" strike="noStrike" spc="-1">
               <a:latin typeface="Arial"/>
             </a:endParaRPr>
           </a:p>
@@ -2765,11 +3006,12 @@
           </a:prstGeom>
         </p:spPr>
         <p:txBody>
-          <a:bodyPr lIns="0" rIns="0" tIns="0" bIns="0">
+          <a:bodyPr lIns="0" tIns="0" rIns="0" bIns="0">
             <a:normAutofit/>
           </a:bodyPr>
-          <a:p>
-            <a:endParaRPr b="0" lang="en-US" sz="3870" spc="-1" strike="noStrike">
+          <a:lstStyle/>
+          <a:p>
+            <a:endParaRPr lang="en-US" sz="3870" b="0" strike="noStrike" spc="-1">
               <a:latin typeface="Arial"/>
             </a:endParaRPr>
           </a:p>
@@ -2777,11 +3019,14 @@
       </p:sp>
     </p:spTree>
   </p:cSld>
+  <p:clrMapOvr>
+    <a:masterClrMapping/>
+  </p:clrMapOvr>
 </p:sldLayout>
 </file>
 
 <file path=ppt/slideLayouts/slideLayout33.xml><?xml version="1.0" encoding="utf-8"?>
-<p:sldLayout xmlns:a="http://schemas.openxmlformats.org/drawingml/2006/main" xmlns:p="http://schemas.openxmlformats.org/presentationml/2006/main" xmlns:r="http://schemas.openxmlformats.org/officeDocument/2006/relationships" xmlns:p14="http://schemas.microsoft.com/office/powerpoint/2010/main" xmlns:p15="http://schemas.microsoft.com/office/powerpoint/2012/main" xmlns:mc="http://schemas.openxmlformats.org/markup-compatibility/2006" type="twoObjOverTx" preserve="1">
+<p:sldLayout xmlns:a="http://schemas.openxmlformats.org/drawingml/2006/main" xmlns:r="http://schemas.openxmlformats.org/officeDocument/2006/relationships" xmlns:p="http://schemas.openxmlformats.org/presentationml/2006/main" type="twoObjOverTx" preserve="1">
   <p:cSld name="Title, 2 Content over Content">
     <p:spTree>
       <p:nvGrpSpPr>
@@ -2817,12 +3062,13 @@
           </a:prstGeom>
         </p:spPr>
         <p:txBody>
-          <a:bodyPr lIns="0" rIns="0" tIns="0" bIns="0" anchor="ctr">
+          <a:bodyPr lIns="0" tIns="0" rIns="0" bIns="0" anchor="ctr">
             <a:spAutoFit/>
           </a:bodyPr>
+          <a:lstStyle/>
           <a:p>
             <a:pPr algn="ctr"/>
-            <a:endParaRPr b="0" lang="en-US" sz="5320" spc="-1" strike="noStrike">
+            <a:endParaRPr lang="en-US" sz="5320" b="0" strike="noStrike" spc="-1">
               <a:latin typeface="Arial"/>
             </a:endParaRPr>
           </a:p>
@@ -2848,11 +3094,12 @@
           </a:prstGeom>
         </p:spPr>
         <p:txBody>
-          <a:bodyPr lIns="0" rIns="0" tIns="0" bIns="0">
+          <a:bodyPr lIns="0" tIns="0" rIns="0" bIns="0">
             <a:normAutofit/>
           </a:bodyPr>
-          <a:p>
-            <a:endParaRPr b="0" lang="en-US" sz="3870" spc="-1" strike="noStrike">
+          <a:lstStyle/>
+          <a:p>
+            <a:endParaRPr lang="en-US" sz="3870" b="0" strike="noStrike" spc="-1">
               <a:latin typeface="Arial"/>
             </a:endParaRPr>
           </a:p>
@@ -2878,11 +3125,12 @@
           </a:prstGeom>
         </p:spPr>
         <p:txBody>
-          <a:bodyPr lIns="0" rIns="0" tIns="0" bIns="0">
+          <a:bodyPr lIns="0" tIns="0" rIns="0" bIns="0">
             <a:normAutofit/>
           </a:bodyPr>
-          <a:p>
-            <a:endParaRPr b="0" lang="en-US" sz="3870" spc="-1" strike="noStrike">
+          <a:lstStyle/>
+          <a:p>
+            <a:endParaRPr lang="en-US" sz="3870" b="0" strike="noStrike" spc="-1">
               <a:latin typeface="Arial"/>
             </a:endParaRPr>
           </a:p>
@@ -2908,11 +3156,12 @@
           </a:prstGeom>
         </p:spPr>
         <p:txBody>
-          <a:bodyPr lIns="0" rIns="0" tIns="0" bIns="0">
+          <a:bodyPr lIns="0" tIns="0" rIns="0" bIns="0">
             <a:normAutofit/>
           </a:bodyPr>
-          <a:p>
-            <a:endParaRPr b="0" lang="en-US" sz="3870" spc="-1" strike="noStrike">
+          <a:lstStyle/>
+          <a:p>
+            <a:endParaRPr lang="en-US" sz="3870" b="0" strike="noStrike" spc="-1">
               <a:latin typeface="Arial"/>
             </a:endParaRPr>
           </a:p>
@@ -2920,11 +3169,14 @@
       </p:sp>
     </p:spTree>
   </p:cSld>
+  <p:clrMapOvr>
+    <a:masterClrMapping/>
+  </p:clrMapOvr>
 </p:sldLayout>
 </file>
 
 <file path=ppt/slideLayouts/slideLayout34.xml><?xml version="1.0" encoding="utf-8"?>
-<p:sldLayout xmlns:a="http://schemas.openxmlformats.org/drawingml/2006/main" xmlns:p="http://schemas.openxmlformats.org/presentationml/2006/main" xmlns:r="http://schemas.openxmlformats.org/officeDocument/2006/relationships" xmlns:p14="http://schemas.microsoft.com/office/powerpoint/2010/main" xmlns:p15="http://schemas.microsoft.com/office/powerpoint/2012/main" xmlns:mc="http://schemas.openxmlformats.org/markup-compatibility/2006" type="objOverTx" preserve="1">
+<p:sldLayout xmlns:a="http://schemas.openxmlformats.org/drawingml/2006/main" xmlns:r="http://schemas.openxmlformats.org/officeDocument/2006/relationships" xmlns:p="http://schemas.openxmlformats.org/presentationml/2006/main" type="objOverTx" preserve="1">
   <p:cSld name="Title, Content over Content">
     <p:spTree>
       <p:nvGrpSpPr>
@@ -2960,12 +3212,13 @@
           </a:prstGeom>
         </p:spPr>
         <p:txBody>
-          <a:bodyPr lIns="0" rIns="0" tIns="0" bIns="0" anchor="ctr">
+          <a:bodyPr lIns="0" tIns="0" rIns="0" bIns="0" anchor="ctr">
             <a:spAutoFit/>
           </a:bodyPr>
+          <a:lstStyle/>
           <a:p>
             <a:pPr algn="ctr"/>
-            <a:endParaRPr b="0" lang="en-US" sz="5320" spc="-1" strike="noStrike">
+            <a:endParaRPr lang="en-US" sz="5320" b="0" strike="noStrike" spc="-1">
               <a:latin typeface="Arial"/>
             </a:endParaRPr>
           </a:p>
@@ -2991,11 +3244,12 @@
           </a:prstGeom>
         </p:spPr>
         <p:txBody>
-          <a:bodyPr lIns="0" rIns="0" tIns="0" bIns="0">
+          <a:bodyPr lIns="0" tIns="0" rIns="0" bIns="0">
             <a:normAutofit/>
           </a:bodyPr>
-          <a:p>
-            <a:endParaRPr b="0" lang="en-US" sz="3870" spc="-1" strike="noStrike">
+          <a:lstStyle/>
+          <a:p>
+            <a:endParaRPr lang="en-US" sz="3870" b="0" strike="noStrike" spc="-1">
               <a:latin typeface="Arial"/>
             </a:endParaRPr>
           </a:p>
@@ -3021,11 +3275,12 @@
           </a:prstGeom>
         </p:spPr>
         <p:txBody>
-          <a:bodyPr lIns="0" rIns="0" tIns="0" bIns="0">
+          <a:bodyPr lIns="0" tIns="0" rIns="0" bIns="0">
             <a:normAutofit/>
           </a:bodyPr>
-          <a:p>
-            <a:endParaRPr b="0" lang="en-US" sz="3870" spc="-1" strike="noStrike">
+          <a:lstStyle/>
+          <a:p>
+            <a:endParaRPr lang="en-US" sz="3870" b="0" strike="noStrike" spc="-1">
               <a:latin typeface="Arial"/>
             </a:endParaRPr>
           </a:p>
@@ -3033,11 +3288,14 @@
       </p:sp>
     </p:spTree>
   </p:cSld>
+  <p:clrMapOvr>
+    <a:masterClrMapping/>
+  </p:clrMapOvr>
 </p:sldLayout>
 </file>
 
 <file path=ppt/slideLayouts/slideLayout35.xml><?xml version="1.0" encoding="utf-8"?>
-<p:sldLayout xmlns:a="http://schemas.openxmlformats.org/drawingml/2006/main" xmlns:p="http://schemas.openxmlformats.org/presentationml/2006/main" xmlns:r="http://schemas.openxmlformats.org/officeDocument/2006/relationships" xmlns:p14="http://schemas.microsoft.com/office/powerpoint/2010/main" xmlns:p15="http://schemas.microsoft.com/office/powerpoint/2012/main" xmlns:mc="http://schemas.openxmlformats.org/markup-compatibility/2006" type="fourObj" preserve="1">
+<p:sldLayout xmlns:a="http://schemas.openxmlformats.org/drawingml/2006/main" xmlns:r="http://schemas.openxmlformats.org/officeDocument/2006/relationships" xmlns:p="http://schemas.openxmlformats.org/presentationml/2006/main" type="fourObj" preserve="1">
   <p:cSld name="Title, 4 Content">
     <p:spTree>
       <p:nvGrpSpPr>
@@ -3073,12 +3331,13 @@
           </a:prstGeom>
         </p:spPr>
         <p:txBody>
-          <a:bodyPr lIns="0" rIns="0" tIns="0" bIns="0" anchor="ctr">
+          <a:bodyPr lIns="0" tIns="0" rIns="0" bIns="0" anchor="ctr">
             <a:spAutoFit/>
           </a:bodyPr>
+          <a:lstStyle/>
           <a:p>
             <a:pPr algn="ctr"/>
-            <a:endParaRPr b="0" lang="en-US" sz="5320" spc="-1" strike="noStrike">
+            <a:endParaRPr lang="en-US" sz="5320" b="0" strike="noStrike" spc="-1">
               <a:latin typeface="Arial"/>
             </a:endParaRPr>
           </a:p>
@@ -3104,11 +3363,12 @@
           </a:prstGeom>
         </p:spPr>
         <p:txBody>
-          <a:bodyPr lIns="0" rIns="0" tIns="0" bIns="0">
+          <a:bodyPr lIns="0" tIns="0" rIns="0" bIns="0">
             <a:normAutofit/>
           </a:bodyPr>
-          <a:p>
-            <a:endParaRPr b="0" lang="en-US" sz="3870" spc="-1" strike="noStrike">
+          <a:lstStyle/>
+          <a:p>
+            <a:endParaRPr lang="en-US" sz="3870" b="0" strike="noStrike" spc="-1">
               <a:latin typeface="Arial"/>
             </a:endParaRPr>
           </a:p>
@@ -3134,11 +3394,12 @@
           </a:prstGeom>
         </p:spPr>
         <p:txBody>
-          <a:bodyPr lIns="0" rIns="0" tIns="0" bIns="0">
+          <a:bodyPr lIns="0" tIns="0" rIns="0" bIns="0">
             <a:normAutofit/>
           </a:bodyPr>
-          <a:p>
-            <a:endParaRPr b="0" lang="en-US" sz="3870" spc="-1" strike="noStrike">
+          <a:lstStyle/>
+          <a:p>
+            <a:endParaRPr lang="en-US" sz="3870" b="0" strike="noStrike" spc="-1">
               <a:latin typeface="Arial"/>
             </a:endParaRPr>
           </a:p>
@@ -3164,11 +3425,12 @@
           </a:prstGeom>
         </p:spPr>
         <p:txBody>
-          <a:bodyPr lIns="0" rIns="0" tIns="0" bIns="0">
+          <a:bodyPr lIns="0" tIns="0" rIns="0" bIns="0">
             <a:normAutofit/>
           </a:bodyPr>
-          <a:p>
-            <a:endParaRPr b="0" lang="en-US" sz="3870" spc="-1" strike="noStrike">
+          <a:lstStyle/>
+          <a:p>
+            <a:endParaRPr lang="en-US" sz="3870" b="0" strike="noStrike" spc="-1">
               <a:latin typeface="Arial"/>
             </a:endParaRPr>
           </a:p>
@@ -3194,11 +3456,12 @@
           </a:prstGeom>
         </p:spPr>
         <p:txBody>
-          <a:bodyPr lIns="0" rIns="0" tIns="0" bIns="0">
+          <a:bodyPr lIns="0" tIns="0" rIns="0" bIns="0">
             <a:normAutofit/>
           </a:bodyPr>
-          <a:p>
-            <a:endParaRPr b="0" lang="en-US" sz="3870" spc="-1" strike="noStrike">
+          <a:lstStyle/>
+          <a:p>
+            <a:endParaRPr lang="en-US" sz="3870" b="0" strike="noStrike" spc="-1">
               <a:latin typeface="Arial"/>
             </a:endParaRPr>
           </a:p>
@@ -3206,11 +3469,14 @@
       </p:sp>
     </p:spTree>
   </p:cSld>
+  <p:clrMapOvr>
+    <a:masterClrMapping/>
+  </p:clrMapOvr>
 </p:sldLayout>
 </file>
 
 <file path=ppt/slideLayouts/slideLayout36.xml><?xml version="1.0" encoding="utf-8"?>
-<p:sldLayout xmlns:a="http://schemas.openxmlformats.org/drawingml/2006/main" xmlns:p="http://schemas.openxmlformats.org/presentationml/2006/main" xmlns:r="http://schemas.openxmlformats.org/officeDocument/2006/relationships" xmlns:p14="http://schemas.microsoft.com/office/powerpoint/2010/main" xmlns:p15="http://schemas.microsoft.com/office/powerpoint/2012/main" xmlns:mc="http://schemas.openxmlformats.org/markup-compatibility/2006" type="blank" preserve="1">
+<p:sldLayout xmlns:a="http://schemas.openxmlformats.org/drawingml/2006/main" xmlns:r="http://schemas.openxmlformats.org/officeDocument/2006/relationships" xmlns:p="http://schemas.openxmlformats.org/presentationml/2006/main" type="blank" preserve="1">
   <p:cSld name="Title, 6 Content">
     <p:spTree>
       <p:nvGrpSpPr>
@@ -3246,12 +3512,13 @@
           </a:prstGeom>
         </p:spPr>
         <p:txBody>
-          <a:bodyPr lIns="0" rIns="0" tIns="0" bIns="0" anchor="ctr">
+          <a:bodyPr lIns="0" tIns="0" rIns="0" bIns="0" anchor="ctr">
             <a:spAutoFit/>
           </a:bodyPr>
+          <a:lstStyle/>
           <a:p>
             <a:pPr algn="ctr"/>
-            <a:endParaRPr b="0" lang="en-US" sz="5320" spc="-1" strike="noStrike">
+            <a:endParaRPr lang="en-US" sz="5320" b="0" strike="noStrike" spc="-1">
               <a:latin typeface="Arial"/>
             </a:endParaRPr>
           </a:p>
@@ -3277,11 +3544,12 @@
           </a:prstGeom>
         </p:spPr>
         <p:txBody>
-          <a:bodyPr lIns="0" rIns="0" tIns="0" bIns="0">
+          <a:bodyPr lIns="0" tIns="0" rIns="0" bIns="0">
             <a:normAutofit/>
           </a:bodyPr>
-          <a:p>
-            <a:endParaRPr b="0" lang="en-US" sz="3870" spc="-1" strike="noStrike">
+          <a:lstStyle/>
+          <a:p>
+            <a:endParaRPr lang="en-US" sz="3870" b="0" strike="noStrike" spc="-1">
               <a:latin typeface="Arial"/>
             </a:endParaRPr>
           </a:p>
@@ -3307,11 +3575,12 @@
           </a:prstGeom>
         </p:spPr>
         <p:txBody>
-          <a:bodyPr lIns="0" rIns="0" tIns="0" bIns="0">
+          <a:bodyPr lIns="0" tIns="0" rIns="0" bIns="0">
             <a:normAutofit/>
           </a:bodyPr>
-          <a:p>
-            <a:endParaRPr b="0" lang="en-US" sz="3870" spc="-1" strike="noStrike">
+          <a:lstStyle/>
+          <a:p>
+            <a:endParaRPr lang="en-US" sz="3870" b="0" strike="noStrike" spc="-1">
               <a:latin typeface="Arial"/>
             </a:endParaRPr>
           </a:p>
@@ -3337,11 +3606,12 @@
           </a:prstGeom>
         </p:spPr>
         <p:txBody>
-          <a:bodyPr lIns="0" rIns="0" tIns="0" bIns="0">
+          <a:bodyPr lIns="0" tIns="0" rIns="0" bIns="0">
             <a:normAutofit/>
           </a:bodyPr>
-          <a:p>
-            <a:endParaRPr b="0" lang="en-US" sz="3870" spc="-1" strike="noStrike">
+          <a:lstStyle/>
+          <a:p>
+            <a:endParaRPr lang="en-US" sz="3870" b="0" strike="noStrike" spc="-1">
               <a:latin typeface="Arial"/>
             </a:endParaRPr>
           </a:p>
@@ -3367,11 +3637,12 @@
           </a:prstGeom>
         </p:spPr>
         <p:txBody>
-          <a:bodyPr lIns="0" rIns="0" tIns="0" bIns="0">
+          <a:bodyPr lIns="0" tIns="0" rIns="0" bIns="0">
             <a:normAutofit/>
           </a:bodyPr>
-          <a:p>
-            <a:endParaRPr b="0" lang="en-US" sz="3870" spc="-1" strike="noStrike">
+          <a:lstStyle/>
+          <a:p>
+            <a:endParaRPr lang="en-US" sz="3870" b="0" strike="noStrike" spc="-1">
               <a:latin typeface="Arial"/>
             </a:endParaRPr>
           </a:p>
@@ -3397,11 +3668,12 @@
           </a:prstGeom>
         </p:spPr>
         <p:txBody>
-          <a:bodyPr lIns="0" rIns="0" tIns="0" bIns="0">
+          <a:bodyPr lIns="0" tIns="0" rIns="0" bIns="0">
             <a:normAutofit/>
           </a:bodyPr>
-          <a:p>
-            <a:endParaRPr b="0" lang="en-US" sz="3870" spc="-1" strike="noStrike">
+          <a:lstStyle/>
+          <a:p>
+            <a:endParaRPr lang="en-US" sz="3870" b="0" strike="noStrike" spc="-1">
               <a:latin typeface="Arial"/>
             </a:endParaRPr>
           </a:p>
@@ -3427,11 +3699,12 @@
           </a:prstGeom>
         </p:spPr>
         <p:txBody>
-          <a:bodyPr lIns="0" rIns="0" tIns="0" bIns="0">
+          <a:bodyPr lIns="0" tIns="0" rIns="0" bIns="0">
             <a:normAutofit/>
           </a:bodyPr>
-          <a:p>
-            <a:endParaRPr b="0" lang="en-US" sz="3870" spc="-1" strike="noStrike">
+          <a:lstStyle/>
+          <a:p>
+            <a:endParaRPr lang="en-US" sz="3870" b="0" strike="noStrike" spc="-1">
               <a:latin typeface="Arial"/>
             </a:endParaRPr>
           </a:p>
@@ -3439,11 +3712,14 @@
       </p:sp>
     </p:spTree>
   </p:cSld>
+  <p:clrMapOvr>
+    <a:masterClrMapping/>
+  </p:clrMapOvr>
 </p:sldLayout>
 </file>
 
 <file path=ppt/slideLayouts/slideLayout4.xml><?xml version="1.0" encoding="utf-8"?>
-<p:sldLayout xmlns:a="http://schemas.openxmlformats.org/drawingml/2006/main" xmlns:p="http://schemas.openxmlformats.org/presentationml/2006/main" xmlns:r="http://schemas.openxmlformats.org/officeDocument/2006/relationships" xmlns:p14="http://schemas.microsoft.com/office/powerpoint/2010/main" xmlns:p15="http://schemas.microsoft.com/office/powerpoint/2012/main" xmlns:mc="http://schemas.openxmlformats.org/markup-compatibility/2006" type="twoObj" preserve="1">
+<p:sldLayout xmlns:a="http://schemas.openxmlformats.org/drawingml/2006/main" xmlns:r="http://schemas.openxmlformats.org/officeDocument/2006/relationships" xmlns:p="http://schemas.openxmlformats.org/presentationml/2006/main" type="twoObj" preserve="1">
   <p:cSld name="Title, 2 Content">
     <p:spTree>
       <p:nvGrpSpPr>
@@ -3479,12 +3755,13 @@
           </a:prstGeom>
         </p:spPr>
         <p:txBody>
-          <a:bodyPr lIns="0" rIns="0" tIns="0" bIns="0" anchor="ctr">
+          <a:bodyPr lIns="0" tIns="0" rIns="0" bIns="0" anchor="ctr">
             <a:spAutoFit/>
           </a:bodyPr>
+          <a:lstStyle/>
           <a:p>
             <a:pPr algn="ctr"/>
-            <a:endParaRPr b="0" lang="en-US" sz="5320" spc="-1" strike="noStrike">
+            <a:endParaRPr lang="en-US" sz="5320" b="0" strike="noStrike" spc="-1">
               <a:latin typeface="Arial"/>
             </a:endParaRPr>
           </a:p>
@@ -3510,11 +3787,12 @@
           </a:prstGeom>
         </p:spPr>
         <p:txBody>
-          <a:bodyPr lIns="0" rIns="0" tIns="0" bIns="0">
+          <a:bodyPr lIns="0" tIns="0" rIns="0" bIns="0">
             <a:normAutofit/>
           </a:bodyPr>
-          <a:p>
-            <a:endParaRPr b="0" lang="en-US" sz="3870" spc="-1" strike="noStrike">
+          <a:lstStyle/>
+          <a:p>
+            <a:endParaRPr lang="en-US" sz="3870" b="0" strike="noStrike" spc="-1">
               <a:latin typeface="Arial"/>
             </a:endParaRPr>
           </a:p>
@@ -3540,11 +3818,12 @@
           </a:prstGeom>
         </p:spPr>
         <p:txBody>
-          <a:bodyPr lIns="0" rIns="0" tIns="0" bIns="0">
+          <a:bodyPr lIns="0" tIns="0" rIns="0" bIns="0">
             <a:normAutofit/>
           </a:bodyPr>
-          <a:p>
-            <a:endParaRPr b="0" lang="en-US" sz="3870" spc="-1" strike="noStrike">
+          <a:lstStyle/>
+          <a:p>
+            <a:endParaRPr lang="en-US" sz="3870" b="0" strike="noStrike" spc="-1">
               <a:latin typeface="Arial"/>
             </a:endParaRPr>
           </a:p>
@@ -3552,11 +3831,14 @@
       </p:sp>
     </p:spTree>
   </p:cSld>
+  <p:clrMapOvr>
+    <a:masterClrMapping/>
+  </p:clrMapOvr>
 </p:sldLayout>
 </file>
 
 <file path=ppt/slideLayouts/slideLayout5.xml><?xml version="1.0" encoding="utf-8"?>
-<p:sldLayout xmlns:a="http://schemas.openxmlformats.org/drawingml/2006/main" xmlns:p="http://schemas.openxmlformats.org/presentationml/2006/main" xmlns:r="http://schemas.openxmlformats.org/officeDocument/2006/relationships" xmlns:p14="http://schemas.microsoft.com/office/powerpoint/2010/main" xmlns:p15="http://schemas.microsoft.com/office/powerpoint/2012/main" xmlns:mc="http://schemas.openxmlformats.org/markup-compatibility/2006" type="titleOnly" preserve="1">
+<p:sldLayout xmlns:a="http://schemas.openxmlformats.org/drawingml/2006/main" xmlns:r="http://schemas.openxmlformats.org/officeDocument/2006/relationships" xmlns:p="http://schemas.openxmlformats.org/presentationml/2006/main" type="titleOnly" preserve="1">
   <p:cSld name="Title Only">
     <p:spTree>
       <p:nvGrpSpPr>
@@ -3592,12 +3874,13 @@
           </a:prstGeom>
         </p:spPr>
         <p:txBody>
-          <a:bodyPr lIns="0" rIns="0" tIns="0" bIns="0" anchor="ctr">
+          <a:bodyPr lIns="0" tIns="0" rIns="0" bIns="0" anchor="ctr">
             <a:spAutoFit/>
           </a:bodyPr>
+          <a:lstStyle/>
           <a:p>
             <a:pPr algn="ctr"/>
-            <a:endParaRPr b="0" lang="en-US" sz="5320" spc="-1" strike="noStrike">
+            <a:endParaRPr lang="en-US" sz="5320" b="0" strike="noStrike" spc="-1">
               <a:latin typeface="Arial"/>
             </a:endParaRPr>
           </a:p>
@@ -3605,11 +3888,14 @@
       </p:sp>
     </p:spTree>
   </p:cSld>
+  <p:clrMapOvr>
+    <a:masterClrMapping/>
+  </p:clrMapOvr>
 </p:sldLayout>
 </file>
 
 <file path=ppt/slideLayouts/slideLayout6.xml><?xml version="1.0" encoding="utf-8"?>
-<p:sldLayout xmlns:a="http://schemas.openxmlformats.org/drawingml/2006/main" xmlns:p="http://schemas.openxmlformats.org/presentationml/2006/main" xmlns:r="http://schemas.openxmlformats.org/officeDocument/2006/relationships" xmlns:p14="http://schemas.microsoft.com/office/powerpoint/2010/main" xmlns:p15="http://schemas.microsoft.com/office/powerpoint/2012/main" xmlns:mc="http://schemas.openxmlformats.org/markup-compatibility/2006" type="objOnly" preserve="1">
+<p:sldLayout xmlns:a="http://schemas.openxmlformats.org/drawingml/2006/main" xmlns:r="http://schemas.openxmlformats.org/officeDocument/2006/relationships" xmlns:p="http://schemas.openxmlformats.org/presentationml/2006/main" type="objOnly" preserve="1">
   <p:cSld name="Centered Text">
     <p:spTree>
       <p:nvGrpSpPr>
@@ -3645,12 +3931,13 @@
           </a:prstGeom>
         </p:spPr>
         <p:txBody>
-          <a:bodyPr lIns="0" rIns="0" tIns="0" bIns="0" anchor="ctr">
+          <a:bodyPr lIns="0" tIns="0" rIns="0" bIns="0" anchor="ctr">
             <a:spAutoFit/>
           </a:bodyPr>
+          <a:lstStyle/>
           <a:p>
             <a:pPr algn="ctr"/>
-            <a:endParaRPr b="0" lang="en-US" sz="3200" spc="-1" strike="noStrike">
+            <a:endParaRPr lang="en-US" sz="3200" b="0" strike="noStrike" spc="-1">
               <a:latin typeface="Arial"/>
             </a:endParaRPr>
           </a:p>
@@ -3658,11 +3945,14 @@
       </p:sp>
     </p:spTree>
   </p:cSld>
+  <p:clrMapOvr>
+    <a:masterClrMapping/>
+  </p:clrMapOvr>
 </p:sldLayout>
 </file>
 
 <file path=ppt/slideLayouts/slideLayout7.xml><?xml version="1.0" encoding="utf-8"?>
-<p:sldLayout xmlns:a="http://schemas.openxmlformats.org/drawingml/2006/main" xmlns:p="http://schemas.openxmlformats.org/presentationml/2006/main" xmlns:r="http://schemas.openxmlformats.org/officeDocument/2006/relationships" xmlns:p14="http://schemas.microsoft.com/office/powerpoint/2010/main" xmlns:p15="http://schemas.microsoft.com/office/powerpoint/2012/main" xmlns:mc="http://schemas.openxmlformats.org/markup-compatibility/2006" type="twoObjAndObj" preserve="1">
+<p:sldLayout xmlns:a="http://schemas.openxmlformats.org/drawingml/2006/main" xmlns:r="http://schemas.openxmlformats.org/officeDocument/2006/relationships" xmlns:p="http://schemas.openxmlformats.org/presentationml/2006/main" type="twoObjAndObj" preserve="1">
   <p:cSld name="Title, 2 Content and Content">
     <p:spTree>
       <p:nvGrpSpPr>
@@ -3698,12 +3988,13 @@
           </a:prstGeom>
         </p:spPr>
         <p:txBody>
-          <a:bodyPr lIns="0" rIns="0" tIns="0" bIns="0" anchor="ctr">
+          <a:bodyPr lIns="0" tIns="0" rIns="0" bIns="0" anchor="ctr">
             <a:spAutoFit/>
           </a:bodyPr>
+          <a:lstStyle/>
           <a:p>
             <a:pPr algn="ctr"/>
-            <a:endParaRPr b="0" lang="en-US" sz="5320" spc="-1" strike="noStrike">
+            <a:endParaRPr lang="en-US" sz="5320" b="0" strike="noStrike" spc="-1">
               <a:latin typeface="Arial"/>
             </a:endParaRPr>
           </a:p>
@@ -3729,11 +4020,12 @@
           </a:prstGeom>
         </p:spPr>
         <p:txBody>
-          <a:bodyPr lIns="0" rIns="0" tIns="0" bIns="0">
+          <a:bodyPr lIns="0" tIns="0" rIns="0" bIns="0">
             <a:normAutofit/>
           </a:bodyPr>
-          <a:p>
-            <a:endParaRPr b="0" lang="en-US" sz="3870" spc="-1" strike="noStrike">
+          <a:lstStyle/>
+          <a:p>
+            <a:endParaRPr lang="en-US" sz="3870" b="0" strike="noStrike" spc="-1">
               <a:latin typeface="Arial"/>
             </a:endParaRPr>
           </a:p>
@@ -3759,11 +4051,12 @@
           </a:prstGeom>
         </p:spPr>
         <p:txBody>
-          <a:bodyPr lIns="0" rIns="0" tIns="0" bIns="0">
+          <a:bodyPr lIns="0" tIns="0" rIns="0" bIns="0">
             <a:normAutofit/>
           </a:bodyPr>
-          <a:p>
-            <a:endParaRPr b="0" lang="en-US" sz="3870" spc="-1" strike="noStrike">
+          <a:lstStyle/>
+          <a:p>
+            <a:endParaRPr lang="en-US" sz="3870" b="0" strike="noStrike" spc="-1">
               <a:latin typeface="Arial"/>
             </a:endParaRPr>
           </a:p>
@@ -3789,11 +4082,12 @@
           </a:prstGeom>
         </p:spPr>
         <p:txBody>
-          <a:bodyPr lIns="0" rIns="0" tIns="0" bIns="0">
+          <a:bodyPr lIns="0" tIns="0" rIns="0" bIns="0">
             <a:normAutofit/>
           </a:bodyPr>
-          <a:p>
-            <a:endParaRPr b="0" lang="en-US" sz="3870" spc="-1" strike="noStrike">
+          <a:lstStyle/>
+          <a:p>
+            <a:endParaRPr lang="en-US" sz="3870" b="0" strike="noStrike" spc="-1">
               <a:latin typeface="Arial"/>
             </a:endParaRPr>
           </a:p>
@@ -3801,11 +4095,14 @@
       </p:sp>
     </p:spTree>
   </p:cSld>
+  <p:clrMapOvr>
+    <a:masterClrMapping/>
+  </p:clrMapOvr>
 </p:sldLayout>
 </file>
 
 <file path=ppt/slideLayouts/slideLayout8.xml><?xml version="1.0" encoding="utf-8"?>
-<p:sldLayout xmlns:a="http://schemas.openxmlformats.org/drawingml/2006/main" xmlns:p="http://schemas.openxmlformats.org/presentationml/2006/main" xmlns:r="http://schemas.openxmlformats.org/officeDocument/2006/relationships" xmlns:p14="http://schemas.microsoft.com/office/powerpoint/2010/main" xmlns:p15="http://schemas.microsoft.com/office/powerpoint/2012/main" xmlns:mc="http://schemas.openxmlformats.org/markup-compatibility/2006" type="objAndTwoObj" preserve="1">
+<p:sldLayout xmlns:a="http://schemas.openxmlformats.org/drawingml/2006/main" xmlns:r="http://schemas.openxmlformats.org/officeDocument/2006/relationships" xmlns:p="http://schemas.openxmlformats.org/presentationml/2006/main" type="objAndTwoObj" preserve="1">
   <p:cSld name="Title Content and 2 Content">
     <p:spTree>
       <p:nvGrpSpPr>
@@ -3841,12 +4138,13 @@
           </a:prstGeom>
         </p:spPr>
         <p:txBody>
-          <a:bodyPr lIns="0" rIns="0" tIns="0" bIns="0" anchor="ctr">
+          <a:bodyPr lIns="0" tIns="0" rIns="0" bIns="0" anchor="ctr">
             <a:spAutoFit/>
           </a:bodyPr>
+          <a:lstStyle/>
           <a:p>
             <a:pPr algn="ctr"/>
-            <a:endParaRPr b="0" lang="en-US" sz="5320" spc="-1" strike="noStrike">
+            <a:endParaRPr lang="en-US" sz="5320" b="0" strike="noStrike" spc="-1">
               <a:latin typeface="Arial"/>
             </a:endParaRPr>
           </a:p>
@@ -3872,11 +4170,12 @@
           </a:prstGeom>
         </p:spPr>
         <p:txBody>
-          <a:bodyPr lIns="0" rIns="0" tIns="0" bIns="0">
+          <a:bodyPr lIns="0" tIns="0" rIns="0" bIns="0">
             <a:normAutofit/>
           </a:bodyPr>
-          <a:p>
-            <a:endParaRPr b="0" lang="en-US" sz="3870" spc="-1" strike="noStrike">
+          <a:lstStyle/>
+          <a:p>
+            <a:endParaRPr lang="en-US" sz="3870" b="0" strike="noStrike" spc="-1">
               <a:latin typeface="Arial"/>
             </a:endParaRPr>
           </a:p>
@@ -3902,11 +4201,12 @@
           </a:prstGeom>
         </p:spPr>
         <p:txBody>
-          <a:bodyPr lIns="0" rIns="0" tIns="0" bIns="0">
+          <a:bodyPr lIns="0" tIns="0" rIns="0" bIns="0">
             <a:normAutofit/>
           </a:bodyPr>
-          <a:p>
-            <a:endParaRPr b="0" lang="en-US" sz="3870" spc="-1" strike="noStrike">
+          <a:lstStyle/>
+          <a:p>
+            <a:endParaRPr lang="en-US" sz="3870" b="0" strike="noStrike" spc="-1">
               <a:latin typeface="Arial"/>
             </a:endParaRPr>
           </a:p>
@@ -3932,11 +4232,12 @@
           </a:prstGeom>
         </p:spPr>
         <p:txBody>
-          <a:bodyPr lIns="0" rIns="0" tIns="0" bIns="0">
+          <a:bodyPr lIns="0" tIns="0" rIns="0" bIns="0">
             <a:normAutofit/>
           </a:bodyPr>
-          <a:p>
-            <a:endParaRPr b="0" lang="en-US" sz="3870" spc="-1" strike="noStrike">
+          <a:lstStyle/>
+          <a:p>
+            <a:endParaRPr lang="en-US" sz="3870" b="0" strike="noStrike" spc="-1">
               <a:latin typeface="Arial"/>
             </a:endParaRPr>
           </a:p>
@@ -3944,11 +4245,14 @@
       </p:sp>
     </p:spTree>
   </p:cSld>
+  <p:clrMapOvr>
+    <a:masterClrMapping/>
+  </p:clrMapOvr>
 </p:sldLayout>
 </file>
 
 <file path=ppt/slideLayouts/slideLayout9.xml><?xml version="1.0" encoding="utf-8"?>
-<p:sldLayout xmlns:a="http://schemas.openxmlformats.org/drawingml/2006/main" xmlns:p="http://schemas.openxmlformats.org/presentationml/2006/main" xmlns:r="http://schemas.openxmlformats.org/officeDocument/2006/relationships" xmlns:p14="http://schemas.microsoft.com/office/powerpoint/2010/main" xmlns:p15="http://schemas.microsoft.com/office/powerpoint/2012/main" xmlns:mc="http://schemas.openxmlformats.org/markup-compatibility/2006" type="twoObjOverTx" preserve="1">
+<p:sldLayout xmlns:a="http://schemas.openxmlformats.org/drawingml/2006/main" xmlns:r="http://schemas.openxmlformats.org/officeDocument/2006/relationships" xmlns:p="http://schemas.openxmlformats.org/presentationml/2006/main" type="twoObjOverTx" preserve="1">
   <p:cSld name="Title, 2 Content over Content">
     <p:spTree>
       <p:nvGrpSpPr>
@@ -3984,12 +4288,13 @@
           </a:prstGeom>
         </p:spPr>
         <p:txBody>
-          <a:bodyPr lIns="0" rIns="0" tIns="0" bIns="0" anchor="ctr">
+          <a:bodyPr lIns="0" tIns="0" rIns="0" bIns="0" anchor="ctr">
             <a:spAutoFit/>
           </a:bodyPr>
+          <a:lstStyle/>
           <a:p>
             <a:pPr algn="ctr"/>
-            <a:endParaRPr b="0" lang="en-US" sz="5320" spc="-1" strike="noStrike">
+            <a:endParaRPr lang="en-US" sz="5320" b="0" strike="noStrike" spc="-1">
               <a:latin typeface="Arial"/>
             </a:endParaRPr>
           </a:p>
@@ -4015,11 +4320,12 @@
           </a:prstGeom>
         </p:spPr>
         <p:txBody>
-          <a:bodyPr lIns="0" rIns="0" tIns="0" bIns="0">
+          <a:bodyPr lIns="0" tIns="0" rIns="0" bIns="0">
             <a:normAutofit/>
           </a:bodyPr>
-          <a:p>
-            <a:endParaRPr b="0" lang="en-US" sz="3870" spc="-1" strike="noStrike">
+          <a:lstStyle/>
+          <a:p>
+            <a:endParaRPr lang="en-US" sz="3870" b="0" strike="noStrike" spc="-1">
               <a:latin typeface="Arial"/>
             </a:endParaRPr>
           </a:p>
@@ -4045,11 +4351,12 @@
           </a:prstGeom>
         </p:spPr>
         <p:txBody>
-          <a:bodyPr lIns="0" rIns="0" tIns="0" bIns="0">
+          <a:bodyPr lIns="0" tIns="0" rIns="0" bIns="0">
             <a:normAutofit/>
           </a:bodyPr>
-          <a:p>
-            <a:endParaRPr b="0" lang="en-US" sz="3870" spc="-1" strike="noStrike">
+          <a:lstStyle/>
+          <a:p>
+            <a:endParaRPr lang="en-US" sz="3870" b="0" strike="noStrike" spc="-1">
               <a:latin typeface="Arial"/>
             </a:endParaRPr>
           </a:p>
@@ -4075,11 +4382,12 @@
           </a:prstGeom>
         </p:spPr>
         <p:txBody>
-          <a:bodyPr lIns="0" rIns="0" tIns="0" bIns="0">
+          <a:bodyPr lIns="0" tIns="0" rIns="0" bIns="0">
             <a:normAutofit/>
           </a:bodyPr>
-          <a:p>
-            <a:endParaRPr b="0" lang="en-US" sz="3870" spc="-1" strike="noStrike">
+          <a:lstStyle/>
+          <a:p>
+            <a:endParaRPr lang="en-US" sz="3870" b="0" strike="noStrike" spc="-1">
               <a:latin typeface="Arial"/>
             </a:endParaRPr>
           </a:p>
@@ -4087,17 +4395,21 @@
       </p:sp>
     </p:spTree>
   </p:cSld>
+  <p:clrMapOvr>
+    <a:masterClrMapping/>
+  </p:clrMapOvr>
 </p:sldLayout>
 </file>
 
 <file path=ppt/slideMasters/slideMaster1.xml><?xml version="1.0" encoding="utf-8"?>
-<p:sldMaster xmlns:a="http://schemas.openxmlformats.org/drawingml/2006/main" xmlns:p="http://schemas.openxmlformats.org/presentationml/2006/main" xmlns:r="http://schemas.openxmlformats.org/officeDocument/2006/relationships" xmlns:p14="http://schemas.microsoft.com/office/powerpoint/2010/main" xmlns:p15="http://schemas.microsoft.com/office/powerpoint/2012/main" xmlns:mc="http://schemas.openxmlformats.org/markup-compatibility/2006">
+<p:sldMaster xmlns:a="http://schemas.openxmlformats.org/drawingml/2006/main" xmlns:r="http://schemas.openxmlformats.org/officeDocument/2006/relationships" xmlns:p="http://schemas.openxmlformats.org/presentationml/2006/main">
   <p:cSld>
     <p:bg>
       <p:bgPr>
         <a:solidFill>
-          <a:srgbClr val="ffffff"/>
+          <a:srgbClr val="FFFFFF"/>
         </a:solidFill>
+        <a:effectLst/>
       </p:bgPr>
     </p:bg>
     <p:spTree>
@@ -4116,7 +4428,7 @@
       </p:grpSpPr>
       <p:sp>
         <p:nvSpPr>
-          <p:cNvPr id="0" name="PlaceHolder 1"/>
+          <p:cNvPr id="5" name="PlaceHolder 1"/>
           <p:cNvSpPr>
             <a:spLocks noGrp="1"/>
           </p:cNvSpPr>
@@ -4137,6 +4449,7 @@
           <a:bodyPr anchor="b">
             <a:noAutofit/>
           </a:bodyPr>
+          <a:lstStyle/>
           <a:p>
             <a:pPr algn="ctr">
               <a:lnSpc>
@@ -4144,7 +4457,7 @@
               </a:lnSpc>
             </a:pPr>
             <a:r>
-              <a:rPr b="0" lang="en-US" sz="6000" spc="-1" strike="noStrike">
+              <a:rPr lang="en-US" sz="6000" b="0" strike="noStrike" spc="-1">
                 <a:solidFill>
                   <a:srgbClr val="000000"/>
                 </a:solidFill>
@@ -4152,7 +4465,7 @@
               </a:rPr>
               <a:t>Click to edit Master title style</a:t>
             </a:r>
-            <a:endParaRPr b="0" lang="en-US" sz="6000" spc="-1" strike="noStrike">
+            <a:endParaRPr lang="en-US" sz="6000" b="0" strike="noStrike" spc="-1">
               <a:solidFill>
                 <a:srgbClr val="000000"/>
               </a:solidFill>
@@ -4163,7 +4476,7 @@
       </p:sp>
       <p:sp>
         <p:nvSpPr>
-          <p:cNvPr id="1" name="PlaceHolder 2"/>
+          <p:cNvPr id="6" name="PlaceHolder 2"/>
           <p:cNvSpPr>
             <a:spLocks noGrp="1"/>
           </p:cNvSpPr>
@@ -4184,6 +4497,7 @@
           <a:bodyPr anchor="ctr">
             <a:noAutofit/>
           </a:bodyPr>
+          <a:lstStyle/>
           <a:p>
             <a:pPr>
               <a:lnSpc>
@@ -4191,15 +4505,15 @@
               </a:lnSpc>
             </a:pPr>
             <a:fld id="{4C887B19-6779-460C-AD31-A7AF358F9BB7}" type="datetime">
-              <a:rPr b="0" lang="en-US" sz="1200" spc="-1" strike="noStrike">
+              <a:rPr lang="en-US" sz="1200" b="0" strike="noStrike" spc="-1">
                 <a:solidFill>
-                  <a:srgbClr val="8b8b8b"/>
+                  <a:srgbClr val="8B8B8B"/>
                 </a:solidFill>
                 <a:latin typeface="Calibri"/>
               </a:rPr>
-              <a:t>9/5/19</a:t>
+              <a:t>9/5/2019</a:t>
             </a:fld>
-            <a:endParaRPr b="0" lang="en-US" sz="1200" spc="-1" strike="noStrike">
+            <a:endParaRPr lang="en-US" sz="1200" b="0" strike="noStrike" spc="-1">
               <a:latin typeface="Times New Roman"/>
             </a:endParaRPr>
           </a:p>
@@ -4228,8 +4542,9 @@
           <a:bodyPr anchor="ctr">
             <a:noAutofit/>
           </a:bodyPr>
-          <a:p>
-            <a:endParaRPr b="0" lang="en-US" sz="2400" spc="-1" strike="noStrike">
+          <a:lstStyle/>
+          <a:p>
+            <a:endParaRPr lang="en-US" sz="2400" b="0" strike="noStrike" spc="-1">
               <a:latin typeface="Times New Roman"/>
             </a:endParaRPr>
           </a:p>
@@ -4258,6 +4573,7 @@
           <a:bodyPr anchor="ctr">
             <a:noAutofit/>
           </a:bodyPr>
+          <a:lstStyle/>
           <a:p>
             <a:pPr algn="r">
               <a:lnSpc>
@@ -4265,15 +4581,15 @@
               </a:lnSpc>
             </a:pPr>
             <a:fld id="{59CFA2DD-9BCA-46CD-A65B-82228C0DE368}" type="slidenum">
-              <a:rPr b="0" lang="en-US" sz="1200" spc="-1" strike="noStrike">
+              <a:rPr lang="en-US" sz="1200" b="0" strike="noStrike" spc="-1">
                 <a:solidFill>
-                  <a:srgbClr val="8b8b8b"/>
+                  <a:srgbClr val="8B8B8B"/>
                 </a:solidFill>
                 <a:latin typeface="Calibri"/>
               </a:rPr>
-              <a:t>9</a:t>
+              <a:t>‹#›</a:t>
             </a:fld>
-            <a:endParaRPr b="0" lang="en-US" sz="1200" spc="-1" strike="noStrike">
+            <a:endParaRPr lang="en-US" sz="1200" b="0" strike="noStrike" spc="-1">
               <a:latin typeface="Times New Roman"/>
             </a:endParaRPr>
           </a:p>
@@ -4299,9 +4615,10 @@
           </a:prstGeom>
         </p:spPr>
         <p:txBody>
-          <a:bodyPr lIns="0" rIns="0" tIns="0" bIns="0">
+          <a:bodyPr lIns="0" tIns="0" rIns="0" bIns="0">
             <a:normAutofit/>
           </a:bodyPr>
+          <a:lstStyle/>
           <a:p>
             <a:pPr marL="432000" indent="-324000">
               <a:spcBef>
@@ -4315,7 +4632,7 @@
               <a:buChar char=""/>
             </a:pPr>
             <a:r>
-              <a:rPr b="0" lang="en-US" sz="2800" spc="-1" strike="noStrike">
+              <a:rPr lang="en-US" sz="2800" b="0" strike="noStrike" spc="-1">
                 <a:solidFill>
                   <a:srgbClr val="000000"/>
                 </a:solidFill>
@@ -4323,15 +4640,9 @@
               </a:rPr>
               <a:t>Click to edit the outline text format</a:t>
             </a:r>
-            <a:endParaRPr b="0" lang="en-US" sz="2800" spc="-1" strike="noStrike">
-              <a:solidFill>
-                <a:srgbClr val="000000"/>
-              </a:solidFill>
-              <a:latin typeface="Calibri"/>
-            </a:endParaRPr>
-          </a:p>
-          <a:p>
-            <a:pPr lvl="1" marL="864000" indent="-324000">
+          </a:p>
+          <a:p>
+            <a:pPr marL="864000" lvl="1" indent="-324000">
               <a:spcBef>
                 <a:spcPts val="1134"/>
               </a:spcBef>
@@ -4343,7 +4654,7 @@
               <a:buChar char=""/>
             </a:pPr>
             <a:r>
-              <a:rPr b="0" lang="en-US" sz="2000" spc="-1" strike="noStrike">
+              <a:rPr lang="en-US" sz="2000" b="0" strike="noStrike" spc="-1">
                 <a:solidFill>
                   <a:srgbClr val="000000"/>
                 </a:solidFill>
@@ -4351,15 +4662,9 @@
               </a:rPr>
               <a:t>Second Outline Level</a:t>
             </a:r>
-            <a:endParaRPr b="0" lang="en-US" sz="2000" spc="-1" strike="noStrike">
-              <a:solidFill>
-                <a:srgbClr val="000000"/>
-              </a:solidFill>
-              <a:latin typeface="Calibri"/>
-            </a:endParaRPr>
-          </a:p>
-          <a:p>
-            <a:pPr lvl="2" marL="1296000" indent="-288000">
+          </a:p>
+          <a:p>
+            <a:pPr marL="1296000" lvl="2" indent="-288000">
               <a:spcBef>
                 <a:spcPts val="850"/>
               </a:spcBef>
@@ -4371,7 +4676,7 @@
               <a:buChar char=""/>
             </a:pPr>
             <a:r>
-              <a:rPr b="0" lang="en-US" sz="1800" spc="-1" strike="noStrike">
+              <a:rPr lang="en-US" sz="1800" b="0" strike="noStrike" spc="-1">
                 <a:solidFill>
                   <a:srgbClr val="000000"/>
                 </a:solidFill>
@@ -4379,15 +4684,9 @@
               </a:rPr>
               <a:t>Third Outline Level</a:t>
             </a:r>
-            <a:endParaRPr b="0" lang="en-US" sz="1800" spc="-1" strike="noStrike">
-              <a:solidFill>
-                <a:srgbClr val="000000"/>
-              </a:solidFill>
-              <a:latin typeface="Calibri"/>
-            </a:endParaRPr>
-          </a:p>
-          <a:p>
-            <a:pPr lvl="3" marL="1728000" indent="-216000">
+          </a:p>
+          <a:p>
+            <a:pPr marL="1728000" lvl="3" indent="-216000">
               <a:spcBef>
                 <a:spcPts val="567"/>
               </a:spcBef>
@@ -4399,7 +4698,7 @@
               <a:buChar char=""/>
             </a:pPr>
             <a:r>
-              <a:rPr b="0" lang="en-US" sz="1800" spc="-1" strike="noStrike">
+              <a:rPr lang="en-US" sz="1800" b="0" strike="noStrike" spc="-1">
                 <a:solidFill>
                   <a:srgbClr val="000000"/>
                 </a:solidFill>
@@ -4407,15 +4706,9 @@
               </a:rPr>
               <a:t>Fourth Outline Level</a:t>
             </a:r>
-            <a:endParaRPr b="0" lang="en-US" sz="1800" spc="-1" strike="noStrike">
-              <a:solidFill>
-                <a:srgbClr val="000000"/>
-              </a:solidFill>
-              <a:latin typeface="Calibri"/>
-            </a:endParaRPr>
-          </a:p>
-          <a:p>
-            <a:pPr lvl="4" marL="2160000" indent="-216000">
+          </a:p>
+          <a:p>
+            <a:pPr marL="2160000" lvl="4" indent="-216000">
               <a:spcBef>
                 <a:spcPts val="283"/>
               </a:spcBef>
@@ -4427,7 +4720,7 @@
               <a:buChar char=""/>
             </a:pPr>
             <a:r>
-              <a:rPr b="0" lang="en-US" sz="2000" spc="-1" strike="noStrike">
+              <a:rPr lang="en-US" sz="2000" b="0" strike="noStrike" spc="-1">
                 <a:solidFill>
                   <a:srgbClr val="000000"/>
                 </a:solidFill>
@@ -4435,15 +4728,9 @@
               </a:rPr>
               <a:t>Fifth Outline Level</a:t>
             </a:r>
-            <a:endParaRPr b="0" lang="en-US" sz="2000" spc="-1" strike="noStrike">
-              <a:solidFill>
-                <a:srgbClr val="000000"/>
-              </a:solidFill>
-              <a:latin typeface="Calibri"/>
-            </a:endParaRPr>
-          </a:p>
-          <a:p>
-            <a:pPr lvl="5" marL="2592000" indent="-216000">
+          </a:p>
+          <a:p>
+            <a:pPr marL="2592000" lvl="5" indent="-216000">
               <a:spcBef>
                 <a:spcPts val="283"/>
               </a:spcBef>
@@ -4455,7 +4742,7 @@
               <a:buChar char=""/>
             </a:pPr>
             <a:r>
-              <a:rPr b="0" lang="en-US" sz="2000" spc="-1" strike="noStrike">
+              <a:rPr lang="en-US" sz="2000" b="0" strike="noStrike" spc="-1">
                 <a:solidFill>
                   <a:srgbClr val="000000"/>
                 </a:solidFill>
@@ -4463,15 +4750,9 @@
               </a:rPr>
               <a:t>Sixth Outline Level</a:t>
             </a:r>
-            <a:endParaRPr b="0" lang="en-US" sz="2000" spc="-1" strike="noStrike">
-              <a:solidFill>
-                <a:srgbClr val="000000"/>
-              </a:solidFill>
-              <a:latin typeface="Calibri"/>
-            </a:endParaRPr>
-          </a:p>
-          <a:p>
-            <a:pPr lvl="6" marL="3024000" indent="-216000">
+          </a:p>
+          <a:p>
+            <a:pPr marL="3024000" lvl="6" indent="-216000">
               <a:spcBef>
                 <a:spcPts val="283"/>
               </a:spcBef>
@@ -4483,7 +4764,7 @@
               <a:buChar char=""/>
             </a:pPr>
             <a:r>
-              <a:rPr b="0" lang="en-US" sz="2000" spc="-1" strike="noStrike">
+              <a:rPr lang="en-US" sz="2000" b="0" strike="noStrike" spc="-1">
                 <a:solidFill>
                   <a:srgbClr val="000000"/>
                 </a:solidFill>
@@ -4491,43 +4772,318 @@
               </a:rPr>
               <a:t>Seventh Outline Level</a:t>
             </a:r>
-            <a:endParaRPr b="0" lang="en-US" sz="2000" spc="-1" strike="noStrike">
-              <a:solidFill>
-                <a:srgbClr val="000000"/>
-              </a:solidFill>
-              <a:latin typeface="Calibri"/>
-            </a:endParaRPr>
           </a:p>
         </p:txBody>
       </p:sp>
     </p:spTree>
   </p:cSld>
-  <p:clrMap bg1="lt1" bg2="lt2" tx1="dk1" tx2="dk2" accent1="accent1" accent2="accent2" accent3="accent3" accent4="accent4" accent5="accent5" accent6="accent6" hlink="hlink" folHlink="folHlink"/>
+  <p:clrMap bg1="lt1" tx1="dk1" bg2="lt2" tx2="dk2" accent1="accent1" accent2="accent2" accent3="accent3" accent4="accent4" accent5="accent5" accent6="accent6" hlink="hlink" folHlink="folHlink"/>
   <p:sldLayoutIdLst>
-    <p:sldLayoutId id="2147483649" r:id="rId2"/>
-    <p:sldLayoutId id="2147483650" r:id="rId3"/>
-    <p:sldLayoutId id="2147483651" r:id="rId4"/>
-    <p:sldLayoutId id="2147483652" r:id="rId5"/>
-    <p:sldLayoutId id="2147483653" r:id="rId6"/>
-    <p:sldLayoutId id="2147483654" r:id="rId7"/>
-    <p:sldLayoutId id="2147483655" r:id="rId8"/>
-    <p:sldLayoutId id="2147483656" r:id="rId9"/>
-    <p:sldLayoutId id="2147483657" r:id="rId10"/>
-    <p:sldLayoutId id="2147483658" r:id="rId11"/>
-    <p:sldLayoutId id="2147483659" r:id="rId12"/>
-    <p:sldLayoutId id="2147483660" r:id="rId13"/>
+    <p:sldLayoutId id="2147483649" r:id="rId1"/>
+    <p:sldLayoutId id="2147483650" r:id="rId2"/>
+    <p:sldLayoutId id="2147483651" r:id="rId3"/>
+    <p:sldLayoutId id="2147483652" r:id="rId4"/>
+    <p:sldLayoutId id="2147483653" r:id="rId5"/>
+    <p:sldLayoutId id="2147483654" r:id="rId6"/>
+    <p:sldLayoutId id="2147483655" r:id="rId7"/>
+    <p:sldLayoutId id="2147483656" r:id="rId8"/>
+    <p:sldLayoutId id="2147483657" r:id="rId9"/>
+    <p:sldLayoutId id="2147483658" r:id="rId10"/>
+    <p:sldLayoutId id="2147483659" r:id="rId11"/>
+    <p:sldLayoutId id="2147483660" r:id="rId12"/>
   </p:sldLayoutIdLst>
+  <p:txStyles>
+    <p:titleStyle>
+      <a:lvl1pPr algn="l" defTabSz="914400" rtl="0" eaLnBrk="1" latinLnBrk="0" hangingPunct="1">
+        <a:lnSpc>
+          <a:spcPct val="90000"/>
+        </a:lnSpc>
+        <a:spcBef>
+          <a:spcPct val="0"/>
+        </a:spcBef>
+        <a:buNone/>
+        <a:defRPr sz="4400" kern="1200">
+          <a:solidFill>
+            <a:schemeClr val="tx1"/>
+          </a:solidFill>
+          <a:latin typeface="+mj-lt"/>
+          <a:ea typeface="+mj-ea"/>
+          <a:cs typeface="+mj-cs"/>
+        </a:defRPr>
+      </a:lvl1pPr>
+    </p:titleStyle>
+    <p:bodyStyle>
+      <a:lvl1pPr marL="228600" indent="-228600" algn="l" defTabSz="914400" rtl="0" eaLnBrk="1" latinLnBrk="0" hangingPunct="1">
+        <a:lnSpc>
+          <a:spcPct val="90000"/>
+        </a:lnSpc>
+        <a:spcBef>
+          <a:spcPts val="1000"/>
+        </a:spcBef>
+        <a:buFont typeface="Arial" panose="020B0604020202020204" pitchFamily="34" charset="0"/>
+        <a:buChar char="•"/>
+        <a:defRPr sz="2800" kern="1200">
+          <a:solidFill>
+            <a:schemeClr val="tx1"/>
+          </a:solidFill>
+          <a:latin typeface="+mn-lt"/>
+          <a:ea typeface="+mn-ea"/>
+          <a:cs typeface="+mn-cs"/>
+        </a:defRPr>
+      </a:lvl1pPr>
+      <a:lvl2pPr marL="685800" indent="-228600" algn="l" defTabSz="914400" rtl="0" eaLnBrk="1" latinLnBrk="0" hangingPunct="1">
+        <a:lnSpc>
+          <a:spcPct val="90000"/>
+        </a:lnSpc>
+        <a:spcBef>
+          <a:spcPts val="500"/>
+        </a:spcBef>
+        <a:buFont typeface="Arial" panose="020B0604020202020204" pitchFamily="34" charset="0"/>
+        <a:buChar char="•"/>
+        <a:defRPr sz="2400" kern="1200">
+          <a:solidFill>
+            <a:schemeClr val="tx1"/>
+          </a:solidFill>
+          <a:latin typeface="+mn-lt"/>
+          <a:ea typeface="+mn-ea"/>
+          <a:cs typeface="+mn-cs"/>
+        </a:defRPr>
+      </a:lvl2pPr>
+      <a:lvl3pPr marL="1143000" indent="-228600" algn="l" defTabSz="914400" rtl="0" eaLnBrk="1" latinLnBrk="0" hangingPunct="1">
+        <a:lnSpc>
+          <a:spcPct val="90000"/>
+        </a:lnSpc>
+        <a:spcBef>
+          <a:spcPts val="500"/>
+        </a:spcBef>
+        <a:buFont typeface="Arial" panose="020B0604020202020204" pitchFamily="34" charset="0"/>
+        <a:buChar char="•"/>
+        <a:defRPr sz="2000" kern="1200">
+          <a:solidFill>
+            <a:schemeClr val="tx1"/>
+          </a:solidFill>
+          <a:latin typeface="+mn-lt"/>
+          <a:ea typeface="+mn-ea"/>
+          <a:cs typeface="+mn-cs"/>
+        </a:defRPr>
+      </a:lvl3pPr>
+      <a:lvl4pPr marL="1600200" indent="-228600" algn="l" defTabSz="914400" rtl="0" eaLnBrk="1" latinLnBrk="0" hangingPunct="1">
+        <a:lnSpc>
+          <a:spcPct val="90000"/>
+        </a:lnSpc>
+        <a:spcBef>
+          <a:spcPts val="500"/>
+        </a:spcBef>
+        <a:buFont typeface="Arial" panose="020B0604020202020204" pitchFamily="34" charset="0"/>
+        <a:buChar char="•"/>
+        <a:defRPr sz="1800" kern="1200">
+          <a:solidFill>
+            <a:schemeClr val="tx1"/>
+          </a:solidFill>
+          <a:latin typeface="+mn-lt"/>
+          <a:ea typeface="+mn-ea"/>
+          <a:cs typeface="+mn-cs"/>
+        </a:defRPr>
+      </a:lvl4pPr>
+      <a:lvl5pPr marL="2057400" indent="-228600" algn="l" defTabSz="914400" rtl="0" eaLnBrk="1" latinLnBrk="0" hangingPunct="1">
+        <a:lnSpc>
+          <a:spcPct val="90000"/>
+        </a:lnSpc>
+        <a:spcBef>
+          <a:spcPts val="500"/>
+        </a:spcBef>
+        <a:buFont typeface="Arial" panose="020B0604020202020204" pitchFamily="34" charset="0"/>
+        <a:buChar char="•"/>
+        <a:defRPr sz="1800" kern="1200">
+          <a:solidFill>
+            <a:schemeClr val="tx1"/>
+          </a:solidFill>
+          <a:latin typeface="+mn-lt"/>
+          <a:ea typeface="+mn-ea"/>
+          <a:cs typeface="+mn-cs"/>
+        </a:defRPr>
+      </a:lvl5pPr>
+      <a:lvl6pPr marL="2514600" indent="-228600" algn="l" defTabSz="914400" rtl="0" eaLnBrk="1" latinLnBrk="0" hangingPunct="1">
+        <a:lnSpc>
+          <a:spcPct val="90000"/>
+        </a:lnSpc>
+        <a:spcBef>
+          <a:spcPts val="500"/>
+        </a:spcBef>
+        <a:buFont typeface="Arial" panose="020B0604020202020204" pitchFamily="34" charset="0"/>
+        <a:buChar char="•"/>
+        <a:defRPr sz="1800" kern="1200">
+          <a:solidFill>
+            <a:schemeClr val="tx1"/>
+          </a:solidFill>
+          <a:latin typeface="+mn-lt"/>
+          <a:ea typeface="+mn-ea"/>
+          <a:cs typeface="+mn-cs"/>
+        </a:defRPr>
+      </a:lvl6pPr>
+      <a:lvl7pPr marL="2971800" indent="-228600" algn="l" defTabSz="914400" rtl="0" eaLnBrk="1" latinLnBrk="0" hangingPunct="1">
+        <a:lnSpc>
+          <a:spcPct val="90000"/>
+        </a:lnSpc>
+        <a:spcBef>
+          <a:spcPts val="500"/>
+        </a:spcBef>
+        <a:buFont typeface="Arial" panose="020B0604020202020204" pitchFamily="34" charset="0"/>
+        <a:buChar char="•"/>
+        <a:defRPr sz="1800" kern="1200">
+          <a:solidFill>
+            <a:schemeClr val="tx1"/>
+          </a:solidFill>
+          <a:latin typeface="+mn-lt"/>
+          <a:ea typeface="+mn-ea"/>
+          <a:cs typeface="+mn-cs"/>
+        </a:defRPr>
+      </a:lvl7pPr>
+      <a:lvl8pPr marL="3429000" indent="-228600" algn="l" defTabSz="914400" rtl="0" eaLnBrk="1" latinLnBrk="0" hangingPunct="1">
+        <a:lnSpc>
+          <a:spcPct val="90000"/>
+        </a:lnSpc>
+        <a:spcBef>
+          <a:spcPts val="500"/>
+        </a:spcBef>
+        <a:buFont typeface="Arial" panose="020B0604020202020204" pitchFamily="34" charset="0"/>
+        <a:buChar char="•"/>
+        <a:defRPr sz="1800" kern="1200">
+          <a:solidFill>
+            <a:schemeClr val="tx1"/>
+          </a:solidFill>
+          <a:latin typeface="+mn-lt"/>
+          <a:ea typeface="+mn-ea"/>
+          <a:cs typeface="+mn-cs"/>
+        </a:defRPr>
+      </a:lvl8pPr>
+      <a:lvl9pPr marL="3886200" indent="-228600" algn="l" defTabSz="914400" rtl="0" eaLnBrk="1" latinLnBrk="0" hangingPunct="1">
+        <a:lnSpc>
+          <a:spcPct val="90000"/>
+        </a:lnSpc>
+        <a:spcBef>
+          <a:spcPts val="500"/>
+        </a:spcBef>
+        <a:buFont typeface="Arial" panose="020B0604020202020204" pitchFamily="34" charset="0"/>
+        <a:buChar char="•"/>
+        <a:defRPr sz="1800" kern="1200">
+          <a:solidFill>
+            <a:schemeClr val="tx1"/>
+          </a:solidFill>
+          <a:latin typeface="+mn-lt"/>
+          <a:ea typeface="+mn-ea"/>
+          <a:cs typeface="+mn-cs"/>
+        </a:defRPr>
+      </a:lvl9pPr>
+    </p:bodyStyle>
+    <p:otherStyle>
+      <a:defPPr>
+        <a:defRPr lang="en-US"/>
+      </a:defPPr>
+      <a:lvl1pPr marL="0" algn="l" defTabSz="914400" rtl="0" eaLnBrk="1" latinLnBrk="0" hangingPunct="1">
+        <a:defRPr sz="1800" kern="1200">
+          <a:solidFill>
+            <a:schemeClr val="tx1"/>
+          </a:solidFill>
+          <a:latin typeface="+mn-lt"/>
+          <a:ea typeface="+mn-ea"/>
+          <a:cs typeface="+mn-cs"/>
+        </a:defRPr>
+      </a:lvl1pPr>
+      <a:lvl2pPr marL="457200" algn="l" defTabSz="914400" rtl="0" eaLnBrk="1" latinLnBrk="0" hangingPunct="1">
+        <a:defRPr sz="1800" kern="1200">
+          <a:solidFill>
+            <a:schemeClr val="tx1"/>
+          </a:solidFill>
+          <a:latin typeface="+mn-lt"/>
+          <a:ea typeface="+mn-ea"/>
+          <a:cs typeface="+mn-cs"/>
+        </a:defRPr>
+      </a:lvl2pPr>
+      <a:lvl3pPr marL="914400" algn="l" defTabSz="914400" rtl="0" eaLnBrk="1" latinLnBrk="0" hangingPunct="1">
+        <a:defRPr sz="1800" kern="1200">
+          <a:solidFill>
+            <a:schemeClr val="tx1"/>
+          </a:solidFill>
+          <a:latin typeface="+mn-lt"/>
+          <a:ea typeface="+mn-ea"/>
+          <a:cs typeface="+mn-cs"/>
+        </a:defRPr>
+      </a:lvl3pPr>
+      <a:lvl4pPr marL="1371600" algn="l" defTabSz="914400" rtl="0" eaLnBrk="1" latinLnBrk="0" hangingPunct="1">
+        <a:defRPr sz="1800" kern="1200">
+          <a:solidFill>
+            <a:schemeClr val="tx1"/>
+          </a:solidFill>
+          <a:latin typeface="+mn-lt"/>
+          <a:ea typeface="+mn-ea"/>
+          <a:cs typeface="+mn-cs"/>
+        </a:defRPr>
+      </a:lvl4pPr>
+      <a:lvl5pPr marL="1828800" algn="l" defTabSz="914400" rtl="0" eaLnBrk="1" latinLnBrk="0" hangingPunct="1">
+        <a:defRPr sz="1800" kern="1200">
+          <a:solidFill>
+            <a:schemeClr val="tx1"/>
+          </a:solidFill>
+          <a:latin typeface="+mn-lt"/>
+          <a:ea typeface="+mn-ea"/>
+          <a:cs typeface="+mn-cs"/>
+        </a:defRPr>
+      </a:lvl5pPr>
+      <a:lvl6pPr marL="2286000" algn="l" defTabSz="914400" rtl="0" eaLnBrk="1" latinLnBrk="0" hangingPunct="1">
+        <a:defRPr sz="1800" kern="1200">
+          <a:solidFill>
+            <a:schemeClr val="tx1"/>
+          </a:solidFill>
+          <a:latin typeface="+mn-lt"/>
+          <a:ea typeface="+mn-ea"/>
+          <a:cs typeface="+mn-cs"/>
+        </a:defRPr>
+      </a:lvl6pPr>
+      <a:lvl7pPr marL="2743200" algn="l" defTabSz="914400" rtl="0" eaLnBrk="1" latinLnBrk="0" hangingPunct="1">
+        <a:defRPr sz="1800" kern="1200">
+          <a:solidFill>
+            <a:schemeClr val="tx1"/>
+          </a:solidFill>
+          <a:latin typeface="+mn-lt"/>
+          <a:ea typeface="+mn-ea"/>
+          <a:cs typeface="+mn-cs"/>
+        </a:defRPr>
+      </a:lvl7pPr>
+      <a:lvl8pPr marL="3200400" algn="l" defTabSz="914400" rtl="0" eaLnBrk="1" latinLnBrk="0" hangingPunct="1">
+        <a:defRPr sz="1800" kern="1200">
+          <a:solidFill>
+            <a:schemeClr val="tx1"/>
+          </a:solidFill>
+          <a:latin typeface="+mn-lt"/>
+          <a:ea typeface="+mn-ea"/>
+          <a:cs typeface="+mn-cs"/>
+        </a:defRPr>
+      </a:lvl8pPr>
+      <a:lvl9pPr marL="3657600" algn="l" defTabSz="914400" rtl="0" eaLnBrk="1" latinLnBrk="0" hangingPunct="1">
+        <a:defRPr sz="1800" kern="1200">
+          <a:solidFill>
+            <a:schemeClr val="tx1"/>
+          </a:solidFill>
+          <a:latin typeface="+mn-lt"/>
+          <a:ea typeface="+mn-ea"/>
+          <a:cs typeface="+mn-cs"/>
+        </a:defRPr>
+      </a:lvl9pPr>
+    </p:otherStyle>
+  </p:txStyles>
 </p:sldMaster>
 </file>
 
 <file path=ppt/slideMasters/slideMaster2.xml><?xml version="1.0" encoding="utf-8"?>
-<p:sldMaster xmlns:a="http://schemas.openxmlformats.org/drawingml/2006/main" xmlns:p="http://schemas.openxmlformats.org/presentationml/2006/main" xmlns:r="http://schemas.openxmlformats.org/officeDocument/2006/relationships" xmlns:p14="http://schemas.microsoft.com/office/powerpoint/2010/main" xmlns:p15="http://schemas.microsoft.com/office/powerpoint/2012/main" xmlns:mc="http://schemas.openxmlformats.org/markup-compatibility/2006">
+<p:sldMaster xmlns:a="http://schemas.openxmlformats.org/drawingml/2006/main" xmlns:r="http://schemas.openxmlformats.org/officeDocument/2006/relationships" xmlns:p="http://schemas.openxmlformats.org/presentationml/2006/main">
   <p:cSld>
     <p:bg>
       <p:bgPr>
         <a:solidFill>
-          <a:srgbClr val="ffffff"/>
+          <a:srgbClr val="FFFFFF"/>
         </a:solidFill>
+        <a:effectLst/>
       </p:bgPr>
     </p:bg>
     <p:spTree>
@@ -4567,6 +5123,7 @@
           <a:bodyPr anchor="ctr">
             <a:noAutofit/>
           </a:bodyPr>
+          <a:lstStyle/>
           <a:p>
             <a:pPr>
               <a:lnSpc>
@@ -4574,7 +5131,7 @@
               </a:lnSpc>
             </a:pPr>
             <a:r>
-              <a:rPr b="0" lang="en-US" sz="4400" spc="-1" strike="noStrike">
+              <a:rPr lang="en-US" sz="4400" b="0" strike="noStrike" spc="-1">
                 <a:solidFill>
                   <a:srgbClr val="000000"/>
                 </a:solidFill>
@@ -4582,7 +5139,7 @@
               </a:rPr>
               <a:t>Click to edit Master title style</a:t>
             </a:r>
-            <a:endParaRPr b="0" lang="en-US" sz="4400" spc="-1" strike="noStrike">
+            <a:endParaRPr lang="en-US" sz="4400" b="0" strike="noStrike" spc="-1">
               <a:solidFill>
                 <a:srgbClr val="000000"/>
               </a:solidFill>
@@ -4614,6 +5171,7 @@
           <a:bodyPr>
             <a:noAutofit/>
           </a:bodyPr>
+          <a:lstStyle/>
           <a:p>
             <a:pPr marL="228600" indent="-228240">
               <a:lnSpc>
@@ -4629,7 +5187,7 @@
               <a:buChar char="•"/>
             </a:pPr>
             <a:r>
-              <a:rPr b="0" lang="en-US" sz="2800" spc="-1" strike="noStrike">
+              <a:rPr lang="en-US" sz="2800" b="0" strike="noStrike" spc="-1">
                 <a:solidFill>
                   <a:srgbClr val="000000"/>
                 </a:solidFill>
@@ -4637,15 +5195,9 @@
               </a:rPr>
               <a:t>Click to edit Master text styles</a:t>
             </a:r>
-            <a:endParaRPr b="0" lang="en-US" sz="2800" spc="-1" strike="noStrike">
-              <a:solidFill>
-                <a:srgbClr val="000000"/>
-              </a:solidFill>
-              <a:latin typeface="Calibri"/>
-            </a:endParaRPr>
-          </a:p>
-          <a:p>
-            <a:pPr lvl="1" marL="685800" indent="-228240">
+          </a:p>
+          <a:p>
+            <a:pPr marL="685800" lvl="1" indent="-228240">
               <a:lnSpc>
                 <a:spcPct val="90000"/>
               </a:lnSpc>
@@ -4659,7 +5211,7 @@
               <a:buChar char="•"/>
             </a:pPr>
             <a:r>
-              <a:rPr b="0" lang="en-US" sz="2400" spc="-1" strike="noStrike">
+              <a:rPr lang="en-US" sz="2400" b="0" strike="noStrike" spc="-1">
                 <a:solidFill>
                   <a:srgbClr val="000000"/>
                 </a:solidFill>
@@ -4667,15 +5219,9 @@
               </a:rPr>
               <a:t>Second level</a:t>
             </a:r>
-            <a:endParaRPr b="0" lang="en-US" sz="2400" spc="-1" strike="noStrike">
-              <a:solidFill>
-                <a:srgbClr val="000000"/>
-              </a:solidFill>
-              <a:latin typeface="Calibri"/>
-            </a:endParaRPr>
-          </a:p>
-          <a:p>
-            <a:pPr lvl="2" marL="1143000" indent="-228240">
+          </a:p>
+          <a:p>
+            <a:pPr marL="1143000" lvl="2" indent="-228240">
               <a:lnSpc>
                 <a:spcPct val="90000"/>
               </a:lnSpc>
@@ -4689,7 +5235,7 @@
               <a:buChar char="•"/>
             </a:pPr>
             <a:r>
-              <a:rPr b="0" lang="en-US" sz="2000" spc="-1" strike="noStrike">
+              <a:rPr lang="en-US" sz="2000" b="0" strike="noStrike" spc="-1">
                 <a:solidFill>
                   <a:srgbClr val="000000"/>
                 </a:solidFill>
@@ -4697,15 +5243,9 @@
               </a:rPr>
               <a:t>Third level</a:t>
             </a:r>
-            <a:endParaRPr b="0" lang="en-US" sz="2000" spc="-1" strike="noStrike">
-              <a:solidFill>
-                <a:srgbClr val="000000"/>
-              </a:solidFill>
-              <a:latin typeface="Calibri"/>
-            </a:endParaRPr>
-          </a:p>
-          <a:p>
-            <a:pPr lvl="3" marL="1600200" indent="-228240">
+          </a:p>
+          <a:p>
+            <a:pPr marL="1600200" lvl="3" indent="-228240">
               <a:lnSpc>
                 <a:spcPct val="90000"/>
               </a:lnSpc>
@@ -4719,7 +5259,7 @@
               <a:buChar char="•"/>
             </a:pPr>
             <a:r>
-              <a:rPr b="0" lang="en-US" sz="1800" spc="-1" strike="noStrike">
+              <a:rPr lang="en-US" sz="1800" b="0" strike="noStrike" spc="-1">
                 <a:solidFill>
                   <a:srgbClr val="000000"/>
                 </a:solidFill>
@@ -4727,15 +5267,9 @@
               </a:rPr>
               <a:t>Fourth level</a:t>
             </a:r>
-            <a:endParaRPr b="0" lang="en-US" sz="1800" spc="-1" strike="noStrike">
-              <a:solidFill>
-                <a:srgbClr val="000000"/>
-              </a:solidFill>
-              <a:latin typeface="Calibri"/>
-            </a:endParaRPr>
-          </a:p>
-          <a:p>
-            <a:pPr lvl="4" marL="2057400" indent="-228240">
+          </a:p>
+          <a:p>
+            <a:pPr marL="2057400" lvl="4" indent="-228240">
               <a:lnSpc>
                 <a:spcPct val="90000"/>
               </a:lnSpc>
@@ -4749,7 +5283,7 @@
               <a:buChar char="•"/>
             </a:pPr>
             <a:r>
-              <a:rPr b="0" lang="en-US" sz="1800" spc="-1" strike="noStrike">
+              <a:rPr lang="en-US" sz="1800" b="0" strike="noStrike" spc="-1">
                 <a:solidFill>
                   <a:srgbClr val="000000"/>
                 </a:solidFill>
@@ -4757,12 +5291,6 @@
               </a:rPr>
               <a:t>Fifth level</a:t>
             </a:r>
-            <a:endParaRPr b="0" lang="en-US" sz="1800" spc="-1" strike="noStrike">
-              <a:solidFill>
-                <a:srgbClr val="000000"/>
-              </a:solidFill>
-              <a:latin typeface="Calibri"/>
-            </a:endParaRPr>
           </a:p>
         </p:txBody>
       </p:sp>
@@ -4789,6 +5317,7 @@
           <a:bodyPr anchor="ctr">
             <a:noAutofit/>
           </a:bodyPr>
+          <a:lstStyle/>
           <a:p>
             <a:pPr>
               <a:lnSpc>
@@ -4796,15 +5325,15 @@
               </a:lnSpc>
             </a:pPr>
             <a:fld id="{78D2BFA2-8C7C-4ACF-ABFC-BE564C8CDC6F}" type="datetime">
-              <a:rPr b="0" lang="en-US" sz="1200" spc="-1" strike="noStrike">
+              <a:rPr lang="en-US" sz="1200" b="0" strike="noStrike" spc="-1">
                 <a:solidFill>
-                  <a:srgbClr val="8b8b8b"/>
+                  <a:srgbClr val="8B8B8B"/>
                 </a:solidFill>
                 <a:latin typeface="Calibri"/>
               </a:rPr>
-              <a:t>9/5/19</a:t>
+              <a:t>9/5/2019</a:t>
             </a:fld>
-            <a:endParaRPr b="0" lang="en-US" sz="1200" spc="-1" strike="noStrike">
+            <a:endParaRPr lang="en-US" sz="1200" b="0" strike="noStrike" spc="-1">
               <a:latin typeface="Times New Roman"/>
             </a:endParaRPr>
           </a:p>
@@ -4833,8 +5362,9 @@
           <a:bodyPr anchor="ctr">
             <a:noAutofit/>
           </a:bodyPr>
-          <a:p>
-            <a:endParaRPr b="0" lang="en-US" sz="2400" spc="-1" strike="noStrike">
+          <a:lstStyle/>
+          <a:p>
+            <a:endParaRPr lang="en-US" sz="2400" b="0" strike="noStrike" spc="-1">
               <a:latin typeface="Times New Roman"/>
             </a:endParaRPr>
           </a:p>
@@ -4863,6 +5393,7 @@
           <a:bodyPr anchor="ctr">
             <a:noAutofit/>
           </a:bodyPr>
+          <a:lstStyle/>
           <a:p>
             <a:pPr algn="r">
               <a:lnSpc>
@@ -4870,15 +5401,15 @@
               </a:lnSpc>
             </a:pPr>
             <a:fld id="{678B3078-7B52-455F-89CC-D1A37495D77A}" type="slidenum">
-              <a:rPr b="0" lang="en-US" sz="1200" spc="-1" strike="noStrike">
+              <a:rPr lang="en-US" sz="1200" b="0" strike="noStrike" spc="-1">
                 <a:solidFill>
-                  <a:srgbClr val="8b8b8b"/>
+                  <a:srgbClr val="8B8B8B"/>
                 </a:solidFill>
                 <a:latin typeface="Calibri"/>
               </a:rPr>
-              <a:t>1</a:t>
+              <a:t>‹#›</a:t>
             </a:fld>
-            <a:endParaRPr b="0" lang="en-US" sz="1200" spc="-1" strike="noStrike">
+            <a:endParaRPr lang="en-US" sz="1200" b="0" strike="noStrike" spc="-1">
               <a:latin typeface="Times New Roman"/>
             </a:endParaRPr>
           </a:p>
@@ -4886,27 +5417,312 @@
       </p:sp>
     </p:spTree>
   </p:cSld>
-  <p:clrMap bg1="lt1" bg2="lt2" tx1="dk1" tx2="dk2" accent1="accent1" accent2="accent2" accent3="accent3" accent4="accent4" accent5="accent5" accent6="accent6" hlink="hlink" folHlink="folHlink"/>
+  <p:clrMap bg1="lt1" tx1="dk1" bg2="lt2" tx2="dk2" accent1="accent1" accent2="accent2" accent3="accent3" accent4="accent4" accent5="accent5" accent6="accent6" hlink="hlink" folHlink="folHlink"/>
   <p:sldLayoutIdLst>
-    <p:sldLayoutId id="2147483662" r:id="rId2"/>
-    <p:sldLayoutId id="2147483663" r:id="rId3"/>
-    <p:sldLayoutId id="2147483664" r:id="rId4"/>
-    <p:sldLayoutId id="2147483665" r:id="rId5"/>
-    <p:sldLayoutId id="2147483666" r:id="rId6"/>
-    <p:sldLayoutId id="2147483667" r:id="rId7"/>
-    <p:sldLayoutId id="2147483668" r:id="rId8"/>
-    <p:sldLayoutId id="2147483669" r:id="rId9"/>
-    <p:sldLayoutId id="2147483670" r:id="rId10"/>
-    <p:sldLayoutId id="2147483671" r:id="rId11"/>
-    <p:sldLayoutId id="2147483672" r:id="rId12"/>
-    <p:sldLayoutId id="2147483673" r:id="rId13"/>
+    <p:sldLayoutId id="2147483662" r:id="rId1"/>
+    <p:sldLayoutId id="2147483663" r:id="rId2"/>
+    <p:sldLayoutId id="2147483664" r:id="rId3"/>
+    <p:sldLayoutId id="2147483665" r:id="rId4"/>
+    <p:sldLayoutId id="2147483666" r:id="rId5"/>
+    <p:sldLayoutId id="2147483667" r:id="rId6"/>
+    <p:sldLayoutId id="2147483668" r:id="rId7"/>
+    <p:sldLayoutId id="2147483669" r:id="rId8"/>
+    <p:sldLayoutId id="2147483670" r:id="rId9"/>
+    <p:sldLayoutId id="2147483671" r:id="rId10"/>
+    <p:sldLayoutId id="2147483672" r:id="rId11"/>
+    <p:sldLayoutId id="2147483673" r:id="rId12"/>
   </p:sldLayoutIdLst>
+  <p:txStyles>
+    <p:titleStyle>
+      <a:lvl1pPr algn="l" defTabSz="914400" rtl="0" eaLnBrk="1" latinLnBrk="0" hangingPunct="1">
+        <a:lnSpc>
+          <a:spcPct val="90000"/>
+        </a:lnSpc>
+        <a:spcBef>
+          <a:spcPct val="0"/>
+        </a:spcBef>
+        <a:buNone/>
+        <a:defRPr sz="4400" kern="1200">
+          <a:solidFill>
+            <a:schemeClr val="tx1"/>
+          </a:solidFill>
+          <a:latin typeface="+mj-lt"/>
+          <a:ea typeface="+mj-ea"/>
+          <a:cs typeface="+mj-cs"/>
+        </a:defRPr>
+      </a:lvl1pPr>
+    </p:titleStyle>
+    <p:bodyStyle>
+      <a:lvl1pPr marL="228600" indent="-228600" algn="l" defTabSz="914400" rtl="0" eaLnBrk="1" latinLnBrk="0" hangingPunct="1">
+        <a:lnSpc>
+          <a:spcPct val="90000"/>
+        </a:lnSpc>
+        <a:spcBef>
+          <a:spcPts val="1000"/>
+        </a:spcBef>
+        <a:buFont typeface="Arial" panose="020B0604020202020204" pitchFamily="34" charset="0"/>
+        <a:buChar char="•"/>
+        <a:defRPr sz="2800" kern="1200">
+          <a:solidFill>
+            <a:schemeClr val="tx1"/>
+          </a:solidFill>
+          <a:latin typeface="+mn-lt"/>
+          <a:ea typeface="+mn-ea"/>
+          <a:cs typeface="+mn-cs"/>
+        </a:defRPr>
+      </a:lvl1pPr>
+      <a:lvl2pPr marL="685800" indent="-228600" algn="l" defTabSz="914400" rtl="0" eaLnBrk="1" latinLnBrk="0" hangingPunct="1">
+        <a:lnSpc>
+          <a:spcPct val="90000"/>
+        </a:lnSpc>
+        <a:spcBef>
+          <a:spcPts val="500"/>
+        </a:spcBef>
+        <a:buFont typeface="Arial" panose="020B0604020202020204" pitchFamily="34" charset="0"/>
+        <a:buChar char="•"/>
+        <a:defRPr sz="2400" kern="1200">
+          <a:solidFill>
+            <a:schemeClr val="tx1"/>
+          </a:solidFill>
+          <a:latin typeface="+mn-lt"/>
+          <a:ea typeface="+mn-ea"/>
+          <a:cs typeface="+mn-cs"/>
+        </a:defRPr>
+      </a:lvl2pPr>
+      <a:lvl3pPr marL="1143000" indent="-228600" algn="l" defTabSz="914400" rtl="0" eaLnBrk="1" latinLnBrk="0" hangingPunct="1">
+        <a:lnSpc>
+          <a:spcPct val="90000"/>
+        </a:lnSpc>
+        <a:spcBef>
+          <a:spcPts val="500"/>
+        </a:spcBef>
+        <a:buFont typeface="Arial" panose="020B0604020202020204" pitchFamily="34" charset="0"/>
+        <a:buChar char="•"/>
+        <a:defRPr sz="2000" kern="1200">
+          <a:solidFill>
+            <a:schemeClr val="tx1"/>
+          </a:solidFill>
+          <a:latin typeface="+mn-lt"/>
+          <a:ea typeface="+mn-ea"/>
+          <a:cs typeface="+mn-cs"/>
+        </a:defRPr>
+      </a:lvl3pPr>
+      <a:lvl4pPr marL="1600200" indent="-228600" algn="l" defTabSz="914400" rtl="0" eaLnBrk="1" latinLnBrk="0" hangingPunct="1">
+        <a:lnSpc>
+          <a:spcPct val="90000"/>
+        </a:lnSpc>
+        <a:spcBef>
+          <a:spcPts val="500"/>
+        </a:spcBef>
+        <a:buFont typeface="Arial" panose="020B0604020202020204" pitchFamily="34" charset="0"/>
+        <a:buChar char="•"/>
+        <a:defRPr sz="1800" kern="1200">
+          <a:solidFill>
+            <a:schemeClr val="tx1"/>
+          </a:solidFill>
+          <a:latin typeface="+mn-lt"/>
+          <a:ea typeface="+mn-ea"/>
+          <a:cs typeface="+mn-cs"/>
+        </a:defRPr>
+      </a:lvl4pPr>
+      <a:lvl5pPr marL="2057400" indent="-228600" algn="l" defTabSz="914400" rtl="0" eaLnBrk="1" latinLnBrk="0" hangingPunct="1">
+        <a:lnSpc>
+          <a:spcPct val="90000"/>
+        </a:lnSpc>
+        <a:spcBef>
+          <a:spcPts val="500"/>
+        </a:spcBef>
+        <a:buFont typeface="Arial" panose="020B0604020202020204" pitchFamily="34" charset="0"/>
+        <a:buChar char="•"/>
+        <a:defRPr sz="1800" kern="1200">
+          <a:solidFill>
+            <a:schemeClr val="tx1"/>
+          </a:solidFill>
+          <a:latin typeface="+mn-lt"/>
+          <a:ea typeface="+mn-ea"/>
+          <a:cs typeface="+mn-cs"/>
+        </a:defRPr>
+      </a:lvl5pPr>
+      <a:lvl6pPr marL="2514600" indent="-228600" algn="l" defTabSz="914400" rtl="0" eaLnBrk="1" latinLnBrk="0" hangingPunct="1">
+        <a:lnSpc>
+          <a:spcPct val="90000"/>
+        </a:lnSpc>
+        <a:spcBef>
+          <a:spcPts val="500"/>
+        </a:spcBef>
+        <a:buFont typeface="Arial" panose="020B0604020202020204" pitchFamily="34" charset="0"/>
+        <a:buChar char="•"/>
+        <a:defRPr sz="1800" kern="1200">
+          <a:solidFill>
+            <a:schemeClr val="tx1"/>
+          </a:solidFill>
+          <a:latin typeface="+mn-lt"/>
+          <a:ea typeface="+mn-ea"/>
+          <a:cs typeface="+mn-cs"/>
+        </a:defRPr>
+      </a:lvl6pPr>
+      <a:lvl7pPr marL="2971800" indent="-228600" algn="l" defTabSz="914400" rtl="0" eaLnBrk="1" latinLnBrk="0" hangingPunct="1">
+        <a:lnSpc>
+          <a:spcPct val="90000"/>
+        </a:lnSpc>
+        <a:spcBef>
+          <a:spcPts val="500"/>
+        </a:spcBef>
+        <a:buFont typeface="Arial" panose="020B0604020202020204" pitchFamily="34" charset="0"/>
+        <a:buChar char="•"/>
+        <a:defRPr sz="1800" kern="1200">
+          <a:solidFill>
+            <a:schemeClr val="tx1"/>
+          </a:solidFill>
+          <a:latin typeface="+mn-lt"/>
+          <a:ea typeface="+mn-ea"/>
+          <a:cs typeface="+mn-cs"/>
+        </a:defRPr>
+      </a:lvl7pPr>
+      <a:lvl8pPr marL="3429000" indent="-228600" algn="l" defTabSz="914400" rtl="0" eaLnBrk="1" latinLnBrk="0" hangingPunct="1">
+        <a:lnSpc>
+          <a:spcPct val="90000"/>
+        </a:lnSpc>
+        <a:spcBef>
+          <a:spcPts val="500"/>
+        </a:spcBef>
+        <a:buFont typeface="Arial" panose="020B0604020202020204" pitchFamily="34" charset="0"/>
+        <a:buChar char="•"/>
+        <a:defRPr sz="1800" kern="1200">
+          <a:solidFill>
+            <a:schemeClr val="tx1"/>
+          </a:solidFill>
+          <a:latin typeface="+mn-lt"/>
+          <a:ea typeface="+mn-ea"/>
+          <a:cs typeface="+mn-cs"/>
+        </a:defRPr>
+      </a:lvl8pPr>
+      <a:lvl9pPr marL="3886200" indent="-228600" algn="l" defTabSz="914400" rtl="0" eaLnBrk="1" latinLnBrk="0" hangingPunct="1">
+        <a:lnSpc>
+          <a:spcPct val="90000"/>
+        </a:lnSpc>
+        <a:spcBef>
+          <a:spcPts val="500"/>
+        </a:spcBef>
+        <a:buFont typeface="Arial" panose="020B0604020202020204" pitchFamily="34" charset="0"/>
+        <a:buChar char="•"/>
+        <a:defRPr sz="1800" kern="1200">
+          <a:solidFill>
+            <a:schemeClr val="tx1"/>
+          </a:solidFill>
+          <a:latin typeface="+mn-lt"/>
+          <a:ea typeface="+mn-ea"/>
+          <a:cs typeface="+mn-cs"/>
+        </a:defRPr>
+      </a:lvl9pPr>
+    </p:bodyStyle>
+    <p:otherStyle>
+      <a:defPPr>
+        <a:defRPr lang="en-US"/>
+      </a:defPPr>
+      <a:lvl1pPr marL="0" algn="l" defTabSz="914400" rtl="0" eaLnBrk="1" latinLnBrk="0" hangingPunct="1">
+        <a:defRPr sz="1800" kern="1200">
+          <a:solidFill>
+            <a:schemeClr val="tx1"/>
+          </a:solidFill>
+          <a:latin typeface="+mn-lt"/>
+          <a:ea typeface="+mn-ea"/>
+          <a:cs typeface="+mn-cs"/>
+        </a:defRPr>
+      </a:lvl1pPr>
+      <a:lvl2pPr marL="457200" algn="l" defTabSz="914400" rtl="0" eaLnBrk="1" latinLnBrk="0" hangingPunct="1">
+        <a:defRPr sz="1800" kern="1200">
+          <a:solidFill>
+            <a:schemeClr val="tx1"/>
+          </a:solidFill>
+          <a:latin typeface="+mn-lt"/>
+          <a:ea typeface="+mn-ea"/>
+          <a:cs typeface="+mn-cs"/>
+        </a:defRPr>
+      </a:lvl2pPr>
+      <a:lvl3pPr marL="914400" algn="l" defTabSz="914400" rtl="0" eaLnBrk="1" latinLnBrk="0" hangingPunct="1">
+        <a:defRPr sz="1800" kern="1200">
+          <a:solidFill>
+            <a:schemeClr val="tx1"/>
+          </a:solidFill>
+          <a:latin typeface="+mn-lt"/>
+          <a:ea typeface="+mn-ea"/>
+          <a:cs typeface="+mn-cs"/>
+        </a:defRPr>
+      </a:lvl3pPr>
+      <a:lvl4pPr marL="1371600" algn="l" defTabSz="914400" rtl="0" eaLnBrk="1" latinLnBrk="0" hangingPunct="1">
+        <a:defRPr sz="1800" kern="1200">
+          <a:solidFill>
+            <a:schemeClr val="tx1"/>
+          </a:solidFill>
+          <a:latin typeface="+mn-lt"/>
+          <a:ea typeface="+mn-ea"/>
+          <a:cs typeface="+mn-cs"/>
+        </a:defRPr>
+      </a:lvl4pPr>
+      <a:lvl5pPr marL="1828800" algn="l" defTabSz="914400" rtl="0" eaLnBrk="1" latinLnBrk="0" hangingPunct="1">
+        <a:defRPr sz="1800" kern="1200">
+          <a:solidFill>
+            <a:schemeClr val="tx1"/>
+          </a:solidFill>
+          <a:latin typeface="+mn-lt"/>
+          <a:ea typeface="+mn-ea"/>
+          <a:cs typeface="+mn-cs"/>
+        </a:defRPr>
+      </a:lvl5pPr>
+      <a:lvl6pPr marL="2286000" algn="l" defTabSz="914400" rtl="0" eaLnBrk="1" latinLnBrk="0" hangingPunct="1">
+        <a:defRPr sz="1800" kern="1200">
+          <a:solidFill>
+            <a:schemeClr val="tx1"/>
+          </a:solidFill>
+          <a:latin typeface="+mn-lt"/>
+          <a:ea typeface="+mn-ea"/>
+          <a:cs typeface="+mn-cs"/>
+        </a:defRPr>
+      </a:lvl6pPr>
+      <a:lvl7pPr marL="2743200" algn="l" defTabSz="914400" rtl="0" eaLnBrk="1" latinLnBrk="0" hangingPunct="1">
+        <a:defRPr sz="1800" kern="1200">
+          <a:solidFill>
+            <a:schemeClr val="tx1"/>
+          </a:solidFill>
+          <a:latin typeface="+mn-lt"/>
+          <a:ea typeface="+mn-ea"/>
+          <a:cs typeface="+mn-cs"/>
+        </a:defRPr>
+      </a:lvl7pPr>
+      <a:lvl8pPr marL="3200400" algn="l" defTabSz="914400" rtl="0" eaLnBrk="1" latinLnBrk="0" hangingPunct="1">
+        <a:defRPr sz="1800" kern="1200">
+          <a:solidFill>
+            <a:schemeClr val="tx1"/>
+          </a:solidFill>
+          <a:latin typeface="+mn-lt"/>
+          <a:ea typeface="+mn-ea"/>
+          <a:cs typeface="+mn-cs"/>
+        </a:defRPr>
+      </a:lvl8pPr>
+      <a:lvl9pPr marL="3657600" algn="l" defTabSz="914400" rtl="0" eaLnBrk="1" latinLnBrk="0" hangingPunct="1">
+        <a:defRPr sz="1800" kern="1200">
+          <a:solidFill>
+            <a:schemeClr val="tx1"/>
+          </a:solidFill>
+          <a:latin typeface="+mn-lt"/>
+          <a:ea typeface="+mn-ea"/>
+          <a:cs typeface="+mn-cs"/>
+        </a:defRPr>
+      </a:lvl9pPr>
+    </p:otherStyle>
+  </p:txStyles>
 </p:sldMaster>
 </file>
 
 <file path=ppt/slideMasters/slideMaster3.xml><?xml version="1.0" encoding="utf-8"?>
-<p:sldMaster xmlns:a="http://schemas.openxmlformats.org/drawingml/2006/main" xmlns:p="http://schemas.openxmlformats.org/presentationml/2006/main" xmlns:r="http://schemas.openxmlformats.org/officeDocument/2006/relationships" xmlns:p14="http://schemas.microsoft.com/office/powerpoint/2010/main" xmlns:p15="http://schemas.microsoft.com/office/powerpoint/2012/main" xmlns:mc="http://schemas.openxmlformats.org/markup-compatibility/2006">
+<p:sldMaster xmlns:a="http://schemas.openxmlformats.org/drawingml/2006/main" xmlns:r="http://schemas.openxmlformats.org/officeDocument/2006/relationships" xmlns:p="http://schemas.openxmlformats.org/presentationml/2006/main">
   <p:cSld>
+    <p:bg>
+      <p:bgRef idx="1001">
+        <a:schemeClr val="bg1"/>
+      </p:bgRef>
+    </p:bg>
     <p:spTree>
       <p:nvGrpSpPr>
         <p:cNvPr id="1" name=""/>
@@ -4941,20 +5757,18 @@
           </a:prstGeom>
         </p:spPr>
         <p:txBody>
-          <a:bodyPr lIns="0" rIns="0" tIns="0" bIns="0" anchor="ctr">
+          <a:bodyPr lIns="0" tIns="0" rIns="0" bIns="0" anchor="ctr">
             <a:noAutofit/>
           </a:bodyPr>
+          <a:lstStyle/>
           <a:p>
             <a:pPr algn="ctr"/>
             <a:r>
-              <a:rPr b="0" lang="en-US" sz="5320" spc="-1" strike="noStrike">
+              <a:rPr lang="en-US" sz="5320" b="0" strike="noStrike" spc="-1">
                 <a:latin typeface="Arial"/>
               </a:rPr>
               <a:t>Click to edit the title text format</a:t>
             </a:r>
-            <a:endParaRPr b="0" lang="en-US" sz="5320" spc="-1" strike="noStrike">
-              <a:latin typeface="Arial"/>
-            </a:endParaRPr>
           </a:p>
         </p:txBody>
       </p:sp>
@@ -4978,9 +5792,10 @@
           </a:prstGeom>
         </p:spPr>
         <p:txBody>
-          <a:bodyPr lIns="0" rIns="0" tIns="0" bIns="0">
+          <a:bodyPr lIns="0" tIns="0" rIns="0" bIns="0">
             <a:normAutofit/>
           </a:bodyPr>
+          <a:lstStyle/>
           <a:p>
             <a:pPr marL="432000" indent="-324000">
               <a:spcBef>
@@ -4994,17 +5809,14 @@
               <a:buChar char=""/>
             </a:pPr>
             <a:r>
-              <a:rPr b="0" lang="en-US" sz="3870" spc="-1" strike="noStrike">
+              <a:rPr lang="en-US" sz="3870" b="0" strike="noStrike" spc="-1">
                 <a:latin typeface="Arial"/>
               </a:rPr>
               <a:t>Click to edit the outline text format</a:t>
             </a:r>
-            <a:endParaRPr b="0" lang="en-US" sz="3870" spc="-1" strike="noStrike">
-              <a:latin typeface="Arial"/>
-            </a:endParaRPr>
-          </a:p>
-          <a:p>
-            <a:pPr lvl="1" marL="864000" indent="-324000">
+          </a:p>
+          <a:p>
+            <a:pPr marL="864000" lvl="1" indent="-324000">
               <a:spcBef>
                 <a:spcPts val="1369"/>
               </a:spcBef>
@@ -5016,17 +5828,14 @@
               <a:buChar char=""/>
             </a:pPr>
             <a:r>
-              <a:rPr b="0" lang="en-US" sz="3380" spc="-1" strike="noStrike">
+              <a:rPr lang="en-US" sz="3380" b="0" strike="noStrike" spc="-1">
                 <a:latin typeface="Arial"/>
               </a:rPr>
               <a:t>Second Outline Level</a:t>
             </a:r>
-            <a:endParaRPr b="0" lang="en-US" sz="3380" spc="-1" strike="noStrike">
-              <a:latin typeface="Arial"/>
-            </a:endParaRPr>
-          </a:p>
-          <a:p>
-            <a:pPr lvl="2" marL="1296000" indent="-288000">
+          </a:p>
+          <a:p>
+            <a:pPr marL="1296000" lvl="2" indent="-288000">
               <a:spcBef>
                 <a:spcPts val="1026"/>
               </a:spcBef>
@@ -5038,17 +5847,14 @@
               <a:buChar char=""/>
             </a:pPr>
             <a:r>
-              <a:rPr b="0" lang="en-US" sz="2900" spc="-1" strike="noStrike">
+              <a:rPr lang="en-US" sz="2900" b="0" strike="noStrike" spc="-1">
                 <a:latin typeface="Arial"/>
               </a:rPr>
               <a:t>Third Outline Level</a:t>
             </a:r>
-            <a:endParaRPr b="0" lang="en-US" sz="2900" spc="-1" strike="noStrike">
-              <a:latin typeface="Arial"/>
-            </a:endParaRPr>
-          </a:p>
-          <a:p>
-            <a:pPr lvl="3" marL="1728000" indent="-216000">
+          </a:p>
+          <a:p>
+            <a:pPr marL="1728000" lvl="3" indent="-216000">
               <a:spcBef>
                 <a:spcPts val="683"/>
               </a:spcBef>
@@ -5060,17 +5866,14 @@
               <a:buChar char=""/>
             </a:pPr>
             <a:r>
-              <a:rPr b="0" lang="en-US" sz="2420" spc="-1" strike="noStrike">
+              <a:rPr lang="en-US" sz="2420" b="0" strike="noStrike" spc="-1">
                 <a:latin typeface="Arial"/>
               </a:rPr>
               <a:t>Fourth Outline Level</a:t>
             </a:r>
-            <a:endParaRPr b="0" lang="en-US" sz="2420" spc="-1" strike="noStrike">
-              <a:latin typeface="Arial"/>
-            </a:endParaRPr>
-          </a:p>
-          <a:p>
-            <a:pPr lvl="4" marL="2160000" indent="-216000">
+          </a:p>
+          <a:p>
+            <a:pPr marL="2160000" lvl="4" indent="-216000">
               <a:spcBef>
                 <a:spcPts val="340"/>
               </a:spcBef>
@@ -5082,17 +5885,14 @@
               <a:buChar char=""/>
             </a:pPr>
             <a:r>
-              <a:rPr b="0" lang="en-US" sz="2420" spc="-1" strike="noStrike">
+              <a:rPr lang="en-US" sz="2420" b="0" strike="noStrike" spc="-1">
                 <a:latin typeface="Arial"/>
               </a:rPr>
               <a:t>Fifth Outline Level</a:t>
             </a:r>
-            <a:endParaRPr b="0" lang="en-US" sz="2420" spc="-1" strike="noStrike">
-              <a:latin typeface="Arial"/>
-            </a:endParaRPr>
-          </a:p>
-          <a:p>
-            <a:pPr lvl="5" marL="2592000" indent="-216000">
+          </a:p>
+          <a:p>
+            <a:pPr marL="2592000" lvl="5" indent="-216000">
               <a:spcBef>
                 <a:spcPts val="340"/>
               </a:spcBef>
@@ -5104,17 +5904,14 @@
               <a:buChar char=""/>
             </a:pPr>
             <a:r>
-              <a:rPr b="0" lang="en-US" sz="2420" spc="-1" strike="noStrike">
+              <a:rPr lang="en-US" sz="2420" b="0" strike="noStrike" spc="-1">
                 <a:latin typeface="Arial"/>
               </a:rPr>
               <a:t>Sixth Outline Level</a:t>
             </a:r>
-            <a:endParaRPr b="0" lang="en-US" sz="2420" spc="-1" strike="noStrike">
-              <a:latin typeface="Arial"/>
-            </a:endParaRPr>
-          </a:p>
-          <a:p>
-            <a:pPr lvl="6" marL="3024000" indent="-216000">
+          </a:p>
+          <a:p>
+            <a:pPr marL="3024000" lvl="6" indent="-216000">
               <a:spcBef>
                 <a:spcPts val="340"/>
               </a:spcBef>
@@ -5126,14 +5923,11 @@
               <a:buChar char=""/>
             </a:pPr>
             <a:r>
-              <a:rPr b="0" lang="en-US" sz="2420" spc="-1" strike="noStrike">
+              <a:rPr lang="en-US" sz="2420" b="0" strike="noStrike" spc="-1">
                 <a:latin typeface="Arial"/>
               </a:rPr>
               <a:t>Seventh Outline Level</a:t>
             </a:r>
-            <a:endParaRPr b="0" lang="en-US" sz="2420" spc="-1" strike="noStrike">
-              <a:latin typeface="Arial"/>
-            </a:endParaRPr>
           </a:p>
         </p:txBody>
       </p:sp>
@@ -5157,19 +5951,17 @@
           </a:prstGeom>
         </p:spPr>
         <p:txBody>
-          <a:bodyPr lIns="0" rIns="0" tIns="0" bIns="0">
+          <a:bodyPr lIns="0" tIns="0" rIns="0" bIns="0">
             <a:noAutofit/>
           </a:bodyPr>
+          <a:lstStyle/>
           <a:p>
             <a:r>
-              <a:rPr b="0" lang="en-US" sz="1400" spc="-1" strike="noStrike">
+              <a:rPr lang="en-US" sz="1400" b="0" strike="noStrike" spc="-1">
                 <a:latin typeface="Times New Roman"/>
               </a:rPr>
               <a:t>&lt;date/time&gt;</a:t>
             </a:r>
-            <a:endParaRPr b="0" lang="en-US" sz="1400" spc="-1" strike="noStrike">
-              <a:latin typeface="Times New Roman"/>
-            </a:endParaRPr>
           </a:p>
         </p:txBody>
       </p:sp>
@@ -5193,20 +5985,18 @@
           </a:prstGeom>
         </p:spPr>
         <p:txBody>
-          <a:bodyPr lIns="0" rIns="0" tIns="0" bIns="0">
+          <a:bodyPr lIns="0" tIns="0" rIns="0" bIns="0">
             <a:noAutofit/>
           </a:bodyPr>
+          <a:lstStyle/>
           <a:p>
             <a:pPr algn="ctr"/>
             <a:r>
-              <a:rPr b="0" lang="en-US" sz="1400" spc="-1" strike="noStrike">
+              <a:rPr lang="en-US" sz="1400" b="0" strike="noStrike" spc="-1">
                 <a:latin typeface="Times New Roman"/>
               </a:rPr>
               <a:t>&lt;footer&gt;</a:t>
             </a:r>
-            <a:endParaRPr b="0" lang="en-US" sz="1400" spc="-1" strike="noStrike">
-              <a:latin typeface="Times New Roman"/>
-            </a:endParaRPr>
           </a:p>
         </p:txBody>
       </p:sp>
@@ -5230,18 +6020,19 @@
           </a:prstGeom>
         </p:spPr>
         <p:txBody>
-          <a:bodyPr lIns="0" rIns="0" tIns="0" bIns="0">
+          <a:bodyPr lIns="0" tIns="0" rIns="0" bIns="0">
             <a:noAutofit/>
           </a:bodyPr>
+          <a:lstStyle/>
           <a:p>
             <a:pPr algn="r"/>
             <a:fld id="{A3C2EC08-E258-45C6-9818-2A63C88D5D69}" type="slidenum">
-              <a:rPr b="0" lang="en-US" sz="1400" spc="-1" strike="noStrike">
+              <a:rPr lang="en-US" sz="1400" b="0" strike="noStrike" spc="-1">
                 <a:latin typeface="Times New Roman"/>
               </a:rPr>
-              <a:t>&lt;number&gt;</a:t>
+              <a:t>‹#›</a:t>
             </a:fld>
-            <a:endParaRPr b="0" lang="en-US" sz="1400" spc="-1" strike="noStrike">
+            <a:endParaRPr lang="en-US" sz="1400" b="0" strike="noStrike" spc="-1">
               <a:latin typeface="Times New Roman"/>
             </a:endParaRPr>
           </a:p>
@@ -5249,26 +6040,306 @@
       </p:sp>
     </p:spTree>
   </p:cSld>
-  <p:clrMap bg1="lt1" bg2="lt2" tx1="dk1" tx2="dk2" accent1="accent1" accent2="accent2" accent3="accent3" accent4="accent4" accent5="accent5" accent6="accent6" hlink="hlink" folHlink="folHlink"/>
+  <p:clrMap bg1="lt1" tx1="dk1" bg2="lt2" tx2="dk2" accent1="accent1" accent2="accent2" accent3="accent3" accent4="accent4" accent5="accent5" accent6="accent6" hlink="hlink" folHlink="folHlink"/>
   <p:sldLayoutIdLst>
-    <p:sldLayoutId id="2147483675" r:id="rId2"/>
-    <p:sldLayoutId id="2147483676" r:id="rId3"/>
-    <p:sldLayoutId id="2147483677" r:id="rId4"/>
-    <p:sldLayoutId id="2147483678" r:id="rId5"/>
-    <p:sldLayoutId id="2147483679" r:id="rId6"/>
-    <p:sldLayoutId id="2147483680" r:id="rId7"/>
-    <p:sldLayoutId id="2147483681" r:id="rId8"/>
-    <p:sldLayoutId id="2147483682" r:id="rId9"/>
-    <p:sldLayoutId id="2147483683" r:id="rId10"/>
-    <p:sldLayoutId id="2147483684" r:id="rId11"/>
-    <p:sldLayoutId id="2147483685" r:id="rId12"/>
-    <p:sldLayoutId id="2147483686" r:id="rId13"/>
+    <p:sldLayoutId id="2147483675" r:id="rId1"/>
+    <p:sldLayoutId id="2147483676" r:id="rId2"/>
+    <p:sldLayoutId id="2147483677" r:id="rId3"/>
+    <p:sldLayoutId id="2147483678" r:id="rId4"/>
+    <p:sldLayoutId id="2147483679" r:id="rId5"/>
+    <p:sldLayoutId id="2147483680" r:id="rId6"/>
+    <p:sldLayoutId id="2147483681" r:id="rId7"/>
+    <p:sldLayoutId id="2147483682" r:id="rId8"/>
+    <p:sldLayoutId id="2147483683" r:id="rId9"/>
+    <p:sldLayoutId id="2147483684" r:id="rId10"/>
+    <p:sldLayoutId id="2147483685" r:id="rId11"/>
+    <p:sldLayoutId id="2147483686" r:id="rId12"/>
   </p:sldLayoutIdLst>
+  <p:txStyles>
+    <p:titleStyle>
+      <a:lvl1pPr algn="l" defTabSz="914400" rtl="0" eaLnBrk="1" latinLnBrk="0" hangingPunct="1">
+        <a:lnSpc>
+          <a:spcPct val="90000"/>
+        </a:lnSpc>
+        <a:spcBef>
+          <a:spcPct val="0"/>
+        </a:spcBef>
+        <a:buNone/>
+        <a:defRPr sz="4400" kern="1200">
+          <a:solidFill>
+            <a:schemeClr val="tx1"/>
+          </a:solidFill>
+          <a:latin typeface="+mj-lt"/>
+          <a:ea typeface="+mj-ea"/>
+          <a:cs typeface="+mj-cs"/>
+        </a:defRPr>
+      </a:lvl1pPr>
+    </p:titleStyle>
+    <p:bodyStyle>
+      <a:lvl1pPr marL="228600" indent="-228600" algn="l" defTabSz="914400" rtl="0" eaLnBrk="1" latinLnBrk="0" hangingPunct="1">
+        <a:lnSpc>
+          <a:spcPct val="90000"/>
+        </a:lnSpc>
+        <a:spcBef>
+          <a:spcPts val="1000"/>
+        </a:spcBef>
+        <a:buFont typeface="Arial" panose="020B0604020202020204" pitchFamily="34" charset="0"/>
+        <a:buChar char="•"/>
+        <a:defRPr sz="2800" kern="1200">
+          <a:solidFill>
+            <a:schemeClr val="tx1"/>
+          </a:solidFill>
+          <a:latin typeface="+mn-lt"/>
+          <a:ea typeface="+mn-ea"/>
+          <a:cs typeface="+mn-cs"/>
+        </a:defRPr>
+      </a:lvl1pPr>
+      <a:lvl2pPr marL="685800" indent="-228600" algn="l" defTabSz="914400" rtl="0" eaLnBrk="1" latinLnBrk="0" hangingPunct="1">
+        <a:lnSpc>
+          <a:spcPct val="90000"/>
+        </a:lnSpc>
+        <a:spcBef>
+          <a:spcPts val="500"/>
+        </a:spcBef>
+        <a:buFont typeface="Arial" panose="020B0604020202020204" pitchFamily="34" charset="0"/>
+        <a:buChar char="•"/>
+        <a:defRPr sz="2400" kern="1200">
+          <a:solidFill>
+            <a:schemeClr val="tx1"/>
+          </a:solidFill>
+          <a:latin typeface="+mn-lt"/>
+          <a:ea typeface="+mn-ea"/>
+          <a:cs typeface="+mn-cs"/>
+        </a:defRPr>
+      </a:lvl2pPr>
+      <a:lvl3pPr marL="1143000" indent="-228600" algn="l" defTabSz="914400" rtl="0" eaLnBrk="1" latinLnBrk="0" hangingPunct="1">
+        <a:lnSpc>
+          <a:spcPct val="90000"/>
+        </a:lnSpc>
+        <a:spcBef>
+          <a:spcPts val="500"/>
+        </a:spcBef>
+        <a:buFont typeface="Arial" panose="020B0604020202020204" pitchFamily="34" charset="0"/>
+        <a:buChar char="•"/>
+        <a:defRPr sz="2000" kern="1200">
+          <a:solidFill>
+            <a:schemeClr val="tx1"/>
+          </a:solidFill>
+          <a:latin typeface="+mn-lt"/>
+          <a:ea typeface="+mn-ea"/>
+          <a:cs typeface="+mn-cs"/>
+        </a:defRPr>
+      </a:lvl3pPr>
+      <a:lvl4pPr marL="1600200" indent="-228600" algn="l" defTabSz="914400" rtl="0" eaLnBrk="1" latinLnBrk="0" hangingPunct="1">
+        <a:lnSpc>
+          <a:spcPct val="90000"/>
+        </a:lnSpc>
+        <a:spcBef>
+          <a:spcPts val="500"/>
+        </a:spcBef>
+        <a:buFont typeface="Arial" panose="020B0604020202020204" pitchFamily="34" charset="0"/>
+        <a:buChar char="•"/>
+        <a:defRPr sz="1800" kern="1200">
+          <a:solidFill>
+            <a:schemeClr val="tx1"/>
+          </a:solidFill>
+          <a:latin typeface="+mn-lt"/>
+          <a:ea typeface="+mn-ea"/>
+          <a:cs typeface="+mn-cs"/>
+        </a:defRPr>
+      </a:lvl4pPr>
+      <a:lvl5pPr marL="2057400" indent="-228600" algn="l" defTabSz="914400" rtl="0" eaLnBrk="1" latinLnBrk="0" hangingPunct="1">
+        <a:lnSpc>
+          <a:spcPct val="90000"/>
+        </a:lnSpc>
+        <a:spcBef>
+          <a:spcPts val="500"/>
+        </a:spcBef>
+        <a:buFont typeface="Arial" panose="020B0604020202020204" pitchFamily="34" charset="0"/>
+        <a:buChar char="•"/>
+        <a:defRPr sz="1800" kern="1200">
+          <a:solidFill>
+            <a:schemeClr val="tx1"/>
+          </a:solidFill>
+          <a:latin typeface="+mn-lt"/>
+          <a:ea typeface="+mn-ea"/>
+          <a:cs typeface="+mn-cs"/>
+        </a:defRPr>
+      </a:lvl5pPr>
+      <a:lvl6pPr marL="2514600" indent="-228600" algn="l" defTabSz="914400" rtl="0" eaLnBrk="1" latinLnBrk="0" hangingPunct="1">
+        <a:lnSpc>
+          <a:spcPct val="90000"/>
+        </a:lnSpc>
+        <a:spcBef>
+          <a:spcPts val="500"/>
+        </a:spcBef>
+        <a:buFont typeface="Arial" panose="020B0604020202020204" pitchFamily="34" charset="0"/>
+        <a:buChar char="•"/>
+        <a:defRPr sz="1800" kern="1200">
+          <a:solidFill>
+            <a:schemeClr val="tx1"/>
+          </a:solidFill>
+          <a:latin typeface="+mn-lt"/>
+          <a:ea typeface="+mn-ea"/>
+          <a:cs typeface="+mn-cs"/>
+        </a:defRPr>
+      </a:lvl6pPr>
+      <a:lvl7pPr marL="2971800" indent="-228600" algn="l" defTabSz="914400" rtl="0" eaLnBrk="1" latinLnBrk="0" hangingPunct="1">
+        <a:lnSpc>
+          <a:spcPct val="90000"/>
+        </a:lnSpc>
+        <a:spcBef>
+          <a:spcPts val="500"/>
+        </a:spcBef>
+        <a:buFont typeface="Arial" panose="020B0604020202020204" pitchFamily="34" charset="0"/>
+        <a:buChar char="•"/>
+        <a:defRPr sz="1800" kern="1200">
+          <a:solidFill>
+            <a:schemeClr val="tx1"/>
+          </a:solidFill>
+          <a:latin typeface="+mn-lt"/>
+          <a:ea typeface="+mn-ea"/>
+          <a:cs typeface="+mn-cs"/>
+        </a:defRPr>
+      </a:lvl7pPr>
+      <a:lvl8pPr marL="3429000" indent="-228600" algn="l" defTabSz="914400" rtl="0" eaLnBrk="1" latinLnBrk="0" hangingPunct="1">
+        <a:lnSpc>
+          <a:spcPct val="90000"/>
+        </a:lnSpc>
+        <a:spcBef>
+          <a:spcPts val="500"/>
+        </a:spcBef>
+        <a:buFont typeface="Arial" panose="020B0604020202020204" pitchFamily="34" charset="0"/>
+        <a:buChar char="•"/>
+        <a:defRPr sz="1800" kern="1200">
+          <a:solidFill>
+            <a:schemeClr val="tx1"/>
+          </a:solidFill>
+          <a:latin typeface="+mn-lt"/>
+          <a:ea typeface="+mn-ea"/>
+          <a:cs typeface="+mn-cs"/>
+        </a:defRPr>
+      </a:lvl8pPr>
+      <a:lvl9pPr marL="3886200" indent="-228600" algn="l" defTabSz="914400" rtl="0" eaLnBrk="1" latinLnBrk="0" hangingPunct="1">
+        <a:lnSpc>
+          <a:spcPct val="90000"/>
+        </a:lnSpc>
+        <a:spcBef>
+          <a:spcPts val="500"/>
+        </a:spcBef>
+        <a:buFont typeface="Arial" panose="020B0604020202020204" pitchFamily="34" charset="0"/>
+        <a:buChar char="•"/>
+        <a:defRPr sz="1800" kern="1200">
+          <a:solidFill>
+            <a:schemeClr val="tx1"/>
+          </a:solidFill>
+          <a:latin typeface="+mn-lt"/>
+          <a:ea typeface="+mn-ea"/>
+          <a:cs typeface="+mn-cs"/>
+        </a:defRPr>
+      </a:lvl9pPr>
+    </p:bodyStyle>
+    <p:otherStyle>
+      <a:defPPr>
+        <a:defRPr lang="en-US"/>
+      </a:defPPr>
+      <a:lvl1pPr marL="0" algn="l" defTabSz="914400" rtl="0" eaLnBrk="1" latinLnBrk="0" hangingPunct="1">
+        <a:defRPr sz="1800" kern="1200">
+          <a:solidFill>
+            <a:schemeClr val="tx1"/>
+          </a:solidFill>
+          <a:latin typeface="+mn-lt"/>
+          <a:ea typeface="+mn-ea"/>
+          <a:cs typeface="+mn-cs"/>
+        </a:defRPr>
+      </a:lvl1pPr>
+      <a:lvl2pPr marL="457200" algn="l" defTabSz="914400" rtl="0" eaLnBrk="1" latinLnBrk="0" hangingPunct="1">
+        <a:defRPr sz="1800" kern="1200">
+          <a:solidFill>
+            <a:schemeClr val="tx1"/>
+          </a:solidFill>
+          <a:latin typeface="+mn-lt"/>
+          <a:ea typeface="+mn-ea"/>
+          <a:cs typeface="+mn-cs"/>
+        </a:defRPr>
+      </a:lvl2pPr>
+      <a:lvl3pPr marL="914400" algn="l" defTabSz="914400" rtl="0" eaLnBrk="1" latinLnBrk="0" hangingPunct="1">
+        <a:defRPr sz="1800" kern="1200">
+          <a:solidFill>
+            <a:schemeClr val="tx1"/>
+          </a:solidFill>
+          <a:latin typeface="+mn-lt"/>
+          <a:ea typeface="+mn-ea"/>
+          <a:cs typeface="+mn-cs"/>
+        </a:defRPr>
+      </a:lvl3pPr>
+      <a:lvl4pPr marL="1371600" algn="l" defTabSz="914400" rtl="0" eaLnBrk="1" latinLnBrk="0" hangingPunct="1">
+        <a:defRPr sz="1800" kern="1200">
+          <a:solidFill>
+            <a:schemeClr val="tx1"/>
+          </a:solidFill>
+          <a:latin typeface="+mn-lt"/>
+          <a:ea typeface="+mn-ea"/>
+          <a:cs typeface="+mn-cs"/>
+        </a:defRPr>
+      </a:lvl4pPr>
+      <a:lvl5pPr marL="1828800" algn="l" defTabSz="914400" rtl="0" eaLnBrk="1" latinLnBrk="0" hangingPunct="1">
+        <a:defRPr sz="1800" kern="1200">
+          <a:solidFill>
+            <a:schemeClr val="tx1"/>
+          </a:solidFill>
+          <a:latin typeface="+mn-lt"/>
+          <a:ea typeface="+mn-ea"/>
+          <a:cs typeface="+mn-cs"/>
+        </a:defRPr>
+      </a:lvl5pPr>
+      <a:lvl6pPr marL="2286000" algn="l" defTabSz="914400" rtl="0" eaLnBrk="1" latinLnBrk="0" hangingPunct="1">
+        <a:defRPr sz="1800" kern="1200">
+          <a:solidFill>
+            <a:schemeClr val="tx1"/>
+          </a:solidFill>
+          <a:latin typeface="+mn-lt"/>
+          <a:ea typeface="+mn-ea"/>
+          <a:cs typeface="+mn-cs"/>
+        </a:defRPr>
+      </a:lvl6pPr>
+      <a:lvl7pPr marL="2743200" algn="l" defTabSz="914400" rtl="0" eaLnBrk="1" latinLnBrk="0" hangingPunct="1">
+        <a:defRPr sz="1800" kern="1200">
+          <a:solidFill>
+            <a:schemeClr val="tx1"/>
+          </a:solidFill>
+          <a:latin typeface="+mn-lt"/>
+          <a:ea typeface="+mn-ea"/>
+          <a:cs typeface="+mn-cs"/>
+        </a:defRPr>
+      </a:lvl7pPr>
+      <a:lvl8pPr marL="3200400" algn="l" defTabSz="914400" rtl="0" eaLnBrk="1" latinLnBrk="0" hangingPunct="1">
+        <a:defRPr sz="1800" kern="1200">
+          <a:solidFill>
+            <a:schemeClr val="tx1"/>
+          </a:solidFill>
+          <a:latin typeface="+mn-lt"/>
+          <a:ea typeface="+mn-ea"/>
+          <a:cs typeface="+mn-cs"/>
+        </a:defRPr>
+      </a:lvl8pPr>
+      <a:lvl9pPr marL="3657600" algn="l" defTabSz="914400" rtl="0" eaLnBrk="1" latinLnBrk="0" hangingPunct="1">
+        <a:defRPr sz="1800" kern="1200">
+          <a:solidFill>
+            <a:schemeClr val="tx1"/>
+          </a:solidFill>
+          <a:latin typeface="+mn-lt"/>
+          <a:ea typeface="+mn-ea"/>
+          <a:cs typeface="+mn-cs"/>
+        </a:defRPr>
+      </a:lvl9pPr>
+    </p:otherStyle>
+  </p:txStyles>
 </p:sldMaster>
 </file>
 
 <file path=ppt/slides/slide1.xml><?xml version="1.0" encoding="utf-8"?>
-<p:sld xmlns:a="http://schemas.openxmlformats.org/drawingml/2006/main" xmlns:p="http://schemas.openxmlformats.org/presentationml/2006/main" xmlns:r="http://schemas.openxmlformats.org/officeDocument/2006/relationships" xmlns:p14="http://schemas.microsoft.com/office/powerpoint/2010/main" xmlns:p15="http://schemas.microsoft.com/office/powerpoint/2012/main" xmlns:mc="http://schemas.openxmlformats.org/markup-compatibility/2006">
+<p:sld xmlns:a="http://schemas.openxmlformats.org/drawingml/2006/main" xmlns:r="http://schemas.openxmlformats.org/officeDocument/2006/relationships" xmlns:p="http://schemas.openxmlformats.org/presentationml/2006/main">
   <p:cSld>
     <p:spTree>
       <p:nvGrpSpPr>
@@ -5314,7 +6385,7 @@
             </a:prstGeom>
             <a:ln w="76320">
               <a:solidFill>
-                <a:srgbClr val="33b395"/>
+                <a:srgbClr val="33B395"/>
               </a:solidFill>
             </a:ln>
           </p:spPr>
@@ -5333,13 +6404,13 @@
         </p:sp>
         <p:pic>
           <p:nvPicPr>
-            <p:cNvPr id="125" name="Picture 2" descr=""/>
+            <p:cNvPr id="125" name="Picture 2"/>
             <p:cNvPicPr/>
             <p:nvPr/>
           </p:nvPicPr>
           <p:blipFill>
-            <a:blip r:embed="rId1"/>
-            <a:srcRect l="8961" t="0" r="51571" b="0"/>
+            <a:blip r:embed="rId2"/>
+            <a:srcRect l="8961" r="51571"/>
             <a:stretch/>
           </p:blipFill>
           <p:spPr>
@@ -5376,15 +6447,22 @@
           </a:ln>
         </p:spPr>
         <p:style>
-          <a:lnRef idx="0"/>
-          <a:fillRef idx="0"/>
-          <a:effectRef idx="0"/>
+          <a:lnRef idx="0">
+            <a:scrgbClr r="0" g="0" b="0"/>
+          </a:lnRef>
+          <a:fillRef idx="0">
+            <a:scrgbClr r="0" g="0" b="0"/>
+          </a:fillRef>
+          <a:effectRef idx="0">
+            <a:scrgbClr r="0" g="0" b="0"/>
+          </a:effectRef>
           <a:fontRef idx="minor"/>
         </p:style>
         <p:txBody>
-          <a:bodyPr lIns="90000" rIns="90000" tIns="45000" bIns="45000">
+          <a:bodyPr lIns="90000" tIns="45000" rIns="90000" bIns="45000">
             <a:spAutoFit/>
           </a:bodyPr>
+          <a:lstStyle/>
           <a:p>
             <a:pPr>
               <a:lnSpc>
@@ -5392,7 +6470,7 @@
               </a:lnSpc>
             </a:pPr>
             <a:r>
-              <a:rPr b="0" lang="en-US" sz="4400" spc="-1" strike="noStrike">
+              <a:rPr lang="en-US" sz="4400" b="0" strike="noStrike" spc="-1">
                 <a:solidFill>
                   <a:srgbClr val="000000"/>
                 </a:solidFill>
@@ -5401,7 +6479,7 @@
               </a:rPr>
               <a:t>FIFA Match Prediction </a:t>
             </a:r>
-            <a:endParaRPr b="0" lang="en-US" sz="4400" spc="-1" strike="noStrike">
+            <a:endParaRPr lang="en-US" sz="4400" b="0" strike="noStrike" spc="-1">
               <a:latin typeface="Arial"/>
             </a:endParaRPr>
           </a:p>
@@ -5427,15 +6505,22 @@
           </a:ln>
         </p:spPr>
         <p:style>
-          <a:lnRef idx="0"/>
-          <a:fillRef idx="0"/>
-          <a:effectRef idx="0"/>
+          <a:lnRef idx="0">
+            <a:scrgbClr r="0" g="0" b="0"/>
+          </a:lnRef>
+          <a:fillRef idx="0">
+            <a:scrgbClr r="0" g="0" b="0"/>
+          </a:fillRef>
+          <a:effectRef idx="0">
+            <a:scrgbClr r="0" g="0" b="0"/>
+          </a:effectRef>
           <a:fontRef idx="minor"/>
         </p:style>
         <p:txBody>
-          <a:bodyPr lIns="90000" rIns="90000" tIns="45000" bIns="45000">
+          <a:bodyPr lIns="90000" tIns="45000" rIns="90000" bIns="45000">
             <a:spAutoFit/>
           </a:bodyPr>
+          <a:lstStyle/>
           <a:p>
             <a:pPr>
               <a:lnSpc>
@@ -5443,7 +6528,7 @@
               </a:lnSpc>
             </a:pPr>
             <a:r>
-              <a:rPr b="0" lang="en-US" sz="2400" spc="-1" strike="noStrike">
+              <a:rPr lang="en-US" sz="2400" b="0" strike="noStrike" spc="-1">
                 <a:solidFill>
                   <a:srgbClr val="000000"/>
                 </a:solidFill>
@@ -5451,7 +6536,7 @@
               </a:rPr>
               <a:t>Cristian Groza</a:t>
             </a:r>
-            <a:endParaRPr b="0" lang="en-US" sz="2400" spc="-1" strike="noStrike">
+            <a:endParaRPr lang="en-US" sz="2400" b="0" strike="noStrike" spc="-1">
               <a:latin typeface="Arial"/>
             </a:endParaRPr>
           </a:p>
@@ -5462,7 +6547,7 @@
               </a:lnSpc>
             </a:pPr>
             <a:r>
-              <a:rPr b="0" lang="en-US" sz="2400" spc="-1" strike="noStrike">
+              <a:rPr lang="en-US" sz="2400" b="0" strike="noStrike" spc="-1">
                 <a:solidFill>
                   <a:srgbClr val="000000"/>
                 </a:solidFill>
@@ -5470,7 +6555,7 @@
               </a:rPr>
               <a:t>Yifei Gu</a:t>
             </a:r>
-            <a:endParaRPr b="0" lang="en-US" sz="2400" spc="-1" strike="noStrike">
+            <a:endParaRPr lang="en-US" sz="2400" b="0" strike="noStrike" spc="-1">
               <a:latin typeface="Arial"/>
             </a:endParaRPr>
           </a:p>
@@ -5481,7 +6566,7 @@
               </a:lnSpc>
             </a:pPr>
             <a:r>
-              <a:rPr b="0" lang="en-US" sz="2400" spc="-1" strike="noStrike">
+              <a:rPr lang="en-US" sz="2400" b="0" strike="noStrike" spc="-1">
                 <a:solidFill>
                   <a:srgbClr val="000000"/>
                 </a:solidFill>
@@ -5489,7 +6574,7 @@
               </a:rPr>
               <a:t>Andrew Doyle</a:t>
             </a:r>
-            <a:endParaRPr b="0" lang="en-US" sz="2400" spc="-1" strike="noStrike">
+            <a:endParaRPr lang="en-US" sz="2400" b="0" strike="noStrike" spc="-1">
               <a:latin typeface="Arial"/>
             </a:endParaRPr>
           </a:p>
@@ -5497,42 +6582,18 @@
       </p:sp>
       <p:pic>
         <p:nvPicPr>
-          <p:cNvPr id="128" name="Picture 4" descr=""/>
-          <p:cNvPicPr/>
-          <p:nvPr/>
-        </p:nvPicPr>
-        <p:blipFill>
-          <a:blip r:embed="rId2"/>
-          <a:stretch/>
-        </p:blipFill>
-        <p:spPr>
-          <a:xfrm>
-            <a:off x="9058320" y="605880"/>
-            <a:ext cx="2707200" cy="2097360"/>
-          </a:xfrm>
-          <a:prstGeom prst="rect">
-            <a:avLst/>
-          </a:prstGeom>
-          <a:ln>
-            <a:noFill/>
-          </a:ln>
-        </p:spPr>
-      </p:pic>
-      <p:pic>
-        <p:nvPicPr>
-          <p:cNvPr id="129" name="Picture 6" descr=""/>
+          <p:cNvPr id="128" name="Picture 4"/>
           <p:cNvPicPr/>
           <p:nvPr/>
         </p:nvPicPr>
         <p:blipFill>
           <a:blip r:embed="rId3"/>
-          <a:srcRect l="1954" t="30981" r="87590" b="27223"/>
           <a:stretch/>
         </p:blipFill>
         <p:spPr>
           <a:xfrm>
-            <a:off x="2990880" y="1749960"/>
-            <a:ext cx="885600" cy="1104480"/>
+            <a:off x="9058320" y="605880"/>
+            <a:ext cx="2707200" cy="2097360"/>
           </a:xfrm>
           <a:prstGeom prst="rect">
             <a:avLst/>
@@ -5542,21 +6603,40 @@
           </a:ln>
         </p:spPr>
       </p:pic>
+      <p:pic>
+        <p:nvPicPr>
+          <p:cNvPr id="129" name="Picture 6"/>
+          <p:cNvPicPr/>
+          <p:nvPr/>
+        </p:nvPicPr>
+        <p:blipFill>
+          <a:blip r:embed="rId4"/>
+          <a:srcRect l="1954" t="30981" r="87590" b="27223"/>
+          <a:stretch/>
+        </p:blipFill>
+        <p:spPr>
+          <a:xfrm>
+            <a:off x="2990880" y="1749960"/>
+            <a:ext cx="885600" cy="1104480"/>
+          </a:xfrm>
+          <a:prstGeom prst="rect">
+            <a:avLst/>
+          </a:prstGeom>
+          <a:ln>
+            <a:noFill/>
+          </a:ln>
+        </p:spPr>
+      </p:pic>
     </p:spTree>
   </p:cSld>
-  <mc:AlternateContent>
-    <mc:Choice Requires="p14">
-      <p:transition spd="slow" p14:dur="2000"/>
-    </mc:Choice>
-    <mc:Fallback>
-      <p:transition spd="slow"/>
-    </mc:Fallback>
-  </mc:AlternateContent>
+  <p:clrMapOvr>
+    <a:masterClrMapping/>
+  </p:clrMapOvr>
 </p:sld>
 </file>
 
 <file path=ppt/slides/slide2.xml><?xml version="1.0" encoding="utf-8"?>
-<p:sld xmlns:a="http://schemas.openxmlformats.org/drawingml/2006/main" xmlns:p="http://schemas.openxmlformats.org/presentationml/2006/main" xmlns:r="http://schemas.openxmlformats.org/officeDocument/2006/relationships" xmlns:p14="http://schemas.microsoft.com/office/powerpoint/2010/main" xmlns:p15="http://schemas.microsoft.com/office/powerpoint/2012/main" xmlns:mc="http://schemas.openxmlformats.org/markup-compatibility/2006">
+<p:sld xmlns:a="http://schemas.openxmlformats.org/drawingml/2006/main" xmlns:r="http://schemas.openxmlformats.org/officeDocument/2006/relationships" xmlns:p="http://schemas.openxmlformats.org/presentationml/2006/main">
   <p:cSld>
     <p:spTree>
       <p:nvGrpSpPr>
@@ -5595,6 +6675,7 @@
           <a:bodyPr anchor="ctr">
             <a:noAutofit/>
           </a:bodyPr>
+          <a:lstStyle/>
           <a:p>
             <a:pPr>
               <a:lnSpc>
@@ -5602,7 +6683,7 @@
               </a:lnSpc>
             </a:pPr>
             <a:r>
-              <a:rPr b="0" lang="en-US" sz="4400" spc="-1" strike="noStrike">
+              <a:rPr lang="en-US" sz="4400" b="0" strike="noStrike" spc="-1">
                 <a:solidFill>
                   <a:srgbClr val="000000"/>
                 </a:solidFill>
@@ -5610,7 +6691,7 @@
               </a:rPr>
               <a:t>Introduction</a:t>
             </a:r>
-            <a:endParaRPr b="0" lang="en-US" sz="4400" spc="-1" strike="noStrike">
+            <a:endParaRPr lang="en-US" sz="4400" b="0" strike="noStrike" spc="-1">
               <a:solidFill>
                 <a:srgbClr val="000000"/>
               </a:solidFill>
@@ -5642,6 +6723,7 @@
           <a:bodyPr>
             <a:normAutofit/>
           </a:bodyPr>
+          <a:lstStyle/>
           <a:p>
             <a:pPr marL="228600" indent="-228240">
               <a:lnSpc>
@@ -5657,7 +6739,7 @@
               <a:buChar char="•"/>
             </a:pPr>
             <a:r>
-              <a:rPr b="0" lang="en-US" sz="2800" spc="-1" strike="noStrike">
+              <a:rPr lang="en-US" sz="2800" b="0" strike="noStrike" spc="-1">
                 <a:solidFill>
                   <a:srgbClr val="000000"/>
                 </a:solidFill>
@@ -5665,15 +6747,9 @@
               </a:rPr>
               <a:t>Hypothesis:</a:t>
             </a:r>
-            <a:endParaRPr b="0" lang="en-US" sz="2800" spc="-1" strike="noStrike">
-              <a:solidFill>
-                <a:srgbClr val="000000"/>
-              </a:solidFill>
-              <a:latin typeface="Calibri"/>
-            </a:endParaRPr>
-          </a:p>
-          <a:p>
-            <a:pPr lvl="1" marL="685800" indent="-228240">
+          </a:p>
+          <a:p>
+            <a:pPr marL="685800" lvl="1" indent="-228240">
               <a:lnSpc>
                 <a:spcPct val="90000"/>
               </a:lnSpc>
@@ -5687,7 +6763,7 @@
               <a:buChar char="•"/>
             </a:pPr>
             <a:r>
-              <a:rPr b="0" lang="en-US" sz="2400" spc="-1" strike="noStrike">
+              <a:rPr lang="en-US" sz="2400" b="0" strike="noStrike" spc="-1">
                 <a:solidFill>
                   <a:srgbClr val="000000"/>
                 </a:solidFill>
@@ -5696,7 +6772,7 @@
               <a:t>Random variable </a:t>
             </a:r>
             <a:r>
-              <a:rPr b="1" lang="en-US" sz="2400" spc="-1" strike="noStrike">
+              <a:rPr lang="en-US" sz="2400" b="1" strike="noStrike" spc="-1">
                 <a:solidFill>
                   <a:srgbClr val="000000"/>
                 </a:solidFill>
@@ -5705,7 +6781,7 @@
               <a:t>outcome</a:t>
             </a:r>
             <a:r>
-              <a:rPr b="0" lang="en-US" sz="2400" spc="-1" strike="noStrike">
+              <a:rPr lang="en-US" sz="2400" b="0" strike="noStrike" spc="-1">
                 <a:solidFill>
                   <a:srgbClr val="000000"/>
                 </a:solidFill>
@@ -5714,7 +6790,7 @@
               <a:t> </a:t>
             </a:r>
             <a:r>
-              <a:rPr b="0" i="1" lang="en-US" sz="2400" spc="-1" strike="noStrike">
+              <a:rPr lang="en-US" sz="2400" b="0" i="1" strike="noStrike" spc="-1">
                 <a:solidFill>
                   <a:srgbClr val="000000"/>
                 </a:solidFill>
@@ -5724,7 +6800,7 @@
               <a:t>Y </a:t>
             </a:r>
             <a:r>
-              <a:rPr b="0" lang="en-US" sz="2400" spc="-1" strike="noStrike">
+              <a:rPr lang="en-US" sz="2400" b="0" strike="noStrike" spc="-1">
                 <a:solidFill>
                   <a:srgbClr val="000000"/>
                 </a:solidFill>
@@ -5734,7 +6810,7 @@
               <a:t>can be predicted using input variables </a:t>
             </a:r>
             <a:r>
-              <a:rPr b="1" i="1" lang="en-US" sz="2400" spc="-1" strike="noStrike">
+              <a:rPr lang="en-US" sz="2400" b="1" i="1" strike="noStrike" spc="-1">
                 <a:solidFill>
                   <a:srgbClr val="000000"/>
                 </a:solidFill>
@@ -5743,7 +6819,7 @@
               </a:rPr>
               <a:t>X</a:t>
             </a:r>
-            <a:endParaRPr b="0" lang="en-US" sz="2400" spc="-1" strike="noStrike">
+            <a:endParaRPr lang="en-US" sz="2400" b="0" strike="noStrike" spc="-1">
               <a:solidFill>
                 <a:srgbClr val="000000"/>
               </a:solidFill>
@@ -5765,7 +6841,7 @@
               <a:buChar char="•"/>
             </a:pPr>
             <a:r>
-              <a:rPr b="0" lang="en-US" sz="2800" spc="-1" strike="noStrike">
+              <a:rPr lang="en-US" sz="2800" b="0" strike="noStrike" spc="-1">
                 <a:solidFill>
                   <a:srgbClr val="000000"/>
                 </a:solidFill>
@@ -5775,7 +6851,7 @@
               <a:t>Input features </a:t>
             </a:r>
             <a:r>
-              <a:rPr b="1" i="1" lang="en-US" sz="2800" spc="-1" strike="noStrike">
+              <a:rPr lang="en-US" sz="2800" b="1" i="1" strike="noStrike" spc="-1">
                 <a:solidFill>
                   <a:srgbClr val="000000"/>
                 </a:solidFill>
@@ -5784,7 +6860,7 @@
               </a:rPr>
               <a:t>X : </a:t>
             </a:r>
-            <a:endParaRPr b="0" lang="en-US" sz="2800" spc="-1" strike="noStrike">
+            <a:endParaRPr lang="en-US" sz="2800" b="0" strike="noStrike" spc="-1">
               <a:solidFill>
                 <a:srgbClr val="000000"/>
               </a:solidFill>
@@ -5792,7 +6868,7 @@
             </a:endParaRPr>
           </a:p>
           <a:p>
-            <a:pPr lvl="1" marL="971640" indent="-514080">
+            <a:pPr marL="971640" lvl="1" indent="-514080">
               <a:lnSpc>
                 <a:spcPct val="90000"/>
               </a:lnSpc>
@@ -5806,7 +6882,7 @@
               <a:buAutoNum type="arabicPeriod"/>
             </a:pPr>
             <a:r>
-              <a:rPr b="0" lang="en-US" sz="2400" spc="-1" strike="noStrike">
+              <a:rPr lang="en-US" sz="2400" b="0" strike="noStrike" spc="-1">
                 <a:solidFill>
                   <a:srgbClr val="000000"/>
                 </a:solidFill>
@@ -5815,7 +6891,7 @@
               </a:rPr>
               <a:t># home games</a:t>
             </a:r>
-            <a:endParaRPr b="0" lang="en-US" sz="2400" spc="-1" strike="noStrike">
+            <a:endParaRPr lang="en-US" sz="2400" b="0" strike="noStrike" spc="-1">
               <a:solidFill>
                 <a:srgbClr val="000000"/>
               </a:solidFill>
@@ -5823,7 +6899,7 @@
             </a:endParaRPr>
           </a:p>
           <a:p>
-            <a:pPr lvl="1" marL="971640" indent="-514080">
+            <a:pPr marL="971640" lvl="1" indent="-514080">
               <a:lnSpc>
                 <a:spcPct val="90000"/>
               </a:lnSpc>
@@ -5837,7 +6913,7 @@
               <a:buAutoNum type="arabicPeriod"/>
             </a:pPr>
             <a:r>
-              <a:rPr b="0" lang="en-US" sz="2400" spc="-1" strike="noStrike">
+              <a:rPr lang="en-US" sz="2400" b="0" strike="noStrike" spc="-1">
                 <a:solidFill>
                   <a:srgbClr val="000000"/>
                 </a:solidFill>
@@ -5846,7 +6922,7 @@
               </a:rPr>
               <a:t># home goals</a:t>
             </a:r>
-            <a:endParaRPr b="0" lang="en-US" sz="2400" spc="-1" strike="noStrike">
+            <a:endParaRPr lang="en-US" sz="2400" b="0" strike="noStrike" spc="-1">
               <a:solidFill>
                 <a:srgbClr val="000000"/>
               </a:solidFill>
@@ -5854,7 +6930,7 @@
             </a:endParaRPr>
           </a:p>
           <a:p>
-            <a:pPr lvl="1" marL="971640" indent="-514080">
+            <a:pPr marL="971640" lvl="1" indent="-514080">
               <a:lnSpc>
                 <a:spcPct val="90000"/>
               </a:lnSpc>
@@ -5868,7 +6944,7 @@
               <a:buAutoNum type="arabicPeriod"/>
             </a:pPr>
             <a:r>
-              <a:rPr b="0" lang="en-US" sz="2400" spc="-1" strike="noStrike">
+              <a:rPr lang="en-US" sz="2400" b="0" strike="noStrike" spc="-1">
                 <a:solidFill>
                   <a:srgbClr val="000000"/>
                 </a:solidFill>
@@ -5877,7 +6953,7 @@
               </a:rPr>
               <a:t># away games</a:t>
             </a:r>
-            <a:endParaRPr b="0" lang="en-US" sz="2400" spc="-1" strike="noStrike">
+            <a:endParaRPr lang="en-US" sz="2400" b="0" strike="noStrike" spc="-1">
               <a:solidFill>
                 <a:srgbClr val="000000"/>
               </a:solidFill>
@@ -5885,7 +6961,7 @@
             </a:endParaRPr>
           </a:p>
           <a:p>
-            <a:pPr lvl="1" marL="971640" indent="-514080">
+            <a:pPr marL="971640" lvl="1" indent="-514080">
               <a:lnSpc>
                 <a:spcPct val="90000"/>
               </a:lnSpc>
@@ -5899,7 +6975,7 @@
               <a:buAutoNum type="arabicPeriod"/>
             </a:pPr>
             <a:r>
-              <a:rPr b="0" lang="en-US" sz="2400" spc="-1" strike="noStrike">
+              <a:rPr lang="en-US" sz="2400" b="0" strike="noStrike" spc="-1">
                 <a:solidFill>
                   <a:srgbClr val="000000"/>
                 </a:solidFill>
@@ -5908,7 +6984,7 @@
               </a:rPr>
               <a:t># away goals</a:t>
             </a:r>
-            <a:endParaRPr b="0" lang="en-US" sz="2400" spc="-1" strike="noStrike">
+            <a:endParaRPr lang="en-US" sz="2400" b="0" strike="noStrike" spc="-1">
               <a:solidFill>
                 <a:srgbClr val="000000"/>
               </a:solidFill>
@@ -5916,7 +6992,7 @@
             </a:endParaRPr>
           </a:p>
           <a:p>
-            <a:pPr lvl="1" marL="971640" indent="-514080">
+            <a:pPr marL="971640" lvl="1" indent="-514080">
               <a:lnSpc>
                 <a:spcPct val="90000"/>
               </a:lnSpc>
@@ -5930,7 +7006,7 @@
               <a:buAutoNum type="arabicPeriod"/>
             </a:pPr>
             <a:r>
-              <a:rPr b="0" lang="en-US" sz="2400" spc="-1" strike="noStrike">
+              <a:rPr lang="en-US" sz="2400" b="0" strike="noStrike" spc="-1">
                 <a:solidFill>
                   <a:srgbClr val="000000"/>
                 </a:solidFill>
@@ -5939,7 +7015,7 @@
               </a:rPr>
               <a:t>home goals/game</a:t>
             </a:r>
-            <a:endParaRPr b="0" lang="en-US" sz="2400" spc="-1" strike="noStrike">
+            <a:endParaRPr lang="en-US" sz="2400" b="0" strike="noStrike" spc="-1">
               <a:solidFill>
                 <a:srgbClr val="000000"/>
               </a:solidFill>
@@ -5947,7 +7023,7 @@
             </a:endParaRPr>
           </a:p>
           <a:p>
-            <a:pPr lvl="1" marL="971640" indent="-514080">
+            <a:pPr marL="971640" lvl="1" indent="-514080">
               <a:lnSpc>
                 <a:spcPct val="90000"/>
               </a:lnSpc>
@@ -5961,7 +7037,7 @@
               <a:buAutoNum type="arabicPeriod"/>
             </a:pPr>
             <a:r>
-              <a:rPr b="0" lang="en-US" sz="2400" spc="-1" strike="noStrike">
+              <a:rPr lang="en-US" sz="2400" b="0" strike="noStrike" spc="-1">
                 <a:solidFill>
                   <a:srgbClr val="000000"/>
                 </a:solidFill>
@@ -5970,7 +7046,7 @@
               </a:rPr>
               <a:t>away goals/game</a:t>
             </a:r>
-            <a:endParaRPr b="0" lang="en-US" sz="2400" spc="-1" strike="noStrike">
+            <a:endParaRPr lang="en-US" sz="2400" b="0" strike="noStrike" spc="-1">
               <a:solidFill>
                 <a:srgbClr val="000000"/>
               </a:solidFill>
@@ -5986,7 +7062,7 @@
                 <a:spcPts val="1001"/>
               </a:spcBef>
             </a:pPr>
-            <a:endParaRPr b="0" lang="en-US" sz="2400" spc="-1" strike="noStrike">
+            <a:endParaRPr lang="en-US" sz="2400" b="0" strike="noStrike" spc="-1">
               <a:solidFill>
                 <a:srgbClr val="000000"/>
               </a:solidFill>
@@ -6025,7 +7101,7 @@
             </a:prstGeom>
             <a:ln w="76320">
               <a:solidFill>
-                <a:srgbClr val="33b395"/>
+                <a:srgbClr val="33B395"/>
               </a:solidFill>
             </a:ln>
           </p:spPr>
@@ -6044,13 +7120,13 @@
         </p:sp>
         <p:pic>
           <p:nvPicPr>
-            <p:cNvPr id="134" name="Picture 2" descr=""/>
+            <p:cNvPr id="134" name="Picture 2"/>
             <p:cNvPicPr/>
             <p:nvPr/>
           </p:nvPicPr>
           <p:blipFill>
-            <a:blip r:embed="rId1"/>
-            <a:srcRect l="8961" t="0" r="51571" b="0"/>
+            <a:blip r:embed="rId2"/>
+            <a:srcRect l="8961" r="51571"/>
             <a:stretch/>
           </p:blipFill>
           <p:spPr>
@@ -6069,19 +7145,14 @@
       </p:grpSp>
     </p:spTree>
   </p:cSld>
-  <mc:AlternateContent>
-    <mc:Choice Requires="p14">
-      <p:transition spd="slow" p14:dur="2000"/>
-    </mc:Choice>
-    <mc:Fallback>
-      <p:transition spd="slow"/>
-    </mc:Fallback>
-  </mc:AlternateContent>
+  <p:clrMapOvr>
+    <a:masterClrMapping/>
+  </p:clrMapOvr>
 </p:sld>
 </file>
 
 <file path=ppt/slides/slide3.xml><?xml version="1.0" encoding="utf-8"?>
-<p:sld xmlns:a="http://schemas.openxmlformats.org/drawingml/2006/main" xmlns:p="http://schemas.openxmlformats.org/presentationml/2006/main" xmlns:r="http://schemas.openxmlformats.org/officeDocument/2006/relationships" xmlns:p14="http://schemas.microsoft.com/office/powerpoint/2010/main" xmlns:p15="http://schemas.microsoft.com/office/powerpoint/2012/main" xmlns:mc="http://schemas.openxmlformats.org/markup-compatibility/2006">
+<p:sld xmlns:a="http://schemas.openxmlformats.org/drawingml/2006/main" xmlns:r="http://schemas.openxmlformats.org/officeDocument/2006/relationships" xmlns:p="http://schemas.openxmlformats.org/presentationml/2006/main">
   <p:cSld>
     <p:spTree>
       <p:nvGrpSpPr>
@@ -6120,6 +7191,7 @@
           <a:bodyPr anchor="ctr">
             <a:noAutofit/>
           </a:bodyPr>
+          <a:lstStyle/>
           <a:p>
             <a:pPr>
               <a:lnSpc>
@@ -6127,7 +7199,7 @@
               </a:lnSpc>
             </a:pPr>
             <a:r>
-              <a:rPr b="0" lang="en-US" sz="4400" spc="-1" strike="noStrike">
+              <a:rPr lang="en-US" sz="4400" b="0" strike="noStrike" spc="-1">
                 <a:solidFill>
                   <a:srgbClr val="000000"/>
                 </a:solidFill>
@@ -6135,7 +7207,7 @@
               </a:rPr>
               <a:t>Methods</a:t>
             </a:r>
-            <a:endParaRPr b="0" lang="en-US" sz="4400" spc="-1" strike="noStrike">
+            <a:endParaRPr lang="en-US" sz="4400" b="0" strike="noStrike" spc="-1">
               <a:solidFill>
                 <a:srgbClr val="000000"/>
               </a:solidFill>
@@ -6174,7 +7246,7 @@
             </a:prstGeom>
             <a:ln w="76320">
               <a:solidFill>
-                <a:srgbClr val="33b395"/>
+                <a:srgbClr val="33B395"/>
               </a:solidFill>
             </a:ln>
           </p:spPr>
@@ -6193,13 +7265,13 @@
         </p:sp>
         <p:pic>
           <p:nvPicPr>
-            <p:cNvPr id="138" name="Picture 2" descr=""/>
+            <p:cNvPr id="138" name="Picture 2"/>
             <p:cNvPicPr/>
             <p:nvPr/>
           </p:nvPicPr>
           <p:blipFill>
-            <a:blip r:embed="rId1"/>
-            <a:srcRect l="8961" t="0" r="51571" b="0"/>
+            <a:blip r:embed="rId2"/>
+            <a:srcRect l="8961" r="51571"/>
             <a:stretch/>
           </p:blipFill>
           <p:spPr>
@@ -6239,6 +7311,7 @@
           <a:bodyPr>
             <a:noAutofit/>
           </a:bodyPr>
+          <a:lstStyle/>
           <a:p>
             <a:pPr marL="228600" indent="-228240">
               <a:lnSpc>
@@ -6254,7 +7327,7 @@
               <a:buChar char="•"/>
             </a:pPr>
             <a:r>
-              <a:rPr b="0" lang="en-US" sz="2800" spc="-1" strike="noStrike">
+              <a:rPr lang="en-US" sz="2800" b="0" strike="noStrike" spc="-1">
                 <a:solidFill>
                   <a:srgbClr val="000000"/>
                 </a:solidFill>
@@ -6262,12 +7335,6 @@
               </a:rPr>
               <a:t>Random forests</a:t>
             </a:r>
-            <a:endParaRPr b="0" lang="en-US" sz="2800" spc="-1" strike="noStrike">
-              <a:solidFill>
-                <a:srgbClr val="000000"/>
-              </a:solidFill>
-              <a:latin typeface="Calibri"/>
-            </a:endParaRPr>
           </a:p>
           <a:p>
             <a:pPr marL="228600" indent="-228240">
@@ -6284,7 +7351,7 @@
               <a:buChar char="•"/>
             </a:pPr>
             <a:r>
-              <a:rPr b="0" lang="en-US" sz="2800" spc="-1" strike="noStrike">
+              <a:rPr lang="en-US" sz="2800" b="0" strike="noStrike" spc="-1">
                 <a:solidFill>
                   <a:srgbClr val="000000"/>
                 </a:solidFill>
@@ -6292,12 +7359,6 @@
               </a:rPr>
               <a:t>Based on decision trees</a:t>
             </a:r>
-            <a:endParaRPr b="0" lang="en-US" sz="2800" spc="-1" strike="noStrike">
-              <a:solidFill>
-                <a:srgbClr val="000000"/>
-              </a:solidFill>
-              <a:latin typeface="Calibri"/>
-            </a:endParaRPr>
           </a:p>
         </p:txBody>
       </p:sp>
@@ -6333,9 +7394,10 @@
           <a:fontRef idx="minor"/>
         </p:style>
         <p:txBody>
-          <a:bodyPr lIns="90000" rIns="90000" tIns="45000" bIns="45000" anchor="ctr">
+          <a:bodyPr lIns="90000" tIns="45000" rIns="90000" bIns="45000" anchor="ctr">
             <a:noAutofit/>
           </a:bodyPr>
+          <a:lstStyle/>
           <a:p>
             <a:pPr algn="ctr">
               <a:lnSpc>
@@ -6343,7 +7405,7 @@
               </a:lnSpc>
             </a:pPr>
             <a:r>
-              <a:rPr b="0" i="1" lang="en-US" sz="2400" spc="-1" strike="noStrike">
+              <a:rPr lang="en-US" sz="2400" b="0" i="1" strike="noStrike" spc="-1">
                 <a:solidFill>
                   <a:srgbClr val="000000"/>
                 </a:solidFill>
@@ -6353,7 +7415,7 @@
               <a:t>X</a:t>
             </a:r>
             <a:r>
-              <a:rPr b="0" i="1" lang="en-US" sz="2400" spc="-1" strike="noStrike" baseline="-25000">
+              <a:rPr lang="en-US" sz="2400" b="0" i="1" strike="noStrike" spc="-1" baseline="-25000">
                 <a:solidFill>
                   <a:srgbClr val="000000"/>
                 </a:solidFill>
@@ -6362,7 +7424,7 @@
               </a:rPr>
               <a:t>1</a:t>
             </a:r>
-            <a:endParaRPr b="0" lang="en-US" sz="2400" spc="-1" strike="noStrike">
+            <a:endParaRPr lang="en-US" sz="2400" b="0" strike="noStrike" spc="-1">
               <a:latin typeface="Arial"/>
             </a:endParaRPr>
           </a:p>
@@ -6373,7 +7435,7 @@
               </a:lnSpc>
             </a:pPr>
             <a:r>
-              <a:rPr b="0" i="1" lang="en-US" sz="2400" spc="-1" strike="noStrike">
+              <a:rPr lang="en-US" sz="2400" b="0" i="1" strike="noStrike" spc="-1">
                 <a:solidFill>
                   <a:srgbClr val="000000"/>
                 </a:solidFill>
@@ -6382,7 +7444,7 @@
               </a:rPr>
               <a:t>&gt;</a:t>
             </a:r>
-            <a:endParaRPr b="0" lang="en-US" sz="2400" spc="-1" strike="noStrike">
+            <a:endParaRPr lang="en-US" sz="2400" b="0" strike="noStrike" spc="-1">
               <a:latin typeface="Arial"/>
             </a:endParaRPr>
           </a:p>
@@ -6393,7 +7455,7 @@
               </a:lnSpc>
             </a:pPr>
             <a:r>
-              <a:rPr b="0" i="1" lang="en-US" sz="2400" spc="-1" strike="noStrike">
+              <a:rPr lang="en-US" sz="2400" b="0" i="1" strike="noStrike" spc="-1">
                 <a:solidFill>
                   <a:srgbClr val="000000"/>
                 </a:solidFill>
@@ -6403,7 +7465,7 @@
               <a:t>X</a:t>
             </a:r>
             <a:r>
-              <a:rPr b="0" i="1" lang="en-US" sz="2400" spc="-1" strike="noStrike" baseline="-25000">
+              <a:rPr lang="en-US" sz="2400" b="0" i="1" strike="noStrike" spc="-1" baseline="-25000">
                 <a:solidFill>
                   <a:srgbClr val="000000"/>
                 </a:solidFill>
@@ -6412,7 +7474,7 @@
               </a:rPr>
               <a:t>3</a:t>
             </a:r>
-            <a:endParaRPr b="0" lang="en-US" sz="2400" spc="-1" strike="noStrike">
+            <a:endParaRPr lang="en-US" sz="2400" b="0" strike="noStrike" spc="-1">
               <a:latin typeface="Arial"/>
             </a:endParaRPr>
           </a:p>
@@ -6450,9 +7512,10 @@
           <a:fontRef idx="minor"/>
         </p:style>
         <p:txBody>
-          <a:bodyPr lIns="90000" rIns="90000" tIns="45000" bIns="45000" anchor="ctr">
+          <a:bodyPr lIns="90000" tIns="45000" rIns="90000" bIns="45000" anchor="ctr">
             <a:noAutofit/>
           </a:bodyPr>
+          <a:lstStyle/>
           <a:p>
             <a:pPr algn="ctr">
               <a:lnSpc>
@@ -6460,7 +7523,7 @@
               </a:lnSpc>
             </a:pPr>
             <a:r>
-              <a:rPr b="0" i="1" lang="en-US" sz="2400" spc="-1" strike="noStrike">
+              <a:rPr lang="en-US" sz="2400" b="0" i="1" strike="noStrike" spc="-1">
                 <a:solidFill>
                   <a:srgbClr val="000000"/>
                 </a:solidFill>
@@ -6470,7 +7533,7 @@
               <a:t>X</a:t>
             </a:r>
             <a:r>
-              <a:rPr b="0" i="1" lang="en-US" sz="2400" spc="-1" strike="noStrike" baseline="-25000">
+              <a:rPr lang="en-US" sz="2400" b="0" i="1" strike="noStrike" spc="-1" baseline="-25000">
                 <a:solidFill>
                   <a:srgbClr val="000000"/>
                 </a:solidFill>
@@ -6479,7 +7542,7 @@
               </a:rPr>
               <a:t>3</a:t>
             </a:r>
-            <a:endParaRPr b="0" lang="en-US" sz="2400" spc="-1" strike="noStrike">
+            <a:endParaRPr lang="en-US" sz="2400" b="0" strike="noStrike" spc="-1">
               <a:latin typeface="Arial"/>
             </a:endParaRPr>
           </a:p>
@@ -6490,7 +7553,7 @@
               </a:lnSpc>
             </a:pPr>
             <a:r>
-              <a:rPr b="0" i="1" lang="en-US" sz="2400" spc="-1" strike="noStrike">
+              <a:rPr lang="en-US" sz="2400" b="0" i="1" strike="noStrike" spc="-1">
                 <a:solidFill>
                   <a:srgbClr val="000000"/>
                 </a:solidFill>
@@ -6499,7 +7562,7 @@
               </a:rPr>
               <a:t>&gt; 1.3</a:t>
             </a:r>
-            <a:endParaRPr b="0" lang="en-US" sz="2400" spc="-1" strike="noStrike">
+            <a:endParaRPr lang="en-US" sz="2400" b="0" strike="noStrike" spc="-1">
               <a:latin typeface="Arial"/>
             </a:endParaRPr>
           </a:p>
@@ -6537,9 +7600,10 @@
           <a:fontRef idx="minor"/>
         </p:style>
         <p:txBody>
-          <a:bodyPr lIns="90000" rIns="90000" tIns="45000" bIns="45000" anchor="ctr">
+          <a:bodyPr lIns="90000" tIns="45000" rIns="90000" bIns="45000" anchor="ctr">
             <a:noAutofit/>
           </a:bodyPr>
+          <a:lstStyle/>
           <a:p>
             <a:pPr algn="ctr">
               <a:lnSpc>
@@ -6547,7 +7611,7 @@
               </a:lnSpc>
             </a:pPr>
             <a:r>
-              <a:rPr b="0" i="1" lang="en-US" sz="2400" spc="-1" strike="noStrike">
+              <a:rPr lang="en-US" sz="2400" b="0" i="1" strike="noStrike" spc="-1">
                 <a:solidFill>
                   <a:srgbClr val="000000"/>
                 </a:solidFill>
@@ -6557,7 +7621,7 @@
               <a:t>X</a:t>
             </a:r>
             <a:r>
-              <a:rPr b="0" i="1" lang="en-US" sz="2400" spc="-1" strike="noStrike" baseline="-25000">
+              <a:rPr lang="en-US" sz="2400" b="0" i="1" strike="noStrike" spc="-1" baseline="-25000">
                 <a:solidFill>
                   <a:srgbClr val="000000"/>
                 </a:solidFill>
@@ -6566,7 +7630,7 @@
               </a:rPr>
               <a:t>5</a:t>
             </a:r>
-            <a:endParaRPr b="0" lang="en-US" sz="2400" spc="-1" strike="noStrike">
+            <a:endParaRPr lang="en-US" sz="2400" b="0" strike="noStrike" spc="-1">
               <a:latin typeface="Arial"/>
             </a:endParaRPr>
           </a:p>
@@ -6577,7 +7641,7 @@
               </a:lnSpc>
             </a:pPr>
             <a:r>
-              <a:rPr b="0" i="1" lang="en-US" sz="2400" spc="-1" strike="noStrike">
+              <a:rPr lang="en-US" sz="2400" b="0" i="1" strike="noStrike" spc="-1">
                 <a:solidFill>
                   <a:srgbClr val="000000"/>
                 </a:solidFill>
@@ -6586,7 +7650,7 @@
               </a:rPr>
               <a:t>&lt;</a:t>
             </a:r>
-            <a:endParaRPr b="0" lang="en-US" sz="2400" spc="-1" strike="noStrike">
+            <a:endParaRPr lang="en-US" sz="2400" b="0" strike="noStrike" spc="-1">
               <a:latin typeface="Arial"/>
             </a:endParaRPr>
           </a:p>
@@ -6597,7 +7661,7 @@
               </a:lnSpc>
             </a:pPr>
             <a:r>
-              <a:rPr b="0" i="1" lang="en-US" sz="2400" spc="-1" strike="noStrike">
+              <a:rPr lang="en-US" sz="2400" b="0" i="1" strike="noStrike" spc="-1">
                 <a:solidFill>
                   <a:srgbClr val="000000"/>
                 </a:solidFill>
@@ -6607,7 +7671,7 @@
               <a:t>X</a:t>
             </a:r>
             <a:r>
-              <a:rPr b="0" i="1" lang="en-US" sz="2400" spc="-1" strike="noStrike" baseline="-25000">
+              <a:rPr lang="en-US" sz="2400" b="0" i="1" strike="noStrike" spc="-1" baseline="-25000">
                 <a:solidFill>
                   <a:srgbClr val="000000"/>
                 </a:solidFill>
@@ -6616,7 +7680,7 @@
               </a:rPr>
               <a:t>6</a:t>
             </a:r>
-            <a:endParaRPr b="0" lang="en-US" sz="2400" spc="-1" strike="noStrike">
+            <a:endParaRPr lang="en-US" sz="2400" b="0" strike="noStrike" spc="-1">
               <a:latin typeface="Arial"/>
             </a:endParaRPr>
           </a:p>
@@ -6637,6 +7701,7 @@
             <a:avLst/>
             <a:gdLst/>
             <a:ahLst/>
+            <a:cxnLst/>
             <a:rect l="l" t="t" r="r" b="b"/>
             <a:pathLst>
               <a:path w="21600" h="21600">
@@ -6654,7 +7719,7 @@
             <a:solidFill>
               <a:schemeClr val="accent6"/>
             </a:solidFill>
-            <a:tailEnd len="med" type="triangle" w="med"/>
+            <a:tailEnd type="triangle" w="med" len="med"/>
           </a:ln>
         </p:spPr>
         <p:style>
@@ -6685,6 +7750,7 @@
             <a:avLst/>
             <a:gdLst/>
             <a:ahLst/>
+            <a:cxnLst/>
             <a:rect l="l" t="t" r="r" b="b"/>
             <a:pathLst>
               <a:path w="21600" h="21600">
@@ -6700,9 +7766,9 @@
           <a:noFill/>
           <a:ln w="38160">
             <a:solidFill>
-              <a:srgbClr val="c00000"/>
+              <a:srgbClr val="C00000"/>
             </a:solidFill>
-            <a:tailEnd len="med" type="triangle" w="med"/>
+            <a:tailEnd type="triangle" w="med" len="med"/>
           </a:ln>
         </p:spPr>
         <p:style>
@@ -6733,6 +7799,7 @@
             <a:avLst/>
             <a:gdLst/>
             <a:ahLst/>
+            <a:cxnLst/>
             <a:rect l="l" t="t" r="r" b="b"/>
             <a:pathLst>
               <a:path w="21600" h="21600">
@@ -6748,9 +7815,9 @@
           <a:noFill/>
           <a:ln w="38160">
             <a:solidFill>
-              <a:srgbClr val="c00000"/>
+              <a:srgbClr val="C00000"/>
             </a:solidFill>
-            <a:tailEnd len="med" type="triangle" w="med"/>
+            <a:tailEnd type="triangle" w="med" len="med"/>
           </a:ln>
         </p:spPr>
         <p:style>
@@ -6781,6 +7848,7 @@
             <a:avLst/>
             <a:gdLst/>
             <a:ahLst/>
+            <a:cxnLst/>
             <a:rect l="l" t="t" r="r" b="b"/>
             <a:pathLst>
               <a:path w="21600" h="21600">
@@ -6798,7 +7866,7 @@
             <a:solidFill>
               <a:schemeClr val="accent6"/>
             </a:solidFill>
-            <a:tailEnd len="med" type="triangle" w="med"/>
+            <a:tailEnd type="triangle" w="med" len="med"/>
           </a:ln>
         </p:spPr>
         <p:style>
@@ -6831,7 +7899,7 @@
           <a:noFill/>
           <a:ln w="76320">
             <a:solidFill>
-              <a:srgbClr val="00b050"/>
+              <a:srgbClr val="00B050"/>
             </a:solidFill>
           </a:ln>
         </p:spPr>
@@ -6850,16 +7918,17 @@
           <a:fontRef idx="minor"/>
         </p:style>
         <p:txBody>
-          <a:bodyPr lIns="90000" rIns="90000" tIns="45000" bIns="45000" anchor="ctr">
+          <a:bodyPr lIns="90000" tIns="45000" rIns="90000" bIns="45000" anchor="ctr">
             <a:noAutofit/>
           </a:bodyPr>
+          <a:lstStyle/>
           <a:p>
             <a:pPr algn="ctr">
               <a:lnSpc>
                 <a:spcPct val="100000"/>
               </a:lnSpc>
             </a:pPr>
-            <a:endParaRPr b="0" lang="en-US" sz="1800" spc="-1" strike="noStrike">
+            <a:endParaRPr lang="en-US" sz="1800" b="0" strike="noStrike" spc="-1">
               <a:latin typeface="Arial"/>
             </a:endParaRPr>
           </a:p>
@@ -6870,7 +7939,7 @@
               </a:lnSpc>
             </a:pPr>
             <a:r>
-              <a:rPr b="0" i="1" lang="en-US" sz="2400" spc="-1" strike="noStrike">
+              <a:rPr lang="en-US" sz="2400" b="0" i="1" strike="noStrike" spc="-1">
                 <a:solidFill>
                   <a:srgbClr val="000000"/>
                 </a:solidFill>
@@ -6879,7 +7948,7 @@
               </a:rPr>
               <a:t>= </a:t>
             </a:r>
-            <a:endParaRPr b="0" lang="en-US" sz="2400" spc="-1" strike="noStrike">
+            <a:endParaRPr lang="en-US" sz="2400" b="0" strike="noStrike" spc="-1">
               <a:latin typeface="Arial"/>
             </a:endParaRPr>
           </a:p>
@@ -6890,7 +7959,7 @@
               </a:lnSpc>
             </a:pPr>
             <a:r>
-              <a:rPr b="0" i="1" lang="en-US" sz="2400" spc="-1" strike="noStrike">
+              <a:rPr lang="en-US" sz="2400" b="0" i="1" strike="noStrike" spc="-1">
                 <a:solidFill>
                   <a:srgbClr val="000000"/>
                 </a:solidFill>
@@ -6899,7 +7968,7 @@
               </a:rPr>
               <a:t>W</a:t>
             </a:r>
-            <a:endParaRPr b="0" lang="en-US" sz="2400" spc="-1" strike="noStrike">
+            <a:endParaRPr lang="en-US" sz="2400" b="0" strike="noStrike" spc="-1">
               <a:latin typeface="Arial"/>
             </a:endParaRPr>
           </a:p>
@@ -6920,28 +7989,35 @@
             <a:avLst/>
           </a:prstGeom>
           <a:blipFill rotWithShape="0">
-            <a:blip r:embed="rId2"/>
+            <a:blip r:embed="rId3"/>
             <a:stretch>
-              <a:fillRect l="0" t="0" r="0" b="-6034"/>
+              <a:fillRect b="-6034"/>
             </a:stretch>
           </a:blipFill>
           <a:ln w="76320">
             <a:solidFill>
-              <a:srgbClr val="00b050"/>
+              <a:srgbClr val="00B050"/>
             </a:solidFill>
             <a:round/>
           </a:ln>
         </p:spPr>
         <p:style>
-          <a:lnRef idx="0"/>
-          <a:fillRef idx="0"/>
-          <a:effectRef idx="0"/>
+          <a:lnRef idx="0">
+            <a:scrgbClr r="0" g="0" b="0"/>
+          </a:lnRef>
+          <a:fillRef idx="0">
+            <a:scrgbClr r="0" g="0" b="0"/>
+          </a:fillRef>
+          <a:effectRef idx="0">
+            <a:scrgbClr r="0" g="0" b="0"/>
+          </a:effectRef>
           <a:fontRef idx="minor"/>
         </p:style>
         <p:txBody>
-          <a:bodyPr lIns="90000" rIns="90000" tIns="45000" bIns="45000">
+          <a:bodyPr lIns="90000" tIns="45000" rIns="90000" bIns="45000">
             <a:noAutofit/>
           </a:bodyPr>
+          <a:lstStyle/>
           <a:p>
             <a:pPr>
               <a:lnSpc>
@@ -6949,12 +8025,12 @@
               </a:lnSpc>
             </a:pPr>
             <a:r>
-              <a:rPr b="0" lang="en-US" sz="1800" spc="-1" strike="noStrike">
+              <a:rPr lang="en-US" sz="1800" b="0" strike="noStrike" spc="-1">
                 <a:latin typeface="Calibri"/>
               </a:rPr>
               <a:t> </a:t>
             </a:r>
-            <a:endParaRPr b="0" lang="en-US" sz="1800" spc="-1" strike="noStrike">
+            <a:endParaRPr lang="en-US" sz="1800" b="0" strike="noStrike" spc="-1">
               <a:latin typeface="Arial"/>
             </a:endParaRPr>
           </a:p>
@@ -6977,7 +8053,7 @@
           <a:noFill/>
           <a:ln w="76320">
             <a:solidFill>
-              <a:srgbClr val="00b050"/>
+              <a:srgbClr val="00B050"/>
             </a:solidFill>
           </a:ln>
         </p:spPr>
@@ -6996,16 +8072,17 @@
           <a:fontRef idx="minor"/>
         </p:style>
         <p:txBody>
-          <a:bodyPr lIns="90000" rIns="90000" tIns="45000" bIns="45000" anchor="ctr">
+          <a:bodyPr lIns="90000" tIns="45000" rIns="90000" bIns="45000" anchor="ctr">
             <a:noAutofit/>
           </a:bodyPr>
+          <a:lstStyle/>
           <a:p>
             <a:pPr algn="ctr">
               <a:lnSpc>
                 <a:spcPct val="100000"/>
               </a:lnSpc>
             </a:pPr>
-            <a:endParaRPr b="0" lang="en-US" sz="1800" spc="-1" strike="noStrike">
+            <a:endParaRPr lang="en-US" sz="1800" b="0" strike="noStrike" spc="-1">
               <a:latin typeface="Arial"/>
             </a:endParaRPr>
           </a:p>
@@ -7016,7 +8093,7 @@
               </a:lnSpc>
             </a:pPr>
             <a:r>
-              <a:rPr b="0" i="1" lang="en-US" sz="2400" spc="-1" strike="noStrike">
+              <a:rPr lang="en-US" sz="2400" b="0" i="1" strike="noStrike" spc="-1">
                 <a:solidFill>
                   <a:srgbClr val="000000"/>
                 </a:solidFill>
@@ -7025,7 +8102,7 @@
               </a:rPr>
               <a:t>= </a:t>
             </a:r>
-            <a:endParaRPr b="0" lang="en-US" sz="2400" spc="-1" strike="noStrike">
+            <a:endParaRPr lang="en-US" sz="2400" b="0" strike="noStrike" spc="-1">
               <a:latin typeface="Arial"/>
             </a:endParaRPr>
           </a:p>
@@ -7036,7 +8113,7 @@
               </a:lnSpc>
             </a:pPr>
             <a:r>
-              <a:rPr b="0" i="1" lang="en-US" sz="2400" spc="-1" strike="noStrike">
+              <a:rPr lang="en-US" sz="2400" b="0" i="1" strike="noStrike" spc="-1">
                 <a:solidFill>
                   <a:srgbClr val="000000"/>
                 </a:solidFill>
@@ -7045,7 +8122,7 @@
               </a:rPr>
               <a:t>T</a:t>
             </a:r>
-            <a:endParaRPr b="0" lang="en-US" sz="2400" spc="-1" strike="noStrike">
+            <a:endParaRPr lang="en-US" sz="2400" b="0" strike="noStrike" spc="-1">
               <a:latin typeface="Arial"/>
             </a:endParaRPr>
           </a:p>
@@ -7066,28 +8143,35 @@
             <a:avLst/>
           </a:prstGeom>
           <a:blipFill rotWithShape="0">
-            <a:blip r:embed="rId3"/>
+            <a:blip r:embed="rId4"/>
             <a:stretch>
-              <a:fillRect l="0" t="0" r="0" b="-6034"/>
+              <a:fillRect b="-6034"/>
             </a:stretch>
           </a:blipFill>
           <a:ln w="76320">
             <a:solidFill>
-              <a:srgbClr val="00b050"/>
+              <a:srgbClr val="00B050"/>
             </a:solidFill>
             <a:round/>
           </a:ln>
         </p:spPr>
         <p:style>
-          <a:lnRef idx="0"/>
-          <a:fillRef idx="0"/>
-          <a:effectRef idx="0"/>
+          <a:lnRef idx="0">
+            <a:scrgbClr r="0" g="0" b="0"/>
+          </a:lnRef>
+          <a:fillRef idx="0">
+            <a:scrgbClr r="0" g="0" b="0"/>
+          </a:fillRef>
+          <a:effectRef idx="0">
+            <a:scrgbClr r="0" g="0" b="0"/>
+          </a:effectRef>
           <a:fontRef idx="minor"/>
         </p:style>
         <p:txBody>
-          <a:bodyPr lIns="90000" rIns="90000" tIns="45000" bIns="45000">
+          <a:bodyPr lIns="90000" tIns="45000" rIns="90000" bIns="45000">
             <a:noAutofit/>
           </a:bodyPr>
+          <a:lstStyle/>
           <a:p>
             <a:pPr>
               <a:lnSpc>
@@ -7095,12 +8179,12 @@
               </a:lnSpc>
             </a:pPr>
             <a:r>
-              <a:rPr b="0" lang="en-US" sz="1800" spc="-1" strike="noStrike">
+              <a:rPr lang="en-US" sz="1800" b="0" strike="noStrike" spc="-1">
                 <a:latin typeface="Calibri"/>
               </a:rPr>
               <a:t> </a:t>
             </a:r>
-            <a:endParaRPr b="0" lang="en-US" sz="1800" spc="-1" strike="noStrike">
+            <a:endParaRPr lang="en-US" sz="1800" b="0" strike="noStrike" spc="-1">
               <a:latin typeface="Arial"/>
             </a:endParaRPr>
           </a:p>
@@ -7123,7 +8207,7 @@
           <a:noFill/>
           <a:ln w="76320">
             <a:solidFill>
-              <a:srgbClr val="00b050"/>
+              <a:srgbClr val="00B050"/>
             </a:solidFill>
           </a:ln>
         </p:spPr>
@@ -7142,16 +8226,17 @@
           <a:fontRef idx="minor"/>
         </p:style>
         <p:txBody>
-          <a:bodyPr lIns="90000" rIns="90000" tIns="45000" bIns="45000" anchor="ctr">
+          <a:bodyPr lIns="90000" tIns="45000" rIns="90000" bIns="45000" anchor="ctr">
             <a:noAutofit/>
           </a:bodyPr>
+          <a:lstStyle/>
           <a:p>
             <a:pPr algn="ctr">
               <a:lnSpc>
                 <a:spcPct val="100000"/>
               </a:lnSpc>
             </a:pPr>
-            <a:endParaRPr b="0" lang="en-US" sz="1800" spc="-1" strike="noStrike">
+            <a:endParaRPr lang="en-US" sz="1800" b="0" strike="noStrike" spc="-1">
               <a:latin typeface="Arial"/>
             </a:endParaRPr>
           </a:p>
@@ -7162,7 +8247,7 @@
               </a:lnSpc>
             </a:pPr>
             <a:r>
-              <a:rPr b="0" i="1" lang="en-US" sz="2400" spc="-1" strike="noStrike">
+              <a:rPr lang="en-US" sz="2400" b="0" i="1" strike="noStrike" spc="-1">
                 <a:solidFill>
                   <a:srgbClr val="000000"/>
                 </a:solidFill>
@@ -7171,7 +8256,7 @@
               </a:rPr>
               <a:t>= </a:t>
             </a:r>
-            <a:endParaRPr b="0" lang="en-US" sz="2400" spc="-1" strike="noStrike">
+            <a:endParaRPr lang="en-US" sz="2400" b="0" strike="noStrike" spc="-1">
               <a:latin typeface="Arial"/>
             </a:endParaRPr>
           </a:p>
@@ -7182,7 +8267,7 @@
               </a:lnSpc>
             </a:pPr>
             <a:r>
-              <a:rPr b="0" i="1" lang="en-US" sz="2400" spc="-1" strike="noStrike">
+              <a:rPr lang="en-US" sz="2400" b="0" i="1" strike="noStrike" spc="-1">
                 <a:solidFill>
                   <a:srgbClr val="000000"/>
                 </a:solidFill>
@@ -7191,7 +8276,7 @@
               </a:rPr>
               <a:t>T</a:t>
             </a:r>
-            <a:endParaRPr b="0" lang="en-US" sz="2400" spc="-1" strike="noStrike">
+            <a:endParaRPr lang="en-US" sz="2400" b="0" strike="noStrike" spc="-1">
               <a:latin typeface="Arial"/>
             </a:endParaRPr>
           </a:p>
@@ -7212,28 +8297,35 @@
             <a:avLst/>
           </a:prstGeom>
           <a:blipFill rotWithShape="0">
-            <a:blip r:embed="rId4"/>
+            <a:blip r:embed="rId5"/>
             <a:stretch>
-              <a:fillRect l="0" t="0" r="0" b="-5542"/>
+              <a:fillRect b="-5542"/>
             </a:stretch>
           </a:blipFill>
           <a:ln w="76320">
             <a:solidFill>
-              <a:srgbClr val="00b050"/>
+              <a:srgbClr val="00B050"/>
             </a:solidFill>
             <a:round/>
           </a:ln>
         </p:spPr>
         <p:style>
-          <a:lnRef idx="0"/>
-          <a:fillRef idx="0"/>
-          <a:effectRef idx="0"/>
+          <a:lnRef idx="0">
+            <a:scrgbClr r="0" g="0" b="0"/>
+          </a:lnRef>
+          <a:fillRef idx="0">
+            <a:scrgbClr r="0" g="0" b="0"/>
+          </a:fillRef>
+          <a:effectRef idx="0">
+            <a:scrgbClr r="0" g="0" b="0"/>
+          </a:effectRef>
           <a:fontRef idx="minor"/>
         </p:style>
         <p:txBody>
-          <a:bodyPr lIns="90000" rIns="90000" tIns="45000" bIns="45000">
+          <a:bodyPr lIns="90000" tIns="45000" rIns="90000" bIns="45000">
             <a:noAutofit/>
           </a:bodyPr>
+          <a:lstStyle/>
           <a:p>
             <a:pPr>
               <a:lnSpc>
@@ -7241,12 +8333,12 @@
               </a:lnSpc>
             </a:pPr>
             <a:r>
-              <a:rPr b="0" lang="en-US" sz="1800" spc="-1" strike="noStrike">
+              <a:rPr lang="en-US" sz="1800" b="0" strike="noStrike" spc="-1">
                 <a:latin typeface="Calibri"/>
               </a:rPr>
               <a:t> </a:t>
             </a:r>
-            <a:endParaRPr b="0" lang="en-US" sz="1800" spc="-1" strike="noStrike">
+            <a:endParaRPr lang="en-US" sz="1800" b="0" strike="noStrike" spc="-1">
               <a:latin typeface="Arial"/>
             </a:endParaRPr>
           </a:p>
@@ -7269,7 +8361,7 @@
           <a:noFill/>
           <a:ln w="76320">
             <a:solidFill>
-              <a:srgbClr val="00b050"/>
+              <a:srgbClr val="00B050"/>
             </a:solidFill>
           </a:ln>
         </p:spPr>
@@ -7288,16 +8380,17 @@
           <a:fontRef idx="minor"/>
         </p:style>
         <p:txBody>
-          <a:bodyPr lIns="90000" rIns="90000" tIns="45000" bIns="45000" anchor="ctr">
+          <a:bodyPr lIns="90000" tIns="45000" rIns="90000" bIns="45000" anchor="ctr">
             <a:noAutofit/>
           </a:bodyPr>
+          <a:lstStyle/>
           <a:p>
             <a:pPr algn="ctr">
               <a:lnSpc>
                 <a:spcPct val="100000"/>
               </a:lnSpc>
             </a:pPr>
-            <a:endParaRPr b="0" lang="en-US" sz="1800" spc="-1" strike="noStrike">
+            <a:endParaRPr lang="en-US" sz="1800" b="0" strike="noStrike" spc="-1">
               <a:latin typeface="Arial"/>
             </a:endParaRPr>
           </a:p>
@@ -7308,7 +8401,7 @@
               </a:lnSpc>
             </a:pPr>
             <a:r>
-              <a:rPr b="0" i="1" lang="en-US" sz="2400" spc="-1" strike="noStrike">
+              <a:rPr lang="en-US" sz="2400" b="0" i="1" strike="noStrike" spc="-1">
                 <a:solidFill>
                   <a:srgbClr val="000000"/>
                 </a:solidFill>
@@ -7317,7 +8410,7 @@
               </a:rPr>
               <a:t>= </a:t>
             </a:r>
-            <a:endParaRPr b="0" lang="en-US" sz="2400" spc="-1" strike="noStrike">
+            <a:endParaRPr lang="en-US" sz="2400" b="0" strike="noStrike" spc="-1">
               <a:latin typeface="Arial"/>
             </a:endParaRPr>
           </a:p>
@@ -7328,7 +8421,7 @@
               </a:lnSpc>
             </a:pPr>
             <a:r>
-              <a:rPr b="0" i="1" lang="en-US" sz="2400" spc="-1" strike="noStrike">
+              <a:rPr lang="en-US" sz="2400" b="0" i="1" strike="noStrike" spc="-1">
                 <a:solidFill>
                   <a:srgbClr val="000000"/>
                 </a:solidFill>
@@ -7337,7 +8430,7 @@
               </a:rPr>
               <a:t>L</a:t>
             </a:r>
-            <a:endParaRPr b="0" lang="en-US" sz="2400" spc="-1" strike="noStrike">
+            <a:endParaRPr lang="en-US" sz="2400" b="0" strike="noStrike" spc="-1">
               <a:latin typeface="Arial"/>
             </a:endParaRPr>
           </a:p>
@@ -7358,28 +8451,35 @@
             <a:avLst/>
           </a:prstGeom>
           <a:blipFill rotWithShape="0">
-            <a:blip r:embed="rId5"/>
+            <a:blip r:embed="rId6"/>
             <a:stretch>
-              <a:fillRect l="0" t="0" r="0" b="-6034"/>
+              <a:fillRect b="-6034"/>
             </a:stretch>
           </a:blipFill>
           <a:ln w="76320">
             <a:solidFill>
-              <a:srgbClr val="00b050"/>
+              <a:srgbClr val="00B050"/>
             </a:solidFill>
             <a:round/>
           </a:ln>
         </p:spPr>
         <p:style>
-          <a:lnRef idx="0"/>
-          <a:fillRef idx="0"/>
-          <a:effectRef idx="0"/>
+          <a:lnRef idx="0">
+            <a:scrgbClr r="0" g="0" b="0"/>
+          </a:lnRef>
+          <a:fillRef idx="0">
+            <a:scrgbClr r="0" g="0" b="0"/>
+          </a:fillRef>
+          <a:effectRef idx="0">
+            <a:scrgbClr r="0" g="0" b="0"/>
+          </a:effectRef>
           <a:fontRef idx="minor"/>
         </p:style>
         <p:txBody>
-          <a:bodyPr lIns="90000" rIns="90000" tIns="45000" bIns="45000">
+          <a:bodyPr lIns="90000" tIns="45000" rIns="90000" bIns="45000">
             <a:noAutofit/>
           </a:bodyPr>
+          <a:lstStyle/>
           <a:p>
             <a:pPr>
               <a:lnSpc>
@@ -7387,12 +8487,12 @@
               </a:lnSpc>
             </a:pPr>
             <a:r>
-              <a:rPr b="0" lang="en-US" sz="1800" spc="-1" strike="noStrike">
+              <a:rPr lang="en-US" sz="1800" b="0" strike="noStrike" spc="-1">
                 <a:latin typeface="Calibri"/>
               </a:rPr>
               <a:t> </a:t>
             </a:r>
-            <a:endParaRPr b="0" lang="en-US" sz="1800" spc="-1" strike="noStrike">
+            <a:endParaRPr lang="en-US" sz="1800" b="0" strike="noStrike" spc="-1">
               <a:latin typeface="Arial"/>
             </a:endParaRPr>
           </a:p>
@@ -7413,6 +8513,7 @@
             <a:avLst/>
             <a:gdLst/>
             <a:ahLst/>
+            <a:cxnLst/>
             <a:rect l="l" t="t" r="r" b="b"/>
             <a:pathLst>
               <a:path w="21600" h="21600">
@@ -7430,7 +8531,7 @@
             <a:solidFill>
               <a:schemeClr val="accent6"/>
             </a:solidFill>
-            <a:tailEnd len="med" type="triangle" w="med"/>
+            <a:tailEnd type="triangle" w="med" len="med"/>
           </a:ln>
         </p:spPr>
         <p:style>
@@ -7461,6 +8562,7 @@
             <a:avLst/>
             <a:gdLst/>
             <a:ahLst/>
+            <a:cxnLst/>
             <a:rect l="l" t="t" r="r" b="b"/>
             <a:pathLst>
               <a:path w="21600" h="21600">
@@ -7476,9 +8578,9 @@
           <a:noFill/>
           <a:ln w="38160">
             <a:solidFill>
-              <a:srgbClr val="c00000"/>
+              <a:srgbClr val="C00000"/>
             </a:solidFill>
-            <a:tailEnd len="med" type="triangle" w="med"/>
+            <a:tailEnd type="triangle" w="med" len="med"/>
           </a:ln>
         </p:spPr>
         <p:style>
@@ -7514,15 +8616,22 @@
           </a:ln>
         </p:spPr>
         <p:style>
-          <a:lnRef idx="0"/>
-          <a:fillRef idx="0"/>
-          <a:effectRef idx="0"/>
+          <a:lnRef idx="0">
+            <a:scrgbClr r="0" g="0" b="0"/>
+          </a:lnRef>
+          <a:fillRef idx="0">
+            <a:scrgbClr r="0" g="0" b="0"/>
+          </a:fillRef>
+          <a:effectRef idx="0">
+            <a:scrgbClr r="0" g="0" b="0"/>
+          </a:effectRef>
           <a:fontRef idx="minor"/>
         </p:style>
         <p:txBody>
-          <a:bodyPr wrap="none" lIns="90000" rIns="90000" tIns="45000" bIns="45000">
+          <a:bodyPr wrap="none" lIns="90000" tIns="45000" rIns="90000" bIns="45000">
             <a:spAutoFit/>
           </a:bodyPr>
+          <a:lstStyle/>
           <a:p>
             <a:pPr>
               <a:lnSpc>
@@ -7530,7 +8639,7 @@
               </a:lnSpc>
             </a:pPr>
             <a:r>
-              <a:rPr b="0" lang="en-US" sz="1800" spc="-1" strike="noStrike">
+              <a:rPr lang="en-US" sz="1800" b="0" strike="noStrike" spc="-1">
                 <a:solidFill>
                   <a:srgbClr val="000000"/>
                 </a:solidFill>
@@ -7538,7 +8647,7 @@
               </a:rPr>
               <a:t>true</a:t>
             </a:r>
-            <a:endParaRPr b="0" lang="en-US" sz="1800" spc="-1" strike="noStrike">
+            <a:endParaRPr lang="en-US" sz="1800" b="0" strike="noStrike" spc="-1">
               <a:latin typeface="Arial"/>
             </a:endParaRPr>
           </a:p>
@@ -7564,15 +8673,22 @@
           </a:ln>
         </p:spPr>
         <p:style>
-          <a:lnRef idx="0"/>
-          <a:fillRef idx="0"/>
-          <a:effectRef idx="0"/>
+          <a:lnRef idx="0">
+            <a:scrgbClr r="0" g="0" b="0"/>
+          </a:lnRef>
+          <a:fillRef idx="0">
+            <a:scrgbClr r="0" g="0" b="0"/>
+          </a:fillRef>
+          <a:effectRef idx="0">
+            <a:scrgbClr r="0" g="0" b="0"/>
+          </a:effectRef>
           <a:fontRef idx="minor"/>
         </p:style>
         <p:txBody>
-          <a:bodyPr wrap="none" lIns="90000" rIns="90000" tIns="45000" bIns="45000">
+          <a:bodyPr wrap="none" lIns="90000" tIns="45000" rIns="90000" bIns="45000">
             <a:spAutoFit/>
           </a:bodyPr>
+          <a:lstStyle/>
           <a:p>
             <a:pPr>
               <a:lnSpc>
@@ -7580,7 +8696,7 @@
               </a:lnSpc>
             </a:pPr>
             <a:r>
-              <a:rPr b="0" lang="en-US" sz="1800" spc="-1" strike="noStrike">
+              <a:rPr lang="en-US" sz="1800" b="0" strike="noStrike" spc="-1">
                 <a:solidFill>
                   <a:srgbClr val="000000"/>
                 </a:solidFill>
@@ -7588,7 +8704,7 @@
               </a:rPr>
               <a:t>true</a:t>
             </a:r>
-            <a:endParaRPr b="0" lang="en-US" sz="1800" spc="-1" strike="noStrike">
+            <a:endParaRPr lang="en-US" sz="1800" b="0" strike="noStrike" spc="-1">
               <a:latin typeface="Arial"/>
             </a:endParaRPr>
           </a:p>
@@ -7614,15 +8730,22 @@
           </a:ln>
         </p:spPr>
         <p:style>
-          <a:lnRef idx="0"/>
-          <a:fillRef idx="0"/>
-          <a:effectRef idx="0"/>
+          <a:lnRef idx="0">
+            <a:scrgbClr r="0" g="0" b="0"/>
+          </a:lnRef>
+          <a:fillRef idx="0">
+            <a:scrgbClr r="0" g="0" b="0"/>
+          </a:fillRef>
+          <a:effectRef idx="0">
+            <a:scrgbClr r="0" g="0" b="0"/>
+          </a:effectRef>
           <a:fontRef idx="minor"/>
         </p:style>
         <p:txBody>
-          <a:bodyPr wrap="none" lIns="90000" rIns="90000" tIns="45000" bIns="45000">
+          <a:bodyPr wrap="none" lIns="90000" tIns="45000" rIns="90000" bIns="45000">
             <a:spAutoFit/>
           </a:bodyPr>
+          <a:lstStyle/>
           <a:p>
             <a:pPr>
               <a:lnSpc>
@@ -7630,7 +8753,7 @@
               </a:lnSpc>
             </a:pPr>
             <a:r>
-              <a:rPr b="0" lang="en-US" sz="1800" spc="-1" strike="noStrike">
+              <a:rPr lang="en-US" sz="1800" b="0" strike="noStrike" spc="-1">
                 <a:solidFill>
                   <a:srgbClr val="000000"/>
                 </a:solidFill>
@@ -7638,7 +8761,7 @@
               </a:rPr>
               <a:t>true</a:t>
             </a:r>
-            <a:endParaRPr b="0" lang="en-US" sz="1800" spc="-1" strike="noStrike">
+            <a:endParaRPr lang="en-US" sz="1800" b="0" strike="noStrike" spc="-1">
               <a:latin typeface="Arial"/>
             </a:endParaRPr>
           </a:p>
@@ -7664,15 +8787,22 @@
           </a:ln>
         </p:spPr>
         <p:style>
-          <a:lnRef idx="0"/>
-          <a:fillRef idx="0"/>
-          <a:effectRef idx="0"/>
+          <a:lnRef idx="0">
+            <a:scrgbClr r="0" g="0" b="0"/>
+          </a:lnRef>
+          <a:fillRef idx="0">
+            <a:scrgbClr r="0" g="0" b="0"/>
+          </a:fillRef>
+          <a:effectRef idx="0">
+            <a:scrgbClr r="0" g="0" b="0"/>
+          </a:effectRef>
           <a:fontRef idx="minor"/>
         </p:style>
         <p:txBody>
-          <a:bodyPr wrap="none" lIns="90000" rIns="90000" tIns="45000" bIns="45000">
+          <a:bodyPr wrap="none" lIns="90000" tIns="45000" rIns="90000" bIns="45000">
             <a:spAutoFit/>
           </a:bodyPr>
+          <a:lstStyle/>
           <a:p>
             <a:pPr>
               <a:lnSpc>
@@ -7680,7 +8810,7 @@
               </a:lnSpc>
             </a:pPr>
             <a:r>
-              <a:rPr b="0" lang="en-US" sz="1800" spc="-1" strike="noStrike">
+              <a:rPr lang="en-US" sz="1800" b="0" strike="noStrike" spc="-1">
                 <a:solidFill>
                   <a:srgbClr val="000000"/>
                 </a:solidFill>
@@ -7688,7 +8818,7 @@
               </a:rPr>
               <a:t>false</a:t>
             </a:r>
-            <a:endParaRPr b="0" lang="en-US" sz="1800" spc="-1" strike="noStrike">
+            <a:endParaRPr lang="en-US" sz="1800" b="0" strike="noStrike" spc="-1">
               <a:latin typeface="Arial"/>
             </a:endParaRPr>
           </a:p>
@@ -7714,15 +8844,22 @@
           </a:ln>
         </p:spPr>
         <p:style>
-          <a:lnRef idx="0"/>
-          <a:fillRef idx="0"/>
-          <a:effectRef idx="0"/>
+          <a:lnRef idx="0">
+            <a:scrgbClr r="0" g="0" b="0"/>
+          </a:lnRef>
+          <a:fillRef idx="0">
+            <a:scrgbClr r="0" g="0" b="0"/>
+          </a:fillRef>
+          <a:effectRef idx="0">
+            <a:scrgbClr r="0" g="0" b="0"/>
+          </a:effectRef>
           <a:fontRef idx="minor"/>
         </p:style>
         <p:txBody>
-          <a:bodyPr wrap="none" lIns="90000" rIns="90000" tIns="45000" bIns="45000">
+          <a:bodyPr wrap="none" lIns="90000" tIns="45000" rIns="90000" bIns="45000">
             <a:spAutoFit/>
           </a:bodyPr>
+          <a:lstStyle/>
           <a:p>
             <a:pPr>
               <a:lnSpc>
@@ -7730,7 +8867,7 @@
               </a:lnSpc>
             </a:pPr>
             <a:r>
-              <a:rPr b="0" lang="en-US" sz="1800" spc="-1" strike="noStrike">
+              <a:rPr lang="en-US" sz="1800" b="0" strike="noStrike" spc="-1">
                 <a:solidFill>
                   <a:srgbClr val="000000"/>
                 </a:solidFill>
@@ -7738,7 +8875,7 @@
               </a:rPr>
               <a:t>false</a:t>
             </a:r>
-            <a:endParaRPr b="0" lang="en-US" sz="1800" spc="-1" strike="noStrike">
+            <a:endParaRPr lang="en-US" sz="1800" b="0" strike="noStrike" spc="-1">
               <a:latin typeface="Arial"/>
             </a:endParaRPr>
           </a:p>
@@ -7764,15 +8901,22 @@
           </a:ln>
         </p:spPr>
         <p:style>
-          <a:lnRef idx="0"/>
-          <a:fillRef idx="0"/>
-          <a:effectRef idx="0"/>
+          <a:lnRef idx="0">
+            <a:scrgbClr r="0" g="0" b="0"/>
+          </a:lnRef>
+          <a:fillRef idx="0">
+            <a:scrgbClr r="0" g="0" b="0"/>
+          </a:fillRef>
+          <a:effectRef idx="0">
+            <a:scrgbClr r="0" g="0" b="0"/>
+          </a:effectRef>
           <a:fontRef idx="minor"/>
         </p:style>
         <p:txBody>
-          <a:bodyPr wrap="none" lIns="90000" rIns="90000" tIns="45000" bIns="45000">
+          <a:bodyPr wrap="none" lIns="90000" tIns="45000" rIns="90000" bIns="45000">
             <a:spAutoFit/>
           </a:bodyPr>
+          <a:lstStyle/>
           <a:p>
             <a:pPr>
               <a:lnSpc>
@@ -7780,7 +8924,7 @@
               </a:lnSpc>
             </a:pPr>
             <a:r>
-              <a:rPr b="0" lang="en-US" sz="1800" spc="-1" strike="noStrike">
+              <a:rPr lang="en-US" sz="1800" b="0" strike="noStrike" spc="-1">
                 <a:solidFill>
                   <a:srgbClr val="000000"/>
                 </a:solidFill>
@@ -7788,7 +8932,7 @@
               </a:rPr>
               <a:t>false</a:t>
             </a:r>
-            <a:endParaRPr b="0" lang="en-US" sz="1800" spc="-1" strike="noStrike">
+            <a:endParaRPr lang="en-US" sz="1800" b="0" strike="noStrike" spc="-1">
               <a:latin typeface="Arial"/>
             </a:endParaRPr>
           </a:p>
@@ -7796,14 +8940,9 @@
       </p:sp>
     </p:spTree>
   </p:cSld>
-  <mc:AlternateContent>
-    <mc:Choice Requires="p14">
-      <p:transition spd="slow" p14:dur="2000"/>
-    </mc:Choice>
-    <mc:Fallback>
-      <p:transition spd="slow"/>
-    </mc:Fallback>
-  </mc:AlternateContent>
+  <p:clrMapOvr>
+    <a:masterClrMapping/>
+  </p:clrMapOvr>
   <p:timing>
     <p:tnLst>
       <p:par>
@@ -7825,7 +8964,7 @@
                             </p:stCondLst>
                             <p:childTnLst>
                               <p:par>
-                                <p:cTn id="5" nodeType="clickEffect" fill="hold" presetClass="entr" presetID="1">
+                                <p:cTn id="5" presetID="1" presetClass="entr" fill="hold" nodeType="clickEffect">
                                   <p:stCondLst>
                                     <p:cond delay="0"/>
                                   </p:stCondLst>
@@ -7870,7 +9009,7 @@
                             </p:stCondLst>
                             <p:childTnLst>
                               <p:par>
-                                <p:cTn id="9" nodeType="clickEffect" fill="hold" presetClass="entr" presetID="1">
+                                <p:cTn id="9" presetID="1" presetClass="entr" fill="hold" nodeType="clickEffect">
                                   <p:stCondLst>
                                     <p:cond delay="0"/>
                                   </p:stCondLst>
@@ -7897,7 +9036,7 @@
                                 </p:cTn>
                               </p:par>
                               <p:par>
-                                <p:cTn id="11" nodeType="withEffect" fill="hold" presetClass="entr" presetID="1">
+                                <p:cTn id="11" presetID="1" presetClass="entr" fill="hold" nodeType="withEffect">
                                   <p:stCondLst>
                                     <p:cond delay="0"/>
                                   </p:stCondLst>
@@ -7924,7 +9063,7 @@
                                 </p:cTn>
                               </p:par>
                               <p:par>
-                                <p:cTn id="13" nodeType="withEffect" fill="hold" presetClass="entr" presetID="1">
+                                <p:cTn id="13" presetID="1" presetClass="entr" fill="hold" nodeType="withEffect">
                                   <p:stCondLst>
                                     <p:cond delay="0"/>
                                   </p:stCondLst>
@@ -7969,7 +9108,7 @@
                             </p:stCondLst>
                             <p:childTnLst>
                               <p:par>
-                                <p:cTn id="17" nodeType="clickEffect" fill="hold" presetClass="entr" presetID="1">
+                                <p:cTn id="17" presetID="1" presetClass="entr" fill="hold" nodeType="clickEffect">
                                   <p:stCondLst>
                                     <p:cond delay="0"/>
                                   </p:stCondLst>
@@ -7996,7 +9135,7 @@
                                 </p:cTn>
                               </p:par>
                               <p:par>
-                                <p:cTn id="19" nodeType="withEffect" fill="hold" presetClass="entr" presetID="1">
+                                <p:cTn id="19" presetID="1" presetClass="entr" fill="hold" nodeType="withEffect">
                                   <p:stCondLst>
                                     <p:cond delay="0"/>
                                   </p:stCondLst>
@@ -8023,7 +9162,7 @@
                                 </p:cTn>
                               </p:par>
                               <p:par>
-                                <p:cTn id="21" nodeType="withEffect" fill="hold" presetClass="entr" presetID="1">
+                                <p:cTn id="21" presetID="1" presetClass="entr" fill="hold" nodeType="withEffect">
                                   <p:stCondLst>
                                     <p:cond delay="0"/>
                                   </p:stCondLst>
@@ -8050,7 +9189,7 @@
                                 </p:cTn>
                               </p:par>
                               <p:par>
-                                <p:cTn id="23" nodeType="withEffect" fill="hold" presetClass="entr" presetID="1">
+                                <p:cTn id="23" presetID="1" presetClass="entr" fill="hold" nodeType="withEffect">
                                   <p:stCondLst>
                                     <p:cond delay="0"/>
                                   </p:stCondLst>
@@ -8077,7 +9216,7 @@
                                 </p:cTn>
                               </p:par>
                               <p:par>
-                                <p:cTn id="25" nodeType="withEffect" fill="hold" presetClass="entr" presetID="1">
+                                <p:cTn id="25" presetID="1" presetClass="entr" fill="hold" nodeType="withEffect">
                                   <p:stCondLst>
                                     <p:cond delay="0"/>
                                   </p:stCondLst>
@@ -8104,7 +9243,7 @@
                                 </p:cTn>
                               </p:par>
                               <p:par>
-                                <p:cTn id="27" nodeType="withEffect" fill="hold" presetClass="entr" presetID="1">
+                                <p:cTn id="27" presetID="1" presetClass="entr" fill="hold" nodeType="withEffect">
                                   <p:stCondLst>
                                     <p:cond delay="0"/>
                                   </p:stCondLst>
@@ -8149,7 +9288,7 @@
                             </p:stCondLst>
                             <p:childTnLst>
                               <p:par>
-                                <p:cTn id="31" nodeType="clickEffect" fill="hold" presetClass="entr" presetID="1">
+                                <p:cTn id="31" presetID="1" presetClass="entr" fill="hold" nodeType="clickEffect">
                                   <p:stCondLst>
                                     <p:cond delay="0"/>
                                   </p:stCondLst>
@@ -8176,7 +9315,7 @@
                                 </p:cTn>
                               </p:par>
                               <p:par>
-                                <p:cTn id="33" nodeType="withEffect" fill="hold" presetClass="entr" presetID="1">
+                                <p:cTn id="33" presetID="1" presetClass="entr" fill="hold" nodeType="withEffect">
                                   <p:stCondLst>
                                     <p:cond delay="0"/>
                                   </p:stCondLst>
@@ -8203,7 +9342,7 @@
                                 </p:cTn>
                               </p:par>
                               <p:par>
-                                <p:cTn id="35" nodeType="withEffect" fill="hold" presetClass="entr" presetID="1">
+                                <p:cTn id="35" presetID="1" presetClass="entr" fill="hold" nodeType="withEffect">
                                   <p:stCondLst>
                                     <p:cond delay="0"/>
                                   </p:stCondLst>
@@ -8248,7 +9387,7 @@
                             </p:stCondLst>
                             <p:childTnLst>
                               <p:par>
-                                <p:cTn id="39" nodeType="clickEffect" fill="hold" presetClass="entr" presetID="1">
+                                <p:cTn id="39" presetID="1" presetClass="entr" fill="hold" nodeType="clickEffect">
                                   <p:stCondLst>
                                     <p:cond delay="0"/>
                                   </p:stCondLst>
@@ -8275,7 +9414,7 @@
                                 </p:cTn>
                               </p:par>
                               <p:par>
-                                <p:cTn id="41" nodeType="withEffect" fill="hold" presetClass="entr" presetID="1">
+                                <p:cTn id="41" presetID="1" presetClass="entr" fill="hold" nodeType="withEffect">
                                   <p:stCondLst>
                                     <p:cond delay="0"/>
                                   </p:stCondLst>
@@ -8302,7 +9441,7 @@
                                 </p:cTn>
                               </p:par>
                               <p:par>
-                                <p:cTn id="43" nodeType="withEffect" fill="hold" presetClass="entr" presetID="1">
+                                <p:cTn id="43" presetID="1" presetClass="entr" fill="hold" nodeType="withEffect">
                                   <p:stCondLst>
                                     <p:cond delay="0"/>
                                   </p:stCondLst>
@@ -8329,7 +9468,7 @@
                                 </p:cTn>
                               </p:par>
                               <p:par>
-                                <p:cTn id="45" nodeType="withEffect" fill="hold" presetClass="entr" presetID="1">
+                                <p:cTn id="45" presetID="1" presetClass="entr" fill="hold" nodeType="withEffect">
                                   <p:stCondLst>
                                     <p:cond delay="0"/>
                                   </p:stCondLst>
@@ -8356,7 +9495,7 @@
                                 </p:cTn>
                               </p:par>
                               <p:par>
-                                <p:cTn id="47" nodeType="withEffect" fill="hold" presetClass="entr" presetID="1">
+                                <p:cTn id="47" presetID="1" presetClass="entr" fill="hold" nodeType="withEffect">
                                   <p:stCondLst>
                                     <p:cond delay="0"/>
                                   </p:stCondLst>
@@ -8383,7 +9522,7 @@
                                 </p:cTn>
                               </p:par>
                               <p:par>
-                                <p:cTn id="49" nodeType="withEffect" fill="hold" presetClass="entr" presetID="1">
+                                <p:cTn id="49" presetID="1" presetClass="entr" fill="hold" nodeType="withEffect">
                                   <p:stCondLst>
                                     <p:cond delay="0"/>
                                   </p:stCondLst>
@@ -8418,14 +9557,14 @@
                 </p:childTnLst>
               </p:cTn>
               <p:prevCondLst>
-                <p:cond delay="0" evt="onPrev">
+                <p:cond evt="onPrev" delay="0">
                   <p:tgtEl>
                     <p:sldTgt/>
                   </p:tgtEl>
                 </p:cond>
               </p:prevCondLst>
               <p:nextCondLst>
-                <p:cond delay="0" evt="onNext">
+                <p:cond evt="onNext" delay="0">
                   <p:tgtEl>
                     <p:sldTgt/>
                   </p:tgtEl>
@@ -8441,7 +9580,7 @@
 </file>
 
 <file path=ppt/slides/slide4.xml><?xml version="1.0" encoding="utf-8"?>
-<p:sld xmlns:a="http://schemas.openxmlformats.org/drawingml/2006/main" xmlns:p="http://schemas.openxmlformats.org/presentationml/2006/main" xmlns:r="http://schemas.openxmlformats.org/officeDocument/2006/relationships" xmlns:p14="http://schemas.microsoft.com/office/powerpoint/2010/main" xmlns:p15="http://schemas.microsoft.com/office/powerpoint/2012/main" xmlns:mc="http://schemas.openxmlformats.org/markup-compatibility/2006">
+<p:sld xmlns:a="http://schemas.openxmlformats.org/drawingml/2006/main" xmlns:r="http://schemas.openxmlformats.org/officeDocument/2006/relationships" xmlns:p="http://schemas.openxmlformats.org/presentationml/2006/main">
   <p:cSld>
     <p:spTree>
       <p:nvGrpSpPr>
@@ -8480,6 +9619,7 @@
           <a:bodyPr anchor="ctr">
             <a:noAutofit/>
           </a:bodyPr>
+          <a:lstStyle/>
           <a:p>
             <a:pPr>
               <a:lnSpc>
@@ -8487,7 +9627,7 @@
               </a:lnSpc>
             </a:pPr>
             <a:r>
-              <a:rPr b="0" lang="en-US" sz="4400" spc="-1" strike="noStrike">
+              <a:rPr lang="en-US" sz="4400" b="0" strike="noStrike" spc="-1">
                 <a:solidFill>
                   <a:srgbClr val="000000"/>
                 </a:solidFill>
@@ -8495,7 +9635,7 @@
               </a:rPr>
               <a:t>Methods</a:t>
             </a:r>
-            <a:endParaRPr b="0" lang="en-US" sz="4400" spc="-1" strike="noStrike">
+            <a:endParaRPr lang="en-US" sz="4400" b="0" strike="noStrike" spc="-1">
               <a:solidFill>
                 <a:srgbClr val="000000"/>
               </a:solidFill>
@@ -8534,7 +9674,7 @@
             </a:prstGeom>
             <a:ln w="76320">
               <a:solidFill>
-                <a:srgbClr val="33b395"/>
+                <a:srgbClr val="33B395"/>
               </a:solidFill>
             </a:ln>
           </p:spPr>
@@ -8553,13 +9693,13 @@
         </p:sp>
         <p:pic>
           <p:nvPicPr>
-            <p:cNvPr id="166" name="Picture 2" descr=""/>
+            <p:cNvPr id="166" name="Picture 2"/>
             <p:cNvPicPr/>
             <p:nvPr/>
           </p:nvPicPr>
           <p:blipFill>
-            <a:blip r:embed="rId1"/>
-            <a:srcRect l="8961" t="0" r="51571" b="0"/>
+            <a:blip r:embed="rId2"/>
+            <a:srcRect l="8961" r="51571"/>
             <a:stretch/>
           </p:blipFill>
           <p:spPr>
@@ -8599,6 +9739,7 @@
           <a:bodyPr>
             <a:normAutofit/>
           </a:bodyPr>
+          <a:lstStyle/>
           <a:p>
             <a:pPr marL="228600" indent="-228240">
               <a:lnSpc>
@@ -8614,7 +9755,7 @@
               <a:buChar char="•"/>
             </a:pPr>
             <a:r>
-              <a:rPr b="0" lang="en-US" sz="2800" spc="-1" strike="noStrike">
+              <a:rPr lang="en-US" sz="2800" b="0" strike="noStrike" spc="-1">
                 <a:solidFill>
                   <a:srgbClr val="000000"/>
                 </a:solidFill>
@@ -8622,12 +9763,6 @@
               </a:rPr>
               <a:t>Each tree trained with random subset of training data</a:t>
             </a:r>
-            <a:endParaRPr b="0" lang="en-US" sz="2800" spc="-1" strike="noStrike">
-              <a:solidFill>
-                <a:srgbClr val="000000"/>
-              </a:solidFill>
-              <a:latin typeface="Calibri"/>
-            </a:endParaRPr>
           </a:p>
           <a:p>
             <a:pPr marL="228600" indent="-228240">
@@ -8644,7 +9779,7 @@
               <a:buChar char="•"/>
             </a:pPr>
             <a:r>
-              <a:rPr b="0" lang="en-US" sz="2800" spc="-1" strike="noStrike">
+              <a:rPr lang="en-US" sz="2800" b="0" strike="noStrike" spc="-1">
                 <a:solidFill>
                   <a:srgbClr val="000000"/>
                 </a:solidFill>
@@ -8652,12 +9787,6 @@
               </a:rPr>
               <a:t>Each node tests random features</a:t>
             </a:r>
-            <a:endParaRPr b="0" lang="en-US" sz="2800" spc="-1" strike="noStrike">
-              <a:solidFill>
-                <a:srgbClr val="000000"/>
-              </a:solidFill>
-              <a:latin typeface="Calibri"/>
-            </a:endParaRPr>
           </a:p>
         </p:txBody>
       </p:sp>
@@ -8783,11 +9912,11 @@
               <a:avLst/>
             </a:prstGeom>
             <a:solidFill>
-              <a:srgbClr val="00b050"/>
+              <a:srgbClr val="00B050"/>
             </a:solidFill>
             <a:ln>
               <a:solidFill>
-                <a:srgbClr val="92d050"/>
+                <a:srgbClr val="92D050"/>
               </a:solidFill>
             </a:ln>
           </p:spPr>
@@ -8821,11 +9950,11 @@
               <a:avLst/>
             </a:prstGeom>
             <a:solidFill>
-              <a:srgbClr val="00b050"/>
+              <a:srgbClr val="00B050"/>
             </a:solidFill>
             <a:ln>
               <a:solidFill>
-                <a:srgbClr val="92d050"/>
+                <a:srgbClr val="92D050"/>
               </a:solidFill>
             </a:ln>
           </p:spPr>
@@ -8859,11 +9988,11 @@
               <a:avLst/>
             </a:prstGeom>
             <a:solidFill>
-              <a:srgbClr val="00b050"/>
+              <a:srgbClr val="00B050"/>
             </a:solidFill>
             <a:ln>
               <a:solidFill>
-                <a:srgbClr val="92d050"/>
+                <a:srgbClr val="92D050"/>
               </a:solidFill>
             </a:ln>
           </p:spPr>
@@ -8897,11 +10026,11 @@
               <a:avLst/>
             </a:prstGeom>
             <a:solidFill>
-              <a:srgbClr val="00b050"/>
+              <a:srgbClr val="00B050"/>
             </a:solidFill>
             <a:ln>
               <a:solidFill>
-                <a:srgbClr val="92d050"/>
+                <a:srgbClr val="92D050"/>
               </a:solidFill>
             </a:ln>
           </p:spPr>
@@ -9043,11 +10172,11 @@
               <a:avLst/>
             </a:prstGeom>
             <a:solidFill>
-              <a:srgbClr val="00b050"/>
+              <a:srgbClr val="00B050"/>
             </a:solidFill>
             <a:ln>
               <a:solidFill>
-                <a:srgbClr val="92d050"/>
+                <a:srgbClr val="92D050"/>
               </a:solidFill>
             </a:ln>
           </p:spPr>
@@ -9081,11 +10210,11 @@
               <a:avLst/>
             </a:prstGeom>
             <a:solidFill>
-              <a:srgbClr val="00b050"/>
+              <a:srgbClr val="00B050"/>
             </a:solidFill>
             <a:ln>
               <a:solidFill>
-                <a:srgbClr val="92d050"/>
+                <a:srgbClr val="92D050"/>
               </a:solidFill>
             </a:ln>
           </p:spPr>
@@ -9119,11 +10248,11 @@
               <a:avLst/>
             </a:prstGeom>
             <a:solidFill>
-              <a:srgbClr val="00b050"/>
+              <a:srgbClr val="00B050"/>
             </a:solidFill>
             <a:ln>
               <a:solidFill>
-                <a:srgbClr val="92d050"/>
+                <a:srgbClr val="92D050"/>
               </a:solidFill>
             </a:ln>
           </p:spPr>
@@ -9157,11 +10286,11 @@
               <a:avLst/>
             </a:prstGeom>
             <a:solidFill>
-              <a:srgbClr val="00b050"/>
+              <a:srgbClr val="00B050"/>
             </a:solidFill>
             <a:ln>
               <a:solidFill>
-                <a:srgbClr val="92d050"/>
+                <a:srgbClr val="92D050"/>
               </a:solidFill>
             </a:ln>
           </p:spPr>
@@ -9303,11 +10432,11 @@
               <a:avLst/>
             </a:prstGeom>
             <a:solidFill>
-              <a:srgbClr val="00b050"/>
+              <a:srgbClr val="00B050"/>
             </a:solidFill>
             <a:ln>
               <a:solidFill>
-                <a:srgbClr val="92d050"/>
+                <a:srgbClr val="92D050"/>
               </a:solidFill>
             </a:ln>
           </p:spPr>
@@ -9341,11 +10470,11 @@
               <a:avLst/>
             </a:prstGeom>
             <a:solidFill>
-              <a:srgbClr val="00b050"/>
+              <a:srgbClr val="00B050"/>
             </a:solidFill>
             <a:ln>
               <a:solidFill>
-                <a:srgbClr val="92d050"/>
+                <a:srgbClr val="92D050"/>
               </a:solidFill>
             </a:ln>
           </p:spPr>
@@ -9379,11 +10508,11 @@
               <a:avLst/>
             </a:prstGeom>
             <a:solidFill>
-              <a:srgbClr val="00b050"/>
+              <a:srgbClr val="00B050"/>
             </a:solidFill>
             <a:ln>
               <a:solidFill>
-                <a:srgbClr val="92d050"/>
+                <a:srgbClr val="92D050"/>
               </a:solidFill>
             </a:ln>
           </p:spPr>
@@ -9417,11 +10546,11 @@
               <a:avLst/>
             </a:prstGeom>
             <a:solidFill>
-              <a:srgbClr val="00b050"/>
+              <a:srgbClr val="00B050"/>
             </a:solidFill>
             <a:ln>
               <a:solidFill>
-                <a:srgbClr val="92d050"/>
+                <a:srgbClr val="92D050"/>
               </a:solidFill>
             </a:ln>
           </p:spPr>
@@ -9563,11 +10692,11 @@
               <a:avLst/>
             </a:prstGeom>
             <a:solidFill>
-              <a:srgbClr val="00b050"/>
+              <a:srgbClr val="00B050"/>
             </a:solidFill>
             <a:ln>
               <a:solidFill>
-                <a:srgbClr val="92d050"/>
+                <a:srgbClr val="92D050"/>
               </a:solidFill>
             </a:ln>
           </p:spPr>
@@ -9601,11 +10730,11 @@
               <a:avLst/>
             </a:prstGeom>
             <a:solidFill>
-              <a:srgbClr val="00b050"/>
+              <a:srgbClr val="00B050"/>
             </a:solidFill>
             <a:ln>
               <a:solidFill>
-                <a:srgbClr val="92d050"/>
+                <a:srgbClr val="92D050"/>
               </a:solidFill>
             </a:ln>
           </p:spPr>
@@ -9639,11 +10768,11 @@
               <a:avLst/>
             </a:prstGeom>
             <a:solidFill>
-              <a:srgbClr val="00b050"/>
+              <a:srgbClr val="00B050"/>
             </a:solidFill>
             <a:ln>
               <a:solidFill>
-                <a:srgbClr val="92d050"/>
+                <a:srgbClr val="92D050"/>
               </a:solidFill>
             </a:ln>
           </p:spPr>
@@ -9677,11 +10806,11 @@
               <a:avLst/>
             </a:prstGeom>
             <a:solidFill>
-              <a:srgbClr val="00b050"/>
+              <a:srgbClr val="00B050"/>
             </a:solidFill>
             <a:ln>
               <a:solidFill>
-                <a:srgbClr val="92d050"/>
+                <a:srgbClr val="92D050"/>
               </a:solidFill>
             </a:ln>
           </p:spPr>
@@ -9823,11 +10952,11 @@
               <a:avLst/>
             </a:prstGeom>
             <a:solidFill>
-              <a:srgbClr val="00b050"/>
+              <a:srgbClr val="00B050"/>
             </a:solidFill>
             <a:ln>
               <a:solidFill>
-                <a:srgbClr val="92d050"/>
+                <a:srgbClr val="92D050"/>
               </a:solidFill>
             </a:ln>
           </p:spPr>
@@ -9861,11 +10990,11 @@
               <a:avLst/>
             </a:prstGeom>
             <a:solidFill>
-              <a:srgbClr val="00b050"/>
+              <a:srgbClr val="00B050"/>
             </a:solidFill>
             <a:ln>
               <a:solidFill>
-                <a:srgbClr val="92d050"/>
+                <a:srgbClr val="92D050"/>
               </a:solidFill>
             </a:ln>
           </p:spPr>
@@ -9899,11 +11028,11 @@
               <a:avLst/>
             </a:prstGeom>
             <a:solidFill>
-              <a:srgbClr val="00b050"/>
+              <a:srgbClr val="00B050"/>
             </a:solidFill>
             <a:ln>
               <a:solidFill>
-                <a:srgbClr val="92d050"/>
+                <a:srgbClr val="92D050"/>
               </a:solidFill>
             </a:ln>
           </p:spPr>
@@ -9937,11 +11066,11 @@
               <a:avLst/>
             </a:prstGeom>
             <a:solidFill>
-              <a:srgbClr val="00b050"/>
+              <a:srgbClr val="00B050"/>
             </a:solidFill>
             <a:ln>
               <a:solidFill>
-                <a:srgbClr val="92d050"/>
+                <a:srgbClr val="92D050"/>
               </a:solidFill>
             </a:ln>
           </p:spPr>
@@ -10083,11 +11212,11 @@
               <a:avLst/>
             </a:prstGeom>
             <a:solidFill>
-              <a:srgbClr val="00b050"/>
+              <a:srgbClr val="00B050"/>
             </a:solidFill>
             <a:ln>
               <a:solidFill>
-                <a:srgbClr val="92d050"/>
+                <a:srgbClr val="92D050"/>
               </a:solidFill>
             </a:ln>
           </p:spPr>
@@ -10121,11 +11250,11 @@
               <a:avLst/>
             </a:prstGeom>
             <a:solidFill>
-              <a:srgbClr val="00b050"/>
+              <a:srgbClr val="00B050"/>
             </a:solidFill>
             <a:ln>
               <a:solidFill>
-                <a:srgbClr val="92d050"/>
+                <a:srgbClr val="92D050"/>
               </a:solidFill>
             </a:ln>
           </p:spPr>
@@ -10159,11 +11288,11 @@
               <a:avLst/>
             </a:prstGeom>
             <a:solidFill>
-              <a:srgbClr val="00b050"/>
+              <a:srgbClr val="00B050"/>
             </a:solidFill>
             <a:ln>
               <a:solidFill>
-                <a:srgbClr val="92d050"/>
+                <a:srgbClr val="92D050"/>
               </a:solidFill>
             </a:ln>
           </p:spPr>
@@ -10197,11 +11326,11 @@
               <a:avLst/>
             </a:prstGeom>
             <a:solidFill>
-              <a:srgbClr val="00b050"/>
+              <a:srgbClr val="00B050"/>
             </a:solidFill>
             <a:ln>
               <a:solidFill>
-                <a:srgbClr val="92d050"/>
+                <a:srgbClr val="92D050"/>
               </a:solidFill>
             </a:ln>
           </p:spPr>
@@ -10343,11 +11472,11 @@
               <a:avLst/>
             </a:prstGeom>
             <a:solidFill>
-              <a:srgbClr val="00b050"/>
+              <a:srgbClr val="00B050"/>
             </a:solidFill>
             <a:ln>
               <a:solidFill>
-                <a:srgbClr val="92d050"/>
+                <a:srgbClr val="92D050"/>
               </a:solidFill>
             </a:ln>
           </p:spPr>
@@ -10381,11 +11510,11 @@
               <a:avLst/>
             </a:prstGeom>
             <a:solidFill>
-              <a:srgbClr val="00b050"/>
+              <a:srgbClr val="00B050"/>
             </a:solidFill>
             <a:ln>
               <a:solidFill>
-                <a:srgbClr val="92d050"/>
+                <a:srgbClr val="92D050"/>
               </a:solidFill>
             </a:ln>
           </p:spPr>
@@ -10419,11 +11548,11 @@
               <a:avLst/>
             </a:prstGeom>
             <a:solidFill>
-              <a:srgbClr val="00b050"/>
+              <a:srgbClr val="00B050"/>
             </a:solidFill>
             <a:ln>
               <a:solidFill>
-                <a:srgbClr val="92d050"/>
+                <a:srgbClr val="92D050"/>
               </a:solidFill>
             </a:ln>
           </p:spPr>
@@ -10457,11 +11586,11 @@
               <a:avLst/>
             </a:prstGeom>
             <a:solidFill>
-              <a:srgbClr val="00b050"/>
+              <a:srgbClr val="00B050"/>
             </a:solidFill>
             <a:ln>
               <a:solidFill>
-                <a:srgbClr val="92d050"/>
+                <a:srgbClr val="92D050"/>
               </a:solidFill>
             </a:ln>
           </p:spPr>
@@ -10603,11 +11732,11 @@
               <a:avLst/>
             </a:prstGeom>
             <a:solidFill>
-              <a:srgbClr val="00b050"/>
+              <a:srgbClr val="00B050"/>
             </a:solidFill>
             <a:ln>
               <a:solidFill>
-                <a:srgbClr val="92d050"/>
+                <a:srgbClr val="92D050"/>
               </a:solidFill>
             </a:ln>
           </p:spPr>
@@ -10641,11 +11770,11 @@
               <a:avLst/>
             </a:prstGeom>
             <a:solidFill>
-              <a:srgbClr val="00b050"/>
+              <a:srgbClr val="00B050"/>
             </a:solidFill>
             <a:ln>
               <a:solidFill>
-                <a:srgbClr val="92d050"/>
+                <a:srgbClr val="92D050"/>
               </a:solidFill>
             </a:ln>
           </p:spPr>
@@ -10679,11 +11808,11 @@
               <a:avLst/>
             </a:prstGeom>
             <a:solidFill>
-              <a:srgbClr val="00b050"/>
+              <a:srgbClr val="00B050"/>
             </a:solidFill>
             <a:ln>
               <a:solidFill>
-                <a:srgbClr val="92d050"/>
+                <a:srgbClr val="92D050"/>
               </a:solidFill>
             </a:ln>
           </p:spPr>
@@ -10717,11 +11846,11 @@
               <a:avLst/>
             </a:prstGeom>
             <a:solidFill>
-              <a:srgbClr val="00b050"/>
+              <a:srgbClr val="00B050"/>
             </a:solidFill>
             <a:ln>
               <a:solidFill>
-                <a:srgbClr val="92d050"/>
+                <a:srgbClr val="92D050"/>
               </a:solidFill>
             </a:ln>
           </p:spPr>
@@ -10863,11 +11992,11 @@
               <a:avLst/>
             </a:prstGeom>
             <a:solidFill>
-              <a:srgbClr val="00b050"/>
+              <a:srgbClr val="00B050"/>
             </a:solidFill>
             <a:ln>
               <a:solidFill>
-                <a:srgbClr val="92d050"/>
+                <a:srgbClr val="92D050"/>
               </a:solidFill>
             </a:ln>
           </p:spPr>
@@ -10901,11 +12030,11 @@
               <a:avLst/>
             </a:prstGeom>
             <a:solidFill>
-              <a:srgbClr val="00b050"/>
+              <a:srgbClr val="00B050"/>
             </a:solidFill>
             <a:ln>
               <a:solidFill>
-                <a:srgbClr val="92d050"/>
+                <a:srgbClr val="92D050"/>
               </a:solidFill>
             </a:ln>
           </p:spPr>
@@ -10939,11 +12068,11 @@
               <a:avLst/>
             </a:prstGeom>
             <a:solidFill>
-              <a:srgbClr val="00b050"/>
+              <a:srgbClr val="00B050"/>
             </a:solidFill>
             <a:ln>
               <a:solidFill>
-                <a:srgbClr val="92d050"/>
+                <a:srgbClr val="92D050"/>
               </a:solidFill>
             </a:ln>
           </p:spPr>
@@ -10977,11 +12106,11 @@
               <a:avLst/>
             </a:prstGeom>
             <a:solidFill>
-              <a:srgbClr val="00b050"/>
+              <a:srgbClr val="00B050"/>
             </a:solidFill>
             <a:ln>
               <a:solidFill>
-                <a:srgbClr val="92d050"/>
+                <a:srgbClr val="92D050"/>
               </a:solidFill>
             </a:ln>
           </p:spPr>
@@ -11123,11 +12252,11 @@
               <a:avLst/>
             </a:prstGeom>
             <a:solidFill>
-              <a:srgbClr val="00b050"/>
+              <a:srgbClr val="00B050"/>
             </a:solidFill>
             <a:ln>
               <a:solidFill>
-                <a:srgbClr val="92d050"/>
+                <a:srgbClr val="92D050"/>
               </a:solidFill>
             </a:ln>
           </p:spPr>
@@ -11161,11 +12290,11 @@
               <a:avLst/>
             </a:prstGeom>
             <a:solidFill>
-              <a:srgbClr val="00b050"/>
+              <a:srgbClr val="00B050"/>
             </a:solidFill>
             <a:ln>
               <a:solidFill>
-                <a:srgbClr val="92d050"/>
+                <a:srgbClr val="92D050"/>
               </a:solidFill>
             </a:ln>
           </p:spPr>
@@ -11199,11 +12328,11 @@
               <a:avLst/>
             </a:prstGeom>
             <a:solidFill>
-              <a:srgbClr val="00b050"/>
+              <a:srgbClr val="00B050"/>
             </a:solidFill>
             <a:ln>
               <a:solidFill>
-                <a:srgbClr val="92d050"/>
+                <a:srgbClr val="92D050"/>
               </a:solidFill>
             </a:ln>
           </p:spPr>
@@ -11237,11 +12366,11 @@
               <a:avLst/>
             </a:prstGeom>
             <a:solidFill>
-              <a:srgbClr val="00b050"/>
+              <a:srgbClr val="00B050"/>
             </a:solidFill>
             <a:ln>
               <a:solidFill>
-                <a:srgbClr val="92d050"/>
+                <a:srgbClr val="92D050"/>
               </a:solidFill>
             </a:ln>
           </p:spPr>
@@ -11383,11 +12512,11 @@
               <a:avLst/>
             </a:prstGeom>
             <a:solidFill>
-              <a:srgbClr val="00b050"/>
+              <a:srgbClr val="00B050"/>
             </a:solidFill>
             <a:ln>
               <a:solidFill>
-                <a:srgbClr val="92d050"/>
+                <a:srgbClr val="92D050"/>
               </a:solidFill>
             </a:ln>
           </p:spPr>
@@ -11421,11 +12550,11 @@
               <a:avLst/>
             </a:prstGeom>
             <a:solidFill>
-              <a:srgbClr val="00b050"/>
+              <a:srgbClr val="00B050"/>
             </a:solidFill>
             <a:ln>
               <a:solidFill>
-                <a:srgbClr val="92d050"/>
+                <a:srgbClr val="92D050"/>
               </a:solidFill>
             </a:ln>
           </p:spPr>
@@ -11459,11 +12588,11 @@
               <a:avLst/>
             </a:prstGeom>
             <a:solidFill>
-              <a:srgbClr val="00b050"/>
+              <a:srgbClr val="00B050"/>
             </a:solidFill>
             <a:ln>
               <a:solidFill>
-                <a:srgbClr val="92d050"/>
+                <a:srgbClr val="92D050"/>
               </a:solidFill>
             </a:ln>
           </p:spPr>
@@ -11497,11 +12626,11 @@
               <a:avLst/>
             </a:prstGeom>
             <a:solidFill>
-              <a:srgbClr val="00b050"/>
+              <a:srgbClr val="00B050"/>
             </a:solidFill>
             <a:ln>
               <a:solidFill>
-                <a:srgbClr val="92d050"/>
+                <a:srgbClr val="92D050"/>
               </a:solidFill>
             </a:ln>
           </p:spPr>
@@ -11643,11 +12772,11 @@
               <a:avLst/>
             </a:prstGeom>
             <a:solidFill>
-              <a:srgbClr val="00b050"/>
+              <a:srgbClr val="00B050"/>
             </a:solidFill>
             <a:ln>
               <a:solidFill>
-                <a:srgbClr val="92d050"/>
+                <a:srgbClr val="92D050"/>
               </a:solidFill>
             </a:ln>
           </p:spPr>
@@ -11681,11 +12810,11 @@
               <a:avLst/>
             </a:prstGeom>
             <a:solidFill>
-              <a:srgbClr val="00b050"/>
+              <a:srgbClr val="00B050"/>
             </a:solidFill>
             <a:ln>
               <a:solidFill>
-                <a:srgbClr val="92d050"/>
+                <a:srgbClr val="92D050"/>
               </a:solidFill>
             </a:ln>
           </p:spPr>
@@ -11719,11 +12848,11 @@
               <a:avLst/>
             </a:prstGeom>
             <a:solidFill>
-              <a:srgbClr val="00b050"/>
+              <a:srgbClr val="00B050"/>
             </a:solidFill>
             <a:ln>
               <a:solidFill>
-                <a:srgbClr val="92d050"/>
+                <a:srgbClr val="92D050"/>
               </a:solidFill>
             </a:ln>
           </p:spPr>
@@ -11757,11 +12886,11 @@
               <a:avLst/>
             </a:prstGeom>
             <a:solidFill>
-              <a:srgbClr val="00b050"/>
+              <a:srgbClr val="00B050"/>
             </a:solidFill>
             <a:ln>
               <a:solidFill>
-                <a:srgbClr val="92d050"/>
+                <a:srgbClr val="92D050"/>
               </a:solidFill>
             </a:ln>
           </p:spPr>
@@ -11903,11 +13032,11 @@
               <a:avLst/>
             </a:prstGeom>
             <a:solidFill>
-              <a:srgbClr val="00b050"/>
+              <a:srgbClr val="00B050"/>
             </a:solidFill>
             <a:ln>
               <a:solidFill>
-                <a:srgbClr val="92d050"/>
+                <a:srgbClr val="92D050"/>
               </a:solidFill>
             </a:ln>
           </p:spPr>
@@ -11941,11 +13070,11 @@
               <a:avLst/>
             </a:prstGeom>
             <a:solidFill>
-              <a:srgbClr val="00b050"/>
+              <a:srgbClr val="00B050"/>
             </a:solidFill>
             <a:ln>
               <a:solidFill>
-                <a:srgbClr val="92d050"/>
+                <a:srgbClr val="92D050"/>
               </a:solidFill>
             </a:ln>
           </p:spPr>
@@ -11979,11 +13108,11 @@
               <a:avLst/>
             </a:prstGeom>
             <a:solidFill>
-              <a:srgbClr val="00b050"/>
+              <a:srgbClr val="00B050"/>
             </a:solidFill>
             <a:ln>
               <a:solidFill>
-                <a:srgbClr val="92d050"/>
+                <a:srgbClr val="92D050"/>
               </a:solidFill>
             </a:ln>
           </p:spPr>
@@ -12017,11 +13146,11 @@
               <a:avLst/>
             </a:prstGeom>
             <a:solidFill>
-              <a:srgbClr val="00b050"/>
+              <a:srgbClr val="00B050"/>
             </a:solidFill>
             <a:ln>
               <a:solidFill>
-                <a:srgbClr val="92d050"/>
+                <a:srgbClr val="92D050"/>
               </a:solidFill>
             </a:ln>
           </p:spPr>
@@ -12163,11 +13292,11 @@
               <a:avLst/>
             </a:prstGeom>
             <a:solidFill>
-              <a:srgbClr val="00b050"/>
+              <a:srgbClr val="00B050"/>
             </a:solidFill>
             <a:ln>
               <a:solidFill>
-                <a:srgbClr val="92d050"/>
+                <a:srgbClr val="92D050"/>
               </a:solidFill>
             </a:ln>
           </p:spPr>
@@ -12201,11 +13330,11 @@
               <a:avLst/>
             </a:prstGeom>
             <a:solidFill>
-              <a:srgbClr val="00b050"/>
+              <a:srgbClr val="00B050"/>
             </a:solidFill>
             <a:ln>
               <a:solidFill>
-                <a:srgbClr val="92d050"/>
+                <a:srgbClr val="92D050"/>
               </a:solidFill>
             </a:ln>
           </p:spPr>
@@ -12239,11 +13368,11 @@
               <a:avLst/>
             </a:prstGeom>
             <a:solidFill>
-              <a:srgbClr val="00b050"/>
+              <a:srgbClr val="00B050"/>
             </a:solidFill>
             <a:ln>
               <a:solidFill>
-                <a:srgbClr val="92d050"/>
+                <a:srgbClr val="92D050"/>
               </a:solidFill>
             </a:ln>
           </p:spPr>
@@ -12277,11 +13406,11 @@
               <a:avLst/>
             </a:prstGeom>
             <a:solidFill>
-              <a:srgbClr val="00b050"/>
+              <a:srgbClr val="00B050"/>
             </a:solidFill>
             <a:ln>
               <a:solidFill>
-                <a:srgbClr val="92d050"/>
+                <a:srgbClr val="92D050"/>
               </a:solidFill>
             </a:ln>
           </p:spPr>
@@ -12423,11 +13552,11 @@
               <a:avLst/>
             </a:prstGeom>
             <a:solidFill>
-              <a:srgbClr val="00b050"/>
+              <a:srgbClr val="00B050"/>
             </a:solidFill>
             <a:ln>
               <a:solidFill>
-                <a:srgbClr val="92d050"/>
+                <a:srgbClr val="92D050"/>
               </a:solidFill>
             </a:ln>
           </p:spPr>
@@ -12461,11 +13590,11 @@
               <a:avLst/>
             </a:prstGeom>
             <a:solidFill>
-              <a:srgbClr val="00b050"/>
+              <a:srgbClr val="00B050"/>
             </a:solidFill>
             <a:ln>
               <a:solidFill>
-                <a:srgbClr val="92d050"/>
+                <a:srgbClr val="92D050"/>
               </a:solidFill>
             </a:ln>
           </p:spPr>
@@ -12499,11 +13628,11 @@
               <a:avLst/>
             </a:prstGeom>
             <a:solidFill>
-              <a:srgbClr val="00b050"/>
+              <a:srgbClr val="00B050"/>
             </a:solidFill>
             <a:ln>
               <a:solidFill>
-                <a:srgbClr val="92d050"/>
+                <a:srgbClr val="92D050"/>
               </a:solidFill>
             </a:ln>
           </p:spPr>
@@ -12537,11 +13666,11 @@
               <a:avLst/>
             </a:prstGeom>
             <a:solidFill>
-              <a:srgbClr val="00b050"/>
+              <a:srgbClr val="00B050"/>
             </a:solidFill>
             <a:ln>
               <a:solidFill>
-                <a:srgbClr val="92d050"/>
+                <a:srgbClr val="92D050"/>
               </a:solidFill>
             </a:ln>
           </p:spPr>
@@ -12683,11 +13812,11 @@
               <a:avLst/>
             </a:prstGeom>
             <a:solidFill>
-              <a:srgbClr val="00b050"/>
+              <a:srgbClr val="00B050"/>
             </a:solidFill>
             <a:ln>
               <a:solidFill>
-                <a:srgbClr val="92d050"/>
+                <a:srgbClr val="92D050"/>
               </a:solidFill>
             </a:ln>
           </p:spPr>
@@ -12721,11 +13850,11 @@
               <a:avLst/>
             </a:prstGeom>
             <a:solidFill>
-              <a:srgbClr val="00b050"/>
+              <a:srgbClr val="00B050"/>
             </a:solidFill>
             <a:ln>
               <a:solidFill>
-                <a:srgbClr val="92d050"/>
+                <a:srgbClr val="92D050"/>
               </a:solidFill>
             </a:ln>
           </p:spPr>
@@ -12759,11 +13888,11 @@
               <a:avLst/>
             </a:prstGeom>
             <a:solidFill>
-              <a:srgbClr val="00b050"/>
+              <a:srgbClr val="00B050"/>
             </a:solidFill>
             <a:ln>
               <a:solidFill>
-                <a:srgbClr val="92d050"/>
+                <a:srgbClr val="92D050"/>
               </a:solidFill>
             </a:ln>
           </p:spPr>
@@ -12797,11 +13926,11 @@
               <a:avLst/>
             </a:prstGeom>
             <a:solidFill>
-              <a:srgbClr val="00b050"/>
+              <a:srgbClr val="00B050"/>
             </a:solidFill>
             <a:ln>
               <a:solidFill>
-                <a:srgbClr val="92d050"/>
+                <a:srgbClr val="92D050"/>
               </a:solidFill>
             </a:ln>
           </p:spPr>
@@ -12943,11 +14072,11 @@
               <a:avLst/>
             </a:prstGeom>
             <a:solidFill>
-              <a:srgbClr val="00b050"/>
+              <a:srgbClr val="00B050"/>
             </a:solidFill>
             <a:ln>
               <a:solidFill>
-                <a:srgbClr val="92d050"/>
+                <a:srgbClr val="92D050"/>
               </a:solidFill>
             </a:ln>
           </p:spPr>
@@ -12981,11 +14110,11 @@
               <a:avLst/>
             </a:prstGeom>
             <a:solidFill>
-              <a:srgbClr val="00b050"/>
+              <a:srgbClr val="00B050"/>
             </a:solidFill>
             <a:ln>
               <a:solidFill>
-                <a:srgbClr val="92d050"/>
+                <a:srgbClr val="92D050"/>
               </a:solidFill>
             </a:ln>
           </p:spPr>
@@ -13019,11 +14148,11 @@
               <a:avLst/>
             </a:prstGeom>
             <a:solidFill>
-              <a:srgbClr val="00b050"/>
+              <a:srgbClr val="00B050"/>
             </a:solidFill>
             <a:ln>
               <a:solidFill>
-                <a:srgbClr val="92d050"/>
+                <a:srgbClr val="92D050"/>
               </a:solidFill>
             </a:ln>
           </p:spPr>
@@ -13057,11 +14186,11 @@
               <a:avLst/>
             </a:prstGeom>
             <a:solidFill>
-              <a:srgbClr val="00b050"/>
+              <a:srgbClr val="00B050"/>
             </a:solidFill>
             <a:ln>
               <a:solidFill>
-                <a:srgbClr val="92d050"/>
+                <a:srgbClr val="92D050"/>
               </a:solidFill>
             </a:ln>
           </p:spPr>
@@ -13203,11 +14332,11 @@
               <a:avLst/>
             </a:prstGeom>
             <a:solidFill>
-              <a:srgbClr val="00b050"/>
+              <a:srgbClr val="00B050"/>
             </a:solidFill>
             <a:ln>
               <a:solidFill>
-                <a:srgbClr val="92d050"/>
+                <a:srgbClr val="92D050"/>
               </a:solidFill>
             </a:ln>
           </p:spPr>
@@ -13241,11 +14370,11 @@
               <a:avLst/>
             </a:prstGeom>
             <a:solidFill>
-              <a:srgbClr val="00b050"/>
+              <a:srgbClr val="00B050"/>
             </a:solidFill>
             <a:ln>
               <a:solidFill>
-                <a:srgbClr val="92d050"/>
+                <a:srgbClr val="92D050"/>
               </a:solidFill>
             </a:ln>
           </p:spPr>
@@ -13279,11 +14408,11 @@
               <a:avLst/>
             </a:prstGeom>
             <a:solidFill>
-              <a:srgbClr val="00b050"/>
+              <a:srgbClr val="00B050"/>
             </a:solidFill>
             <a:ln>
               <a:solidFill>
-                <a:srgbClr val="92d050"/>
+                <a:srgbClr val="92D050"/>
               </a:solidFill>
             </a:ln>
           </p:spPr>
@@ -13317,11 +14446,11 @@
               <a:avLst/>
             </a:prstGeom>
             <a:solidFill>
-              <a:srgbClr val="00b050"/>
+              <a:srgbClr val="00B050"/>
             </a:solidFill>
             <a:ln>
               <a:solidFill>
-                <a:srgbClr val="92d050"/>
+                <a:srgbClr val="92D050"/>
               </a:solidFill>
             </a:ln>
           </p:spPr>
@@ -13463,11 +14592,11 @@
               <a:avLst/>
             </a:prstGeom>
             <a:solidFill>
-              <a:srgbClr val="00b050"/>
+              <a:srgbClr val="00B050"/>
             </a:solidFill>
             <a:ln>
               <a:solidFill>
-                <a:srgbClr val="92d050"/>
+                <a:srgbClr val="92D050"/>
               </a:solidFill>
             </a:ln>
           </p:spPr>
@@ -13501,11 +14630,11 @@
               <a:avLst/>
             </a:prstGeom>
             <a:solidFill>
-              <a:srgbClr val="00b050"/>
+              <a:srgbClr val="00B050"/>
             </a:solidFill>
             <a:ln>
               <a:solidFill>
-                <a:srgbClr val="92d050"/>
+                <a:srgbClr val="92D050"/>
               </a:solidFill>
             </a:ln>
           </p:spPr>
@@ -13539,11 +14668,11 @@
               <a:avLst/>
             </a:prstGeom>
             <a:solidFill>
-              <a:srgbClr val="00b050"/>
+              <a:srgbClr val="00B050"/>
             </a:solidFill>
             <a:ln>
               <a:solidFill>
-                <a:srgbClr val="92d050"/>
+                <a:srgbClr val="92D050"/>
               </a:solidFill>
             </a:ln>
           </p:spPr>
@@ -13577,11 +14706,11 @@
               <a:avLst/>
             </a:prstGeom>
             <a:solidFill>
-              <a:srgbClr val="00b050"/>
+              <a:srgbClr val="00B050"/>
             </a:solidFill>
             <a:ln>
               <a:solidFill>
-                <a:srgbClr val="92d050"/>
+                <a:srgbClr val="92D050"/>
               </a:solidFill>
             </a:ln>
           </p:spPr>
@@ -13723,11 +14852,11 @@
               <a:avLst/>
             </a:prstGeom>
             <a:solidFill>
-              <a:srgbClr val="00b050"/>
+              <a:srgbClr val="00B050"/>
             </a:solidFill>
             <a:ln>
               <a:solidFill>
-                <a:srgbClr val="92d050"/>
+                <a:srgbClr val="92D050"/>
               </a:solidFill>
             </a:ln>
           </p:spPr>
@@ -13761,11 +14890,11 @@
               <a:avLst/>
             </a:prstGeom>
             <a:solidFill>
-              <a:srgbClr val="00b050"/>
+              <a:srgbClr val="00B050"/>
             </a:solidFill>
             <a:ln>
               <a:solidFill>
-                <a:srgbClr val="92d050"/>
+                <a:srgbClr val="92D050"/>
               </a:solidFill>
             </a:ln>
           </p:spPr>
@@ -13799,11 +14928,11 @@
               <a:avLst/>
             </a:prstGeom>
             <a:solidFill>
-              <a:srgbClr val="00b050"/>
+              <a:srgbClr val="00B050"/>
             </a:solidFill>
             <a:ln>
               <a:solidFill>
-                <a:srgbClr val="92d050"/>
+                <a:srgbClr val="92D050"/>
               </a:solidFill>
             </a:ln>
           </p:spPr>
@@ -13837,11 +14966,11 @@
               <a:avLst/>
             </a:prstGeom>
             <a:solidFill>
-              <a:srgbClr val="00b050"/>
+              <a:srgbClr val="00B050"/>
             </a:solidFill>
             <a:ln>
               <a:solidFill>
-                <a:srgbClr val="92d050"/>
+                <a:srgbClr val="92D050"/>
               </a:solidFill>
             </a:ln>
           </p:spPr>
@@ -13863,19 +14992,14 @@
       </p:grpSp>
     </p:spTree>
   </p:cSld>
-  <mc:AlternateContent>
-    <mc:Choice Requires="p14">
-      <p:transition spd="slow" p14:dur="2000"/>
-    </mc:Choice>
-    <mc:Fallback>
-      <p:transition spd="slow"/>
-    </mc:Fallback>
-  </mc:AlternateContent>
+  <p:clrMapOvr>
+    <a:masterClrMapping/>
+  </p:clrMapOvr>
 </p:sld>
 </file>
 
 <file path=ppt/slides/slide5.xml><?xml version="1.0" encoding="utf-8"?>
-<p:sld xmlns:a="http://schemas.openxmlformats.org/drawingml/2006/main" xmlns:p="http://schemas.openxmlformats.org/presentationml/2006/main" xmlns:r="http://schemas.openxmlformats.org/officeDocument/2006/relationships" xmlns:p14="http://schemas.microsoft.com/office/powerpoint/2010/main" xmlns:p15="http://schemas.microsoft.com/office/powerpoint/2012/main" xmlns:mc="http://schemas.openxmlformats.org/markup-compatibility/2006">
+<p:sld xmlns:a="http://schemas.openxmlformats.org/drawingml/2006/main" xmlns:r="http://schemas.openxmlformats.org/officeDocument/2006/relationships" xmlns:p="http://schemas.openxmlformats.org/presentationml/2006/main">
   <p:cSld>
     <p:spTree>
       <p:nvGrpSpPr>
@@ -13911,20 +15035,18 @@
           </a:ln>
         </p:spPr>
         <p:txBody>
-          <a:bodyPr lIns="0" rIns="0" tIns="0" bIns="0" anchor="ctr">
+          <a:bodyPr lIns="0" tIns="0" rIns="0" bIns="0" anchor="ctr">
             <a:spAutoFit/>
           </a:bodyPr>
+          <a:lstStyle/>
           <a:p>
             <a:pPr algn="ctr"/>
             <a:r>
-              <a:rPr b="0" lang="en-US" sz="5320" spc="-1" strike="noStrike">
+              <a:rPr lang="en-US" sz="5320" b="0" strike="noStrike" spc="-1">
                 <a:latin typeface="Arial"/>
               </a:rPr>
               <a:t>Data</a:t>
             </a:r>
-            <a:endParaRPr b="0" lang="en-US" sz="5320" spc="-1" strike="noStrike">
-              <a:latin typeface="Arial"/>
-            </a:endParaRPr>
           </a:p>
         </p:txBody>
       </p:sp>
@@ -13948,9 +15070,10 @@
           </a:ln>
         </p:spPr>
         <p:txBody>
-          <a:bodyPr lIns="0" rIns="0" tIns="0" bIns="0">
+          <a:bodyPr lIns="0" tIns="0" rIns="0" bIns="0">
             <a:normAutofit/>
           </a:bodyPr>
+          <a:lstStyle/>
           <a:p>
             <a:pPr marL="432000" indent="-324000">
               <a:spcBef>
@@ -13964,14 +15087,11 @@
               <a:buChar char=""/>
             </a:pPr>
             <a:r>
-              <a:rPr b="0" lang="en-US" sz="3870" spc="-1" strike="noStrike">
+              <a:rPr lang="en-US" sz="3870" b="0" strike="noStrike" spc="-1">
                 <a:latin typeface="Arial"/>
               </a:rPr>
               <a:t>83 teams</a:t>
             </a:r>
-            <a:endParaRPr b="0" lang="en-US" sz="3870" spc="-1" strike="noStrike">
-              <a:latin typeface="Arial"/>
-            </a:endParaRPr>
           </a:p>
           <a:p>
             <a:pPr marL="432000" indent="-324000">
@@ -13986,14 +15106,11 @@
               <a:buChar char=""/>
             </a:pPr>
             <a:r>
-              <a:rPr b="0" lang="en-US" sz="3870" spc="-1" strike="noStrike">
+              <a:rPr lang="en-US" sz="3870" b="0" strike="noStrike" spc="-1">
                 <a:latin typeface="Arial"/>
               </a:rPr>
               <a:t>852 games</a:t>
             </a:r>
-            <a:endParaRPr b="0" lang="en-US" sz="3870" spc="-1" strike="noStrike">
-              <a:latin typeface="Arial"/>
-            </a:endParaRPr>
           </a:p>
           <a:p>
             <a:pPr marL="432000" indent="-324000">
@@ -14008,14 +15125,11 @@
               <a:buChar char=""/>
             </a:pPr>
             <a:r>
-              <a:rPr b="0" lang="en-US" sz="3870" spc="-1" strike="noStrike">
+              <a:rPr lang="en-US" sz="3870" b="0" strike="noStrike" spc="-1">
                 <a:latin typeface="Arial"/>
               </a:rPr>
               <a:t>Features goals and outcome of games</a:t>
             </a:r>
-            <a:endParaRPr b="0" lang="en-US" sz="3870" spc="-1" strike="noStrike">
-              <a:latin typeface="Arial"/>
-            </a:endParaRPr>
           </a:p>
           <a:p>
             <a:pPr marL="432000" indent="-324000">
@@ -14030,32 +15144,24 @@
               <a:buChar char=""/>
             </a:pPr>
             <a:r>
-              <a:rPr b="0" lang="en-US" sz="3870" spc="-1" strike="noStrike">
+              <a:rPr lang="en-US" sz="3870" b="0" strike="noStrike" spc="-1">
                 <a:latin typeface="Arial"/>
               </a:rPr>
               <a:t>Most features are difficult to leverage without outside data (team names have predictive power with outside data)</a:t>
             </a:r>
-            <a:endParaRPr b="0" lang="en-US" sz="3870" spc="-1" strike="noStrike">
-              <a:latin typeface="Arial"/>
-            </a:endParaRPr>
           </a:p>
         </p:txBody>
       </p:sp>
     </p:spTree>
   </p:cSld>
-  <mc:AlternateContent>
-    <mc:Choice Requires="p14">
-      <p:transition spd="slow" p14:dur="2000"/>
-    </mc:Choice>
-    <mc:Fallback>
-      <p:transition spd="slow"/>
-    </mc:Fallback>
-  </mc:AlternateContent>
+  <p:clrMapOvr>
+    <a:masterClrMapping/>
+  </p:clrMapOvr>
 </p:sld>
 </file>
 
 <file path=ppt/slides/slide6.xml><?xml version="1.0" encoding="utf-8"?>
-<p:sld xmlns:a="http://schemas.openxmlformats.org/drawingml/2006/main" xmlns:p="http://schemas.openxmlformats.org/presentationml/2006/main" xmlns:r="http://schemas.openxmlformats.org/officeDocument/2006/relationships" xmlns:p14="http://schemas.microsoft.com/office/powerpoint/2010/main" xmlns:p15="http://schemas.microsoft.com/office/powerpoint/2012/main" xmlns:mc="http://schemas.openxmlformats.org/markup-compatibility/2006">
+<p:sld xmlns:a="http://schemas.openxmlformats.org/drawingml/2006/main" xmlns:r="http://schemas.openxmlformats.org/officeDocument/2006/relationships" xmlns:p="http://schemas.openxmlformats.org/presentationml/2006/main">
   <p:cSld>
     <p:spTree>
       <p:nvGrpSpPr>
@@ -14091,31 +15197,29 @@
           </a:ln>
         </p:spPr>
         <p:txBody>
-          <a:bodyPr lIns="0" rIns="0" tIns="0" bIns="0" anchor="ctr">
+          <a:bodyPr lIns="0" tIns="0" rIns="0" bIns="0" anchor="ctr">
             <a:spAutoFit/>
           </a:bodyPr>
+          <a:lstStyle/>
           <a:p>
             <a:pPr algn="ctr"/>
             <a:r>
-              <a:rPr b="0" lang="en-US" sz="5320" spc="-1" strike="noStrike">
+              <a:rPr lang="en-US" sz="5320" b="0" strike="noStrike" spc="-1">
                 <a:latin typeface="Arial"/>
               </a:rPr>
               <a:t>Feature extraction</a:t>
             </a:r>
-            <a:endParaRPr b="0" lang="en-US" sz="5320" spc="-1" strike="noStrike">
-              <a:latin typeface="Arial"/>
-            </a:endParaRPr>
           </a:p>
         </p:txBody>
       </p:sp>
       <p:pic>
         <p:nvPicPr>
-          <p:cNvPr id="331" name="" descr=""/>
+          <p:cNvPr id="331" name="Picture 330"/>
           <p:cNvPicPr/>
           <p:nvPr/>
         </p:nvPicPr>
         <p:blipFill>
-          <a:blip r:embed="rId1"/>
+          <a:blip r:embed="rId2"/>
           <a:stretch/>
         </p:blipFill>
         <p:spPr>
@@ -14151,9 +15255,10 @@
           </a:ln>
         </p:spPr>
         <p:txBody>
-          <a:bodyPr lIns="90000" rIns="90000" tIns="45000" bIns="45000">
+          <a:bodyPr lIns="90000" tIns="45000" rIns="90000" bIns="45000">
             <a:spAutoFit/>
           </a:bodyPr>
+          <a:lstStyle/>
           <a:p>
             <a:pPr marL="216000" indent="-216000">
               <a:buClr>
@@ -14164,14 +15269,11 @@
               <a:buChar char=""/>
             </a:pPr>
             <a:r>
-              <a:rPr b="0" lang="en-US" sz="1800" spc="-1" strike="noStrike">
+              <a:rPr lang="en-US" sz="1800" b="0" strike="noStrike" spc="-1">
                 <a:latin typeface="Arial"/>
               </a:rPr>
               <a:t>The total goals in history</a:t>
             </a:r>
-            <a:endParaRPr b="0" lang="en-US" sz="1800" spc="-1" strike="noStrike">
-              <a:latin typeface="Arial"/>
-            </a:endParaRPr>
           </a:p>
           <a:p>
             <a:pPr marL="216000" indent="-216000">
@@ -14183,14 +15285,11 @@
               <a:buChar char=""/>
             </a:pPr>
             <a:r>
-              <a:rPr b="0" lang="en-US" sz="1800" spc="-1" strike="noStrike">
+              <a:rPr lang="en-US" sz="1800" b="0" strike="noStrike" spc="-1">
                 <a:latin typeface="Arial"/>
               </a:rPr>
               <a:t>The total games in history</a:t>
             </a:r>
-            <a:endParaRPr b="0" lang="en-US" sz="1800" spc="-1" strike="noStrike">
-              <a:latin typeface="Arial"/>
-            </a:endParaRPr>
           </a:p>
           <a:p>
             <a:pPr marL="216000" indent="-216000">
@@ -14202,14 +15301,11 @@
               <a:buChar char=""/>
             </a:pPr>
             <a:r>
-              <a:rPr b="0" lang="en-US" sz="1800" spc="-1" strike="noStrike">
+              <a:rPr lang="en-US" sz="1800" b="0" strike="noStrike" spc="-1">
                 <a:latin typeface="Arial"/>
               </a:rPr>
               <a:t>Average goals per game</a:t>
             </a:r>
-            <a:endParaRPr b="0" lang="en-US" sz="1800" spc="-1" strike="noStrike">
-              <a:latin typeface="Arial"/>
-            </a:endParaRPr>
           </a:p>
           <a:p>
             <a:pPr marL="216000" indent="-216000">
@@ -14221,14 +15317,11 @@
               <a:buChar char=""/>
             </a:pPr>
             <a:r>
-              <a:rPr b="0" lang="en-US" sz="1800" spc="-1" strike="noStrike">
+              <a:rPr lang="en-US" sz="1800" b="0" strike="noStrike" spc="-1">
                 <a:latin typeface="Arial"/>
               </a:rPr>
               <a:t>Rank</a:t>
             </a:r>
-            <a:endParaRPr b="0" lang="en-US" sz="1800" spc="-1" strike="noStrike">
-              <a:latin typeface="Arial"/>
-            </a:endParaRPr>
           </a:p>
           <a:p>
             <a:pPr marL="216000" indent="-216000">
@@ -14239,7 +15332,7 @@
               <a:buFont typeface="Wingdings" charset="2"/>
               <a:buChar char=""/>
             </a:pPr>
-            <a:endParaRPr b="0" lang="en-US" sz="1800" spc="-1" strike="noStrike">
+            <a:endParaRPr lang="en-US" sz="1800" b="0" strike="noStrike" spc="-1">
               <a:latin typeface="Arial"/>
             </a:endParaRPr>
           </a:p>
@@ -14252,7 +15345,7 @@
               <a:buFont typeface="Wingdings" charset="2"/>
               <a:buChar char=""/>
             </a:pPr>
-            <a:endParaRPr b="0" lang="en-US" sz="1800" spc="-1" strike="noStrike">
+            <a:endParaRPr lang="en-US" sz="1800" b="0" strike="noStrike" spc="-1">
               <a:latin typeface="Arial"/>
             </a:endParaRPr>
           </a:p>
@@ -14266,32 +15359,24 @@
               <a:buChar char=""/>
             </a:pPr>
             <a:r>
-              <a:rPr b="0" lang="en-US" sz="1800" spc="-1" strike="noStrike">
+              <a:rPr lang="en-US" sz="1800" b="0" strike="noStrike" spc="-1">
                 <a:latin typeface="Arial"/>
               </a:rPr>
               <a:t>Data reshaped with dplyr from tidyverse</a:t>
             </a:r>
-            <a:endParaRPr b="0" lang="en-US" sz="1800" spc="-1" strike="noStrike">
-              <a:latin typeface="Arial"/>
-            </a:endParaRPr>
           </a:p>
         </p:txBody>
       </p:sp>
     </p:spTree>
   </p:cSld>
-  <mc:AlternateContent>
-    <mc:Choice Requires="p14">
-      <p:transition spd="slow" p14:dur="2000"/>
-    </mc:Choice>
-    <mc:Fallback>
-      <p:transition spd="slow"/>
-    </mc:Fallback>
-  </mc:AlternateContent>
+  <p:clrMapOvr>
+    <a:masterClrMapping/>
+  </p:clrMapOvr>
 </p:sld>
 </file>
 
 <file path=ppt/slides/slide7.xml><?xml version="1.0" encoding="utf-8"?>
-<p:sld xmlns:a="http://schemas.openxmlformats.org/drawingml/2006/main" xmlns:p="http://schemas.openxmlformats.org/presentationml/2006/main" xmlns:r="http://schemas.openxmlformats.org/officeDocument/2006/relationships" xmlns:p14="http://schemas.microsoft.com/office/powerpoint/2010/main" xmlns:p15="http://schemas.microsoft.com/office/powerpoint/2012/main" xmlns:mc="http://schemas.openxmlformats.org/markup-compatibility/2006">
+<p:sld xmlns:a="http://schemas.openxmlformats.org/drawingml/2006/main" xmlns:r="http://schemas.openxmlformats.org/officeDocument/2006/relationships" xmlns:p="http://schemas.openxmlformats.org/presentationml/2006/main">
   <p:cSld>
     <p:spTree>
       <p:nvGrpSpPr>
@@ -14327,31 +15412,29 @@
           </a:ln>
         </p:spPr>
         <p:txBody>
-          <a:bodyPr lIns="0" rIns="0" tIns="0" bIns="0" anchor="ctr">
+          <a:bodyPr lIns="0" tIns="0" rIns="0" bIns="0" anchor="ctr">
             <a:spAutoFit/>
           </a:bodyPr>
+          <a:lstStyle/>
           <a:p>
             <a:pPr algn="ctr"/>
             <a:r>
-              <a:rPr b="0" lang="en-US" sz="5320" spc="-1" strike="noStrike">
+              <a:rPr lang="en-US" sz="5320" b="0" strike="noStrike" spc="-1">
                 <a:latin typeface="Arial"/>
               </a:rPr>
               <a:t>Predictions</a:t>
             </a:r>
-            <a:endParaRPr b="0" lang="en-US" sz="5320" spc="-1" strike="noStrike">
-              <a:latin typeface="Arial"/>
-            </a:endParaRPr>
           </a:p>
         </p:txBody>
       </p:sp>
       <p:pic>
         <p:nvPicPr>
-          <p:cNvPr id="334" name="" descr=""/>
+          <p:cNvPr id="334" name="Picture 333"/>
           <p:cNvPicPr/>
           <p:nvPr/>
         </p:nvPicPr>
         <p:blipFill>
-          <a:blip r:embed="rId1"/>
+          <a:blip r:embed="rId2"/>
           <a:stretch/>
         </p:blipFill>
         <p:spPr>
@@ -14387,9 +15470,10 @@
           </a:ln>
         </p:spPr>
         <p:txBody>
-          <a:bodyPr lIns="90000" rIns="90000" tIns="45000" bIns="45000">
+          <a:bodyPr lIns="90000" tIns="45000" rIns="90000" bIns="45000">
             <a:spAutoFit/>
           </a:bodyPr>
+          <a:lstStyle/>
           <a:p>
             <a:pPr marL="216000" indent="-216000">
               <a:buClr>
@@ -14400,14 +15484,11 @@
               <a:buChar char=""/>
             </a:pPr>
             <a:r>
-              <a:rPr b="0" lang="en-US" sz="1800" spc="-1" strike="noStrike">
+              <a:rPr lang="en-US" sz="1800" b="0" strike="noStrike" spc="-1">
                 <a:latin typeface="Arial"/>
               </a:rPr>
               <a:t>Performance similar to training</a:t>
             </a:r>
-            <a:endParaRPr b="0" lang="en-US" sz="1800" spc="-1" strike="noStrike">
-              <a:latin typeface="Arial"/>
-            </a:endParaRPr>
           </a:p>
           <a:p>
             <a:pPr marL="216000" indent="-216000">
@@ -14419,32 +15500,24 @@
               <a:buChar char=""/>
             </a:pPr>
             <a:r>
-              <a:rPr b="0" lang="en-US" sz="1800" spc="-1" strike="noStrike">
+              <a:rPr lang="en-US" sz="1800" b="0" strike="noStrike" spc="-1">
                 <a:latin typeface="Arial"/>
               </a:rPr>
               <a:t>50% testing accuracy</a:t>
             </a:r>
-            <a:endParaRPr b="0" lang="en-US" sz="1800" spc="-1" strike="noStrike">
-              <a:latin typeface="Arial"/>
-            </a:endParaRPr>
           </a:p>
         </p:txBody>
       </p:sp>
     </p:spTree>
   </p:cSld>
-  <mc:AlternateContent>
-    <mc:Choice Requires="p14">
-      <p:transition spd="slow" p14:dur="2000"/>
-    </mc:Choice>
-    <mc:Fallback>
-      <p:transition spd="slow"/>
-    </mc:Fallback>
-  </mc:AlternateContent>
+  <p:clrMapOvr>
+    <a:masterClrMapping/>
+  </p:clrMapOvr>
 </p:sld>
 </file>
 
 <file path=ppt/slides/slide8.xml><?xml version="1.0" encoding="utf-8"?>
-<p:sld xmlns:a="http://schemas.openxmlformats.org/drawingml/2006/main" xmlns:p="http://schemas.openxmlformats.org/presentationml/2006/main" xmlns:r="http://schemas.openxmlformats.org/officeDocument/2006/relationships" xmlns:p14="http://schemas.microsoft.com/office/powerpoint/2010/main" xmlns:p15="http://schemas.microsoft.com/office/powerpoint/2012/main" xmlns:mc="http://schemas.openxmlformats.org/markup-compatibility/2006">
+<p:sld xmlns:a="http://schemas.openxmlformats.org/drawingml/2006/main" xmlns:r="http://schemas.openxmlformats.org/officeDocument/2006/relationships" xmlns:p="http://schemas.openxmlformats.org/presentationml/2006/main">
   <p:cSld>
     <p:spTree>
       <p:nvGrpSpPr>
@@ -14480,31 +15553,29 @@
           </a:ln>
         </p:spPr>
         <p:txBody>
-          <a:bodyPr lIns="0" rIns="0" tIns="0" bIns="0" anchor="ctr">
+          <a:bodyPr lIns="0" tIns="0" rIns="0" bIns="0" anchor="ctr">
             <a:spAutoFit/>
           </a:bodyPr>
+          <a:lstStyle/>
           <a:p>
             <a:pPr algn="ctr"/>
             <a:r>
-              <a:rPr b="0" lang="en-US" sz="5320" spc="-1" strike="noStrike">
+              <a:rPr lang="en-US" sz="5320" b="0" strike="noStrike" spc="-1">
                 <a:latin typeface="Arial"/>
               </a:rPr>
               <a:t>Model fit</a:t>
             </a:r>
-            <a:endParaRPr b="0" lang="en-US" sz="5320" spc="-1" strike="noStrike">
-              <a:latin typeface="Arial"/>
-            </a:endParaRPr>
           </a:p>
         </p:txBody>
       </p:sp>
       <p:pic>
         <p:nvPicPr>
-          <p:cNvPr id="337" name="" descr=""/>
+          <p:cNvPr id="337" name="Picture 336"/>
           <p:cNvPicPr/>
           <p:nvPr/>
         </p:nvPicPr>
         <p:blipFill>
-          <a:blip r:embed="rId1"/>
+          <a:blip r:embed="rId2"/>
           <a:stretch/>
         </p:blipFill>
         <p:spPr>
@@ -14540,9 +15611,10 @@
           </a:ln>
         </p:spPr>
         <p:txBody>
-          <a:bodyPr lIns="90000" rIns="90000" tIns="45000" bIns="45000">
+          <a:bodyPr lIns="90000" tIns="45000" rIns="90000" bIns="45000">
             <a:spAutoFit/>
           </a:bodyPr>
+          <a:lstStyle/>
           <a:p>
             <a:pPr marL="216000" indent="-216000">
               <a:buClr>
@@ -14553,14 +15625,11 @@
               <a:buChar char=""/>
             </a:pPr>
             <a:r>
-              <a:rPr b="0" lang="en-US" sz="1800" spc="-1" strike="noStrike">
+              <a:rPr lang="en-US" sz="1800" b="0" strike="noStrike" spc="-1">
                 <a:latin typeface="Arial"/>
               </a:rPr>
               <a:t>Fairly good at classifying wins</a:t>
             </a:r>
-            <a:endParaRPr b="0" lang="en-US" sz="1800" spc="-1" strike="noStrike">
-              <a:latin typeface="Arial"/>
-            </a:endParaRPr>
           </a:p>
           <a:p>
             <a:pPr marL="216000" indent="-216000">
@@ -14572,32 +15641,24 @@
               <a:buChar char=""/>
             </a:pPr>
             <a:r>
-              <a:rPr b="0" lang="en-US" sz="1800" spc="-1" strike="noStrike">
+              <a:rPr lang="en-US" sz="1800" b="0" strike="noStrike" spc="-1">
                 <a:latin typeface="Arial"/>
               </a:rPr>
               <a:t>Pretty bad at predicting ties</a:t>
             </a:r>
-            <a:endParaRPr b="0" lang="en-US" sz="1800" spc="-1" strike="noStrike">
-              <a:latin typeface="Arial"/>
-            </a:endParaRPr>
           </a:p>
         </p:txBody>
       </p:sp>
     </p:spTree>
   </p:cSld>
-  <mc:AlternateContent>
-    <mc:Choice Requires="p14">
-      <p:transition spd="slow" p14:dur="2000"/>
-    </mc:Choice>
-    <mc:Fallback>
-      <p:transition spd="slow"/>
-    </mc:Fallback>
-  </mc:AlternateContent>
+  <p:clrMapOvr>
+    <a:masterClrMapping/>
+  </p:clrMapOvr>
 </p:sld>
 </file>
 
 <file path=ppt/slides/slide9.xml><?xml version="1.0" encoding="utf-8"?>
-<p:sld xmlns:a="http://schemas.openxmlformats.org/drawingml/2006/main" xmlns:p="http://schemas.openxmlformats.org/presentationml/2006/main" xmlns:r="http://schemas.openxmlformats.org/officeDocument/2006/relationships" xmlns:p14="http://schemas.microsoft.com/office/powerpoint/2010/main" xmlns:p15="http://schemas.microsoft.com/office/powerpoint/2012/main" xmlns:mc="http://schemas.openxmlformats.org/markup-compatibility/2006">
+<p:sld xmlns:a="http://schemas.openxmlformats.org/drawingml/2006/main" xmlns:r="http://schemas.openxmlformats.org/officeDocument/2006/relationships" xmlns:p="http://schemas.openxmlformats.org/presentationml/2006/main">
   <p:cSld>
     <p:spTree>
       <p:nvGrpSpPr>
@@ -14633,31 +15694,29 @@
           </a:ln>
         </p:spPr>
         <p:txBody>
-          <a:bodyPr lIns="0" rIns="0" tIns="0" bIns="0" anchor="ctr">
+          <a:bodyPr lIns="0" tIns="0" rIns="0" bIns="0" anchor="ctr">
             <a:spAutoFit/>
           </a:bodyPr>
+          <a:lstStyle/>
           <a:p>
             <a:pPr algn="ctr"/>
             <a:r>
-              <a:rPr b="0" lang="en-US" sz="5320" spc="-1" strike="noStrike">
+              <a:rPr lang="en-US" sz="5320" b="0" strike="noStrike" spc="-1">
                 <a:latin typeface="Arial"/>
               </a:rPr>
               <a:t>Feature importance</a:t>
             </a:r>
-            <a:endParaRPr b="0" lang="en-US" sz="5320" spc="-1" strike="noStrike">
-              <a:latin typeface="Arial"/>
-            </a:endParaRPr>
           </a:p>
         </p:txBody>
       </p:sp>
       <p:pic>
         <p:nvPicPr>
-          <p:cNvPr id="340" name="" descr=""/>
+          <p:cNvPr id="340" name="Picture 339"/>
           <p:cNvPicPr/>
           <p:nvPr/>
         </p:nvPicPr>
         <p:blipFill>
-          <a:blip r:embed="rId1"/>
+          <a:blip r:embed="rId2"/>
           <a:stretch/>
         </p:blipFill>
         <p:spPr>
@@ -14682,7 +15741,7 @@
         <p:spPr>
           <a:xfrm>
             <a:off x="3657600" y="5231520"/>
-            <a:ext cx="6949440" cy="346320"/>
+            <a:ext cx="6949440" cy="367878"/>
           </a:xfrm>
           <a:prstGeom prst="rect">
             <a:avLst/>
@@ -14693,256 +15752,37 @@
           </a:ln>
         </p:spPr>
         <p:txBody>
-          <a:bodyPr lIns="90000" rIns="90000" tIns="45000" bIns="45000">
+          <a:bodyPr lIns="90000" tIns="45000" rIns="90000" bIns="45000">
             <a:spAutoFit/>
           </a:bodyPr>
-          <a:p>
-            <a:pPr marL="216000" indent="-216000">
+          <a:lstStyle/>
+          <a:p>
+            <a:pPr>
               <a:buClr>
                 <a:srgbClr val="000000"/>
               </a:buClr>
               <a:buSzPct val="45000"/>
-              <a:buFont typeface="Wingdings" charset="2"/>
-              <a:buChar char=""/>
             </a:pPr>
             <a:r>
-              <a:rPr b="0" lang="en-US" sz="1800" spc="-1" strike="noStrike">
+              <a:rPr lang="en-US" spc="-1" dirty="0">
                 <a:latin typeface="Arial"/>
               </a:rPr>
-              <a:t>S</a:t>
+              <a:t>Larger Gini decrease </a:t>
             </a:r>
             <a:r>
-              <a:rPr b="0" lang="en-US" sz="1800" spc="-1" strike="noStrike">
+              <a:rPr lang="en-US" sz="1800" b="0" strike="noStrike" spc="-1" dirty="0">
                 <a:latin typeface="Arial"/>
               </a:rPr>
-              <a:t>m</a:t>
+              <a:t>is better</a:t>
             </a:r>
-            <a:r>
-              <a:rPr b="0" lang="en-US" sz="1800" spc="-1" strike="noStrike">
-                <a:latin typeface="Arial"/>
-              </a:rPr>
-              <a:t>a</a:t>
-            </a:r>
-            <a:r>
-              <a:rPr b="0" lang="en-US" sz="1800" spc="-1" strike="noStrike">
-                <a:latin typeface="Arial"/>
-              </a:rPr>
-              <a:t>l</a:t>
-            </a:r>
-            <a:r>
-              <a:rPr b="0" lang="en-US" sz="1800" spc="-1" strike="noStrike">
-                <a:latin typeface="Arial"/>
-              </a:rPr>
-              <a:t>l</a:t>
-            </a:r>
-            <a:r>
-              <a:rPr b="0" lang="en-US" sz="1800" spc="-1" strike="noStrike">
-                <a:latin typeface="Arial"/>
-              </a:rPr>
-              <a:t>e</a:t>
-            </a:r>
-            <a:r>
-              <a:rPr b="0" lang="en-US" sz="1800" spc="-1" strike="noStrike">
-                <a:latin typeface="Arial"/>
-              </a:rPr>
-              <a:t>r</a:t>
-            </a:r>
-            <a:r>
-              <a:rPr b="0" lang="en-US" sz="1800" spc="-1" strike="noStrike">
-                <a:latin typeface="Arial"/>
-              </a:rPr>
-              <a:t> </a:t>
-            </a:r>
-            <a:r>
-              <a:rPr b="0" lang="en-US" sz="1800" spc="-1" strike="noStrike">
-                <a:latin typeface="Arial"/>
-              </a:rPr>
-              <a:t>G</a:t>
-            </a:r>
-            <a:r>
-              <a:rPr b="0" lang="en-US" sz="1800" spc="-1" strike="noStrike">
-                <a:latin typeface="Arial"/>
-              </a:rPr>
-              <a:t>i</a:t>
-            </a:r>
-            <a:r>
-              <a:rPr b="0" lang="en-US" sz="1800" spc="-1" strike="noStrike">
-                <a:latin typeface="Arial"/>
-              </a:rPr>
-              <a:t>n</a:t>
-            </a:r>
-            <a:r>
-              <a:rPr b="0" lang="en-US" sz="1800" spc="-1" strike="noStrike">
-                <a:latin typeface="Arial"/>
-              </a:rPr>
-              <a:t>i</a:t>
-            </a:r>
-            <a:r>
-              <a:rPr b="0" lang="en-US" sz="1800" spc="-1" strike="noStrike">
-                <a:latin typeface="Arial"/>
-              </a:rPr>
-              <a:t> </a:t>
-            </a:r>
-            <a:r>
-              <a:rPr b="0" lang="en-US" sz="1800" spc="-1" strike="noStrike">
-                <a:latin typeface="Arial"/>
-              </a:rPr>
-              <a:t>S</a:t>
-            </a:r>
-            <a:r>
-              <a:rPr b="0" lang="en-US" sz="1800" spc="-1" strike="noStrike">
-                <a:latin typeface="Arial"/>
-              </a:rPr>
-              <a:t>c</a:t>
-            </a:r>
-            <a:r>
-              <a:rPr b="0" lang="en-US" sz="1800" spc="-1" strike="noStrike">
-                <a:latin typeface="Arial"/>
-              </a:rPr>
-              <a:t>o</a:t>
-            </a:r>
-            <a:r>
-              <a:rPr b="0" lang="en-US" sz="1800" spc="-1" strike="noStrike">
-                <a:latin typeface="Arial"/>
-              </a:rPr>
-              <a:t>r</a:t>
-            </a:r>
-            <a:r>
-              <a:rPr b="0" lang="en-US" sz="1800" spc="-1" strike="noStrike">
-                <a:latin typeface="Arial"/>
-              </a:rPr>
-              <a:t>e</a:t>
-            </a:r>
-            <a:r>
-              <a:rPr b="0" lang="en-US" sz="1800" spc="-1" strike="noStrike">
-                <a:latin typeface="Arial"/>
-              </a:rPr>
-              <a:t> </a:t>
-            </a:r>
-            <a:r>
-              <a:rPr b="0" lang="en-US" sz="1800" spc="-1" strike="noStrike">
-                <a:latin typeface="Arial"/>
-              </a:rPr>
-              <a:t>d</a:t>
-            </a:r>
-            <a:r>
-              <a:rPr b="0" lang="en-US" sz="1800" spc="-1" strike="noStrike">
-                <a:latin typeface="Arial"/>
-              </a:rPr>
-              <a:t>e</a:t>
-            </a:r>
-            <a:r>
-              <a:rPr b="0" lang="en-US" sz="1800" spc="-1" strike="noStrike">
-                <a:latin typeface="Arial"/>
-              </a:rPr>
-              <a:t>c</a:t>
-            </a:r>
-            <a:r>
-              <a:rPr b="0" lang="en-US" sz="1800" spc="-1" strike="noStrike">
-                <a:latin typeface="Arial"/>
-              </a:rPr>
-              <a:t>r</a:t>
-            </a:r>
-            <a:r>
-              <a:rPr b="0" lang="en-US" sz="1800" spc="-1" strike="noStrike">
-                <a:latin typeface="Arial"/>
-              </a:rPr>
-              <a:t>e</a:t>
-            </a:r>
-            <a:r>
-              <a:rPr b="0" lang="en-US" sz="1800" spc="-1" strike="noStrike">
-                <a:latin typeface="Arial"/>
-              </a:rPr>
-              <a:t>a</a:t>
-            </a:r>
-            <a:r>
-              <a:rPr b="0" lang="en-US" sz="1800" spc="-1" strike="noStrike">
-                <a:latin typeface="Arial"/>
-              </a:rPr>
-              <a:t>s</a:t>
-            </a:r>
-            <a:r>
-              <a:rPr b="0" lang="en-US" sz="1800" spc="-1" strike="noStrike">
-                <a:latin typeface="Arial"/>
-              </a:rPr>
-              <a:t>e</a:t>
-            </a:r>
-            <a:r>
-              <a:rPr b="0" lang="en-US" sz="1800" spc="-1" strike="noStrike">
-                <a:latin typeface="Arial"/>
-              </a:rPr>
-              <a:t> </a:t>
-            </a:r>
-            <a:r>
-              <a:rPr b="0" lang="en-US" sz="1800" spc="-1" strike="noStrike">
-                <a:latin typeface="Arial"/>
-              </a:rPr>
-              <a:t>i</a:t>
-            </a:r>
-            <a:r>
-              <a:rPr b="0" lang="en-US" sz="1800" spc="-1" strike="noStrike">
-                <a:latin typeface="Arial"/>
-              </a:rPr>
-              <a:t>s</a:t>
-            </a:r>
-            <a:r>
-              <a:rPr b="0" lang="en-US" sz="1800" spc="-1" strike="noStrike">
-                <a:latin typeface="Arial"/>
-              </a:rPr>
-              <a:t> </a:t>
-            </a:r>
-            <a:r>
-              <a:rPr b="0" lang="en-US" sz="1800" spc="-1" strike="noStrike">
-                <a:latin typeface="Arial"/>
-              </a:rPr>
-              <a:t>b</a:t>
-            </a:r>
-            <a:r>
-              <a:rPr b="0" lang="en-US" sz="1800" spc="-1" strike="noStrike">
-                <a:latin typeface="Arial"/>
-              </a:rPr>
-              <a:t>e</a:t>
-            </a:r>
-            <a:r>
-              <a:rPr b="0" lang="en-US" sz="1800" spc="-1" strike="noStrike">
-                <a:latin typeface="Arial"/>
-              </a:rPr>
-              <a:t>t</a:t>
-            </a:r>
-            <a:r>
-              <a:rPr b="0" lang="en-US" sz="1800" spc="-1" strike="noStrike">
-                <a:latin typeface="Arial"/>
-              </a:rPr>
-              <a:t>t</a:t>
-            </a:r>
-            <a:r>
-              <a:rPr b="0" lang="en-US" sz="1800" spc="-1" strike="noStrike">
-                <a:latin typeface="Arial"/>
-              </a:rPr>
-              <a:t>e</a:t>
-            </a:r>
-            <a:r>
-              <a:rPr b="0" lang="en-US" sz="1800" spc="-1" strike="noStrike">
-                <a:latin typeface="Arial"/>
-              </a:rPr>
-              <a:t>r</a:t>
-            </a:r>
-            <a:endParaRPr b="0" lang="en-US" sz="1800" spc="-1" strike="noStrike">
-              <a:latin typeface="Arial"/>
-            </a:endParaRPr>
           </a:p>
         </p:txBody>
       </p:sp>
     </p:spTree>
   </p:cSld>
-  <mc:AlternateContent>
-    <mc:Choice Requires="p14">
-      <p:transition spd="slow" p14:dur="2000"/>
-    </mc:Choice>
-    <mc:Fallback>
-      <p:transition spd="slow"/>
-    </mc:Fallback>
-  </mc:AlternateContent>
+  <p:clrMapOvr>
+    <a:masterClrMapping/>
+  </p:clrMapOvr>
 </p:sld>
 </file>
 
@@ -14957,34 +15797,34 @@
         <a:sysClr val="window" lastClr="FFFFFF"/>
       </a:lt1>
       <a:dk2>
-        <a:srgbClr val="44546a"/>
+        <a:srgbClr val="44546A"/>
       </a:dk2>
       <a:lt2>
-        <a:srgbClr val="e7e6e6"/>
+        <a:srgbClr val="E7E6E6"/>
       </a:lt2>
       <a:accent1>
-        <a:srgbClr val="4472c4"/>
+        <a:srgbClr val="4472C4"/>
       </a:accent1>
       <a:accent2>
-        <a:srgbClr val="ed7d31"/>
+        <a:srgbClr val="ED7D31"/>
       </a:accent2>
       <a:accent3>
-        <a:srgbClr val="a5a5a5"/>
+        <a:srgbClr val="A5A5A5"/>
       </a:accent3>
       <a:accent4>
-        <a:srgbClr val="ffc000"/>
+        <a:srgbClr val="FFC000"/>
       </a:accent4>
       <a:accent5>
-        <a:srgbClr val="5b9bd5"/>
+        <a:srgbClr val="5B9BD5"/>
       </a:accent5>
       <a:accent6>
-        <a:srgbClr val="70ad47"/>
+        <a:srgbClr val="70AD47"/>
       </a:accent6>
       <a:hlink>
-        <a:srgbClr val="0563c1"/>
+        <a:srgbClr val="0563C1"/>
       </a:hlink>
       <a:folHlink>
-        <a:srgbClr val="954f72"/>
+        <a:srgbClr val="954F72"/>
       </a:folHlink>
     </a:clrScheme>
     <a:fontScheme name="Office">
@@ -15166,6 +16006,8 @@
       </a:bgFillStyleLst>
     </a:fmtScheme>
   </a:themeElements>
+  <a:objectDefaults/>
+  <a:extraClrSchemeLst/>
 </a:theme>
 </file>
 
@@ -15180,34 +16022,34 @@
         <a:sysClr val="window" lastClr="FFFFFF"/>
       </a:lt1>
       <a:dk2>
-        <a:srgbClr val="44546a"/>
+        <a:srgbClr val="44546A"/>
       </a:dk2>
       <a:lt2>
-        <a:srgbClr val="e7e6e6"/>
+        <a:srgbClr val="E7E6E6"/>
       </a:lt2>
       <a:accent1>
-        <a:srgbClr val="4472c4"/>
+        <a:srgbClr val="4472C4"/>
       </a:accent1>
       <a:accent2>
-        <a:srgbClr val="ed7d31"/>
+        <a:srgbClr val="ED7D31"/>
       </a:accent2>
       <a:accent3>
-        <a:srgbClr val="a5a5a5"/>
+        <a:srgbClr val="A5A5A5"/>
       </a:accent3>
       <a:accent4>
-        <a:srgbClr val="ffc000"/>
+        <a:srgbClr val="FFC000"/>
       </a:accent4>
       <a:accent5>
-        <a:srgbClr val="5b9bd5"/>
+        <a:srgbClr val="5B9BD5"/>
       </a:accent5>
       <a:accent6>
-        <a:srgbClr val="70ad47"/>
+        <a:srgbClr val="70AD47"/>
       </a:accent6>
       <a:hlink>
-        <a:srgbClr val="0563c1"/>
+        <a:srgbClr val="0563C1"/>
       </a:hlink>
       <a:folHlink>
-        <a:srgbClr val="954f72"/>
+        <a:srgbClr val="954F72"/>
       </a:folHlink>
     </a:clrScheme>
     <a:fontScheme name="Office">
@@ -15389,6 +16231,8 @@
       </a:bgFillStyleLst>
     </a:fmtScheme>
   </a:themeElements>
+  <a:objectDefaults/>
+  <a:extraClrSchemeLst/>
 </a:theme>
 </file>
 
@@ -15403,34 +16247,34 @@
         <a:sysClr val="window" lastClr="FFFFFF"/>
       </a:lt1>
       <a:dk2>
-        <a:srgbClr val="44546a"/>
+        <a:srgbClr val="44546A"/>
       </a:dk2>
       <a:lt2>
-        <a:srgbClr val="e7e6e6"/>
+        <a:srgbClr val="E7E6E6"/>
       </a:lt2>
       <a:accent1>
-        <a:srgbClr val="4472c4"/>
+        <a:srgbClr val="4472C4"/>
       </a:accent1>
       <a:accent2>
-        <a:srgbClr val="ed7d31"/>
+        <a:srgbClr val="ED7D31"/>
       </a:accent2>
       <a:accent3>
-        <a:srgbClr val="a5a5a5"/>
+        <a:srgbClr val="A5A5A5"/>
       </a:accent3>
       <a:accent4>
-        <a:srgbClr val="ffc000"/>
+        <a:srgbClr val="FFC000"/>
       </a:accent4>
       <a:accent5>
-        <a:srgbClr val="5b9bd5"/>
+        <a:srgbClr val="5B9BD5"/>
       </a:accent5>
       <a:accent6>
-        <a:srgbClr val="70ad47"/>
+        <a:srgbClr val="70AD47"/>
       </a:accent6>
       <a:hlink>
-        <a:srgbClr val="0563c1"/>
+        <a:srgbClr val="0563C1"/>
       </a:hlink>
       <a:folHlink>
-        <a:srgbClr val="954f72"/>
+        <a:srgbClr val="954F72"/>
       </a:folHlink>
     </a:clrScheme>
     <a:fontScheme name="Office">
@@ -15612,5 +16456,7 @@
       </a:bgFillStyleLst>
     </a:fmtScheme>
   </a:themeElements>
+  <a:objectDefaults/>
+  <a:extraClrSchemeLst/>
 </a:theme>
 </file>
--- a/Presentation.pptx
+++ b/Presentation.pptx
@@ -16,6 +16,11 @@
     <p:sldId id="262" r:id="rId10"/>
     <p:sldId id="263" r:id="rId11"/>
     <p:sldId id="264" r:id="rId12"/>
+    <p:sldId id="265" r:id="rId13"/>
+    <p:sldId id="266" r:id="rId14"/>
+    <p:sldId id="267" r:id="rId15"/>
+    <p:sldId id="268" r:id="rId16"/>
+    <p:sldId id="269" r:id="rId17"/>
   </p:sldIdLst>
   <p:sldSz cx="12192000" cy="6858000"/>
   <p:notesSz cx="7772400" cy="10058400"/>
@@ -114,6 +119,11 @@
       </a:defRPr>
     </a:lvl9pPr>
   </p:defaultTextStyle>
+  <p:extLst>
+    <p:ext uri="{EFAFB233-063F-42B5-8137-9DF3F51BA10A}">
+      <p15:sldGuideLst xmlns:p15="http://schemas.microsoft.com/office/powerpoint/2012/main"/>
+    </p:ext>
+  </p:extLst>
 </p:presentation>
 </file>
 
@@ -6628,6 +6638,346 @@
         </p:spPr>
       </p:pic>
     </p:spTree>
+  </p:cSld>
+  <p:clrMapOvr>
+    <a:masterClrMapping/>
+  </p:clrMapOvr>
+</p:sld>
+</file>
+
+<file path=ppt/slides/slide10.xml><?xml version="1.0" encoding="utf-8"?>
+<p:sld xmlns:a="http://schemas.openxmlformats.org/drawingml/2006/main" xmlns:r="http://schemas.openxmlformats.org/officeDocument/2006/relationships" xmlns:p="http://schemas.openxmlformats.org/presentationml/2006/main">
+  <p:cSld>
+    <p:bg>
+      <p:bgPr>
+        <a:solidFill>
+          <a:schemeClr val="bg1"/>
+        </a:solidFill>
+        <a:effectLst/>
+      </p:bgPr>
+    </p:bg>
+    <p:spTree>
+      <p:nvGrpSpPr>
+        <p:cNvPr id="1" name=""/>
+        <p:cNvGrpSpPr/>
+        <p:nvPr/>
+      </p:nvGrpSpPr>
+      <p:grpSpPr>
+        <a:xfrm>
+          <a:off x="0" y="0"/>
+          <a:ext cx="0" cy="0"/>
+          <a:chOff x="0" y="0"/>
+          <a:chExt cx="0" cy="0"/>
+        </a:xfrm>
+      </p:grpSpPr>
+      <p:pic>
+        <p:nvPicPr>
+          <p:cNvPr id="4" name="Picture 3">
+            <a:extLst>
+              <a:ext uri="{FF2B5EF4-FFF2-40B4-BE49-F238E27FC236}">
+                <a16:creationId xmlns:a16="http://schemas.microsoft.com/office/drawing/2014/main" id="{403A26B3-9C87-4B1D-A077-8C6034ECE2E1}"/>
+              </a:ext>
+            </a:extLst>
+          </p:cNvPr>
+          <p:cNvPicPr>
+            <a:picLocks noChangeAspect="1"/>
+          </p:cNvPicPr>
+          <p:nvPr/>
+        </p:nvPicPr>
+        <p:blipFill>
+          <a:blip r:embed="rId2"/>
+          <a:stretch>
+            <a:fillRect/>
+          </a:stretch>
+        </p:blipFill>
+        <p:spPr>
+          <a:xfrm>
+            <a:off x="643467" y="661840"/>
+            <a:ext cx="10905066" cy="5534320"/>
+          </a:xfrm>
+          <a:prstGeom prst="rect">
+            <a:avLst/>
+          </a:prstGeom>
+        </p:spPr>
+      </p:pic>
+    </p:spTree>
+    <p:extLst>
+      <p:ext uri="{BB962C8B-B14F-4D97-AF65-F5344CB8AC3E}">
+        <p14:creationId xmlns:p14="http://schemas.microsoft.com/office/powerpoint/2010/main" val="25667801"/>
+      </p:ext>
+    </p:extLst>
+  </p:cSld>
+  <p:clrMapOvr>
+    <a:masterClrMapping/>
+  </p:clrMapOvr>
+</p:sld>
+</file>
+
+<file path=ppt/slides/slide11.xml><?xml version="1.0" encoding="utf-8"?>
+<p:sld xmlns:a="http://schemas.openxmlformats.org/drawingml/2006/main" xmlns:r="http://schemas.openxmlformats.org/officeDocument/2006/relationships" xmlns:p="http://schemas.openxmlformats.org/presentationml/2006/main">
+  <p:cSld>
+    <p:bg>
+      <p:bgPr>
+        <a:solidFill>
+          <a:schemeClr val="bg1"/>
+        </a:solidFill>
+        <a:effectLst/>
+      </p:bgPr>
+    </p:bg>
+    <p:spTree>
+      <p:nvGrpSpPr>
+        <p:cNvPr id="1" name=""/>
+        <p:cNvGrpSpPr/>
+        <p:nvPr/>
+      </p:nvGrpSpPr>
+      <p:grpSpPr>
+        <a:xfrm>
+          <a:off x="0" y="0"/>
+          <a:ext cx="0" cy="0"/>
+          <a:chOff x="0" y="0"/>
+          <a:chExt cx="0" cy="0"/>
+        </a:xfrm>
+      </p:grpSpPr>
+      <p:pic>
+        <p:nvPicPr>
+          <p:cNvPr id="4" name="Picture 3">
+            <a:extLst>
+              <a:ext uri="{FF2B5EF4-FFF2-40B4-BE49-F238E27FC236}">
+                <a16:creationId xmlns:a16="http://schemas.microsoft.com/office/drawing/2014/main" id="{A522E625-868D-4397-A7FC-B1712ABC6A97}"/>
+              </a:ext>
+            </a:extLst>
+          </p:cNvPr>
+          <p:cNvPicPr>
+            <a:picLocks noChangeAspect="1"/>
+          </p:cNvPicPr>
+          <p:nvPr/>
+        </p:nvPicPr>
+        <p:blipFill>
+          <a:blip r:embed="rId2"/>
+          <a:stretch>
+            <a:fillRect/>
+          </a:stretch>
+        </p:blipFill>
+        <p:spPr>
+          <a:xfrm>
+            <a:off x="643467" y="975360"/>
+            <a:ext cx="10905066" cy="4907278"/>
+          </a:xfrm>
+          <a:prstGeom prst="rect">
+            <a:avLst/>
+          </a:prstGeom>
+        </p:spPr>
+      </p:pic>
+    </p:spTree>
+    <p:extLst>
+      <p:ext uri="{BB962C8B-B14F-4D97-AF65-F5344CB8AC3E}">
+        <p14:creationId xmlns:p14="http://schemas.microsoft.com/office/powerpoint/2010/main" val="1900559779"/>
+      </p:ext>
+    </p:extLst>
+  </p:cSld>
+  <p:clrMapOvr>
+    <a:masterClrMapping/>
+  </p:clrMapOvr>
+</p:sld>
+</file>
+
+<file path=ppt/slides/slide12.xml><?xml version="1.0" encoding="utf-8"?>
+<p:sld xmlns:a="http://schemas.openxmlformats.org/drawingml/2006/main" xmlns:r="http://schemas.openxmlformats.org/officeDocument/2006/relationships" xmlns:p="http://schemas.openxmlformats.org/presentationml/2006/main">
+  <p:cSld>
+    <p:bg>
+      <p:bgPr>
+        <a:solidFill>
+          <a:schemeClr val="bg1"/>
+        </a:solidFill>
+        <a:effectLst/>
+      </p:bgPr>
+    </p:bg>
+    <p:spTree>
+      <p:nvGrpSpPr>
+        <p:cNvPr id="1" name=""/>
+        <p:cNvGrpSpPr/>
+        <p:nvPr/>
+      </p:nvGrpSpPr>
+      <p:grpSpPr>
+        <a:xfrm>
+          <a:off x="0" y="0"/>
+          <a:ext cx="0" cy="0"/>
+          <a:chOff x="0" y="0"/>
+          <a:chExt cx="0" cy="0"/>
+        </a:xfrm>
+      </p:grpSpPr>
+      <p:pic>
+        <p:nvPicPr>
+          <p:cNvPr id="4" name="Picture 3">
+            <a:extLst>
+              <a:ext uri="{FF2B5EF4-FFF2-40B4-BE49-F238E27FC236}">
+                <a16:creationId xmlns:a16="http://schemas.microsoft.com/office/drawing/2014/main" id="{984246AA-B76C-439D-B1B6-60AC74585D05}"/>
+              </a:ext>
+            </a:extLst>
+          </p:cNvPr>
+          <p:cNvPicPr>
+            <a:picLocks noChangeAspect="1"/>
+          </p:cNvPicPr>
+          <p:nvPr/>
+        </p:nvPicPr>
+        <p:blipFill>
+          <a:blip r:embed="rId2"/>
+          <a:stretch>
+            <a:fillRect/>
+          </a:stretch>
+        </p:blipFill>
+        <p:spPr>
+          <a:xfrm>
+            <a:off x="643467" y="1275250"/>
+            <a:ext cx="10905066" cy="4307499"/>
+          </a:xfrm>
+          <a:prstGeom prst="rect">
+            <a:avLst/>
+          </a:prstGeom>
+        </p:spPr>
+      </p:pic>
+    </p:spTree>
+    <p:extLst>
+      <p:ext uri="{BB962C8B-B14F-4D97-AF65-F5344CB8AC3E}">
+        <p14:creationId xmlns:p14="http://schemas.microsoft.com/office/powerpoint/2010/main" val="3795088465"/>
+      </p:ext>
+    </p:extLst>
+  </p:cSld>
+  <p:clrMapOvr>
+    <a:masterClrMapping/>
+  </p:clrMapOvr>
+</p:sld>
+</file>
+
+<file path=ppt/slides/slide13.xml><?xml version="1.0" encoding="utf-8"?>
+<p:sld xmlns:a="http://schemas.openxmlformats.org/drawingml/2006/main" xmlns:r="http://schemas.openxmlformats.org/officeDocument/2006/relationships" xmlns:p="http://schemas.openxmlformats.org/presentationml/2006/main">
+  <p:cSld>
+    <p:bg>
+      <p:bgPr>
+        <a:solidFill>
+          <a:schemeClr val="bg1"/>
+        </a:solidFill>
+        <a:effectLst/>
+      </p:bgPr>
+    </p:bg>
+    <p:spTree>
+      <p:nvGrpSpPr>
+        <p:cNvPr id="1" name=""/>
+        <p:cNvGrpSpPr/>
+        <p:nvPr/>
+      </p:nvGrpSpPr>
+      <p:grpSpPr>
+        <a:xfrm>
+          <a:off x="0" y="0"/>
+          <a:ext cx="0" cy="0"/>
+          <a:chOff x="0" y="0"/>
+          <a:chExt cx="0" cy="0"/>
+        </a:xfrm>
+      </p:grpSpPr>
+      <p:pic>
+        <p:nvPicPr>
+          <p:cNvPr id="4" name="Picture 3">
+            <a:extLst>
+              <a:ext uri="{FF2B5EF4-FFF2-40B4-BE49-F238E27FC236}">
+                <a16:creationId xmlns:a16="http://schemas.microsoft.com/office/drawing/2014/main" id="{330C524F-18F7-4225-9CBF-9A73868BF932}"/>
+              </a:ext>
+            </a:extLst>
+          </p:cNvPr>
+          <p:cNvPicPr>
+            <a:picLocks noChangeAspect="1"/>
+          </p:cNvPicPr>
+          <p:nvPr/>
+        </p:nvPicPr>
+        <p:blipFill>
+          <a:blip r:embed="rId2"/>
+          <a:stretch>
+            <a:fillRect/>
+          </a:stretch>
+        </p:blipFill>
+        <p:spPr>
+          <a:xfrm>
+            <a:off x="643467" y="1207092"/>
+            <a:ext cx="10905066" cy="4443814"/>
+          </a:xfrm>
+          <a:prstGeom prst="rect">
+            <a:avLst/>
+          </a:prstGeom>
+        </p:spPr>
+      </p:pic>
+    </p:spTree>
+    <p:extLst>
+      <p:ext uri="{BB962C8B-B14F-4D97-AF65-F5344CB8AC3E}">
+        <p14:creationId xmlns:p14="http://schemas.microsoft.com/office/powerpoint/2010/main" val="1345693793"/>
+      </p:ext>
+    </p:extLst>
+  </p:cSld>
+  <p:clrMapOvr>
+    <a:masterClrMapping/>
+  </p:clrMapOvr>
+</p:sld>
+</file>
+
+<file path=ppt/slides/slide14.xml><?xml version="1.0" encoding="utf-8"?>
+<p:sld xmlns:a="http://schemas.openxmlformats.org/drawingml/2006/main" xmlns:r="http://schemas.openxmlformats.org/officeDocument/2006/relationships" xmlns:p="http://schemas.openxmlformats.org/presentationml/2006/main">
+  <p:cSld>
+    <p:bg>
+      <p:bgPr>
+        <a:solidFill>
+          <a:schemeClr val="bg1"/>
+        </a:solidFill>
+        <a:effectLst/>
+      </p:bgPr>
+    </p:bg>
+    <p:spTree>
+      <p:nvGrpSpPr>
+        <p:cNvPr id="1" name=""/>
+        <p:cNvGrpSpPr/>
+        <p:nvPr/>
+      </p:nvGrpSpPr>
+      <p:grpSpPr>
+        <a:xfrm>
+          <a:off x="0" y="0"/>
+          <a:ext cx="0" cy="0"/>
+          <a:chOff x="0" y="0"/>
+          <a:chExt cx="0" cy="0"/>
+        </a:xfrm>
+      </p:grpSpPr>
+      <p:pic>
+        <p:nvPicPr>
+          <p:cNvPr id="4" name="Picture 3">
+            <a:extLst>
+              <a:ext uri="{FF2B5EF4-FFF2-40B4-BE49-F238E27FC236}">
+                <a16:creationId xmlns:a16="http://schemas.microsoft.com/office/drawing/2014/main" id="{D45CF059-779A-4249-A9BF-835C78454F8A}"/>
+              </a:ext>
+            </a:extLst>
+          </p:cNvPr>
+          <p:cNvPicPr>
+            <a:picLocks noChangeAspect="1"/>
+          </p:cNvPicPr>
+          <p:nvPr/>
+        </p:nvPicPr>
+        <p:blipFill>
+          <a:blip r:embed="rId2"/>
+          <a:stretch>
+            <a:fillRect/>
+          </a:stretch>
+        </p:blipFill>
+        <p:spPr>
+          <a:xfrm>
+            <a:off x="643467" y="1138936"/>
+            <a:ext cx="10905066" cy="4580126"/>
+          </a:xfrm>
+          <a:prstGeom prst="rect">
+            <a:avLst/>
+          </a:prstGeom>
+        </p:spPr>
+      </p:pic>
+    </p:spTree>
+    <p:extLst>
+      <p:ext uri="{BB962C8B-B14F-4D97-AF65-F5344CB8AC3E}">
+        <p14:creationId xmlns:p14="http://schemas.microsoft.com/office/powerpoint/2010/main" val="786752453"/>
+      </p:ext>
+    </p:extLst>
   </p:cSld>
   <p:clrMapOvr>
     <a:masterClrMapping/>
@@ -15071,7 +15421,7 @@
         </p:spPr>
         <p:txBody>
           <a:bodyPr lIns="0" tIns="0" rIns="0" bIns="0">
-            <a:normAutofit/>
+            <a:normAutofit lnSpcReduction="10000"/>
           </a:bodyPr>
           <a:lstStyle/>
           <a:p>

--- a/Presentation.pptx
+++ b/Presentation.pptx
@@ -22,7 +22,7 @@
     <p:sldId id="268" r:id="rId16"/>
     <p:sldId id="269" r:id="rId17"/>
   </p:sldIdLst>
-  <p:sldSz cx="12192000" cy="6858000"/>
+  <p:sldSz cx="9144000" cy="6858000" type="screen4x3"/>
   <p:notesSz cx="7772400" cy="10058400"/>
   <p:defaultTextStyle>
     <a:defPPr>
@@ -181,8 +181,8 @@
         </p:nvSpPr>
         <p:spPr>
           <a:xfrm>
-            <a:off x="609480" y="273240"/>
-            <a:ext cx="10972440" cy="1144800"/>
+            <a:off x="457110" y="569347"/>
+            <a:ext cx="8229330" cy="552587"/>
           </a:xfrm>
           <a:prstGeom prst="rect">
             <a:avLst/>
@@ -195,7 +195,7 @@
           <a:lstStyle/>
           <a:p>
             <a:pPr algn="ctr"/>
-            <a:endParaRPr lang="en-US" sz="5320" b="0" strike="noStrike" spc="-1">
+            <a:endParaRPr lang="en-US" sz="3990" b="0" strike="noStrike" spc="-1">
               <a:latin typeface="Arial"/>
             </a:endParaRPr>
           </a:p>
@@ -213,8 +213,8 @@
         </p:nvSpPr>
         <p:spPr>
           <a:xfrm>
-            <a:off x="609480" y="1604520"/>
-            <a:ext cx="10972440" cy="1896840"/>
+            <a:off x="457110" y="1604520"/>
+            <a:ext cx="8229330" cy="1896840"/>
           </a:xfrm>
           <a:prstGeom prst="rect">
             <a:avLst/>
@@ -226,7 +226,7 @@
           </a:bodyPr>
           <a:lstStyle/>
           <a:p>
-            <a:endParaRPr lang="en-US" sz="3870" b="0" strike="noStrike" spc="-1">
+            <a:endParaRPr lang="en-US" sz="2903" b="0" strike="noStrike" spc="-1">
               <a:latin typeface="Arial"/>
             </a:endParaRPr>
           </a:p>
@@ -244,8 +244,8 @@
         </p:nvSpPr>
         <p:spPr>
           <a:xfrm>
-            <a:off x="609480" y="3682080"/>
-            <a:ext cx="10972440" cy="1896840"/>
+            <a:off x="457110" y="3682080"/>
+            <a:ext cx="8229330" cy="1896840"/>
           </a:xfrm>
           <a:prstGeom prst="rect">
             <a:avLst/>
@@ -257,7 +257,7 @@
           </a:bodyPr>
           <a:lstStyle/>
           <a:p>
-            <a:endParaRPr lang="en-US" sz="3870" b="0" strike="noStrike" spc="-1">
+            <a:endParaRPr lang="en-US" sz="2903" b="0" strike="noStrike" spc="-1">
               <a:latin typeface="Arial"/>
             </a:endParaRPr>
           </a:p>
@@ -300,8 +300,8 @@
         </p:nvSpPr>
         <p:spPr>
           <a:xfrm>
-            <a:off x="609480" y="273240"/>
-            <a:ext cx="10972440" cy="1144800"/>
+            <a:off x="457110" y="569347"/>
+            <a:ext cx="8229330" cy="552587"/>
           </a:xfrm>
           <a:prstGeom prst="rect">
             <a:avLst/>
@@ -314,7 +314,7 @@
           <a:lstStyle/>
           <a:p>
             <a:pPr algn="ctr"/>
-            <a:endParaRPr lang="en-US" sz="5320" b="0" strike="noStrike" spc="-1">
+            <a:endParaRPr lang="en-US" sz="3990" b="0" strike="noStrike" spc="-1">
               <a:latin typeface="Arial"/>
             </a:endParaRPr>
           </a:p>
@@ -332,8 +332,8 @@
         </p:nvSpPr>
         <p:spPr>
           <a:xfrm>
-            <a:off x="609480" y="1604520"/>
-            <a:ext cx="5354280" cy="1896840"/>
+            <a:off x="457110" y="1604520"/>
+            <a:ext cx="4015710" cy="1896840"/>
           </a:xfrm>
           <a:prstGeom prst="rect">
             <a:avLst/>
@@ -345,7 +345,7 @@
           </a:bodyPr>
           <a:lstStyle/>
           <a:p>
-            <a:endParaRPr lang="en-US" sz="3870" b="0" strike="noStrike" spc="-1">
+            <a:endParaRPr lang="en-US" sz="2903" b="0" strike="noStrike" spc="-1">
               <a:latin typeface="Arial"/>
             </a:endParaRPr>
           </a:p>
@@ -363,8 +363,8 @@
         </p:nvSpPr>
         <p:spPr>
           <a:xfrm>
-            <a:off x="6231960" y="1604520"/>
-            <a:ext cx="5354280" cy="1896840"/>
+            <a:off x="4673970" y="1604520"/>
+            <a:ext cx="4015710" cy="1896840"/>
           </a:xfrm>
           <a:prstGeom prst="rect">
             <a:avLst/>
@@ -376,7 +376,7 @@
           </a:bodyPr>
           <a:lstStyle/>
           <a:p>
-            <a:endParaRPr lang="en-US" sz="3870" b="0" strike="noStrike" spc="-1">
+            <a:endParaRPr lang="en-US" sz="2903" b="0" strike="noStrike" spc="-1">
               <a:latin typeface="Arial"/>
             </a:endParaRPr>
           </a:p>
@@ -394,8 +394,8 @@
         </p:nvSpPr>
         <p:spPr>
           <a:xfrm>
-            <a:off x="609480" y="3682080"/>
-            <a:ext cx="5354280" cy="1896840"/>
+            <a:off x="457110" y="3682080"/>
+            <a:ext cx="4015710" cy="1896840"/>
           </a:xfrm>
           <a:prstGeom prst="rect">
             <a:avLst/>
@@ -407,7 +407,7 @@
           </a:bodyPr>
           <a:lstStyle/>
           <a:p>
-            <a:endParaRPr lang="en-US" sz="3870" b="0" strike="noStrike" spc="-1">
+            <a:endParaRPr lang="en-US" sz="2903" b="0" strike="noStrike" spc="-1">
               <a:latin typeface="Arial"/>
             </a:endParaRPr>
           </a:p>
@@ -425,8 +425,8 @@
         </p:nvSpPr>
         <p:spPr>
           <a:xfrm>
-            <a:off x="6231960" y="3682080"/>
-            <a:ext cx="5354280" cy="1896840"/>
+            <a:off x="4673970" y="3682080"/>
+            <a:ext cx="4015710" cy="1896840"/>
           </a:xfrm>
           <a:prstGeom prst="rect">
             <a:avLst/>
@@ -438,7 +438,7 @@
           </a:bodyPr>
           <a:lstStyle/>
           <a:p>
-            <a:endParaRPr lang="en-US" sz="3870" b="0" strike="noStrike" spc="-1">
+            <a:endParaRPr lang="en-US" sz="2903" b="0" strike="noStrike" spc="-1">
               <a:latin typeface="Arial"/>
             </a:endParaRPr>
           </a:p>
@@ -481,8 +481,8 @@
         </p:nvSpPr>
         <p:spPr>
           <a:xfrm>
-            <a:off x="609480" y="273240"/>
-            <a:ext cx="10972440" cy="1144800"/>
+            <a:off x="457110" y="569347"/>
+            <a:ext cx="8229330" cy="552587"/>
           </a:xfrm>
           <a:prstGeom prst="rect">
             <a:avLst/>
@@ -495,7 +495,7 @@
           <a:lstStyle/>
           <a:p>
             <a:pPr algn="ctr"/>
-            <a:endParaRPr lang="en-US" sz="5320" b="0" strike="noStrike" spc="-1">
+            <a:endParaRPr lang="en-US" sz="3990" b="0" strike="noStrike" spc="-1">
               <a:latin typeface="Arial"/>
             </a:endParaRPr>
           </a:p>
@@ -513,8 +513,8 @@
         </p:nvSpPr>
         <p:spPr>
           <a:xfrm>
-            <a:off x="609480" y="1604520"/>
-            <a:ext cx="3533040" cy="1896840"/>
+            <a:off x="457110" y="1604520"/>
+            <a:ext cx="2649780" cy="1896840"/>
           </a:xfrm>
           <a:prstGeom prst="rect">
             <a:avLst/>
@@ -526,7 +526,7 @@
           </a:bodyPr>
           <a:lstStyle/>
           <a:p>
-            <a:endParaRPr lang="en-US" sz="3870" b="0" strike="noStrike" spc="-1">
+            <a:endParaRPr lang="en-US" sz="2903" b="0" strike="noStrike" spc="-1">
               <a:latin typeface="Arial"/>
             </a:endParaRPr>
           </a:p>
@@ -544,8 +544,8 @@
         </p:nvSpPr>
         <p:spPr>
           <a:xfrm>
-            <a:off x="4319640" y="1604520"/>
-            <a:ext cx="3533040" cy="1896840"/>
+            <a:off x="3239730" y="1604520"/>
+            <a:ext cx="2649780" cy="1896840"/>
           </a:xfrm>
           <a:prstGeom prst="rect">
             <a:avLst/>
@@ -557,7 +557,7 @@
           </a:bodyPr>
           <a:lstStyle/>
           <a:p>
-            <a:endParaRPr lang="en-US" sz="3870" b="0" strike="noStrike" spc="-1">
+            <a:endParaRPr lang="en-US" sz="2903" b="0" strike="noStrike" spc="-1">
               <a:latin typeface="Arial"/>
             </a:endParaRPr>
           </a:p>
@@ -575,8 +575,8 @@
         </p:nvSpPr>
         <p:spPr>
           <a:xfrm>
-            <a:off x="8029800" y="1604520"/>
-            <a:ext cx="3533040" cy="1896840"/>
+            <a:off x="6022350" y="1604520"/>
+            <a:ext cx="2649780" cy="1896840"/>
           </a:xfrm>
           <a:prstGeom prst="rect">
             <a:avLst/>
@@ -588,7 +588,7 @@
           </a:bodyPr>
           <a:lstStyle/>
           <a:p>
-            <a:endParaRPr lang="en-US" sz="3870" b="0" strike="noStrike" spc="-1">
+            <a:endParaRPr lang="en-US" sz="2903" b="0" strike="noStrike" spc="-1">
               <a:latin typeface="Arial"/>
             </a:endParaRPr>
           </a:p>
@@ -606,8 +606,8 @@
         </p:nvSpPr>
         <p:spPr>
           <a:xfrm>
-            <a:off x="609480" y="3682080"/>
-            <a:ext cx="3533040" cy="1896840"/>
+            <a:off x="457110" y="3682080"/>
+            <a:ext cx="2649780" cy="1896840"/>
           </a:xfrm>
           <a:prstGeom prst="rect">
             <a:avLst/>
@@ -619,7 +619,7 @@
           </a:bodyPr>
           <a:lstStyle/>
           <a:p>
-            <a:endParaRPr lang="en-US" sz="3870" b="0" strike="noStrike" spc="-1">
+            <a:endParaRPr lang="en-US" sz="2903" b="0" strike="noStrike" spc="-1">
               <a:latin typeface="Arial"/>
             </a:endParaRPr>
           </a:p>
@@ -637,8 +637,8 @@
         </p:nvSpPr>
         <p:spPr>
           <a:xfrm>
-            <a:off x="4319640" y="3682080"/>
-            <a:ext cx="3533040" cy="1896840"/>
+            <a:off x="3239730" y="3682080"/>
+            <a:ext cx="2649780" cy="1896840"/>
           </a:xfrm>
           <a:prstGeom prst="rect">
             <a:avLst/>
@@ -650,7 +650,7 @@
           </a:bodyPr>
           <a:lstStyle/>
           <a:p>
-            <a:endParaRPr lang="en-US" sz="3870" b="0" strike="noStrike" spc="-1">
+            <a:endParaRPr lang="en-US" sz="2903" b="0" strike="noStrike" spc="-1">
               <a:latin typeface="Arial"/>
             </a:endParaRPr>
           </a:p>
@@ -668,8 +668,8 @@
         </p:nvSpPr>
         <p:spPr>
           <a:xfrm>
-            <a:off x="8029800" y="3682080"/>
-            <a:ext cx="3533040" cy="1896840"/>
+            <a:off x="6022350" y="3682080"/>
+            <a:ext cx="2649780" cy="1896840"/>
           </a:xfrm>
           <a:prstGeom prst="rect">
             <a:avLst/>
@@ -681,7 +681,7 @@
           </a:bodyPr>
           <a:lstStyle/>
           <a:p>
-            <a:endParaRPr lang="en-US" sz="3870" b="0" strike="noStrike" spc="-1">
+            <a:endParaRPr lang="en-US" sz="2903" b="0" strike="noStrike" spc="-1">
               <a:latin typeface="Arial"/>
             </a:endParaRPr>
           </a:p>
@@ -749,8 +749,8 @@
         </p:nvSpPr>
         <p:spPr>
           <a:xfrm>
-            <a:off x="609480" y="273240"/>
-            <a:ext cx="10972440" cy="1144800"/>
+            <a:off x="457110" y="569347"/>
+            <a:ext cx="8229330" cy="552587"/>
           </a:xfrm>
           <a:prstGeom prst="rect">
             <a:avLst/>
@@ -763,7 +763,7 @@
           <a:lstStyle/>
           <a:p>
             <a:pPr algn="ctr"/>
-            <a:endParaRPr lang="en-US" sz="5320" b="0" strike="noStrike" spc="-1">
+            <a:endParaRPr lang="en-US" sz="3990" b="0" strike="noStrike" spc="-1">
               <a:latin typeface="Arial"/>
             </a:endParaRPr>
           </a:p>
@@ -781,8 +781,8 @@
         </p:nvSpPr>
         <p:spPr>
           <a:xfrm>
-            <a:off x="609480" y="1604520"/>
-            <a:ext cx="10972440" cy="3977280"/>
+            <a:off x="457110" y="3426961"/>
+            <a:ext cx="8229330" cy="332399"/>
           </a:xfrm>
           <a:prstGeom prst="rect">
             <a:avLst/>
@@ -795,7 +795,7 @@
           <a:lstStyle/>
           <a:p>
             <a:pPr algn="ctr"/>
-            <a:endParaRPr lang="en-US" sz="3200" b="0" strike="noStrike" spc="-1">
+            <a:endParaRPr lang="en-US" sz="2400" b="0" strike="noStrike" spc="-1">
               <a:latin typeface="Arial"/>
             </a:endParaRPr>
           </a:p>
@@ -838,8 +838,8 @@
         </p:nvSpPr>
         <p:spPr>
           <a:xfrm>
-            <a:off x="609480" y="273240"/>
-            <a:ext cx="10972440" cy="1144800"/>
+            <a:off x="457110" y="569347"/>
+            <a:ext cx="8229330" cy="552587"/>
           </a:xfrm>
           <a:prstGeom prst="rect">
             <a:avLst/>
@@ -852,7 +852,7 @@
           <a:lstStyle/>
           <a:p>
             <a:pPr algn="ctr"/>
-            <a:endParaRPr lang="en-US" sz="5320" b="0" strike="noStrike" spc="-1">
+            <a:endParaRPr lang="en-US" sz="3990" b="0" strike="noStrike" spc="-1">
               <a:latin typeface="Arial"/>
             </a:endParaRPr>
           </a:p>
@@ -870,8 +870,8 @@
         </p:nvSpPr>
         <p:spPr>
           <a:xfrm>
-            <a:off x="609480" y="1604520"/>
-            <a:ext cx="10972440" cy="3977280"/>
+            <a:off x="457110" y="1604520"/>
+            <a:ext cx="8229330" cy="3977280"/>
           </a:xfrm>
           <a:prstGeom prst="rect">
             <a:avLst/>
@@ -883,7 +883,7 @@
           </a:bodyPr>
           <a:lstStyle/>
           <a:p>
-            <a:endParaRPr lang="en-US" sz="3870" b="0" strike="noStrike" spc="-1">
+            <a:endParaRPr lang="en-US" sz="2903" b="0" strike="noStrike" spc="-1">
               <a:latin typeface="Arial"/>
             </a:endParaRPr>
           </a:p>
@@ -926,8 +926,8 @@
         </p:nvSpPr>
         <p:spPr>
           <a:xfrm>
-            <a:off x="609480" y="273240"/>
-            <a:ext cx="10972440" cy="1144800"/>
+            <a:off x="457110" y="569347"/>
+            <a:ext cx="8229330" cy="552587"/>
           </a:xfrm>
           <a:prstGeom prst="rect">
             <a:avLst/>
@@ -940,7 +940,7 @@
           <a:lstStyle/>
           <a:p>
             <a:pPr algn="ctr"/>
-            <a:endParaRPr lang="en-US" sz="5320" b="0" strike="noStrike" spc="-1">
+            <a:endParaRPr lang="en-US" sz="3990" b="0" strike="noStrike" spc="-1">
               <a:latin typeface="Arial"/>
             </a:endParaRPr>
           </a:p>
@@ -958,8 +958,8 @@
         </p:nvSpPr>
         <p:spPr>
           <a:xfrm>
-            <a:off x="609480" y="1604520"/>
-            <a:ext cx="5354280" cy="3977280"/>
+            <a:off x="457110" y="1604520"/>
+            <a:ext cx="4015710" cy="3977280"/>
           </a:xfrm>
           <a:prstGeom prst="rect">
             <a:avLst/>
@@ -971,7 +971,7 @@
           </a:bodyPr>
           <a:lstStyle/>
           <a:p>
-            <a:endParaRPr lang="en-US" sz="3870" b="0" strike="noStrike" spc="-1">
+            <a:endParaRPr lang="en-US" sz="2903" b="0" strike="noStrike" spc="-1">
               <a:latin typeface="Arial"/>
             </a:endParaRPr>
           </a:p>
@@ -989,8 +989,8 @@
         </p:nvSpPr>
         <p:spPr>
           <a:xfrm>
-            <a:off x="6231960" y="1604520"/>
-            <a:ext cx="5354280" cy="3977280"/>
+            <a:off x="4673970" y="1604520"/>
+            <a:ext cx="4015710" cy="3977280"/>
           </a:xfrm>
           <a:prstGeom prst="rect">
             <a:avLst/>
@@ -1002,7 +1002,7 @@
           </a:bodyPr>
           <a:lstStyle/>
           <a:p>
-            <a:endParaRPr lang="en-US" sz="3870" b="0" strike="noStrike" spc="-1">
+            <a:endParaRPr lang="en-US" sz="2903" b="0" strike="noStrike" spc="-1">
               <a:latin typeface="Arial"/>
             </a:endParaRPr>
           </a:p>
@@ -1045,8 +1045,8 @@
         </p:nvSpPr>
         <p:spPr>
           <a:xfrm>
-            <a:off x="609480" y="273240"/>
-            <a:ext cx="10972440" cy="1144800"/>
+            <a:off x="457110" y="569347"/>
+            <a:ext cx="8229330" cy="552587"/>
           </a:xfrm>
           <a:prstGeom prst="rect">
             <a:avLst/>
@@ -1059,7 +1059,7 @@
           <a:lstStyle/>
           <a:p>
             <a:pPr algn="ctr"/>
-            <a:endParaRPr lang="en-US" sz="5320" b="0" strike="noStrike" spc="-1">
+            <a:endParaRPr lang="en-US" sz="3990" b="0" strike="noStrike" spc="-1">
               <a:latin typeface="Arial"/>
             </a:endParaRPr>
           </a:p>
@@ -1102,8 +1102,8 @@
         </p:nvSpPr>
         <p:spPr>
           <a:xfrm>
-            <a:off x="609480" y="273240"/>
-            <a:ext cx="10972440" cy="5307840"/>
+            <a:off x="457110" y="2760961"/>
+            <a:ext cx="8229330" cy="332399"/>
           </a:xfrm>
           <a:prstGeom prst="rect">
             <a:avLst/>
@@ -1116,7 +1116,7 @@
           <a:lstStyle/>
           <a:p>
             <a:pPr algn="ctr"/>
-            <a:endParaRPr lang="en-US" sz="3200" b="0" strike="noStrike" spc="-1">
+            <a:endParaRPr lang="en-US" sz="2400" b="0" strike="noStrike" spc="-1">
               <a:latin typeface="Arial"/>
             </a:endParaRPr>
           </a:p>
@@ -1159,8 +1159,8 @@
         </p:nvSpPr>
         <p:spPr>
           <a:xfrm>
-            <a:off x="609480" y="273240"/>
-            <a:ext cx="10972440" cy="1144800"/>
+            <a:off x="457110" y="569347"/>
+            <a:ext cx="8229330" cy="552587"/>
           </a:xfrm>
           <a:prstGeom prst="rect">
             <a:avLst/>
@@ -1173,7 +1173,7 @@
           <a:lstStyle/>
           <a:p>
             <a:pPr algn="ctr"/>
-            <a:endParaRPr lang="en-US" sz="5320" b="0" strike="noStrike" spc="-1">
+            <a:endParaRPr lang="en-US" sz="3990" b="0" strike="noStrike" spc="-1">
               <a:latin typeface="Arial"/>
             </a:endParaRPr>
           </a:p>
@@ -1191,8 +1191,8 @@
         </p:nvSpPr>
         <p:spPr>
           <a:xfrm>
-            <a:off x="609480" y="1604520"/>
-            <a:ext cx="5354280" cy="1896840"/>
+            <a:off x="457110" y="1604520"/>
+            <a:ext cx="4015710" cy="1896840"/>
           </a:xfrm>
           <a:prstGeom prst="rect">
             <a:avLst/>
@@ -1204,7 +1204,7 @@
           </a:bodyPr>
           <a:lstStyle/>
           <a:p>
-            <a:endParaRPr lang="en-US" sz="3870" b="0" strike="noStrike" spc="-1">
+            <a:endParaRPr lang="en-US" sz="2903" b="0" strike="noStrike" spc="-1">
               <a:latin typeface="Arial"/>
             </a:endParaRPr>
           </a:p>
@@ -1222,8 +1222,8 @@
         </p:nvSpPr>
         <p:spPr>
           <a:xfrm>
-            <a:off x="6231960" y="1604520"/>
-            <a:ext cx="5354280" cy="3977280"/>
+            <a:off x="4673970" y="1604520"/>
+            <a:ext cx="4015710" cy="3977280"/>
           </a:xfrm>
           <a:prstGeom prst="rect">
             <a:avLst/>
@@ -1235,7 +1235,7 @@
           </a:bodyPr>
           <a:lstStyle/>
           <a:p>
-            <a:endParaRPr lang="en-US" sz="3870" b="0" strike="noStrike" spc="-1">
+            <a:endParaRPr lang="en-US" sz="2903" b="0" strike="noStrike" spc="-1">
               <a:latin typeface="Arial"/>
             </a:endParaRPr>
           </a:p>
@@ -1253,8 +1253,8 @@
         </p:nvSpPr>
         <p:spPr>
           <a:xfrm>
-            <a:off x="609480" y="3682080"/>
-            <a:ext cx="5354280" cy="1896840"/>
+            <a:off x="457110" y="3682080"/>
+            <a:ext cx="4015710" cy="1896840"/>
           </a:xfrm>
           <a:prstGeom prst="rect">
             <a:avLst/>
@@ -1266,7 +1266,7 @@
           </a:bodyPr>
           <a:lstStyle/>
           <a:p>
-            <a:endParaRPr lang="en-US" sz="3870" b="0" strike="noStrike" spc="-1">
+            <a:endParaRPr lang="en-US" sz="2903" b="0" strike="noStrike" spc="-1">
               <a:latin typeface="Arial"/>
             </a:endParaRPr>
           </a:p>
@@ -1309,8 +1309,8 @@
         </p:nvSpPr>
         <p:spPr>
           <a:xfrm>
-            <a:off x="609480" y="273240"/>
-            <a:ext cx="10972440" cy="1144800"/>
+            <a:off x="457110" y="569347"/>
+            <a:ext cx="8229330" cy="552587"/>
           </a:xfrm>
           <a:prstGeom prst="rect">
             <a:avLst/>
@@ -1323,7 +1323,7 @@
           <a:lstStyle/>
           <a:p>
             <a:pPr algn="ctr"/>
-            <a:endParaRPr lang="en-US" sz="5320" b="0" strike="noStrike" spc="-1">
+            <a:endParaRPr lang="en-US" sz="3990" b="0" strike="noStrike" spc="-1">
               <a:latin typeface="Arial"/>
             </a:endParaRPr>
           </a:p>
@@ -1341,8 +1341,8 @@
         </p:nvSpPr>
         <p:spPr>
           <a:xfrm>
-            <a:off x="609480" y="1604520"/>
-            <a:ext cx="10972440" cy="3977280"/>
+            <a:off x="457110" y="3426961"/>
+            <a:ext cx="8229330" cy="332399"/>
           </a:xfrm>
           <a:prstGeom prst="rect">
             <a:avLst/>
@@ -1355,7 +1355,7 @@
           <a:lstStyle/>
           <a:p>
             <a:pPr algn="ctr"/>
-            <a:endParaRPr lang="en-US" sz="3200" b="0" strike="noStrike" spc="-1">
+            <a:endParaRPr lang="en-US" sz="2400" b="0" strike="noStrike" spc="-1">
               <a:latin typeface="Arial"/>
             </a:endParaRPr>
           </a:p>
@@ -1398,8 +1398,8 @@
         </p:nvSpPr>
         <p:spPr>
           <a:xfrm>
-            <a:off x="609480" y="273240"/>
-            <a:ext cx="10972440" cy="1144800"/>
+            <a:off x="457110" y="569347"/>
+            <a:ext cx="8229330" cy="552587"/>
           </a:xfrm>
           <a:prstGeom prst="rect">
             <a:avLst/>
@@ -1412,7 +1412,7 @@
           <a:lstStyle/>
           <a:p>
             <a:pPr algn="ctr"/>
-            <a:endParaRPr lang="en-US" sz="5320" b="0" strike="noStrike" spc="-1">
+            <a:endParaRPr lang="en-US" sz="3990" b="0" strike="noStrike" spc="-1">
               <a:latin typeface="Arial"/>
             </a:endParaRPr>
           </a:p>
@@ -1430,8 +1430,8 @@
         </p:nvSpPr>
         <p:spPr>
           <a:xfrm>
-            <a:off x="609480" y="1604520"/>
-            <a:ext cx="5354280" cy="3977280"/>
+            <a:off x="457110" y="1604520"/>
+            <a:ext cx="4015710" cy="3977280"/>
           </a:xfrm>
           <a:prstGeom prst="rect">
             <a:avLst/>
@@ -1443,7 +1443,7 @@
           </a:bodyPr>
           <a:lstStyle/>
           <a:p>
-            <a:endParaRPr lang="en-US" sz="3870" b="0" strike="noStrike" spc="-1">
+            <a:endParaRPr lang="en-US" sz="2903" b="0" strike="noStrike" spc="-1">
               <a:latin typeface="Arial"/>
             </a:endParaRPr>
           </a:p>
@@ -1461,8 +1461,8 @@
         </p:nvSpPr>
         <p:spPr>
           <a:xfrm>
-            <a:off x="6231960" y="1604520"/>
-            <a:ext cx="5354280" cy="1896840"/>
+            <a:off x="4673970" y="1604520"/>
+            <a:ext cx="4015710" cy="1896840"/>
           </a:xfrm>
           <a:prstGeom prst="rect">
             <a:avLst/>
@@ -1474,7 +1474,7 @@
           </a:bodyPr>
           <a:lstStyle/>
           <a:p>
-            <a:endParaRPr lang="en-US" sz="3870" b="0" strike="noStrike" spc="-1">
+            <a:endParaRPr lang="en-US" sz="2903" b="0" strike="noStrike" spc="-1">
               <a:latin typeface="Arial"/>
             </a:endParaRPr>
           </a:p>
@@ -1492,8 +1492,8 @@
         </p:nvSpPr>
         <p:spPr>
           <a:xfrm>
-            <a:off x="6231960" y="3682080"/>
-            <a:ext cx="5354280" cy="1896840"/>
+            <a:off x="4673970" y="3682080"/>
+            <a:ext cx="4015710" cy="1896840"/>
           </a:xfrm>
           <a:prstGeom prst="rect">
             <a:avLst/>
@@ -1505,7 +1505,7 @@
           </a:bodyPr>
           <a:lstStyle/>
           <a:p>
-            <a:endParaRPr lang="en-US" sz="3870" b="0" strike="noStrike" spc="-1">
+            <a:endParaRPr lang="en-US" sz="2903" b="0" strike="noStrike" spc="-1">
               <a:latin typeface="Arial"/>
             </a:endParaRPr>
           </a:p>
@@ -1548,8 +1548,8 @@
         </p:nvSpPr>
         <p:spPr>
           <a:xfrm>
-            <a:off x="609480" y="273240"/>
-            <a:ext cx="10972440" cy="1144800"/>
+            <a:off x="457110" y="569347"/>
+            <a:ext cx="8229330" cy="552587"/>
           </a:xfrm>
           <a:prstGeom prst="rect">
             <a:avLst/>
@@ -1562,7 +1562,7 @@
           <a:lstStyle/>
           <a:p>
             <a:pPr algn="ctr"/>
-            <a:endParaRPr lang="en-US" sz="5320" b="0" strike="noStrike" spc="-1">
+            <a:endParaRPr lang="en-US" sz="3990" b="0" strike="noStrike" spc="-1">
               <a:latin typeface="Arial"/>
             </a:endParaRPr>
           </a:p>
@@ -1580,8 +1580,8 @@
         </p:nvSpPr>
         <p:spPr>
           <a:xfrm>
-            <a:off x="609480" y="1604520"/>
-            <a:ext cx="5354280" cy="1896840"/>
+            <a:off x="457110" y="1604520"/>
+            <a:ext cx="4015710" cy="1896840"/>
           </a:xfrm>
           <a:prstGeom prst="rect">
             <a:avLst/>
@@ -1593,7 +1593,7 @@
           </a:bodyPr>
           <a:lstStyle/>
           <a:p>
-            <a:endParaRPr lang="en-US" sz="3870" b="0" strike="noStrike" spc="-1">
+            <a:endParaRPr lang="en-US" sz="2903" b="0" strike="noStrike" spc="-1">
               <a:latin typeface="Arial"/>
             </a:endParaRPr>
           </a:p>
@@ -1611,8 +1611,8 @@
         </p:nvSpPr>
         <p:spPr>
           <a:xfrm>
-            <a:off x="6231960" y="1604520"/>
-            <a:ext cx="5354280" cy="1896840"/>
+            <a:off x="4673970" y="1604520"/>
+            <a:ext cx="4015710" cy="1896840"/>
           </a:xfrm>
           <a:prstGeom prst="rect">
             <a:avLst/>
@@ -1624,7 +1624,7 @@
           </a:bodyPr>
           <a:lstStyle/>
           <a:p>
-            <a:endParaRPr lang="en-US" sz="3870" b="0" strike="noStrike" spc="-1">
+            <a:endParaRPr lang="en-US" sz="2903" b="0" strike="noStrike" spc="-1">
               <a:latin typeface="Arial"/>
             </a:endParaRPr>
           </a:p>
@@ -1642,8 +1642,8 @@
         </p:nvSpPr>
         <p:spPr>
           <a:xfrm>
-            <a:off x="609480" y="3682080"/>
-            <a:ext cx="10972440" cy="1896840"/>
+            <a:off x="457110" y="3682080"/>
+            <a:ext cx="8229330" cy="1896840"/>
           </a:xfrm>
           <a:prstGeom prst="rect">
             <a:avLst/>
@@ -1655,7 +1655,7 @@
           </a:bodyPr>
           <a:lstStyle/>
           <a:p>
-            <a:endParaRPr lang="en-US" sz="3870" b="0" strike="noStrike" spc="-1">
+            <a:endParaRPr lang="en-US" sz="2903" b="0" strike="noStrike" spc="-1">
               <a:latin typeface="Arial"/>
             </a:endParaRPr>
           </a:p>
@@ -1698,8 +1698,8 @@
         </p:nvSpPr>
         <p:spPr>
           <a:xfrm>
-            <a:off x="609480" y="273240"/>
-            <a:ext cx="10972440" cy="1144800"/>
+            <a:off x="457110" y="569347"/>
+            <a:ext cx="8229330" cy="552587"/>
           </a:xfrm>
           <a:prstGeom prst="rect">
             <a:avLst/>
@@ -1712,7 +1712,7 @@
           <a:lstStyle/>
           <a:p>
             <a:pPr algn="ctr"/>
-            <a:endParaRPr lang="en-US" sz="5320" b="0" strike="noStrike" spc="-1">
+            <a:endParaRPr lang="en-US" sz="3990" b="0" strike="noStrike" spc="-1">
               <a:latin typeface="Arial"/>
             </a:endParaRPr>
           </a:p>
@@ -1730,8 +1730,8 @@
         </p:nvSpPr>
         <p:spPr>
           <a:xfrm>
-            <a:off x="609480" y="1604520"/>
-            <a:ext cx="10972440" cy="1896840"/>
+            <a:off x="457110" y="1604520"/>
+            <a:ext cx="8229330" cy="1896840"/>
           </a:xfrm>
           <a:prstGeom prst="rect">
             <a:avLst/>
@@ -1743,7 +1743,7 @@
           </a:bodyPr>
           <a:lstStyle/>
           <a:p>
-            <a:endParaRPr lang="en-US" sz="3870" b="0" strike="noStrike" spc="-1">
+            <a:endParaRPr lang="en-US" sz="2903" b="0" strike="noStrike" spc="-1">
               <a:latin typeface="Arial"/>
             </a:endParaRPr>
           </a:p>
@@ -1761,8 +1761,8 @@
         </p:nvSpPr>
         <p:spPr>
           <a:xfrm>
-            <a:off x="609480" y="3682080"/>
-            <a:ext cx="10972440" cy="1896840"/>
+            <a:off x="457110" y="3682080"/>
+            <a:ext cx="8229330" cy="1896840"/>
           </a:xfrm>
           <a:prstGeom prst="rect">
             <a:avLst/>
@@ -1774,7 +1774,7 @@
           </a:bodyPr>
           <a:lstStyle/>
           <a:p>
-            <a:endParaRPr lang="en-US" sz="3870" b="0" strike="noStrike" spc="-1">
+            <a:endParaRPr lang="en-US" sz="2903" b="0" strike="noStrike" spc="-1">
               <a:latin typeface="Arial"/>
             </a:endParaRPr>
           </a:p>
@@ -1817,8 +1817,8 @@
         </p:nvSpPr>
         <p:spPr>
           <a:xfrm>
-            <a:off x="609480" y="273240"/>
-            <a:ext cx="10972440" cy="1144800"/>
+            <a:off x="457110" y="569347"/>
+            <a:ext cx="8229330" cy="552587"/>
           </a:xfrm>
           <a:prstGeom prst="rect">
             <a:avLst/>
@@ -1831,7 +1831,7 @@
           <a:lstStyle/>
           <a:p>
             <a:pPr algn="ctr"/>
-            <a:endParaRPr lang="en-US" sz="5320" b="0" strike="noStrike" spc="-1">
+            <a:endParaRPr lang="en-US" sz="3990" b="0" strike="noStrike" spc="-1">
               <a:latin typeface="Arial"/>
             </a:endParaRPr>
           </a:p>
@@ -1849,8 +1849,8 @@
         </p:nvSpPr>
         <p:spPr>
           <a:xfrm>
-            <a:off x="609480" y="1604520"/>
-            <a:ext cx="5354280" cy="1896840"/>
+            <a:off x="457110" y="1604520"/>
+            <a:ext cx="4015710" cy="1896840"/>
           </a:xfrm>
           <a:prstGeom prst="rect">
             <a:avLst/>
@@ -1862,7 +1862,7 @@
           </a:bodyPr>
           <a:lstStyle/>
           <a:p>
-            <a:endParaRPr lang="en-US" sz="3870" b="0" strike="noStrike" spc="-1">
+            <a:endParaRPr lang="en-US" sz="2903" b="0" strike="noStrike" spc="-1">
               <a:latin typeface="Arial"/>
             </a:endParaRPr>
           </a:p>
@@ -1880,8 +1880,8 @@
         </p:nvSpPr>
         <p:spPr>
           <a:xfrm>
-            <a:off x="6231960" y="1604520"/>
-            <a:ext cx="5354280" cy="1896840"/>
+            <a:off x="4673970" y="1604520"/>
+            <a:ext cx="4015710" cy="1896840"/>
           </a:xfrm>
           <a:prstGeom prst="rect">
             <a:avLst/>
@@ -1893,7 +1893,7 @@
           </a:bodyPr>
           <a:lstStyle/>
           <a:p>
-            <a:endParaRPr lang="en-US" sz="3870" b="0" strike="noStrike" spc="-1">
+            <a:endParaRPr lang="en-US" sz="2903" b="0" strike="noStrike" spc="-1">
               <a:latin typeface="Arial"/>
             </a:endParaRPr>
           </a:p>
@@ -1911,8 +1911,8 @@
         </p:nvSpPr>
         <p:spPr>
           <a:xfrm>
-            <a:off x="609480" y="3682080"/>
-            <a:ext cx="5354280" cy="1896840"/>
+            <a:off x="457110" y="3682080"/>
+            <a:ext cx="4015710" cy="1896840"/>
           </a:xfrm>
           <a:prstGeom prst="rect">
             <a:avLst/>
@@ -1924,7 +1924,7 @@
           </a:bodyPr>
           <a:lstStyle/>
           <a:p>
-            <a:endParaRPr lang="en-US" sz="3870" b="0" strike="noStrike" spc="-1">
+            <a:endParaRPr lang="en-US" sz="2903" b="0" strike="noStrike" spc="-1">
               <a:latin typeface="Arial"/>
             </a:endParaRPr>
           </a:p>
@@ -1942,8 +1942,8 @@
         </p:nvSpPr>
         <p:spPr>
           <a:xfrm>
-            <a:off x="6231960" y="3682080"/>
-            <a:ext cx="5354280" cy="1896840"/>
+            <a:off x="4673970" y="3682080"/>
+            <a:ext cx="4015710" cy="1896840"/>
           </a:xfrm>
           <a:prstGeom prst="rect">
             <a:avLst/>
@@ -1955,7 +1955,7 @@
           </a:bodyPr>
           <a:lstStyle/>
           <a:p>
-            <a:endParaRPr lang="en-US" sz="3870" b="0" strike="noStrike" spc="-1">
+            <a:endParaRPr lang="en-US" sz="2903" b="0" strike="noStrike" spc="-1">
               <a:latin typeface="Arial"/>
             </a:endParaRPr>
           </a:p>
@@ -1998,8 +1998,8 @@
         </p:nvSpPr>
         <p:spPr>
           <a:xfrm>
-            <a:off x="609480" y="273240"/>
-            <a:ext cx="10972440" cy="1144800"/>
+            <a:off x="457110" y="569347"/>
+            <a:ext cx="8229330" cy="552587"/>
           </a:xfrm>
           <a:prstGeom prst="rect">
             <a:avLst/>
@@ -2012,7 +2012,7 @@
           <a:lstStyle/>
           <a:p>
             <a:pPr algn="ctr"/>
-            <a:endParaRPr lang="en-US" sz="5320" b="0" strike="noStrike" spc="-1">
+            <a:endParaRPr lang="en-US" sz="3990" b="0" strike="noStrike" spc="-1">
               <a:latin typeface="Arial"/>
             </a:endParaRPr>
           </a:p>
@@ -2030,8 +2030,8 @@
         </p:nvSpPr>
         <p:spPr>
           <a:xfrm>
-            <a:off x="609480" y="1604520"/>
-            <a:ext cx="3533040" cy="1896840"/>
+            <a:off x="457110" y="1604520"/>
+            <a:ext cx="2649780" cy="1896840"/>
           </a:xfrm>
           <a:prstGeom prst="rect">
             <a:avLst/>
@@ -2043,7 +2043,7 @@
           </a:bodyPr>
           <a:lstStyle/>
           <a:p>
-            <a:endParaRPr lang="en-US" sz="3870" b="0" strike="noStrike" spc="-1">
+            <a:endParaRPr lang="en-US" sz="2903" b="0" strike="noStrike" spc="-1">
               <a:latin typeface="Arial"/>
             </a:endParaRPr>
           </a:p>
@@ -2061,8 +2061,8 @@
         </p:nvSpPr>
         <p:spPr>
           <a:xfrm>
-            <a:off x="4319640" y="1604520"/>
-            <a:ext cx="3533040" cy="1896840"/>
+            <a:off x="3239730" y="1604520"/>
+            <a:ext cx="2649780" cy="1896840"/>
           </a:xfrm>
           <a:prstGeom prst="rect">
             <a:avLst/>
@@ -2074,7 +2074,7 @@
           </a:bodyPr>
           <a:lstStyle/>
           <a:p>
-            <a:endParaRPr lang="en-US" sz="3870" b="0" strike="noStrike" spc="-1">
+            <a:endParaRPr lang="en-US" sz="2903" b="0" strike="noStrike" spc="-1">
               <a:latin typeface="Arial"/>
             </a:endParaRPr>
           </a:p>
@@ -2092,8 +2092,8 @@
         </p:nvSpPr>
         <p:spPr>
           <a:xfrm>
-            <a:off x="8029800" y="1604520"/>
-            <a:ext cx="3533040" cy="1896840"/>
+            <a:off x="6022350" y="1604520"/>
+            <a:ext cx="2649780" cy="1896840"/>
           </a:xfrm>
           <a:prstGeom prst="rect">
             <a:avLst/>
@@ -2105,7 +2105,7 @@
           </a:bodyPr>
           <a:lstStyle/>
           <a:p>
-            <a:endParaRPr lang="en-US" sz="3870" b="0" strike="noStrike" spc="-1">
+            <a:endParaRPr lang="en-US" sz="2903" b="0" strike="noStrike" spc="-1">
               <a:latin typeface="Arial"/>
             </a:endParaRPr>
           </a:p>
@@ -2123,8 +2123,8 @@
         </p:nvSpPr>
         <p:spPr>
           <a:xfrm>
-            <a:off x="609480" y="3682080"/>
-            <a:ext cx="3533040" cy="1896840"/>
+            <a:off x="457110" y="3682080"/>
+            <a:ext cx="2649780" cy="1896840"/>
           </a:xfrm>
           <a:prstGeom prst="rect">
             <a:avLst/>
@@ -2136,7 +2136,7 @@
           </a:bodyPr>
           <a:lstStyle/>
           <a:p>
-            <a:endParaRPr lang="en-US" sz="3870" b="0" strike="noStrike" spc="-1">
+            <a:endParaRPr lang="en-US" sz="2903" b="0" strike="noStrike" spc="-1">
               <a:latin typeface="Arial"/>
             </a:endParaRPr>
           </a:p>
@@ -2154,8 +2154,8 @@
         </p:nvSpPr>
         <p:spPr>
           <a:xfrm>
-            <a:off x="4319640" y="3682080"/>
-            <a:ext cx="3533040" cy="1896840"/>
+            <a:off x="3239730" y="3682080"/>
+            <a:ext cx="2649780" cy="1896840"/>
           </a:xfrm>
           <a:prstGeom prst="rect">
             <a:avLst/>
@@ -2167,7 +2167,7 @@
           </a:bodyPr>
           <a:lstStyle/>
           <a:p>
-            <a:endParaRPr lang="en-US" sz="3870" b="0" strike="noStrike" spc="-1">
+            <a:endParaRPr lang="en-US" sz="2903" b="0" strike="noStrike" spc="-1">
               <a:latin typeface="Arial"/>
             </a:endParaRPr>
           </a:p>
@@ -2185,8 +2185,8 @@
         </p:nvSpPr>
         <p:spPr>
           <a:xfrm>
-            <a:off x="8029800" y="3682080"/>
-            <a:ext cx="3533040" cy="1896840"/>
+            <a:off x="6022350" y="3682080"/>
+            <a:ext cx="2649780" cy="1896840"/>
           </a:xfrm>
           <a:prstGeom prst="rect">
             <a:avLst/>
@@ -2198,7 +2198,7 @@
           </a:bodyPr>
           <a:lstStyle/>
           <a:p>
-            <a:endParaRPr lang="en-US" sz="3870" b="0" strike="noStrike" spc="-1">
+            <a:endParaRPr lang="en-US" sz="2903" b="0" strike="noStrike" spc="-1">
               <a:latin typeface="Arial"/>
             </a:endParaRPr>
           </a:p>
@@ -2266,8 +2266,8 @@
         </p:nvSpPr>
         <p:spPr>
           <a:xfrm>
-            <a:off x="609480" y="273240"/>
-            <a:ext cx="10972440" cy="1144800"/>
+            <a:off x="457110" y="569347"/>
+            <a:ext cx="8229330" cy="552587"/>
           </a:xfrm>
           <a:prstGeom prst="rect">
             <a:avLst/>
@@ -2280,7 +2280,7 @@
           <a:lstStyle/>
           <a:p>
             <a:pPr algn="ctr"/>
-            <a:endParaRPr lang="en-US" sz="5320" b="0" strike="noStrike" spc="-1">
+            <a:endParaRPr lang="en-US" sz="3990" b="0" strike="noStrike" spc="-1">
               <a:latin typeface="Arial"/>
             </a:endParaRPr>
           </a:p>
@@ -2298,8 +2298,8 @@
         </p:nvSpPr>
         <p:spPr>
           <a:xfrm>
-            <a:off x="609480" y="1604520"/>
-            <a:ext cx="10972440" cy="3977280"/>
+            <a:off x="457110" y="3426961"/>
+            <a:ext cx="8229330" cy="332399"/>
           </a:xfrm>
           <a:prstGeom prst="rect">
             <a:avLst/>
@@ -2312,7 +2312,7 @@
           <a:lstStyle/>
           <a:p>
             <a:pPr algn="ctr"/>
-            <a:endParaRPr lang="en-US" sz="3200" b="0" strike="noStrike" spc="-1">
+            <a:endParaRPr lang="en-US" sz="2400" b="0" strike="noStrike" spc="-1">
               <a:latin typeface="Arial"/>
             </a:endParaRPr>
           </a:p>
@@ -2355,8 +2355,8 @@
         </p:nvSpPr>
         <p:spPr>
           <a:xfrm>
-            <a:off x="609480" y="273240"/>
-            <a:ext cx="10972440" cy="1144800"/>
+            <a:off x="457110" y="569347"/>
+            <a:ext cx="8229330" cy="552587"/>
           </a:xfrm>
           <a:prstGeom prst="rect">
             <a:avLst/>
@@ -2369,7 +2369,7 @@
           <a:lstStyle/>
           <a:p>
             <a:pPr algn="ctr"/>
-            <a:endParaRPr lang="en-US" sz="5320" b="0" strike="noStrike" spc="-1">
+            <a:endParaRPr lang="en-US" sz="3990" b="0" strike="noStrike" spc="-1">
               <a:latin typeface="Arial"/>
             </a:endParaRPr>
           </a:p>
@@ -2387,8 +2387,8 @@
         </p:nvSpPr>
         <p:spPr>
           <a:xfrm>
-            <a:off x="609480" y="1604520"/>
-            <a:ext cx="10972440" cy="3977280"/>
+            <a:off x="457110" y="1604520"/>
+            <a:ext cx="8229330" cy="3977280"/>
           </a:xfrm>
           <a:prstGeom prst="rect">
             <a:avLst/>
@@ -2400,7 +2400,7 @@
           </a:bodyPr>
           <a:lstStyle/>
           <a:p>
-            <a:endParaRPr lang="en-US" sz="3870" b="0" strike="noStrike" spc="-1">
+            <a:endParaRPr lang="en-US" sz="2903" b="0" strike="noStrike" spc="-1">
               <a:latin typeface="Arial"/>
             </a:endParaRPr>
           </a:p>
@@ -2443,8 +2443,8 @@
         </p:nvSpPr>
         <p:spPr>
           <a:xfrm>
-            <a:off x="609480" y="273240"/>
-            <a:ext cx="10972440" cy="1144800"/>
+            <a:off x="457110" y="569347"/>
+            <a:ext cx="8229330" cy="552587"/>
           </a:xfrm>
           <a:prstGeom prst="rect">
             <a:avLst/>
@@ -2457,7 +2457,7 @@
           <a:lstStyle/>
           <a:p>
             <a:pPr algn="ctr"/>
-            <a:endParaRPr lang="en-US" sz="5320" b="0" strike="noStrike" spc="-1">
+            <a:endParaRPr lang="en-US" sz="3990" b="0" strike="noStrike" spc="-1">
               <a:latin typeface="Arial"/>
             </a:endParaRPr>
           </a:p>
@@ -2475,8 +2475,8 @@
         </p:nvSpPr>
         <p:spPr>
           <a:xfrm>
-            <a:off x="609480" y="1604520"/>
-            <a:ext cx="5354280" cy="3977280"/>
+            <a:off x="457110" y="1604520"/>
+            <a:ext cx="4015710" cy="3977280"/>
           </a:xfrm>
           <a:prstGeom prst="rect">
             <a:avLst/>
@@ -2488,7 +2488,7 @@
           </a:bodyPr>
           <a:lstStyle/>
           <a:p>
-            <a:endParaRPr lang="en-US" sz="3870" b="0" strike="noStrike" spc="-1">
+            <a:endParaRPr lang="en-US" sz="2903" b="0" strike="noStrike" spc="-1">
               <a:latin typeface="Arial"/>
             </a:endParaRPr>
           </a:p>
@@ -2506,8 +2506,8 @@
         </p:nvSpPr>
         <p:spPr>
           <a:xfrm>
-            <a:off x="6231960" y="1604520"/>
-            <a:ext cx="5354280" cy="3977280"/>
+            <a:off x="4673970" y="1604520"/>
+            <a:ext cx="4015710" cy="3977280"/>
           </a:xfrm>
           <a:prstGeom prst="rect">
             <a:avLst/>
@@ -2519,7 +2519,7 @@
           </a:bodyPr>
           <a:lstStyle/>
           <a:p>
-            <a:endParaRPr lang="en-US" sz="3870" b="0" strike="noStrike" spc="-1">
+            <a:endParaRPr lang="en-US" sz="2903" b="0" strike="noStrike" spc="-1">
               <a:latin typeface="Arial"/>
             </a:endParaRPr>
           </a:p>
@@ -2562,8 +2562,8 @@
         </p:nvSpPr>
         <p:spPr>
           <a:xfrm>
-            <a:off x="609480" y="273240"/>
-            <a:ext cx="10972440" cy="1144800"/>
+            <a:off x="457110" y="569347"/>
+            <a:ext cx="8229330" cy="552587"/>
           </a:xfrm>
           <a:prstGeom prst="rect">
             <a:avLst/>
@@ -2576,7 +2576,7 @@
           <a:lstStyle/>
           <a:p>
             <a:pPr algn="ctr"/>
-            <a:endParaRPr lang="en-US" sz="5320" b="0" strike="noStrike" spc="-1">
+            <a:endParaRPr lang="en-US" sz="3990" b="0" strike="noStrike" spc="-1">
               <a:latin typeface="Arial"/>
             </a:endParaRPr>
           </a:p>
@@ -2619,8 +2619,8 @@
         </p:nvSpPr>
         <p:spPr>
           <a:xfrm>
-            <a:off x="609480" y="273240"/>
-            <a:ext cx="10972440" cy="1144800"/>
+            <a:off x="457110" y="569347"/>
+            <a:ext cx="8229330" cy="552587"/>
           </a:xfrm>
           <a:prstGeom prst="rect">
             <a:avLst/>
@@ -2633,7 +2633,7 @@
           <a:lstStyle/>
           <a:p>
             <a:pPr algn="ctr"/>
-            <a:endParaRPr lang="en-US" sz="5320" b="0" strike="noStrike" spc="-1">
+            <a:endParaRPr lang="en-US" sz="3990" b="0" strike="noStrike" spc="-1">
               <a:latin typeface="Arial"/>
             </a:endParaRPr>
           </a:p>
@@ -2651,8 +2651,8 @@
         </p:nvSpPr>
         <p:spPr>
           <a:xfrm>
-            <a:off x="609480" y="1604520"/>
-            <a:ext cx="10972440" cy="3977280"/>
+            <a:off x="457110" y="1604520"/>
+            <a:ext cx="8229330" cy="3977280"/>
           </a:xfrm>
           <a:prstGeom prst="rect">
             <a:avLst/>
@@ -2664,7 +2664,7 @@
           </a:bodyPr>
           <a:lstStyle/>
           <a:p>
-            <a:endParaRPr lang="en-US" sz="3870" b="0" strike="noStrike" spc="-1">
+            <a:endParaRPr lang="en-US" sz="2903" b="0" strike="noStrike" spc="-1">
               <a:latin typeface="Arial"/>
             </a:endParaRPr>
           </a:p>
@@ -2707,8 +2707,8 @@
         </p:nvSpPr>
         <p:spPr>
           <a:xfrm>
-            <a:off x="609480" y="273240"/>
-            <a:ext cx="10972440" cy="5307840"/>
+            <a:off x="457110" y="2760961"/>
+            <a:ext cx="8229330" cy="332399"/>
           </a:xfrm>
           <a:prstGeom prst="rect">
             <a:avLst/>
@@ -2721,7 +2721,7 @@
           <a:lstStyle/>
           <a:p>
             <a:pPr algn="ctr"/>
-            <a:endParaRPr lang="en-US" sz="3200" b="0" strike="noStrike" spc="-1">
+            <a:endParaRPr lang="en-US" sz="2400" b="0" strike="noStrike" spc="-1">
               <a:latin typeface="Arial"/>
             </a:endParaRPr>
           </a:p>
@@ -2764,8 +2764,8 @@
         </p:nvSpPr>
         <p:spPr>
           <a:xfrm>
-            <a:off x="609480" y="273240"/>
-            <a:ext cx="10972440" cy="1144800"/>
+            <a:off x="457110" y="569347"/>
+            <a:ext cx="8229330" cy="552587"/>
           </a:xfrm>
           <a:prstGeom prst="rect">
             <a:avLst/>
@@ -2778,7 +2778,7 @@
           <a:lstStyle/>
           <a:p>
             <a:pPr algn="ctr"/>
-            <a:endParaRPr lang="en-US" sz="5320" b="0" strike="noStrike" spc="-1">
+            <a:endParaRPr lang="en-US" sz="3990" b="0" strike="noStrike" spc="-1">
               <a:latin typeface="Arial"/>
             </a:endParaRPr>
           </a:p>
@@ -2796,8 +2796,8 @@
         </p:nvSpPr>
         <p:spPr>
           <a:xfrm>
-            <a:off x="609480" y="1604520"/>
-            <a:ext cx="5354280" cy="1896840"/>
+            <a:off x="457110" y="1604520"/>
+            <a:ext cx="4015710" cy="1896840"/>
           </a:xfrm>
           <a:prstGeom prst="rect">
             <a:avLst/>
@@ -2809,7 +2809,7 @@
           </a:bodyPr>
           <a:lstStyle/>
           <a:p>
-            <a:endParaRPr lang="en-US" sz="3870" b="0" strike="noStrike" spc="-1">
+            <a:endParaRPr lang="en-US" sz="2903" b="0" strike="noStrike" spc="-1">
               <a:latin typeface="Arial"/>
             </a:endParaRPr>
           </a:p>
@@ -2827,8 +2827,8 @@
         </p:nvSpPr>
         <p:spPr>
           <a:xfrm>
-            <a:off x="6231960" y="1604520"/>
-            <a:ext cx="5354280" cy="3977280"/>
+            <a:off x="4673970" y="1604520"/>
+            <a:ext cx="4015710" cy="3977280"/>
           </a:xfrm>
           <a:prstGeom prst="rect">
             <a:avLst/>
@@ -2840,7 +2840,7 @@
           </a:bodyPr>
           <a:lstStyle/>
           <a:p>
-            <a:endParaRPr lang="en-US" sz="3870" b="0" strike="noStrike" spc="-1">
+            <a:endParaRPr lang="en-US" sz="2903" b="0" strike="noStrike" spc="-1">
               <a:latin typeface="Arial"/>
             </a:endParaRPr>
           </a:p>
@@ -2858,8 +2858,8 @@
         </p:nvSpPr>
         <p:spPr>
           <a:xfrm>
-            <a:off x="609480" y="3682080"/>
-            <a:ext cx="5354280" cy="1896840"/>
+            <a:off x="457110" y="3682080"/>
+            <a:ext cx="4015710" cy="1896840"/>
           </a:xfrm>
           <a:prstGeom prst="rect">
             <a:avLst/>
@@ -2871,7 +2871,7 @@
           </a:bodyPr>
           <a:lstStyle/>
           <a:p>
-            <a:endParaRPr lang="en-US" sz="3870" b="0" strike="noStrike" spc="-1">
+            <a:endParaRPr lang="en-US" sz="2903" b="0" strike="noStrike" spc="-1">
               <a:latin typeface="Arial"/>
             </a:endParaRPr>
           </a:p>
@@ -2914,8 +2914,8 @@
         </p:nvSpPr>
         <p:spPr>
           <a:xfrm>
-            <a:off x="609480" y="273240"/>
-            <a:ext cx="10972440" cy="1144800"/>
+            <a:off x="457110" y="569347"/>
+            <a:ext cx="8229330" cy="552587"/>
           </a:xfrm>
           <a:prstGeom prst="rect">
             <a:avLst/>
@@ -2928,7 +2928,7 @@
           <a:lstStyle/>
           <a:p>
             <a:pPr algn="ctr"/>
-            <a:endParaRPr lang="en-US" sz="5320" b="0" strike="noStrike" spc="-1">
+            <a:endParaRPr lang="en-US" sz="3990" b="0" strike="noStrike" spc="-1">
               <a:latin typeface="Arial"/>
             </a:endParaRPr>
           </a:p>
@@ -2946,8 +2946,8 @@
         </p:nvSpPr>
         <p:spPr>
           <a:xfrm>
-            <a:off x="609480" y="1604520"/>
-            <a:ext cx="5354280" cy="3977280"/>
+            <a:off x="457110" y="1604520"/>
+            <a:ext cx="4015710" cy="3977280"/>
           </a:xfrm>
           <a:prstGeom prst="rect">
             <a:avLst/>
@@ -2959,7 +2959,7 @@
           </a:bodyPr>
           <a:lstStyle/>
           <a:p>
-            <a:endParaRPr lang="en-US" sz="3870" b="0" strike="noStrike" spc="-1">
+            <a:endParaRPr lang="en-US" sz="2903" b="0" strike="noStrike" spc="-1">
               <a:latin typeface="Arial"/>
             </a:endParaRPr>
           </a:p>
@@ -2977,8 +2977,8 @@
         </p:nvSpPr>
         <p:spPr>
           <a:xfrm>
-            <a:off x="6231960" y="1604520"/>
-            <a:ext cx="5354280" cy="1896840"/>
+            <a:off x="4673970" y="1604520"/>
+            <a:ext cx="4015710" cy="1896840"/>
           </a:xfrm>
           <a:prstGeom prst="rect">
             <a:avLst/>
@@ -2990,7 +2990,7 @@
           </a:bodyPr>
           <a:lstStyle/>
           <a:p>
-            <a:endParaRPr lang="en-US" sz="3870" b="0" strike="noStrike" spc="-1">
+            <a:endParaRPr lang="en-US" sz="2903" b="0" strike="noStrike" spc="-1">
               <a:latin typeface="Arial"/>
             </a:endParaRPr>
           </a:p>
@@ -3008,8 +3008,8 @@
         </p:nvSpPr>
         <p:spPr>
           <a:xfrm>
-            <a:off x="6231960" y="3682080"/>
-            <a:ext cx="5354280" cy="1896840"/>
+            <a:off x="4673970" y="3682080"/>
+            <a:ext cx="4015710" cy="1896840"/>
           </a:xfrm>
           <a:prstGeom prst="rect">
             <a:avLst/>
@@ -3021,7 +3021,7 @@
           </a:bodyPr>
           <a:lstStyle/>
           <a:p>
-            <a:endParaRPr lang="en-US" sz="3870" b="0" strike="noStrike" spc="-1">
+            <a:endParaRPr lang="en-US" sz="2903" b="0" strike="noStrike" spc="-1">
               <a:latin typeface="Arial"/>
             </a:endParaRPr>
           </a:p>
@@ -3064,8 +3064,8 @@
         </p:nvSpPr>
         <p:spPr>
           <a:xfrm>
-            <a:off x="609480" y="273240"/>
-            <a:ext cx="10972440" cy="1144800"/>
+            <a:off x="457110" y="569347"/>
+            <a:ext cx="8229330" cy="552587"/>
           </a:xfrm>
           <a:prstGeom prst="rect">
             <a:avLst/>
@@ -3078,7 +3078,7 @@
           <a:lstStyle/>
           <a:p>
             <a:pPr algn="ctr"/>
-            <a:endParaRPr lang="en-US" sz="5320" b="0" strike="noStrike" spc="-1">
+            <a:endParaRPr lang="en-US" sz="3990" b="0" strike="noStrike" spc="-1">
               <a:latin typeface="Arial"/>
             </a:endParaRPr>
           </a:p>
@@ -3096,8 +3096,8 @@
         </p:nvSpPr>
         <p:spPr>
           <a:xfrm>
-            <a:off x="609480" y="1604520"/>
-            <a:ext cx="5354280" cy="1896840"/>
+            <a:off x="457110" y="1604520"/>
+            <a:ext cx="4015710" cy="1896840"/>
           </a:xfrm>
           <a:prstGeom prst="rect">
             <a:avLst/>
@@ -3109,7 +3109,7 @@
           </a:bodyPr>
           <a:lstStyle/>
           <a:p>
-            <a:endParaRPr lang="en-US" sz="3870" b="0" strike="noStrike" spc="-1">
+            <a:endParaRPr lang="en-US" sz="2903" b="0" strike="noStrike" spc="-1">
               <a:latin typeface="Arial"/>
             </a:endParaRPr>
           </a:p>
@@ -3127,8 +3127,8 @@
         </p:nvSpPr>
         <p:spPr>
           <a:xfrm>
-            <a:off x="6231960" y="1604520"/>
-            <a:ext cx="5354280" cy="1896840"/>
+            <a:off x="4673970" y="1604520"/>
+            <a:ext cx="4015710" cy="1896840"/>
           </a:xfrm>
           <a:prstGeom prst="rect">
             <a:avLst/>
@@ -3140,7 +3140,7 @@
           </a:bodyPr>
           <a:lstStyle/>
           <a:p>
-            <a:endParaRPr lang="en-US" sz="3870" b="0" strike="noStrike" spc="-1">
+            <a:endParaRPr lang="en-US" sz="2903" b="0" strike="noStrike" spc="-1">
               <a:latin typeface="Arial"/>
             </a:endParaRPr>
           </a:p>
@@ -3158,8 +3158,8 @@
         </p:nvSpPr>
         <p:spPr>
           <a:xfrm>
-            <a:off x="609480" y="3682080"/>
-            <a:ext cx="10972440" cy="1896840"/>
+            <a:off x="457110" y="3682080"/>
+            <a:ext cx="8229330" cy="1896840"/>
           </a:xfrm>
           <a:prstGeom prst="rect">
             <a:avLst/>
@@ -3171,7 +3171,7 @@
           </a:bodyPr>
           <a:lstStyle/>
           <a:p>
-            <a:endParaRPr lang="en-US" sz="3870" b="0" strike="noStrike" spc="-1">
+            <a:endParaRPr lang="en-US" sz="2903" b="0" strike="noStrike" spc="-1">
               <a:latin typeface="Arial"/>
             </a:endParaRPr>
           </a:p>
@@ -3214,8 +3214,8 @@
         </p:nvSpPr>
         <p:spPr>
           <a:xfrm>
-            <a:off x="609480" y="273240"/>
-            <a:ext cx="10972440" cy="1144800"/>
+            <a:off x="457110" y="569347"/>
+            <a:ext cx="8229330" cy="552587"/>
           </a:xfrm>
           <a:prstGeom prst="rect">
             <a:avLst/>
@@ -3228,7 +3228,7 @@
           <a:lstStyle/>
           <a:p>
             <a:pPr algn="ctr"/>
-            <a:endParaRPr lang="en-US" sz="5320" b="0" strike="noStrike" spc="-1">
+            <a:endParaRPr lang="en-US" sz="3990" b="0" strike="noStrike" spc="-1">
               <a:latin typeface="Arial"/>
             </a:endParaRPr>
           </a:p>
@@ -3246,8 +3246,8 @@
         </p:nvSpPr>
         <p:spPr>
           <a:xfrm>
-            <a:off x="609480" y="1604520"/>
-            <a:ext cx="10972440" cy="1896840"/>
+            <a:off x="457110" y="1604520"/>
+            <a:ext cx="8229330" cy="1896840"/>
           </a:xfrm>
           <a:prstGeom prst="rect">
             <a:avLst/>
@@ -3259,7 +3259,7 @@
           </a:bodyPr>
           <a:lstStyle/>
           <a:p>
-            <a:endParaRPr lang="en-US" sz="3870" b="0" strike="noStrike" spc="-1">
+            <a:endParaRPr lang="en-US" sz="2903" b="0" strike="noStrike" spc="-1">
               <a:latin typeface="Arial"/>
             </a:endParaRPr>
           </a:p>
@@ -3277,8 +3277,8 @@
         </p:nvSpPr>
         <p:spPr>
           <a:xfrm>
-            <a:off x="609480" y="3682080"/>
-            <a:ext cx="10972440" cy="1896840"/>
+            <a:off x="457110" y="3682080"/>
+            <a:ext cx="8229330" cy="1896840"/>
           </a:xfrm>
           <a:prstGeom prst="rect">
             <a:avLst/>
@@ -3290,7 +3290,7 @@
           </a:bodyPr>
           <a:lstStyle/>
           <a:p>
-            <a:endParaRPr lang="en-US" sz="3870" b="0" strike="noStrike" spc="-1">
+            <a:endParaRPr lang="en-US" sz="2903" b="0" strike="noStrike" spc="-1">
               <a:latin typeface="Arial"/>
             </a:endParaRPr>
           </a:p>
@@ -3333,8 +3333,8 @@
         </p:nvSpPr>
         <p:spPr>
           <a:xfrm>
-            <a:off x="609480" y="273240"/>
-            <a:ext cx="10972440" cy="1144800"/>
+            <a:off x="457110" y="569347"/>
+            <a:ext cx="8229330" cy="552587"/>
           </a:xfrm>
           <a:prstGeom prst="rect">
             <a:avLst/>
@@ -3347,7 +3347,7 @@
           <a:lstStyle/>
           <a:p>
             <a:pPr algn="ctr"/>
-            <a:endParaRPr lang="en-US" sz="5320" b="0" strike="noStrike" spc="-1">
+            <a:endParaRPr lang="en-US" sz="3990" b="0" strike="noStrike" spc="-1">
               <a:latin typeface="Arial"/>
             </a:endParaRPr>
           </a:p>
@@ -3365,8 +3365,8 @@
         </p:nvSpPr>
         <p:spPr>
           <a:xfrm>
-            <a:off x="609480" y="1604520"/>
-            <a:ext cx="5354280" cy="1896840"/>
+            <a:off x="457110" y="1604520"/>
+            <a:ext cx="4015710" cy="1896840"/>
           </a:xfrm>
           <a:prstGeom prst="rect">
             <a:avLst/>
@@ -3378,7 +3378,7 @@
           </a:bodyPr>
           <a:lstStyle/>
           <a:p>
-            <a:endParaRPr lang="en-US" sz="3870" b="0" strike="noStrike" spc="-1">
+            <a:endParaRPr lang="en-US" sz="2903" b="0" strike="noStrike" spc="-1">
               <a:latin typeface="Arial"/>
             </a:endParaRPr>
           </a:p>
@@ -3396,8 +3396,8 @@
         </p:nvSpPr>
         <p:spPr>
           <a:xfrm>
-            <a:off x="6231960" y="1604520"/>
-            <a:ext cx="5354280" cy="1896840"/>
+            <a:off x="4673970" y="1604520"/>
+            <a:ext cx="4015710" cy="1896840"/>
           </a:xfrm>
           <a:prstGeom prst="rect">
             <a:avLst/>
@@ -3409,7 +3409,7 @@
           </a:bodyPr>
           <a:lstStyle/>
           <a:p>
-            <a:endParaRPr lang="en-US" sz="3870" b="0" strike="noStrike" spc="-1">
+            <a:endParaRPr lang="en-US" sz="2903" b="0" strike="noStrike" spc="-1">
               <a:latin typeface="Arial"/>
             </a:endParaRPr>
           </a:p>
@@ -3427,8 +3427,8 @@
         </p:nvSpPr>
         <p:spPr>
           <a:xfrm>
-            <a:off x="609480" y="3682080"/>
-            <a:ext cx="5354280" cy="1896840"/>
+            <a:off x="457110" y="3682080"/>
+            <a:ext cx="4015710" cy="1896840"/>
           </a:xfrm>
           <a:prstGeom prst="rect">
             <a:avLst/>
@@ -3440,7 +3440,7 @@
           </a:bodyPr>
           <a:lstStyle/>
           <a:p>
-            <a:endParaRPr lang="en-US" sz="3870" b="0" strike="noStrike" spc="-1">
+            <a:endParaRPr lang="en-US" sz="2903" b="0" strike="noStrike" spc="-1">
               <a:latin typeface="Arial"/>
             </a:endParaRPr>
           </a:p>
@@ -3458,8 +3458,8 @@
         </p:nvSpPr>
         <p:spPr>
           <a:xfrm>
-            <a:off x="6231960" y="3682080"/>
-            <a:ext cx="5354280" cy="1896840"/>
+            <a:off x="4673970" y="3682080"/>
+            <a:ext cx="4015710" cy="1896840"/>
           </a:xfrm>
           <a:prstGeom prst="rect">
             <a:avLst/>
@@ -3471,7 +3471,7 @@
           </a:bodyPr>
           <a:lstStyle/>
           <a:p>
-            <a:endParaRPr lang="en-US" sz="3870" b="0" strike="noStrike" spc="-1">
+            <a:endParaRPr lang="en-US" sz="2903" b="0" strike="noStrike" spc="-1">
               <a:latin typeface="Arial"/>
             </a:endParaRPr>
           </a:p>
@@ -3514,8 +3514,8 @@
         </p:nvSpPr>
         <p:spPr>
           <a:xfrm>
-            <a:off x="609480" y="273240"/>
-            <a:ext cx="10972440" cy="1144800"/>
+            <a:off x="457110" y="569347"/>
+            <a:ext cx="8229330" cy="552587"/>
           </a:xfrm>
           <a:prstGeom prst="rect">
             <a:avLst/>
@@ -3528,7 +3528,7 @@
           <a:lstStyle/>
           <a:p>
             <a:pPr algn="ctr"/>
-            <a:endParaRPr lang="en-US" sz="5320" b="0" strike="noStrike" spc="-1">
+            <a:endParaRPr lang="en-US" sz="3990" b="0" strike="noStrike" spc="-1">
               <a:latin typeface="Arial"/>
             </a:endParaRPr>
           </a:p>
@@ -3546,8 +3546,8 @@
         </p:nvSpPr>
         <p:spPr>
           <a:xfrm>
-            <a:off x="609480" y="1604520"/>
-            <a:ext cx="3533040" cy="1896840"/>
+            <a:off x="457110" y="1604520"/>
+            <a:ext cx="2649780" cy="1896840"/>
           </a:xfrm>
           <a:prstGeom prst="rect">
             <a:avLst/>
@@ -3559,7 +3559,7 @@
           </a:bodyPr>
           <a:lstStyle/>
           <a:p>
-            <a:endParaRPr lang="en-US" sz="3870" b="0" strike="noStrike" spc="-1">
+            <a:endParaRPr lang="en-US" sz="2903" b="0" strike="noStrike" spc="-1">
               <a:latin typeface="Arial"/>
             </a:endParaRPr>
           </a:p>
@@ -3577,8 +3577,8 @@
         </p:nvSpPr>
         <p:spPr>
           <a:xfrm>
-            <a:off x="4319640" y="1604520"/>
-            <a:ext cx="3533040" cy="1896840"/>
+            <a:off x="3239730" y="1604520"/>
+            <a:ext cx="2649780" cy="1896840"/>
           </a:xfrm>
           <a:prstGeom prst="rect">
             <a:avLst/>
@@ -3590,7 +3590,7 @@
           </a:bodyPr>
           <a:lstStyle/>
           <a:p>
-            <a:endParaRPr lang="en-US" sz="3870" b="0" strike="noStrike" spc="-1">
+            <a:endParaRPr lang="en-US" sz="2903" b="0" strike="noStrike" spc="-1">
               <a:latin typeface="Arial"/>
             </a:endParaRPr>
           </a:p>
@@ -3608,8 +3608,8 @@
         </p:nvSpPr>
         <p:spPr>
           <a:xfrm>
-            <a:off x="8029800" y="1604520"/>
-            <a:ext cx="3533040" cy="1896840"/>
+            <a:off x="6022350" y="1604520"/>
+            <a:ext cx="2649780" cy="1896840"/>
           </a:xfrm>
           <a:prstGeom prst="rect">
             <a:avLst/>
@@ -3621,7 +3621,7 @@
           </a:bodyPr>
           <a:lstStyle/>
           <a:p>
-            <a:endParaRPr lang="en-US" sz="3870" b="0" strike="noStrike" spc="-1">
+            <a:endParaRPr lang="en-US" sz="2903" b="0" strike="noStrike" spc="-1">
               <a:latin typeface="Arial"/>
             </a:endParaRPr>
           </a:p>
@@ -3639,8 +3639,8 @@
         </p:nvSpPr>
         <p:spPr>
           <a:xfrm>
-            <a:off x="609480" y="3682080"/>
-            <a:ext cx="3533040" cy="1896840"/>
+            <a:off x="457110" y="3682080"/>
+            <a:ext cx="2649780" cy="1896840"/>
           </a:xfrm>
           <a:prstGeom prst="rect">
             <a:avLst/>
@@ -3652,7 +3652,7 @@
           </a:bodyPr>
           <a:lstStyle/>
           <a:p>
-            <a:endParaRPr lang="en-US" sz="3870" b="0" strike="noStrike" spc="-1">
+            <a:endParaRPr lang="en-US" sz="2903" b="0" strike="noStrike" spc="-1">
               <a:latin typeface="Arial"/>
             </a:endParaRPr>
           </a:p>
@@ -3670,8 +3670,8 @@
         </p:nvSpPr>
         <p:spPr>
           <a:xfrm>
-            <a:off x="4319640" y="3682080"/>
-            <a:ext cx="3533040" cy="1896840"/>
+            <a:off x="3239730" y="3682080"/>
+            <a:ext cx="2649780" cy="1896840"/>
           </a:xfrm>
           <a:prstGeom prst="rect">
             <a:avLst/>
@@ -3683,7 +3683,7 @@
           </a:bodyPr>
           <a:lstStyle/>
           <a:p>
-            <a:endParaRPr lang="en-US" sz="3870" b="0" strike="noStrike" spc="-1">
+            <a:endParaRPr lang="en-US" sz="2903" b="0" strike="noStrike" spc="-1">
               <a:latin typeface="Arial"/>
             </a:endParaRPr>
           </a:p>
@@ -3701,8 +3701,8 @@
         </p:nvSpPr>
         <p:spPr>
           <a:xfrm>
-            <a:off x="8029800" y="3682080"/>
-            <a:ext cx="3533040" cy="1896840"/>
+            <a:off x="6022350" y="3682080"/>
+            <a:ext cx="2649780" cy="1896840"/>
           </a:xfrm>
           <a:prstGeom prst="rect">
             <a:avLst/>
@@ -3714,7 +3714,7 @@
           </a:bodyPr>
           <a:lstStyle/>
           <a:p>
-            <a:endParaRPr lang="en-US" sz="3870" b="0" strike="noStrike" spc="-1">
+            <a:endParaRPr lang="en-US" sz="2903" b="0" strike="noStrike" spc="-1">
               <a:latin typeface="Arial"/>
             </a:endParaRPr>
           </a:p>
@@ -3757,8 +3757,8 @@
         </p:nvSpPr>
         <p:spPr>
           <a:xfrm>
-            <a:off x="609480" y="273240"/>
-            <a:ext cx="10972440" cy="1144800"/>
+            <a:off x="457110" y="569347"/>
+            <a:ext cx="8229330" cy="552587"/>
           </a:xfrm>
           <a:prstGeom prst="rect">
             <a:avLst/>
@@ -3771,7 +3771,7 @@
           <a:lstStyle/>
           <a:p>
             <a:pPr algn="ctr"/>
-            <a:endParaRPr lang="en-US" sz="5320" b="0" strike="noStrike" spc="-1">
+            <a:endParaRPr lang="en-US" sz="3990" b="0" strike="noStrike" spc="-1">
               <a:latin typeface="Arial"/>
             </a:endParaRPr>
           </a:p>
@@ -3789,8 +3789,8 @@
         </p:nvSpPr>
         <p:spPr>
           <a:xfrm>
-            <a:off x="609480" y="1604520"/>
-            <a:ext cx="5354280" cy="3977280"/>
+            <a:off x="457110" y="1604520"/>
+            <a:ext cx="4015710" cy="3977280"/>
           </a:xfrm>
           <a:prstGeom prst="rect">
             <a:avLst/>
@@ -3802,7 +3802,7 @@
           </a:bodyPr>
           <a:lstStyle/>
           <a:p>
-            <a:endParaRPr lang="en-US" sz="3870" b="0" strike="noStrike" spc="-1">
+            <a:endParaRPr lang="en-US" sz="2903" b="0" strike="noStrike" spc="-1">
               <a:latin typeface="Arial"/>
             </a:endParaRPr>
           </a:p>
@@ -3820,8 +3820,8 @@
         </p:nvSpPr>
         <p:spPr>
           <a:xfrm>
-            <a:off x="6231960" y="1604520"/>
-            <a:ext cx="5354280" cy="3977280"/>
+            <a:off x="4673970" y="1604520"/>
+            <a:ext cx="4015710" cy="3977280"/>
           </a:xfrm>
           <a:prstGeom prst="rect">
             <a:avLst/>
@@ -3833,7 +3833,7 @@
           </a:bodyPr>
           <a:lstStyle/>
           <a:p>
-            <a:endParaRPr lang="en-US" sz="3870" b="0" strike="noStrike" spc="-1">
+            <a:endParaRPr lang="en-US" sz="2903" b="0" strike="noStrike" spc="-1">
               <a:latin typeface="Arial"/>
             </a:endParaRPr>
           </a:p>
@@ -3876,8 +3876,8 @@
         </p:nvSpPr>
         <p:spPr>
           <a:xfrm>
-            <a:off x="609480" y="273240"/>
-            <a:ext cx="10972440" cy="1144800"/>
+            <a:off x="457110" y="569347"/>
+            <a:ext cx="8229330" cy="552587"/>
           </a:xfrm>
           <a:prstGeom prst="rect">
             <a:avLst/>
@@ -3890,7 +3890,7 @@
           <a:lstStyle/>
           <a:p>
             <a:pPr algn="ctr"/>
-            <a:endParaRPr lang="en-US" sz="5320" b="0" strike="noStrike" spc="-1">
+            <a:endParaRPr lang="en-US" sz="3990" b="0" strike="noStrike" spc="-1">
               <a:latin typeface="Arial"/>
             </a:endParaRPr>
           </a:p>
@@ -3933,8 +3933,8 @@
         </p:nvSpPr>
         <p:spPr>
           <a:xfrm>
-            <a:off x="609480" y="273240"/>
-            <a:ext cx="10972440" cy="5307840"/>
+            <a:off x="457110" y="2760961"/>
+            <a:ext cx="8229330" cy="332399"/>
           </a:xfrm>
           <a:prstGeom prst="rect">
             <a:avLst/>
@@ -3947,7 +3947,7 @@
           <a:lstStyle/>
           <a:p>
             <a:pPr algn="ctr"/>
-            <a:endParaRPr lang="en-US" sz="3200" b="0" strike="noStrike" spc="-1">
+            <a:endParaRPr lang="en-US" sz="2400" b="0" strike="noStrike" spc="-1">
               <a:latin typeface="Arial"/>
             </a:endParaRPr>
           </a:p>
@@ -3990,8 +3990,8 @@
         </p:nvSpPr>
         <p:spPr>
           <a:xfrm>
-            <a:off x="609480" y="273240"/>
-            <a:ext cx="10972440" cy="1144800"/>
+            <a:off x="457110" y="569347"/>
+            <a:ext cx="8229330" cy="552587"/>
           </a:xfrm>
           <a:prstGeom prst="rect">
             <a:avLst/>
@@ -4004,7 +4004,7 @@
           <a:lstStyle/>
           <a:p>
             <a:pPr algn="ctr"/>
-            <a:endParaRPr lang="en-US" sz="5320" b="0" strike="noStrike" spc="-1">
+            <a:endParaRPr lang="en-US" sz="3990" b="0" strike="noStrike" spc="-1">
               <a:latin typeface="Arial"/>
             </a:endParaRPr>
           </a:p>
@@ -4022,8 +4022,8 @@
         </p:nvSpPr>
         <p:spPr>
           <a:xfrm>
-            <a:off x="609480" y="1604520"/>
-            <a:ext cx="5354280" cy="1896840"/>
+            <a:off x="457110" y="1604520"/>
+            <a:ext cx="4015710" cy="1896840"/>
           </a:xfrm>
           <a:prstGeom prst="rect">
             <a:avLst/>
@@ -4035,7 +4035,7 @@
           </a:bodyPr>
           <a:lstStyle/>
           <a:p>
-            <a:endParaRPr lang="en-US" sz="3870" b="0" strike="noStrike" spc="-1">
+            <a:endParaRPr lang="en-US" sz="2903" b="0" strike="noStrike" spc="-1">
               <a:latin typeface="Arial"/>
             </a:endParaRPr>
           </a:p>
@@ -4053,8 +4053,8 @@
         </p:nvSpPr>
         <p:spPr>
           <a:xfrm>
-            <a:off x="6231960" y="1604520"/>
-            <a:ext cx="5354280" cy="3977280"/>
+            <a:off x="4673970" y="1604520"/>
+            <a:ext cx="4015710" cy="3977280"/>
           </a:xfrm>
           <a:prstGeom prst="rect">
             <a:avLst/>
@@ -4066,7 +4066,7 @@
           </a:bodyPr>
           <a:lstStyle/>
           <a:p>
-            <a:endParaRPr lang="en-US" sz="3870" b="0" strike="noStrike" spc="-1">
+            <a:endParaRPr lang="en-US" sz="2903" b="0" strike="noStrike" spc="-1">
               <a:latin typeface="Arial"/>
             </a:endParaRPr>
           </a:p>
@@ -4084,8 +4084,8 @@
         </p:nvSpPr>
         <p:spPr>
           <a:xfrm>
-            <a:off x="609480" y="3682080"/>
-            <a:ext cx="5354280" cy="1896840"/>
+            <a:off x="457110" y="3682080"/>
+            <a:ext cx="4015710" cy="1896840"/>
           </a:xfrm>
           <a:prstGeom prst="rect">
             <a:avLst/>
@@ -4097,7 +4097,7 @@
           </a:bodyPr>
           <a:lstStyle/>
           <a:p>
-            <a:endParaRPr lang="en-US" sz="3870" b="0" strike="noStrike" spc="-1">
+            <a:endParaRPr lang="en-US" sz="2903" b="0" strike="noStrike" spc="-1">
               <a:latin typeface="Arial"/>
             </a:endParaRPr>
           </a:p>
@@ -4140,8 +4140,8 @@
         </p:nvSpPr>
         <p:spPr>
           <a:xfrm>
-            <a:off x="609480" y="273240"/>
-            <a:ext cx="10972440" cy="1144800"/>
+            <a:off x="457110" y="569347"/>
+            <a:ext cx="8229330" cy="552587"/>
           </a:xfrm>
           <a:prstGeom prst="rect">
             <a:avLst/>
@@ -4154,7 +4154,7 @@
           <a:lstStyle/>
           <a:p>
             <a:pPr algn="ctr"/>
-            <a:endParaRPr lang="en-US" sz="5320" b="0" strike="noStrike" spc="-1">
+            <a:endParaRPr lang="en-US" sz="3990" b="0" strike="noStrike" spc="-1">
               <a:latin typeface="Arial"/>
             </a:endParaRPr>
           </a:p>
@@ -4172,8 +4172,8 @@
         </p:nvSpPr>
         <p:spPr>
           <a:xfrm>
-            <a:off x="609480" y="1604520"/>
-            <a:ext cx="5354280" cy="3977280"/>
+            <a:off x="457110" y="1604520"/>
+            <a:ext cx="4015710" cy="3977280"/>
           </a:xfrm>
           <a:prstGeom prst="rect">
             <a:avLst/>
@@ -4185,7 +4185,7 @@
           </a:bodyPr>
           <a:lstStyle/>
           <a:p>
-            <a:endParaRPr lang="en-US" sz="3870" b="0" strike="noStrike" spc="-1">
+            <a:endParaRPr lang="en-US" sz="2903" b="0" strike="noStrike" spc="-1">
               <a:latin typeface="Arial"/>
             </a:endParaRPr>
           </a:p>
@@ -4203,8 +4203,8 @@
         </p:nvSpPr>
         <p:spPr>
           <a:xfrm>
-            <a:off x="6231960" y="1604520"/>
-            <a:ext cx="5354280" cy="1896840"/>
+            <a:off x="4673970" y="1604520"/>
+            <a:ext cx="4015710" cy="1896840"/>
           </a:xfrm>
           <a:prstGeom prst="rect">
             <a:avLst/>
@@ -4216,7 +4216,7 @@
           </a:bodyPr>
           <a:lstStyle/>
           <a:p>
-            <a:endParaRPr lang="en-US" sz="3870" b="0" strike="noStrike" spc="-1">
+            <a:endParaRPr lang="en-US" sz="2903" b="0" strike="noStrike" spc="-1">
               <a:latin typeface="Arial"/>
             </a:endParaRPr>
           </a:p>
@@ -4234,8 +4234,8 @@
         </p:nvSpPr>
         <p:spPr>
           <a:xfrm>
-            <a:off x="6231960" y="3682080"/>
-            <a:ext cx="5354280" cy="1896840"/>
+            <a:off x="4673970" y="3682080"/>
+            <a:ext cx="4015710" cy="1896840"/>
           </a:xfrm>
           <a:prstGeom prst="rect">
             <a:avLst/>
@@ -4247,7 +4247,7 @@
           </a:bodyPr>
           <a:lstStyle/>
           <a:p>
-            <a:endParaRPr lang="en-US" sz="3870" b="0" strike="noStrike" spc="-1">
+            <a:endParaRPr lang="en-US" sz="2903" b="0" strike="noStrike" spc="-1">
               <a:latin typeface="Arial"/>
             </a:endParaRPr>
           </a:p>
@@ -4290,8 +4290,8 @@
         </p:nvSpPr>
         <p:spPr>
           <a:xfrm>
-            <a:off x="609480" y="273240"/>
-            <a:ext cx="10972440" cy="1144800"/>
+            <a:off x="457110" y="569347"/>
+            <a:ext cx="8229330" cy="552587"/>
           </a:xfrm>
           <a:prstGeom prst="rect">
             <a:avLst/>
@@ -4304,7 +4304,7 @@
           <a:lstStyle/>
           <a:p>
             <a:pPr algn="ctr"/>
-            <a:endParaRPr lang="en-US" sz="5320" b="0" strike="noStrike" spc="-1">
+            <a:endParaRPr lang="en-US" sz="3990" b="0" strike="noStrike" spc="-1">
               <a:latin typeface="Arial"/>
             </a:endParaRPr>
           </a:p>
@@ -4322,8 +4322,8 @@
         </p:nvSpPr>
         <p:spPr>
           <a:xfrm>
-            <a:off x="609480" y="1604520"/>
-            <a:ext cx="5354280" cy="1896840"/>
+            <a:off x="457110" y="1604520"/>
+            <a:ext cx="4015710" cy="1896840"/>
           </a:xfrm>
           <a:prstGeom prst="rect">
             <a:avLst/>
@@ -4335,7 +4335,7 @@
           </a:bodyPr>
           <a:lstStyle/>
           <a:p>
-            <a:endParaRPr lang="en-US" sz="3870" b="0" strike="noStrike" spc="-1">
+            <a:endParaRPr lang="en-US" sz="2903" b="0" strike="noStrike" spc="-1">
               <a:latin typeface="Arial"/>
             </a:endParaRPr>
           </a:p>
@@ -4353,8 +4353,8 @@
         </p:nvSpPr>
         <p:spPr>
           <a:xfrm>
-            <a:off x="6231960" y="1604520"/>
-            <a:ext cx="5354280" cy="1896840"/>
+            <a:off x="4673970" y="1604520"/>
+            <a:ext cx="4015710" cy="1896840"/>
           </a:xfrm>
           <a:prstGeom prst="rect">
             <a:avLst/>
@@ -4366,7 +4366,7 @@
           </a:bodyPr>
           <a:lstStyle/>
           <a:p>
-            <a:endParaRPr lang="en-US" sz="3870" b="0" strike="noStrike" spc="-1">
+            <a:endParaRPr lang="en-US" sz="2903" b="0" strike="noStrike" spc="-1">
               <a:latin typeface="Arial"/>
             </a:endParaRPr>
           </a:p>
@@ -4384,8 +4384,8 @@
         </p:nvSpPr>
         <p:spPr>
           <a:xfrm>
-            <a:off x="609480" y="3682080"/>
-            <a:ext cx="10972440" cy="1896840"/>
+            <a:off x="457110" y="3682080"/>
+            <a:ext cx="8229330" cy="1896840"/>
           </a:xfrm>
           <a:prstGeom prst="rect">
             <a:avLst/>
@@ -4397,7 +4397,7 @@
           </a:bodyPr>
           <a:lstStyle/>
           <a:p>
-            <a:endParaRPr lang="en-US" sz="3870" b="0" strike="noStrike" spc="-1">
+            <a:endParaRPr lang="en-US" sz="2903" b="0" strike="noStrike" spc="-1">
               <a:latin typeface="Arial"/>
             </a:endParaRPr>
           </a:p>
@@ -4448,8 +4448,8 @@
         </p:nvSpPr>
         <p:spPr>
           <a:xfrm>
-            <a:off x="1523880" y="1122480"/>
-            <a:ext cx="9143640" cy="2387160"/>
+            <a:off x="1142910" y="1122480"/>
+            <a:ext cx="6857730" cy="2387160"/>
           </a:xfrm>
           <a:prstGeom prst="rect">
             <a:avLst/>
@@ -4467,7 +4467,7 @@
               </a:lnSpc>
             </a:pPr>
             <a:r>
-              <a:rPr lang="en-US" sz="6000" b="0" strike="noStrike" spc="-1">
+              <a:rPr lang="en-US" sz="4500" b="0" strike="noStrike" spc="-1">
                 <a:solidFill>
                   <a:srgbClr val="000000"/>
                 </a:solidFill>
@@ -4475,7 +4475,7 @@
               </a:rPr>
               <a:t>Click to edit Master title style</a:t>
             </a:r>
-            <a:endParaRPr lang="en-US" sz="6000" b="0" strike="noStrike" spc="-1">
+            <a:endParaRPr lang="en-US" sz="4500" b="0" strike="noStrike" spc="-1">
               <a:solidFill>
                 <a:srgbClr val="000000"/>
               </a:solidFill>
@@ -4496,8 +4496,8 @@
         </p:nvSpPr>
         <p:spPr>
           <a:xfrm>
-            <a:off x="838080" y="6356520"/>
-            <a:ext cx="2742840" cy="364680"/>
+            <a:off x="628560" y="6356520"/>
+            <a:ext cx="2057130" cy="364680"/>
           </a:xfrm>
           <a:prstGeom prst="rect">
             <a:avLst/>
@@ -4515,7 +4515,7 @@
               </a:lnSpc>
             </a:pPr>
             <a:fld id="{4C887B19-6779-460C-AD31-A7AF358F9BB7}" type="datetime">
-              <a:rPr lang="en-US" sz="1200" b="0" strike="noStrike" spc="-1">
+              <a:rPr lang="en-US" sz="900" b="0" strike="noStrike" spc="-1">
                 <a:solidFill>
                   <a:srgbClr val="8B8B8B"/>
                 </a:solidFill>
@@ -4523,7 +4523,7 @@
               </a:rPr>
               <a:t>9/5/2019</a:t>
             </a:fld>
-            <a:endParaRPr lang="en-US" sz="1200" b="0" strike="noStrike" spc="-1">
+            <a:endParaRPr lang="en-US" sz="900" b="0" strike="noStrike" spc="-1">
               <a:latin typeface="Times New Roman"/>
             </a:endParaRPr>
           </a:p>
@@ -4541,8 +4541,8 @@
         </p:nvSpPr>
         <p:spPr>
           <a:xfrm>
-            <a:off x="4038480" y="6356520"/>
-            <a:ext cx="4114440" cy="364680"/>
+            <a:off x="3028860" y="6356520"/>
+            <a:ext cx="3085830" cy="364680"/>
           </a:xfrm>
           <a:prstGeom prst="rect">
             <a:avLst/>
@@ -4554,7 +4554,7 @@
           </a:bodyPr>
           <a:lstStyle/>
           <a:p>
-            <a:endParaRPr lang="en-US" sz="2400" b="0" strike="noStrike" spc="-1">
+            <a:endParaRPr lang="en-US" sz="1800" b="0" strike="noStrike" spc="-1">
               <a:latin typeface="Times New Roman"/>
             </a:endParaRPr>
           </a:p>
@@ -4572,8 +4572,8 @@
         </p:nvSpPr>
         <p:spPr>
           <a:xfrm>
-            <a:off x="8610480" y="6356520"/>
-            <a:ext cx="2742840" cy="364680"/>
+            <a:off x="6457860" y="6356520"/>
+            <a:ext cx="2057130" cy="364680"/>
           </a:xfrm>
           <a:prstGeom prst="rect">
             <a:avLst/>
@@ -4591,7 +4591,7 @@
               </a:lnSpc>
             </a:pPr>
             <a:fld id="{59CFA2DD-9BCA-46CD-A65B-82228C0DE368}" type="slidenum">
-              <a:rPr lang="en-US" sz="1200" b="0" strike="noStrike" spc="-1">
+              <a:rPr lang="en-US" sz="900" b="0" strike="noStrike" spc="-1">
                 <a:solidFill>
                   <a:srgbClr val="8B8B8B"/>
                 </a:solidFill>
@@ -4599,7 +4599,7 @@
               </a:rPr>
               <a:t>‹#›</a:t>
             </a:fld>
-            <a:endParaRPr lang="en-US" sz="1200" b="0" strike="noStrike" spc="-1">
+            <a:endParaRPr lang="en-US" sz="900" b="0" strike="noStrike" spc="-1">
               <a:latin typeface="Times New Roman"/>
             </a:endParaRPr>
           </a:p>
@@ -4617,8 +4617,8 @@
         </p:nvSpPr>
         <p:spPr>
           <a:xfrm>
-            <a:off x="609480" y="1604520"/>
-            <a:ext cx="10972440" cy="3977280"/>
+            <a:off x="457110" y="1604520"/>
+            <a:ext cx="8229330" cy="3977280"/>
           </a:xfrm>
           <a:prstGeom prst="rect">
             <a:avLst/>
@@ -4642,7 +4642,7 @@
               <a:buChar char=""/>
             </a:pPr>
             <a:r>
-              <a:rPr lang="en-US" sz="2800" b="0" strike="noStrike" spc="-1">
+              <a:rPr lang="en-US" sz="2100" b="0" strike="noStrike" spc="-1">
                 <a:solidFill>
                   <a:srgbClr val="000000"/>
                 </a:solidFill>
@@ -4652,9 +4652,9 @@
             </a:r>
           </a:p>
           <a:p>
-            <a:pPr marL="864000" lvl="1" indent="-324000">
+            <a:pPr marL="648000" lvl="1" indent="-243000">
               <a:spcBef>
-                <a:spcPts val="1134"/>
+                <a:spcPts val="851"/>
               </a:spcBef>
               <a:buClr>
                 <a:srgbClr val="000000"/>
@@ -4664,7 +4664,7 @@
               <a:buChar char=""/>
             </a:pPr>
             <a:r>
-              <a:rPr lang="en-US" sz="2000" b="0" strike="noStrike" spc="-1">
+              <a:rPr lang="en-US" sz="1500" b="0" strike="noStrike" spc="-1">
                 <a:solidFill>
                   <a:srgbClr val="000000"/>
                 </a:solidFill>
@@ -4674,9 +4674,9 @@
             </a:r>
           </a:p>
           <a:p>
-            <a:pPr marL="1296000" lvl="2" indent="-288000">
+            <a:pPr marL="972000" lvl="2" indent="-216000">
               <a:spcBef>
-                <a:spcPts val="850"/>
+                <a:spcPts val="638"/>
               </a:spcBef>
               <a:buClr>
                 <a:srgbClr val="000000"/>
@@ -4686,7 +4686,7 @@
               <a:buChar char=""/>
             </a:pPr>
             <a:r>
-              <a:rPr lang="en-US" sz="1800" b="0" strike="noStrike" spc="-1">
+              <a:rPr lang="en-US" sz="1350" b="0" strike="noStrike" spc="-1">
                 <a:solidFill>
                   <a:srgbClr val="000000"/>
                 </a:solidFill>
@@ -4696,9 +4696,9 @@
             </a:r>
           </a:p>
           <a:p>
-            <a:pPr marL="1728000" lvl="3" indent="-216000">
+            <a:pPr marL="1296000" lvl="3" indent="-162000">
               <a:spcBef>
-                <a:spcPts val="567"/>
+                <a:spcPts val="425"/>
               </a:spcBef>
               <a:buClr>
                 <a:srgbClr val="000000"/>
@@ -4708,7 +4708,7 @@
               <a:buChar char=""/>
             </a:pPr>
             <a:r>
-              <a:rPr lang="en-US" sz="1800" b="0" strike="noStrike" spc="-1">
+              <a:rPr lang="en-US" sz="1350" b="0" strike="noStrike" spc="-1">
                 <a:solidFill>
                   <a:srgbClr val="000000"/>
                 </a:solidFill>
@@ -4718,9 +4718,9 @@
             </a:r>
           </a:p>
           <a:p>
-            <a:pPr marL="2160000" lvl="4" indent="-216000">
+            <a:pPr marL="1620000" lvl="4" indent="-162000">
               <a:spcBef>
-                <a:spcPts val="283"/>
+                <a:spcPts val="212"/>
               </a:spcBef>
               <a:buClr>
                 <a:srgbClr val="000000"/>
@@ -4730,7 +4730,7 @@
               <a:buChar char=""/>
             </a:pPr>
             <a:r>
-              <a:rPr lang="en-US" sz="2000" b="0" strike="noStrike" spc="-1">
+              <a:rPr lang="en-US" sz="1500" b="0" strike="noStrike" spc="-1">
                 <a:solidFill>
                   <a:srgbClr val="000000"/>
                 </a:solidFill>
@@ -4740,9 +4740,9 @@
             </a:r>
           </a:p>
           <a:p>
-            <a:pPr marL="2592000" lvl="5" indent="-216000">
+            <a:pPr marL="1944000" lvl="5" indent="-162000">
               <a:spcBef>
-                <a:spcPts val="283"/>
+                <a:spcPts val="212"/>
               </a:spcBef>
               <a:buClr>
                 <a:srgbClr val="000000"/>
@@ -4752,7 +4752,7 @@
               <a:buChar char=""/>
             </a:pPr>
             <a:r>
-              <a:rPr lang="en-US" sz="2000" b="0" strike="noStrike" spc="-1">
+              <a:rPr lang="en-US" sz="1500" b="0" strike="noStrike" spc="-1">
                 <a:solidFill>
                   <a:srgbClr val="000000"/>
                 </a:solidFill>
@@ -4762,9 +4762,9 @@
             </a:r>
           </a:p>
           <a:p>
-            <a:pPr marL="3024000" lvl="6" indent="-216000">
+            <a:pPr marL="2268000" lvl="6" indent="-162000">
               <a:spcBef>
-                <a:spcPts val="283"/>
+                <a:spcPts val="212"/>
               </a:spcBef>
               <a:buClr>
                 <a:srgbClr val="000000"/>
@@ -4774,7 +4774,7 @@
               <a:buChar char=""/>
             </a:pPr>
             <a:r>
-              <a:rPr lang="en-US" sz="2000" b="0" strike="noStrike" spc="-1">
+              <a:rPr lang="en-US" sz="1500" b="0" strike="noStrike" spc="-1">
                 <a:solidFill>
                   <a:srgbClr val="000000"/>
                 </a:solidFill>
@@ -4804,7 +4804,7 @@
   </p:sldLayoutIdLst>
   <p:txStyles>
     <p:titleStyle>
-      <a:lvl1pPr algn="l" defTabSz="914400" rtl="0" eaLnBrk="1" latinLnBrk="0" hangingPunct="1">
+      <a:lvl1pPr algn="l" defTabSz="685800" rtl="0" eaLnBrk="1" latinLnBrk="0" hangingPunct="1">
         <a:lnSpc>
           <a:spcPct val="90000"/>
         </a:lnSpc>
@@ -4812,7 +4812,7 @@
           <a:spcPct val="0"/>
         </a:spcBef>
         <a:buNone/>
-        <a:defRPr sz="4400" kern="1200">
+        <a:defRPr sz="3300" kern="1200">
           <a:solidFill>
             <a:schemeClr val="tx1"/>
           </a:solidFill>
@@ -4823,16 +4823,20 @@
       </a:lvl1pPr>
     </p:titleStyle>
     <p:bodyStyle>
-      <a:lvl1pPr marL="228600" indent="-228600" algn="l" defTabSz="914400" rtl="0" eaLnBrk="1" latinLnBrk="0" hangingPunct="1">
+      <a:lvl1pPr marL="324000" indent="-243000" algn="l" defTabSz="685800" rtl="0" eaLnBrk="1" latinLnBrk="0" hangingPunct="1">
         <a:lnSpc>
           <a:spcPct val="90000"/>
         </a:lnSpc>
         <a:spcBef>
-          <a:spcPts val="1000"/>
+          <a:spcPts val="1063"/>
         </a:spcBef>
-        <a:buFont typeface="Arial" panose="020B0604020202020204" pitchFamily="34" charset="0"/>
-        <a:buChar char="•"/>
-        <a:defRPr sz="2800" kern="1200">
+        <a:buClr>
+          <a:srgbClr val="000000"/>
+        </a:buClr>
+        <a:buSzPct val="45000"/>
+        <a:buFont typeface="Wingdings" charset="2"/>
+        <a:buChar char=""/>
+        <a:defRPr sz="2100" kern="1200">
           <a:solidFill>
             <a:schemeClr val="tx1"/>
           </a:solidFill>
@@ -4841,48 +4845,12 @@
           <a:cs typeface="+mn-cs"/>
         </a:defRPr>
       </a:lvl1pPr>
-      <a:lvl2pPr marL="685800" indent="-228600" algn="l" defTabSz="914400" rtl="0" eaLnBrk="1" latinLnBrk="0" hangingPunct="1">
+      <a:lvl2pPr marL="514350" indent="-171450" algn="l" defTabSz="685800" rtl="0" eaLnBrk="1" latinLnBrk="0" hangingPunct="1">
         <a:lnSpc>
           <a:spcPct val="90000"/>
         </a:lnSpc>
         <a:spcBef>
-          <a:spcPts val="500"/>
-        </a:spcBef>
-        <a:buFont typeface="Arial" panose="020B0604020202020204" pitchFamily="34" charset="0"/>
-        <a:buChar char="•"/>
-        <a:defRPr sz="2400" kern="1200">
-          <a:solidFill>
-            <a:schemeClr val="tx1"/>
-          </a:solidFill>
-          <a:latin typeface="+mn-lt"/>
-          <a:ea typeface="+mn-ea"/>
-          <a:cs typeface="+mn-cs"/>
-        </a:defRPr>
-      </a:lvl2pPr>
-      <a:lvl3pPr marL="1143000" indent="-228600" algn="l" defTabSz="914400" rtl="0" eaLnBrk="1" latinLnBrk="0" hangingPunct="1">
-        <a:lnSpc>
-          <a:spcPct val="90000"/>
-        </a:lnSpc>
-        <a:spcBef>
-          <a:spcPts val="500"/>
-        </a:spcBef>
-        <a:buFont typeface="Arial" panose="020B0604020202020204" pitchFamily="34" charset="0"/>
-        <a:buChar char="•"/>
-        <a:defRPr sz="2000" kern="1200">
-          <a:solidFill>
-            <a:schemeClr val="tx1"/>
-          </a:solidFill>
-          <a:latin typeface="+mn-lt"/>
-          <a:ea typeface="+mn-ea"/>
-          <a:cs typeface="+mn-cs"/>
-        </a:defRPr>
-      </a:lvl3pPr>
-      <a:lvl4pPr marL="1600200" indent="-228600" algn="l" defTabSz="914400" rtl="0" eaLnBrk="1" latinLnBrk="0" hangingPunct="1">
-        <a:lnSpc>
-          <a:spcPct val="90000"/>
-        </a:lnSpc>
-        <a:spcBef>
-          <a:spcPts val="500"/>
+          <a:spcPts val="375"/>
         </a:spcBef>
         <a:buFont typeface="Arial" panose="020B0604020202020204" pitchFamily="34" charset="0"/>
         <a:buChar char="•"/>
@@ -4894,17 +4862,53 @@
           <a:ea typeface="+mn-ea"/>
           <a:cs typeface="+mn-cs"/>
         </a:defRPr>
-      </a:lvl4pPr>
-      <a:lvl5pPr marL="2057400" indent="-228600" algn="l" defTabSz="914400" rtl="0" eaLnBrk="1" latinLnBrk="0" hangingPunct="1">
+      </a:lvl2pPr>
+      <a:lvl3pPr marL="857250" indent="-171450" algn="l" defTabSz="685800" rtl="0" eaLnBrk="1" latinLnBrk="0" hangingPunct="1">
         <a:lnSpc>
           <a:spcPct val="90000"/>
         </a:lnSpc>
         <a:spcBef>
-          <a:spcPts val="500"/>
+          <a:spcPts val="375"/>
         </a:spcBef>
         <a:buFont typeface="Arial" panose="020B0604020202020204" pitchFamily="34" charset="0"/>
         <a:buChar char="•"/>
-        <a:defRPr sz="1800" kern="1200">
+        <a:defRPr sz="1500" kern="1200">
+          <a:solidFill>
+            <a:schemeClr val="tx1"/>
+          </a:solidFill>
+          <a:latin typeface="+mn-lt"/>
+          <a:ea typeface="+mn-ea"/>
+          <a:cs typeface="+mn-cs"/>
+        </a:defRPr>
+      </a:lvl3pPr>
+      <a:lvl4pPr marL="1200150" indent="-171450" algn="l" defTabSz="685800" rtl="0" eaLnBrk="1" latinLnBrk="0" hangingPunct="1">
+        <a:lnSpc>
+          <a:spcPct val="90000"/>
+        </a:lnSpc>
+        <a:spcBef>
+          <a:spcPts val="375"/>
+        </a:spcBef>
+        <a:buFont typeface="Arial" panose="020B0604020202020204" pitchFamily="34" charset="0"/>
+        <a:buChar char="•"/>
+        <a:defRPr sz="1350" kern="1200">
+          <a:solidFill>
+            <a:schemeClr val="tx1"/>
+          </a:solidFill>
+          <a:latin typeface="+mn-lt"/>
+          <a:ea typeface="+mn-ea"/>
+          <a:cs typeface="+mn-cs"/>
+        </a:defRPr>
+      </a:lvl4pPr>
+      <a:lvl5pPr marL="1543050" indent="-171450" algn="l" defTabSz="685800" rtl="0" eaLnBrk="1" latinLnBrk="0" hangingPunct="1">
+        <a:lnSpc>
+          <a:spcPct val="90000"/>
+        </a:lnSpc>
+        <a:spcBef>
+          <a:spcPts val="375"/>
+        </a:spcBef>
+        <a:buFont typeface="Arial" panose="020B0604020202020204" pitchFamily="34" charset="0"/>
+        <a:buChar char="•"/>
+        <a:defRPr sz="1350" kern="1200">
           <a:solidFill>
             <a:schemeClr val="tx1"/>
           </a:solidFill>
@@ -4913,16 +4917,16 @@
           <a:cs typeface="+mn-cs"/>
         </a:defRPr>
       </a:lvl5pPr>
-      <a:lvl6pPr marL="2514600" indent="-228600" algn="l" defTabSz="914400" rtl="0" eaLnBrk="1" latinLnBrk="0" hangingPunct="1">
+      <a:lvl6pPr marL="1885950" indent="-171450" algn="l" defTabSz="685800" rtl="0" eaLnBrk="1" latinLnBrk="0" hangingPunct="1">
         <a:lnSpc>
           <a:spcPct val="90000"/>
         </a:lnSpc>
         <a:spcBef>
-          <a:spcPts val="500"/>
+          <a:spcPts val="375"/>
         </a:spcBef>
         <a:buFont typeface="Arial" panose="020B0604020202020204" pitchFamily="34" charset="0"/>
         <a:buChar char="•"/>
-        <a:defRPr sz="1800" kern="1200">
+        <a:defRPr sz="1350" kern="1200">
           <a:solidFill>
             <a:schemeClr val="tx1"/>
           </a:solidFill>
@@ -4931,16 +4935,16 @@
           <a:cs typeface="+mn-cs"/>
         </a:defRPr>
       </a:lvl6pPr>
-      <a:lvl7pPr marL="2971800" indent="-228600" algn="l" defTabSz="914400" rtl="0" eaLnBrk="1" latinLnBrk="0" hangingPunct="1">
+      <a:lvl7pPr marL="2228850" indent="-171450" algn="l" defTabSz="685800" rtl="0" eaLnBrk="1" latinLnBrk="0" hangingPunct="1">
         <a:lnSpc>
           <a:spcPct val="90000"/>
         </a:lnSpc>
         <a:spcBef>
-          <a:spcPts val="500"/>
+          <a:spcPts val="375"/>
         </a:spcBef>
         <a:buFont typeface="Arial" panose="020B0604020202020204" pitchFamily="34" charset="0"/>
         <a:buChar char="•"/>
-        <a:defRPr sz="1800" kern="1200">
+        <a:defRPr sz="1350" kern="1200">
           <a:solidFill>
             <a:schemeClr val="tx1"/>
           </a:solidFill>
@@ -4949,16 +4953,16 @@
           <a:cs typeface="+mn-cs"/>
         </a:defRPr>
       </a:lvl7pPr>
-      <a:lvl8pPr marL="3429000" indent="-228600" algn="l" defTabSz="914400" rtl="0" eaLnBrk="1" latinLnBrk="0" hangingPunct="1">
+      <a:lvl8pPr marL="2571750" indent="-171450" algn="l" defTabSz="685800" rtl="0" eaLnBrk="1" latinLnBrk="0" hangingPunct="1">
         <a:lnSpc>
           <a:spcPct val="90000"/>
         </a:lnSpc>
         <a:spcBef>
-          <a:spcPts val="500"/>
+          <a:spcPts val="375"/>
         </a:spcBef>
         <a:buFont typeface="Arial" panose="020B0604020202020204" pitchFamily="34" charset="0"/>
         <a:buChar char="•"/>
-        <a:defRPr sz="1800" kern="1200">
+        <a:defRPr sz="1350" kern="1200">
           <a:solidFill>
             <a:schemeClr val="tx1"/>
           </a:solidFill>
@@ -4967,16 +4971,16 @@
           <a:cs typeface="+mn-cs"/>
         </a:defRPr>
       </a:lvl8pPr>
-      <a:lvl9pPr marL="3886200" indent="-228600" algn="l" defTabSz="914400" rtl="0" eaLnBrk="1" latinLnBrk="0" hangingPunct="1">
+      <a:lvl9pPr marL="2914650" indent="-171450" algn="l" defTabSz="685800" rtl="0" eaLnBrk="1" latinLnBrk="0" hangingPunct="1">
         <a:lnSpc>
           <a:spcPct val="90000"/>
         </a:lnSpc>
         <a:spcBef>
-          <a:spcPts val="500"/>
+          <a:spcPts val="375"/>
         </a:spcBef>
         <a:buFont typeface="Arial" panose="020B0604020202020204" pitchFamily="34" charset="0"/>
         <a:buChar char="•"/>
-        <a:defRPr sz="1800" kern="1200">
+        <a:defRPr sz="1350" kern="1200">
           <a:solidFill>
             <a:schemeClr val="tx1"/>
           </a:solidFill>
@@ -4990,8 +4994,8 @@
       <a:defPPr>
         <a:defRPr lang="en-US"/>
       </a:defPPr>
-      <a:lvl1pPr marL="0" algn="l" defTabSz="914400" rtl="0" eaLnBrk="1" latinLnBrk="0" hangingPunct="1">
-        <a:defRPr sz="1800" kern="1200">
+      <a:lvl1pPr marL="0" algn="l" defTabSz="685800" rtl="0" eaLnBrk="1" latinLnBrk="0" hangingPunct="1">
+        <a:defRPr sz="1350" kern="1200">
           <a:solidFill>
             <a:schemeClr val="tx1"/>
           </a:solidFill>
@@ -5000,8 +5004,8 @@
           <a:cs typeface="+mn-cs"/>
         </a:defRPr>
       </a:lvl1pPr>
-      <a:lvl2pPr marL="457200" algn="l" defTabSz="914400" rtl="0" eaLnBrk="1" latinLnBrk="0" hangingPunct="1">
-        <a:defRPr sz="1800" kern="1200">
+      <a:lvl2pPr marL="342900" algn="l" defTabSz="685800" rtl="0" eaLnBrk="1" latinLnBrk="0" hangingPunct="1">
+        <a:defRPr sz="1350" kern="1200">
           <a:solidFill>
             <a:schemeClr val="tx1"/>
           </a:solidFill>
@@ -5010,8 +5014,8 @@
           <a:cs typeface="+mn-cs"/>
         </a:defRPr>
       </a:lvl2pPr>
-      <a:lvl3pPr marL="914400" algn="l" defTabSz="914400" rtl="0" eaLnBrk="1" latinLnBrk="0" hangingPunct="1">
-        <a:defRPr sz="1800" kern="1200">
+      <a:lvl3pPr marL="685800" algn="l" defTabSz="685800" rtl="0" eaLnBrk="1" latinLnBrk="0" hangingPunct="1">
+        <a:defRPr sz="1350" kern="1200">
           <a:solidFill>
             <a:schemeClr val="tx1"/>
           </a:solidFill>
@@ -5020,8 +5024,8 @@
           <a:cs typeface="+mn-cs"/>
         </a:defRPr>
       </a:lvl3pPr>
-      <a:lvl4pPr marL="1371600" algn="l" defTabSz="914400" rtl="0" eaLnBrk="1" latinLnBrk="0" hangingPunct="1">
-        <a:defRPr sz="1800" kern="1200">
+      <a:lvl4pPr marL="1028700" algn="l" defTabSz="685800" rtl="0" eaLnBrk="1" latinLnBrk="0" hangingPunct="1">
+        <a:defRPr sz="1350" kern="1200">
           <a:solidFill>
             <a:schemeClr val="tx1"/>
           </a:solidFill>
@@ -5030,8 +5034,8 @@
           <a:cs typeface="+mn-cs"/>
         </a:defRPr>
       </a:lvl4pPr>
-      <a:lvl5pPr marL="1828800" algn="l" defTabSz="914400" rtl="0" eaLnBrk="1" latinLnBrk="0" hangingPunct="1">
-        <a:defRPr sz="1800" kern="1200">
+      <a:lvl5pPr marL="1371600" algn="l" defTabSz="685800" rtl="0" eaLnBrk="1" latinLnBrk="0" hangingPunct="1">
+        <a:defRPr sz="1350" kern="1200">
           <a:solidFill>
             <a:schemeClr val="tx1"/>
           </a:solidFill>
@@ -5040,8 +5044,8 @@
           <a:cs typeface="+mn-cs"/>
         </a:defRPr>
       </a:lvl5pPr>
-      <a:lvl6pPr marL="2286000" algn="l" defTabSz="914400" rtl="0" eaLnBrk="1" latinLnBrk="0" hangingPunct="1">
-        <a:defRPr sz="1800" kern="1200">
+      <a:lvl6pPr marL="1714500" algn="l" defTabSz="685800" rtl="0" eaLnBrk="1" latinLnBrk="0" hangingPunct="1">
+        <a:defRPr sz="1350" kern="1200">
           <a:solidFill>
             <a:schemeClr val="tx1"/>
           </a:solidFill>
@@ -5050,8 +5054,8 @@
           <a:cs typeface="+mn-cs"/>
         </a:defRPr>
       </a:lvl6pPr>
-      <a:lvl7pPr marL="2743200" algn="l" defTabSz="914400" rtl="0" eaLnBrk="1" latinLnBrk="0" hangingPunct="1">
-        <a:defRPr sz="1800" kern="1200">
+      <a:lvl7pPr marL="2057400" algn="l" defTabSz="685800" rtl="0" eaLnBrk="1" latinLnBrk="0" hangingPunct="1">
+        <a:defRPr sz="1350" kern="1200">
           <a:solidFill>
             <a:schemeClr val="tx1"/>
           </a:solidFill>
@@ -5060,8 +5064,8 @@
           <a:cs typeface="+mn-cs"/>
         </a:defRPr>
       </a:lvl7pPr>
-      <a:lvl8pPr marL="3200400" algn="l" defTabSz="914400" rtl="0" eaLnBrk="1" latinLnBrk="0" hangingPunct="1">
-        <a:defRPr sz="1800" kern="1200">
+      <a:lvl8pPr marL="2400300" algn="l" defTabSz="685800" rtl="0" eaLnBrk="1" latinLnBrk="0" hangingPunct="1">
+        <a:defRPr sz="1350" kern="1200">
           <a:solidFill>
             <a:schemeClr val="tx1"/>
           </a:solidFill>
@@ -5070,8 +5074,8 @@
           <a:cs typeface="+mn-cs"/>
         </a:defRPr>
       </a:lvl8pPr>
-      <a:lvl9pPr marL="3657600" algn="l" defTabSz="914400" rtl="0" eaLnBrk="1" latinLnBrk="0" hangingPunct="1">
-        <a:defRPr sz="1800" kern="1200">
+      <a:lvl9pPr marL="2743200" algn="l" defTabSz="685800" rtl="0" eaLnBrk="1" latinLnBrk="0" hangingPunct="1">
+        <a:defRPr sz="1350" kern="1200">
           <a:solidFill>
             <a:schemeClr val="tx1"/>
           </a:solidFill>
@@ -5122,8 +5126,8 @@
         </p:nvSpPr>
         <p:spPr>
           <a:xfrm>
-            <a:off x="838080" y="365040"/>
-            <a:ext cx="10515240" cy="1325160"/>
+            <a:off x="628560" y="365040"/>
+            <a:ext cx="7886430" cy="1325160"/>
           </a:xfrm>
           <a:prstGeom prst="rect">
             <a:avLst/>
@@ -5141,7 +5145,7 @@
               </a:lnSpc>
             </a:pPr>
             <a:r>
-              <a:rPr lang="en-US" sz="4400" b="0" strike="noStrike" spc="-1">
+              <a:rPr lang="en-US" sz="3300" b="0" strike="noStrike" spc="-1">
                 <a:solidFill>
                   <a:srgbClr val="000000"/>
                 </a:solidFill>
@@ -5149,7 +5153,7 @@
               </a:rPr>
               <a:t>Click to edit Master title style</a:t>
             </a:r>
-            <a:endParaRPr lang="en-US" sz="4400" b="0" strike="noStrike" spc="-1">
+            <a:endParaRPr lang="en-US" sz="3300" b="0" strike="noStrike" spc="-1">
               <a:solidFill>
                 <a:srgbClr val="000000"/>
               </a:solidFill>
@@ -5170,8 +5174,8 @@
         </p:nvSpPr>
         <p:spPr>
           <a:xfrm>
-            <a:off x="838080" y="1825560"/>
-            <a:ext cx="10515240" cy="4350960"/>
+            <a:off x="628560" y="1825560"/>
+            <a:ext cx="7886430" cy="4350960"/>
           </a:xfrm>
           <a:prstGeom prst="rect">
             <a:avLst/>
@@ -5197,7 +5201,7 @@
               <a:buChar char="•"/>
             </a:pPr>
             <a:r>
-              <a:rPr lang="en-US" sz="2800" b="0" strike="noStrike" spc="-1">
+              <a:rPr lang="en-US" sz="2100" b="0" strike="noStrike" spc="-1">
                 <a:solidFill>
                   <a:srgbClr val="000000"/>
                 </a:solidFill>
@@ -5207,60 +5211,12 @@
             </a:r>
           </a:p>
           <a:p>
-            <a:pPr marL="685800" lvl="1" indent="-228240">
+            <a:pPr marL="514350" lvl="1" indent="-171180">
               <a:lnSpc>
                 <a:spcPct val="90000"/>
               </a:lnSpc>
               <a:spcBef>
-                <a:spcPts val="499"/>
-              </a:spcBef>
-              <a:buClr>
-                <a:srgbClr val="000000"/>
-              </a:buClr>
-              <a:buFont typeface="Arial"/>
-              <a:buChar char="•"/>
-            </a:pPr>
-            <a:r>
-              <a:rPr lang="en-US" sz="2400" b="0" strike="noStrike" spc="-1">
-                <a:solidFill>
-                  <a:srgbClr val="000000"/>
-                </a:solidFill>
-                <a:latin typeface="Calibri"/>
-              </a:rPr>
-              <a:t>Second level</a:t>
-            </a:r>
-          </a:p>
-          <a:p>
-            <a:pPr marL="1143000" lvl="2" indent="-228240">
-              <a:lnSpc>
-                <a:spcPct val="90000"/>
-              </a:lnSpc>
-              <a:spcBef>
-                <a:spcPts val="499"/>
-              </a:spcBef>
-              <a:buClr>
-                <a:srgbClr val="000000"/>
-              </a:buClr>
-              <a:buFont typeface="Arial"/>
-              <a:buChar char="•"/>
-            </a:pPr>
-            <a:r>
-              <a:rPr lang="en-US" sz="2000" b="0" strike="noStrike" spc="-1">
-                <a:solidFill>
-                  <a:srgbClr val="000000"/>
-                </a:solidFill>
-                <a:latin typeface="Calibri"/>
-              </a:rPr>
-              <a:t>Third level</a:t>
-            </a:r>
-          </a:p>
-          <a:p>
-            <a:pPr marL="1600200" lvl="3" indent="-228240">
-              <a:lnSpc>
-                <a:spcPct val="90000"/>
-              </a:lnSpc>
-              <a:spcBef>
-                <a:spcPts val="499"/>
+                <a:spcPts val="374"/>
               </a:spcBef>
               <a:buClr>
                 <a:srgbClr val="000000"/>
@@ -5275,16 +5231,16 @@
                 </a:solidFill>
                 <a:latin typeface="Calibri"/>
               </a:rPr>
-              <a:t>Fourth level</a:t>
+              <a:t>Second level</a:t>
             </a:r>
           </a:p>
           <a:p>
-            <a:pPr marL="2057400" lvl="4" indent="-228240">
+            <a:pPr marL="857250" lvl="2" indent="-171180">
               <a:lnSpc>
                 <a:spcPct val="90000"/>
               </a:lnSpc>
               <a:spcBef>
-                <a:spcPts val="499"/>
+                <a:spcPts val="374"/>
               </a:spcBef>
               <a:buClr>
                 <a:srgbClr val="000000"/>
@@ -5293,7 +5249,55 @@
               <a:buChar char="•"/>
             </a:pPr>
             <a:r>
-              <a:rPr lang="en-US" sz="1800" b="0" strike="noStrike" spc="-1">
+              <a:rPr lang="en-US" sz="1500" b="0" strike="noStrike" spc="-1">
+                <a:solidFill>
+                  <a:srgbClr val="000000"/>
+                </a:solidFill>
+                <a:latin typeface="Calibri"/>
+              </a:rPr>
+              <a:t>Third level</a:t>
+            </a:r>
+          </a:p>
+          <a:p>
+            <a:pPr marL="1200150" lvl="3" indent="-171180">
+              <a:lnSpc>
+                <a:spcPct val="90000"/>
+              </a:lnSpc>
+              <a:spcBef>
+                <a:spcPts val="374"/>
+              </a:spcBef>
+              <a:buClr>
+                <a:srgbClr val="000000"/>
+              </a:buClr>
+              <a:buFont typeface="Arial"/>
+              <a:buChar char="•"/>
+            </a:pPr>
+            <a:r>
+              <a:rPr lang="en-US" sz="1350" b="0" strike="noStrike" spc="-1">
+                <a:solidFill>
+                  <a:srgbClr val="000000"/>
+                </a:solidFill>
+                <a:latin typeface="Calibri"/>
+              </a:rPr>
+              <a:t>Fourth level</a:t>
+            </a:r>
+          </a:p>
+          <a:p>
+            <a:pPr marL="1543050" lvl="4" indent="-171180">
+              <a:lnSpc>
+                <a:spcPct val="90000"/>
+              </a:lnSpc>
+              <a:spcBef>
+                <a:spcPts val="374"/>
+              </a:spcBef>
+              <a:buClr>
+                <a:srgbClr val="000000"/>
+              </a:buClr>
+              <a:buFont typeface="Arial"/>
+              <a:buChar char="•"/>
+            </a:pPr>
+            <a:r>
+              <a:rPr lang="en-US" sz="1350" b="0" strike="noStrike" spc="-1">
                 <a:solidFill>
                   <a:srgbClr val="000000"/>
                 </a:solidFill>
@@ -5316,8 +5320,8 @@
         </p:nvSpPr>
         <p:spPr>
           <a:xfrm>
-            <a:off x="838080" y="6356520"/>
-            <a:ext cx="2742840" cy="364680"/>
+            <a:off x="628560" y="6356520"/>
+            <a:ext cx="2057130" cy="364680"/>
           </a:xfrm>
           <a:prstGeom prst="rect">
             <a:avLst/>
@@ -5335,7 +5339,7 @@
               </a:lnSpc>
             </a:pPr>
             <a:fld id="{78D2BFA2-8C7C-4ACF-ABFC-BE564C8CDC6F}" type="datetime">
-              <a:rPr lang="en-US" sz="1200" b="0" strike="noStrike" spc="-1">
+              <a:rPr lang="en-US" sz="900" b="0" strike="noStrike" spc="-1">
                 <a:solidFill>
                   <a:srgbClr val="8B8B8B"/>
                 </a:solidFill>
@@ -5343,7 +5347,7 @@
               </a:rPr>
               <a:t>9/5/2019</a:t>
             </a:fld>
-            <a:endParaRPr lang="en-US" sz="1200" b="0" strike="noStrike" spc="-1">
+            <a:endParaRPr lang="en-US" sz="900" b="0" strike="noStrike" spc="-1">
               <a:latin typeface="Times New Roman"/>
             </a:endParaRPr>
           </a:p>
@@ -5361,8 +5365,8 @@
         </p:nvSpPr>
         <p:spPr>
           <a:xfrm>
-            <a:off x="4038480" y="6356520"/>
-            <a:ext cx="4114440" cy="364680"/>
+            <a:off x="3028860" y="6356520"/>
+            <a:ext cx="3085830" cy="364680"/>
           </a:xfrm>
           <a:prstGeom prst="rect">
             <a:avLst/>
@@ -5374,7 +5378,7 @@
           </a:bodyPr>
           <a:lstStyle/>
           <a:p>
-            <a:endParaRPr lang="en-US" sz="2400" b="0" strike="noStrike" spc="-1">
+            <a:endParaRPr lang="en-US" sz="1800" b="0" strike="noStrike" spc="-1">
               <a:latin typeface="Times New Roman"/>
             </a:endParaRPr>
           </a:p>
@@ -5392,8 +5396,8 @@
         </p:nvSpPr>
         <p:spPr>
           <a:xfrm>
-            <a:off x="8610480" y="6356520"/>
-            <a:ext cx="2742840" cy="364680"/>
+            <a:off x="6457860" y="6356520"/>
+            <a:ext cx="2057130" cy="364680"/>
           </a:xfrm>
           <a:prstGeom prst="rect">
             <a:avLst/>
@@ -5411,7 +5415,7 @@
               </a:lnSpc>
             </a:pPr>
             <a:fld id="{678B3078-7B52-455F-89CC-D1A37495D77A}" type="slidenum">
-              <a:rPr lang="en-US" sz="1200" b="0" strike="noStrike" spc="-1">
+              <a:rPr lang="en-US" sz="900" b="0" strike="noStrike" spc="-1">
                 <a:solidFill>
                   <a:srgbClr val="8B8B8B"/>
                 </a:solidFill>
@@ -5419,7 +5423,7 @@
               </a:rPr>
               <a:t>‹#›</a:t>
             </a:fld>
-            <a:endParaRPr lang="en-US" sz="1200" b="0" strike="noStrike" spc="-1">
+            <a:endParaRPr lang="en-US" sz="900" b="0" strike="noStrike" spc="-1">
               <a:latin typeface="Times New Roman"/>
             </a:endParaRPr>
           </a:p>
@@ -5444,7 +5448,7 @@
   </p:sldLayoutIdLst>
   <p:txStyles>
     <p:titleStyle>
-      <a:lvl1pPr algn="l" defTabSz="914400" rtl="0" eaLnBrk="1" latinLnBrk="0" hangingPunct="1">
+      <a:lvl1pPr algn="l" defTabSz="685800" rtl="0" eaLnBrk="1" latinLnBrk="0" hangingPunct="1">
         <a:lnSpc>
           <a:spcPct val="90000"/>
         </a:lnSpc>
@@ -5452,7 +5456,7 @@
           <a:spcPct val="0"/>
         </a:spcBef>
         <a:buNone/>
-        <a:defRPr sz="4400" kern="1200">
+        <a:defRPr sz="3300" kern="1200">
           <a:solidFill>
             <a:schemeClr val="tx1"/>
           </a:solidFill>
@@ -5463,16 +5467,19 @@
       </a:lvl1pPr>
     </p:titleStyle>
     <p:bodyStyle>
-      <a:lvl1pPr marL="228600" indent="-228600" algn="l" defTabSz="914400" rtl="0" eaLnBrk="1" latinLnBrk="0" hangingPunct="1">
+      <a:lvl1pPr marL="171450" indent="-171180" algn="l" defTabSz="685800" rtl="0" eaLnBrk="1" latinLnBrk="0" hangingPunct="1">
         <a:lnSpc>
           <a:spcPct val="90000"/>
         </a:lnSpc>
         <a:spcBef>
-          <a:spcPts val="1000"/>
+          <a:spcPts val="751"/>
         </a:spcBef>
-        <a:buFont typeface="Arial" panose="020B0604020202020204" pitchFamily="34" charset="0"/>
+        <a:buClr>
+          <a:srgbClr val="000000"/>
+        </a:buClr>
+        <a:buFont typeface="Arial"/>
         <a:buChar char="•"/>
-        <a:defRPr sz="2800" kern="1200">
+        <a:defRPr sz="2100" kern="1200">
           <a:solidFill>
             <a:schemeClr val="tx1"/>
           </a:solidFill>
@@ -5481,48 +5488,12 @@
           <a:cs typeface="+mn-cs"/>
         </a:defRPr>
       </a:lvl1pPr>
-      <a:lvl2pPr marL="685800" indent="-228600" algn="l" defTabSz="914400" rtl="0" eaLnBrk="1" latinLnBrk="0" hangingPunct="1">
+      <a:lvl2pPr marL="514350" indent="-171450" algn="l" defTabSz="685800" rtl="0" eaLnBrk="1" latinLnBrk="0" hangingPunct="1">
         <a:lnSpc>
           <a:spcPct val="90000"/>
         </a:lnSpc>
         <a:spcBef>
-          <a:spcPts val="500"/>
-        </a:spcBef>
-        <a:buFont typeface="Arial" panose="020B0604020202020204" pitchFamily="34" charset="0"/>
-        <a:buChar char="•"/>
-        <a:defRPr sz="2400" kern="1200">
-          <a:solidFill>
-            <a:schemeClr val="tx1"/>
-          </a:solidFill>
-          <a:latin typeface="+mn-lt"/>
-          <a:ea typeface="+mn-ea"/>
-          <a:cs typeface="+mn-cs"/>
-        </a:defRPr>
-      </a:lvl2pPr>
-      <a:lvl3pPr marL="1143000" indent="-228600" algn="l" defTabSz="914400" rtl="0" eaLnBrk="1" latinLnBrk="0" hangingPunct="1">
-        <a:lnSpc>
-          <a:spcPct val="90000"/>
-        </a:lnSpc>
-        <a:spcBef>
-          <a:spcPts val="500"/>
-        </a:spcBef>
-        <a:buFont typeface="Arial" panose="020B0604020202020204" pitchFamily="34" charset="0"/>
-        <a:buChar char="•"/>
-        <a:defRPr sz="2000" kern="1200">
-          <a:solidFill>
-            <a:schemeClr val="tx1"/>
-          </a:solidFill>
-          <a:latin typeface="+mn-lt"/>
-          <a:ea typeface="+mn-ea"/>
-          <a:cs typeface="+mn-cs"/>
-        </a:defRPr>
-      </a:lvl3pPr>
-      <a:lvl4pPr marL="1600200" indent="-228600" algn="l" defTabSz="914400" rtl="0" eaLnBrk="1" latinLnBrk="0" hangingPunct="1">
-        <a:lnSpc>
-          <a:spcPct val="90000"/>
-        </a:lnSpc>
-        <a:spcBef>
-          <a:spcPts val="500"/>
+          <a:spcPts val="375"/>
         </a:spcBef>
         <a:buFont typeface="Arial" panose="020B0604020202020204" pitchFamily="34" charset="0"/>
         <a:buChar char="•"/>
@@ -5534,17 +5505,53 @@
           <a:ea typeface="+mn-ea"/>
           <a:cs typeface="+mn-cs"/>
         </a:defRPr>
-      </a:lvl4pPr>
-      <a:lvl5pPr marL="2057400" indent="-228600" algn="l" defTabSz="914400" rtl="0" eaLnBrk="1" latinLnBrk="0" hangingPunct="1">
+      </a:lvl2pPr>
+      <a:lvl3pPr marL="857250" indent="-171450" algn="l" defTabSz="685800" rtl="0" eaLnBrk="1" latinLnBrk="0" hangingPunct="1">
         <a:lnSpc>
           <a:spcPct val="90000"/>
         </a:lnSpc>
         <a:spcBef>
-          <a:spcPts val="500"/>
+          <a:spcPts val="375"/>
         </a:spcBef>
         <a:buFont typeface="Arial" panose="020B0604020202020204" pitchFamily="34" charset="0"/>
         <a:buChar char="•"/>
-        <a:defRPr sz="1800" kern="1200">
+        <a:defRPr sz="1500" kern="1200">
+          <a:solidFill>
+            <a:schemeClr val="tx1"/>
+          </a:solidFill>
+          <a:latin typeface="+mn-lt"/>
+          <a:ea typeface="+mn-ea"/>
+          <a:cs typeface="+mn-cs"/>
+        </a:defRPr>
+      </a:lvl3pPr>
+      <a:lvl4pPr marL="1200150" indent="-171450" algn="l" defTabSz="685800" rtl="0" eaLnBrk="1" latinLnBrk="0" hangingPunct="1">
+        <a:lnSpc>
+          <a:spcPct val="90000"/>
+        </a:lnSpc>
+        <a:spcBef>
+          <a:spcPts val="375"/>
+        </a:spcBef>
+        <a:buFont typeface="Arial" panose="020B0604020202020204" pitchFamily="34" charset="0"/>
+        <a:buChar char="•"/>
+        <a:defRPr sz="1350" kern="1200">
+          <a:solidFill>
+            <a:schemeClr val="tx1"/>
+          </a:solidFill>
+          <a:latin typeface="+mn-lt"/>
+          <a:ea typeface="+mn-ea"/>
+          <a:cs typeface="+mn-cs"/>
+        </a:defRPr>
+      </a:lvl4pPr>
+      <a:lvl5pPr marL="1543050" indent="-171450" algn="l" defTabSz="685800" rtl="0" eaLnBrk="1" latinLnBrk="0" hangingPunct="1">
+        <a:lnSpc>
+          <a:spcPct val="90000"/>
+        </a:lnSpc>
+        <a:spcBef>
+          <a:spcPts val="375"/>
+        </a:spcBef>
+        <a:buFont typeface="Arial" panose="020B0604020202020204" pitchFamily="34" charset="0"/>
+        <a:buChar char="•"/>
+        <a:defRPr sz="1350" kern="1200">
           <a:solidFill>
             <a:schemeClr val="tx1"/>
           </a:solidFill>
@@ -5553,16 +5560,16 @@
           <a:cs typeface="+mn-cs"/>
         </a:defRPr>
       </a:lvl5pPr>
-      <a:lvl6pPr marL="2514600" indent="-228600" algn="l" defTabSz="914400" rtl="0" eaLnBrk="1" latinLnBrk="0" hangingPunct="1">
+      <a:lvl6pPr marL="1885950" indent="-171450" algn="l" defTabSz="685800" rtl="0" eaLnBrk="1" latinLnBrk="0" hangingPunct="1">
         <a:lnSpc>
           <a:spcPct val="90000"/>
         </a:lnSpc>
         <a:spcBef>
-          <a:spcPts val="500"/>
+          <a:spcPts val="375"/>
         </a:spcBef>
         <a:buFont typeface="Arial" panose="020B0604020202020204" pitchFamily="34" charset="0"/>
         <a:buChar char="•"/>
-        <a:defRPr sz="1800" kern="1200">
+        <a:defRPr sz="1350" kern="1200">
           <a:solidFill>
             <a:schemeClr val="tx1"/>
           </a:solidFill>
@@ -5571,16 +5578,16 @@
           <a:cs typeface="+mn-cs"/>
         </a:defRPr>
       </a:lvl6pPr>
-      <a:lvl7pPr marL="2971800" indent="-228600" algn="l" defTabSz="914400" rtl="0" eaLnBrk="1" latinLnBrk="0" hangingPunct="1">
+      <a:lvl7pPr marL="2228850" indent="-171450" algn="l" defTabSz="685800" rtl="0" eaLnBrk="1" latinLnBrk="0" hangingPunct="1">
         <a:lnSpc>
           <a:spcPct val="90000"/>
         </a:lnSpc>
         <a:spcBef>
-          <a:spcPts val="500"/>
+          <a:spcPts val="375"/>
         </a:spcBef>
         <a:buFont typeface="Arial" panose="020B0604020202020204" pitchFamily="34" charset="0"/>
         <a:buChar char="•"/>
-        <a:defRPr sz="1800" kern="1200">
+        <a:defRPr sz="1350" kern="1200">
           <a:solidFill>
             <a:schemeClr val="tx1"/>
           </a:solidFill>
@@ -5589,16 +5596,16 @@
           <a:cs typeface="+mn-cs"/>
         </a:defRPr>
       </a:lvl7pPr>
-      <a:lvl8pPr marL="3429000" indent="-228600" algn="l" defTabSz="914400" rtl="0" eaLnBrk="1" latinLnBrk="0" hangingPunct="1">
+      <a:lvl8pPr marL="2571750" indent="-171450" algn="l" defTabSz="685800" rtl="0" eaLnBrk="1" latinLnBrk="0" hangingPunct="1">
         <a:lnSpc>
           <a:spcPct val="90000"/>
         </a:lnSpc>
         <a:spcBef>
-          <a:spcPts val="500"/>
+          <a:spcPts val="375"/>
         </a:spcBef>
         <a:buFont typeface="Arial" panose="020B0604020202020204" pitchFamily="34" charset="0"/>
         <a:buChar char="•"/>
-        <a:defRPr sz="1800" kern="1200">
+        <a:defRPr sz="1350" kern="1200">
           <a:solidFill>
             <a:schemeClr val="tx1"/>
           </a:solidFill>
@@ -5607,16 +5614,16 @@
           <a:cs typeface="+mn-cs"/>
         </a:defRPr>
       </a:lvl8pPr>
-      <a:lvl9pPr marL="3886200" indent="-228600" algn="l" defTabSz="914400" rtl="0" eaLnBrk="1" latinLnBrk="0" hangingPunct="1">
+      <a:lvl9pPr marL="2914650" indent="-171450" algn="l" defTabSz="685800" rtl="0" eaLnBrk="1" latinLnBrk="0" hangingPunct="1">
         <a:lnSpc>
           <a:spcPct val="90000"/>
         </a:lnSpc>
         <a:spcBef>
-          <a:spcPts val="500"/>
+          <a:spcPts val="375"/>
         </a:spcBef>
         <a:buFont typeface="Arial" panose="020B0604020202020204" pitchFamily="34" charset="0"/>
         <a:buChar char="•"/>
-        <a:defRPr sz="1800" kern="1200">
+        <a:defRPr sz="1350" kern="1200">
           <a:solidFill>
             <a:schemeClr val="tx1"/>
           </a:solidFill>
@@ -5630,8 +5637,8 @@
       <a:defPPr>
         <a:defRPr lang="en-US"/>
       </a:defPPr>
-      <a:lvl1pPr marL="0" algn="l" defTabSz="914400" rtl="0" eaLnBrk="1" latinLnBrk="0" hangingPunct="1">
-        <a:defRPr sz="1800" kern="1200">
+      <a:lvl1pPr marL="0" algn="l" defTabSz="685800" rtl="0" eaLnBrk="1" latinLnBrk="0" hangingPunct="1">
+        <a:defRPr sz="1350" kern="1200">
           <a:solidFill>
             <a:schemeClr val="tx1"/>
           </a:solidFill>
@@ -5640,8 +5647,8 @@
           <a:cs typeface="+mn-cs"/>
         </a:defRPr>
       </a:lvl1pPr>
-      <a:lvl2pPr marL="457200" algn="l" defTabSz="914400" rtl="0" eaLnBrk="1" latinLnBrk="0" hangingPunct="1">
-        <a:defRPr sz="1800" kern="1200">
+      <a:lvl2pPr marL="342900" algn="l" defTabSz="685800" rtl="0" eaLnBrk="1" latinLnBrk="0" hangingPunct="1">
+        <a:defRPr sz="1350" kern="1200">
           <a:solidFill>
             <a:schemeClr val="tx1"/>
           </a:solidFill>
@@ -5650,8 +5657,8 @@
           <a:cs typeface="+mn-cs"/>
         </a:defRPr>
       </a:lvl2pPr>
-      <a:lvl3pPr marL="914400" algn="l" defTabSz="914400" rtl="0" eaLnBrk="1" latinLnBrk="0" hangingPunct="1">
-        <a:defRPr sz="1800" kern="1200">
+      <a:lvl3pPr marL="685800" algn="l" defTabSz="685800" rtl="0" eaLnBrk="1" latinLnBrk="0" hangingPunct="1">
+        <a:defRPr sz="1350" kern="1200">
           <a:solidFill>
             <a:schemeClr val="tx1"/>
           </a:solidFill>
@@ -5660,8 +5667,8 @@
           <a:cs typeface="+mn-cs"/>
         </a:defRPr>
       </a:lvl3pPr>
-      <a:lvl4pPr marL="1371600" algn="l" defTabSz="914400" rtl="0" eaLnBrk="1" latinLnBrk="0" hangingPunct="1">
-        <a:defRPr sz="1800" kern="1200">
+      <a:lvl4pPr marL="1028700" algn="l" defTabSz="685800" rtl="0" eaLnBrk="1" latinLnBrk="0" hangingPunct="1">
+        <a:defRPr sz="1350" kern="1200">
           <a:solidFill>
             <a:schemeClr val="tx1"/>
           </a:solidFill>
@@ -5670,8 +5677,8 @@
           <a:cs typeface="+mn-cs"/>
         </a:defRPr>
       </a:lvl4pPr>
-      <a:lvl5pPr marL="1828800" algn="l" defTabSz="914400" rtl="0" eaLnBrk="1" latinLnBrk="0" hangingPunct="1">
-        <a:defRPr sz="1800" kern="1200">
+      <a:lvl5pPr marL="1371600" algn="l" defTabSz="685800" rtl="0" eaLnBrk="1" latinLnBrk="0" hangingPunct="1">
+        <a:defRPr sz="1350" kern="1200">
           <a:solidFill>
             <a:schemeClr val="tx1"/>
           </a:solidFill>
@@ -5680,8 +5687,8 @@
           <a:cs typeface="+mn-cs"/>
         </a:defRPr>
       </a:lvl5pPr>
-      <a:lvl6pPr marL="2286000" algn="l" defTabSz="914400" rtl="0" eaLnBrk="1" latinLnBrk="0" hangingPunct="1">
-        <a:defRPr sz="1800" kern="1200">
+      <a:lvl6pPr marL="1714500" algn="l" defTabSz="685800" rtl="0" eaLnBrk="1" latinLnBrk="0" hangingPunct="1">
+        <a:defRPr sz="1350" kern="1200">
           <a:solidFill>
             <a:schemeClr val="tx1"/>
           </a:solidFill>
@@ -5690,8 +5697,8 @@
           <a:cs typeface="+mn-cs"/>
         </a:defRPr>
       </a:lvl6pPr>
-      <a:lvl7pPr marL="2743200" algn="l" defTabSz="914400" rtl="0" eaLnBrk="1" latinLnBrk="0" hangingPunct="1">
-        <a:defRPr sz="1800" kern="1200">
+      <a:lvl7pPr marL="2057400" algn="l" defTabSz="685800" rtl="0" eaLnBrk="1" latinLnBrk="0" hangingPunct="1">
+        <a:defRPr sz="1350" kern="1200">
           <a:solidFill>
             <a:schemeClr val="tx1"/>
           </a:solidFill>
@@ -5700,8 +5707,8 @@
           <a:cs typeface="+mn-cs"/>
         </a:defRPr>
       </a:lvl7pPr>
-      <a:lvl8pPr marL="3200400" algn="l" defTabSz="914400" rtl="0" eaLnBrk="1" latinLnBrk="0" hangingPunct="1">
-        <a:defRPr sz="1800" kern="1200">
+      <a:lvl8pPr marL="2400300" algn="l" defTabSz="685800" rtl="0" eaLnBrk="1" latinLnBrk="0" hangingPunct="1">
+        <a:defRPr sz="1350" kern="1200">
           <a:solidFill>
             <a:schemeClr val="tx1"/>
           </a:solidFill>
@@ -5710,8 +5717,8 @@
           <a:cs typeface="+mn-cs"/>
         </a:defRPr>
       </a:lvl8pPr>
-      <a:lvl9pPr marL="3657600" algn="l" defTabSz="914400" rtl="0" eaLnBrk="1" latinLnBrk="0" hangingPunct="1">
-        <a:defRPr sz="1800" kern="1200">
+      <a:lvl9pPr marL="2743200" algn="l" defTabSz="685800" rtl="0" eaLnBrk="1" latinLnBrk="0" hangingPunct="1">
+        <a:defRPr sz="1350" kern="1200">
           <a:solidFill>
             <a:schemeClr val="tx1"/>
           </a:solidFill>
@@ -5759,8 +5766,8 @@
         </p:nvSpPr>
         <p:spPr>
           <a:xfrm>
-            <a:off x="609480" y="273240"/>
-            <a:ext cx="10972440" cy="1144800"/>
+            <a:off x="457110" y="273240"/>
+            <a:ext cx="8229330" cy="1144800"/>
           </a:xfrm>
           <a:prstGeom prst="rect">
             <a:avLst/>
@@ -5774,7 +5781,7 @@
           <a:p>
             <a:pPr algn="ctr"/>
             <a:r>
-              <a:rPr lang="en-US" sz="5320" b="0" strike="noStrike" spc="-1">
+              <a:rPr lang="en-US" sz="3990" b="0" strike="noStrike" spc="-1">
                 <a:latin typeface="Arial"/>
               </a:rPr>
               <a:t>Click to edit the title text format</a:t>
@@ -5794,8 +5801,8 @@
         </p:nvSpPr>
         <p:spPr>
           <a:xfrm>
-            <a:off x="609480" y="1604520"/>
-            <a:ext cx="10972440" cy="3977280"/>
+            <a:off x="457110" y="1604520"/>
+            <a:ext cx="8229330" cy="3977280"/>
           </a:xfrm>
           <a:prstGeom prst="rect">
             <a:avLst/>
@@ -5819,16 +5826,16 @@
               <a:buChar char=""/>
             </a:pPr>
             <a:r>
-              <a:rPr lang="en-US" sz="3870" b="0" strike="noStrike" spc="-1">
+              <a:rPr lang="en-US" sz="2903" b="0" strike="noStrike" spc="-1">
                 <a:latin typeface="Arial"/>
               </a:rPr>
               <a:t>Click to edit the outline text format</a:t>
             </a:r>
           </a:p>
           <a:p>
-            <a:pPr marL="864000" lvl="1" indent="-324000">
+            <a:pPr marL="648000" lvl="1" indent="-243000">
               <a:spcBef>
-                <a:spcPts val="1369"/>
+                <a:spcPts val="1027"/>
               </a:spcBef>
               <a:buClr>
                 <a:srgbClr val="000000"/>
@@ -5838,16 +5845,16 @@
               <a:buChar char=""/>
             </a:pPr>
             <a:r>
-              <a:rPr lang="en-US" sz="3380" b="0" strike="noStrike" spc="-1">
+              <a:rPr lang="en-US" sz="2535" b="0" strike="noStrike" spc="-1">
                 <a:latin typeface="Arial"/>
               </a:rPr>
               <a:t>Second Outline Level</a:t>
             </a:r>
           </a:p>
           <a:p>
-            <a:pPr marL="1296000" lvl="2" indent="-288000">
+            <a:pPr marL="972000" lvl="2" indent="-216000">
               <a:spcBef>
-                <a:spcPts val="1026"/>
+                <a:spcPts val="770"/>
               </a:spcBef>
               <a:buClr>
                 <a:srgbClr val="000000"/>
@@ -5857,16 +5864,16 @@
               <a:buChar char=""/>
             </a:pPr>
             <a:r>
-              <a:rPr lang="en-US" sz="2900" b="0" strike="noStrike" spc="-1">
+              <a:rPr lang="en-US" sz="2175" b="0" strike="noStrike" spc="-1">
                 <a:latin typeface="Arial"/>
               </a:rPr>
               <a:t>Third Outline Level</a:t>
             </a:r>
           </a:p>
           <a:p>
-            <a:pPr marL="1728000" lvl="3" indent="-216000">
+            <a:pPr marL="1296000" lvl="3" indent="-162000">
               <a:spcBef>
-                <a:spcPts val="683"/>
+                <a:spcPts val="512"/>
               </a:spcBef>
               <a:buClr>
                 <a:srgbClr val="000000"/>
@@ -5876,16 +5883,16 @@
               <a:buChar char=""/>
             </a:pPr>
             <a:r>
-              <a:rPr lang="en-US" sz="2420" b="0" strike="noStrike" spc="-1">
+              <a:rPr lang="en-US" sz="1815" b="0" strike="noStrike" spc="-1">
                 <a:latin typeface="Arial"/>
               </a:rPr>
               <a:t>Fourth Outline Level</a:t>
             </a:r>
           </a:p>
           <a:p>
-            <a:pPr marL="2160000" lvl="4" indent="-216000">
+            <a:pPr marL="1620000" lvl="4" indent="-162000">
               <a:spcBef>
-                <a:spcPts val="340"/>
+                <a:spcPts val="255"/>
               </a:spcBef>
               <a:buClr>
                 <a:srgbClr val="000000"/>
@@ -5895,16 +5902,16 @@
               <a:buChar char=""/>
             </a:pPr>
             <a:r>
-              <a:rPr lang="en-US" sz="2420" b="0" strike="noStrike" spc="-1">
+              <a:rPr lang="en-US" sz="1815" b="0" strike="noStrike" spc="-1">
                 <a:latin typeface="Arial"/>
               </a:rPr>
               <a:t>Fifth Outline Level</a:t>
             </a:r>
           </a:p>
           <a:p>
-            <a:pPr marL="2592000" lvl="5" indent="-216000">
+            <a:pPr marL="1944000" lvl="5" indent="-162000">
               <a:spcBef>
-                <a:spcPts val="340"/>
+                <a:spcPts val="255"/>
               </a:spcBef>
               <a:buClr>
                 <a:srgbClr val="000000"/>
@@ -5914,16 +5921,16 @@
               <a:buChar char=""/>
             </a:pPr>
             <a:r>
-              <a:rPr lang="en-US" sz="2420" b="0" strike="noStrike" spc="-1">
+              <a:rPr lang="en-US" sz="1815" b="0" strike="noStrike" spc="-1">
                 <a:latin typeface="Arial"/>
               </a:rPr>
               <a:t>Sixth Outline Level</a:t>
             </a:r>
           </a:p>
           <a:p>
-            <a:pPr marL="3024000" lvl="6" indent="-216000">
+            <a:pPr marL="2268000" lvl="6" indent="-162000">
               <a:spcBef>
-                <a:spcPts val="340"/>
+                <a:spcPts val="255"/>
               </a:spcBef>
               <a:buClr>
                 <a:srgbClr val="000000"/>
@@ -5933,7 +5940,7 @@
               <a:buChar char=""/>
             </a:pPr>
             <a:r>
-              <a:rPr lang="en-US" sz="2420" b="0" strike="noStrike" spc="-1">
+              <a:rPr lang="en-US" sz="1815" b="0" strike="noStrike" spc="-1">
                 <a:latin typeface="Arial"/>
               </a:rPr>
               <a:t>Seventh Outline Level</a:t>
@@ -5953,8 +5960,8 @@
         </p:nvSpPr>
         <p:spPr>
           <a:xfrm>
-            <a:off x="609480" y="6247440"/>
-            <a:ext cx="2840400" cy="472320"/>
+            <a:off x="457110" y="6247440"/>
+            <a:ext cx="2130300" cy="472320"/>
           </a:xfrm>
           <a:prstGeom prst="rect">
             <a:avLst/>
@@ -5967,7 +5974,7 @@
           <a:lstStyle/>
           <a:p>
             <a:r>
-              <a:rPr lang="en-US" sz="1400" b="0" strike="noStrike" spc="-1">
+              <a:rPr lang="en-US" sz="1050" b="0" strike="noStrike" spc="-1">
                 <a:latin typeface="Times New Roman"/>
               </a:rPr>
               <a:t>&lt;date/time&gt;</a:t>
@@ -5987,8 +5994,8 @@
         </p:nvSpPr>
         <p:spPr>
           <a:xfrm>
-            <a:off x="4169520" y="6247440"/>
-            <a:ext cx="3864600" cy="472320"/>
+            <a:off x="3127140" y="6247440"/>
+            <a:ext cx="2898450" cy="472320"/>
           </a:xfrm>
           <a:prstGeom prst="rect">
             <a:avLst/>
@@ -6002,7 +6009,7 @@
           <a:p>
             <a:pPr algn="ctr"/>
             <a:r>
-              <a:rPr lang="en-US" sz="1400" b="0" strike="noStrike" spc="-1">
+              <a:rPr lang="en-US" sz="1050" b="0" strike="noStrike" spc="-1">
                 <a:latin typeface="Times New Roman"/>
               </a:rPr>
               <a:t>&lt;footer&gt;</a:t>
@@ -6022,8 +6029,8 @@
         </p:nvSpPr>
         <p:spPr>
           <a:xfrm>
-            <a:off x="8741520" y="6247440"/>
-            <a:ext cx="2840400" cy="472320"/>
+            <a:off x="6556140" y="6247440"/>
+            <a:ext cx="2130300" cy="472320"/>
           </a:xfrm>
           <a:prstGeom prst="rect">
             <a:avLst/>
@@ -6037,12 +6044,12 @@
           <a:p>
             <a:pPr algn="r"/>
             <a:fld id="{A3C2EC08-E258-45C6-9818-2A63C88D5D69}" type="slidenum">
-              <a:rPr lang="en-US" sz="1400" b="0" strike="noStrike" spc="-1">
+              <a:rPr lang="en-US" sz="1050" b="0" strike="noStrike" spc="-1">
                 <a:latin typeface="Times New Roman"/>
               </a:rPr>
               <a:t>‹#›</a:t>
             </a:fld>
-            <a:endParaRPr lang="en-US" sz="1400" b="0" strike="noStrike" spc="-1">
+            <a:endParaRPr lang="en-US" sz="1050" b="0" strike="noStrike" spc="-1">
               <a:latin typeface="Times New Roman"/>
             </a:endParaRPr>
           </a:p>
@@ -6067,7 +6074,7 @@
   </p:sldLayoutIdLst>
   <p:txStyles>
     <p:titleStyle>
-      <a:lvl1pPr algn="l" defTabSz="914400" rtl="0" eaLnBrk="1" latinLnBrk="0" hangingPunct="1">
+      <a:lvl1pPr algn="l" defTabSz="685800" rtl="0" eaLnBrk="1" latinLnBrk="0" hangingPunct="1">
         <a:lnSpc>
           <a:spcPct val="90000"/>
         </a:lnSpc>
@@ -6075,7 +6082,7 @@
           <a:spcPct val="0"/>
         </a:spcBef>
         <a:buNone/>
-        <a:defRPr sz="4400" kern="1200">
+        <a:defRPr sz="3300" kern="1200">
           <a:solidFill>
             <a:schemeClr val="tx1"/>
           </a:solidFill>
@@ -6086,16 +6093,20 @@
       </a:lvl1pPr>
     </p:titleStyle>
     <p:bodyStyle>
-      <a:lvl1pPr marL="228600" indent="-228600" algn="l" defTabSz="914400" rtl="0" eaLnBrk="1" latinLnBrk="0" hangingPunct="1">
+      <a:lvl1pPr marL="324000" indent="-243000" algn="l" defTabSz="685800" rtl="0" eaLnBrk="1" latinLnBrk="0" hangingPunct="1">
         <a:lnSpc>
           <a:spcPct val="90000"/>
         </a:lnSpc>
         <a:spcBef>
-          <a:spcPts val="1000"/>
+          <a:spcPts val="1284"/>
         </a:spcBef>
-        <a:buFont typeface="Arial" panose="020B0604020202020204" pitchFamily="34" charset="0"/>
-        <a:buChar char="•"/>
-        <a:defRPr sz="2800" kern="1200">
+        <a:buClr>
+          <a:srgbClr val="000000"/>
+        </a:buClr>
+        <a:buSzPct val="45000"/>
+        <a:buFont typeface="Wingdings" charset="2"/>
+        <a:buChar char=""/>
+        <a:defRPr sz="2100" kern="1200">
           <a:solidFill>
             <a:schemeClr val="tx1"/>
           </a:solidFill>
@@ -6104,48 +6115,12 @@
           <a:cs typeface="+mn-cs"/>
         </a:defRPr>
       </a:lvl1pPr>
-      <a:lvl2pPr marL="685800" indent="-228600" algn="l" defTabSz="914400" rtl="0" eaLnBrk="1" latinLnBrk="0" hangingPunct="1">
+      <a:lvl2pPr marL="514350" indent="-171450" algn="l" defTabSz="685800" rtl="0" eaLnBrk="1" latinLnBrk="0" hangingPunct="1">
         <a:lnSpc>
           <a:spcPct val="90000"/>
         </a:lnSpc>
         <a:spcBef>
-          <a:spcPts val="500"/>
-        </a:spcBef>
-        <a:buFont typeface="Arial" panose="020B0604020202020204" pitchFamily="34" charset="0"/>
-        <a:buChar char="•"/>
-        <a:defRPr sz="2400" kern="1200">
-          <a:solidFill>
-            <a:schemeClr val="tx1"/>
-          </a:solidFill>
-          <a:latin typeface="+mn-lt"/>
-          <a:ea typeface="+mn-ea"/>
-          <a:cs typeface="+mn-cs"/>
-        </a:defRPr>
-      </a:lvl2pPr>
-      <a:lvl3pPr marL="1143000" indent="-228600" algn="l" defTabSz="914400" rtl="0" eaLnBrk="1" latinLnBrk="0" hangingPunct="1">
-        <a:lnSpc>
-          <a:spcPct val="90000"/>
-        </a:lnSpc>
-        <a:spcBef>
-          <a:spcPts val="500"/>
-        </a:spcBef>
-        <a:buFont typeface="Arial" panose="020B0604020202020204" pitchFamily="34" charset="0"/>
-        <a:buChar char="•"/>
-        <a:defRPr sz="2000" kern="1200">
-          <a:solidFill>
-            <a:schemeClr val="tx1"/>
-          </a:solidFill>
-          <a:latin typeface="+mn-lt"/>
-          <a:ea typeface="+mn-ea"/>
-          <a:cs typeface="+mn-cs"/>
-        </a:defRPr>
-      </a:lvl3pPr>
-      <a:lvl4pPr marL="1600200" indent="-228600" algn="l" defTabSz="914400" rtl="0" eaLnBrk="1" latinLnBrk="0" hangingPunct="1">
-        <a:lnSpc>
-          <a:spcPct val="90000"/>
-        </a:lnSpc>
-        <a:spcBef>
-          <a:spcPts val="500"/>
+          <a:spcPts val="375"/>
         </a:spcBef>
         <a:buFont typeface="Arial" panose="020B0604020202020204" pitchFamily="34" charset="0"/>
         <a:buChar char="•"/>
@@ -6157,17 +6132,53 @@
           <a:ea typeface="+mn-ea"/>
           <a:cs typeface="+mn-cs"/>
         </a:defRPr>
-      </a:lvl4pPr>
-      <a:lvl5pPr marL="2057400" indent="-228600" algn="l" defTabSz="914400" rtl="0" eaLnBrk="1" latinLnBrk="0" hangingPunct="1">
+      </a:lvl2pPr>
+      <a:lvl3pPr marL="857250" indent="-171450" algn="l" defTabSz="685800" rtl="0" eaLnBrk="1" latinLnBrk="0" hangingPunct="1">
         <a:lnSpc>
           <a:spcPct val="90000"/>
         </a:lnSpc>
         <a:spcBef>
-          <a:spcPts val="500"/>
+          <a:spcPts val="375"/>
         </a:spcBef>
         <a:buFont typeface="Arial" panose="020B0604020202020204" pitchFamily="34" charset="0"/>
         <a:buChar char="•"/>
-        <a:defRPr sz="1800" kern="1200">
+        <a:defRPr sz="1500" kern="1200">
+          <a:solidFill>
+            <a:schemeClr val="tx1"/>
+          </a:solidFill>
+          <a:latin typeface="+mn-lt"/>
+          <a:ea typeface="+mn-ea"/>
+          <a:cs typeface="+mn-cs"/>
+        </a:defRPr>
+      </a:lvl3pPr>
+      <a:lvl4pPr marL="1200150" indent="-171450" algn="l" defTabSz="685800" rtl="0" eaLnBrk="1" latinLnBrk="0" hangingPunct="1">
+        <a:lnSpc>
+          <a:spcPct val="90000"/>
+        </a:lnSpc>
+        <a:spcBef>
+          <a:spcPts val="375"/>
+        </a:spcBef>
+        <a:buFont typeface="Arial" panose="020B0604020202020204" pitchFamily="34" charset="0"/>
+        <a:buChar char="•"/>
+        <a:defRPr sz="1350" kern="1200">
+          <a:solidFill>
+            <a:schemeClr val="tx1"/>
+          </a:solidFill>
+          <a:latin typeface="+mn-lt"/>
+          <a:ea typeface="+mn-ea"/>
+          <a:cs typeface="+mn-cs"/>
+        </a:defRPr>
+      </a:lvl4pPr>
+      <a:lvl5pPr marL="1543050" indent="-171450" algn="l" defTabSz="685800" rtl="0" eaLnBrk="1" latinLnBrk="0" hangingPunct="1">
+        <a:lnSpc>
+          <a:spcPct val="90000"/>
+        </a:lnSpc>
+        <a:spcBef>
+          <a:spcPts val="375"/>
+        </a:spcBef>
+        <a:buFont typeface="Arial" panose="020B0604020202020204" pitchFamily="34" charset="0"/>
+        <a:buChar char="•"/>
+        <a:defRPr sz="1350" kern="1200">
           <a:solidFill>
             <a:schemeClr val="tx1"/>
           </a:solidFill>
@@ -6176,16 +6187,16 @@
           <a:cs typeface="+mn-cs"/>
         </a:defRPr>
       </a:lvl5pPr>
-      <a:lvl6pPr marL="2514600" indent="-228600" algn="l" defTabSz="914400" rtl="0" eaLnBrk="1" latinLnBrk="0" hangingPunct="1">
+      <a:lvl6pPr marL="1885950" indent="-171450" algn="l" defTabSz="685800" rtl="0" eaLnBrk="1" latinLnBrk="0" hangingPunct="1">
         <a:lnSpc>
           <a:spcPct val="90000"/>
         </a:lnSpc>
         <a:spcBef>
-          <a:spcPts val="500"/>
+          <a:spcPts val="375"/>
         </a:spcBef>
         <a:buFont typeface="Arial" panose="020B0604020202020204" pitchFamily="34" charset="0"/>
         <a:buChar char="•"/>
-        <a:defRPr sz="1800" kern="1200">
+        <a:defRPr sz="1350" kern="1200">
           <a:solidFill>
             <a:schemeClr val="tx1"/>
           </a:solidFill>
@@ -6194,16 +6205,16 @@
           <a:cs typeface="+mn-cs"/>
         </a:defRPr>
       </a:lvl6pPr>
-      <a:lvl7pPr marL="2971800" indent="-228600" algn="l" defTabSz="914400" rtl="0" eaLnBrk="1" latinLnBrk="0" hangingPunct="1">
+      <a:lvl7pPr marL="2228850" indent="-171450" algn="l" defTabSz="685800" rtl="0" eaLnBrk="1" latinLnBrk="0" hangingPunct="1">
         <a:lnSpc>
           <a:spcPct val="90000"/>
         </a:lnSpc>
         <a:spcBef>
-          <a:spcPts val="500"/>
+          <a:spcPts val="375"/>
         </a:spcBef>
         <a:buFont typeface="Arial" panose="020B0604020202020204" pitchFamily="34" charset="0"/>
         <a:buChar char="•"/>
-        <a:defRPr sz="1800" kern="1200">
+        <a:defRPr sz="1350" kern="1200">
           <a:solidFill>
             <a:schemeClr val="tx1"/>
           </a:solidFill>
@@ -6212,16 +6223,16 @@
           <a:cs typeface="+mn-cs"/>
         </a:defRPr>
       </a:lvl7pPr>
-      <a:lvl8pPr marL="3429000" indent="-228600" algn="l" defTabSz="914400" rtl="0" eaLnBrk="1" latinLnBrk="0" hangingPunct="1">
+      <a:lvl8pPr marL="2571750" indent="-171450" algn="l" defTabSz="685800" rtl="0" eaLnBrk="1" latinLnBrk="0" hangingPunct="1">
         <a:lnSpc>
           <a:spcPct val="90000"/>
         </a:lnSpc>
         <a:spcBef>
-          <a:spcPts val="500"/>
+          <a:spcPts val="375"/>
         </a:spcBef>
         <a:buFont typeface="Arial" panose="020B0604020202020204" pitchFamily="34" charset="0"/>
         <a:buChar char="•"/>
-        <a:defRPr sz="1800" kern="1200">
+        <a:defRPr sz="1350" kern="1200">
           <a:solidFill>
             <a:schemeClr val="tx1"/>
           </a:solidFill>
@@ -6230,16 +6241,16 @@
           <a:cs typeface="+mn-cs"/>
         </a:defRPr>
       </a:lvl8pPr>
-      <a:lvl9pPr marL="3886200" indent="-228600" algn="l" defTabSz="914400" rtl="0" eaLnBrk="1" latinLnBrk="0" hangingPunct="1">
+      <a:lvl9pPr marL="2914650" indent="-171450" algn="l" defTabSz="685800" rtl="0" eaLnBrk="1" latinLnBrk="0" hangingPunct="1">
         <a:lnSpc>
           <a:spcPct val="90000"/>
         </a:lnSpc>
         <a:spcBef>
-          <a:spcPts val="500"/>
+          <a:spcPts val="375"/>
         </a:spcBef>
         <a:buFont typeface="Arial" panose="020B0604020202020204" pitchFamily="34" charset="0"/>
         <a:buChar char="•"/>
-        <a:defRPr sz="1800" kern="1200">
+        <a:defRPr sz="1350" kern="1200">
           <a:solidFill>
             <a:schemeClr val="tx1"/>
           </a:solidFill>
@@ -6253,8 +6264,8 @@
       <a:defPPr>
         <a:defRPr lang="en-US"/>
       </a:defPPr>
-      <a:lvl1pPr marL="0" algn="l" defTabSz="914400" rtl="0" eaLnBrk="1" latinLnBrk="0" hangingPunct="1">
-        <a:defRPr sz="1800" kern="1200">
+      <a:lvl1pPr marL="0" algn="l" defTabSz="685800" rtl="0" eaLnBrk="1" latinLnBrk="0" hangingPunct="1">
+        <a:defRPr sz="1350" kern="1200">
           <a:solidFill>
             <a:schemeClr val="tx1"/>
           </a:solidFill>
@@ -6263,8 +6274,8 @@
           <a:cs typeface="+mn-cs"/>
         </a:defRPr>
       </a:lvl1pPr>
-      <a:lvl2pPr marL="457200" algn="l" defTabSz="914400" rtl="0" eaLnBrk="1" latinLnBrk="0" hangingPunct="1">
-        <a:defRPr sz="1800" kern="1200">
+      <a:lvl2pPr marL="342900" algn="l" defTabSz="685800" rtl="0" eaLnBrk="1" latinLnBrk="0" hangingPunct="1">
+        <a:defRPr sz="1350" kern="1200">
           <a:solidFill>
             <a:schemeClr val="tx1"/>
           </a:solidFill>
@@ -6273,8 +6284,8 @@
           <a:cs typeface="+mn-cs"/>
         </a:defRPr>
       </a:lvl2pPr>
-      <a:lvl3pPr marL="914400" algn="l" defTabSz="914400" rtl="0" eaLnBrk="1" latinLnBrk="0" hangingPunct="1">
-        <a:defRPr sz="1800" kern="1200">
+      <a:lvl3pPr marL="685800" algn="l" defTabSz="685800" rtl="0" eaLnBrk="1" latinLnBrk="0" hangingPunct="1">
+        <a:defRPr sz="1350" kern="1200">
           <a:solidFill>
             <a:schemeClr val="tx1"/>
           </a:solidFill>
@@ -6283,8 +6294,8 @@
           <a:cs typeface="+mn-cs"/>
         </a:defRPr>
       </a:lvl3pPr>
-      <a:lvl4pPr marL="1371600" algn="l" defTabSz="914400" rtl="0" eaLnBrk="1" latinLnBrk="0" hangingPunct="1">
-        <a:defRPr sz="1800" kern="1200">
+      <a:lvl4pPr marL="1028700" algn="l" defTabSz="685800" rtl="0" eaLnBrk="1" latinLnBrk="0" hangingPunct="1">
+        <a:defRPr sz="1350" kern="1200">
           <a:solidFill>
             <a:schemeClr val="tx1"/>
           </a:solidFill>
@@ -6293,8 +6304,8 @@
           <a:cs typeface="+mn-cs"/>
         </a:defRPr>
       </a:lvl4pPr>
-      <a:lvl5pPr marL="1828800" algn="l" defTabSz="914400" rtl="0" eaLnBrk="1" latinLnBrk="0" hangingPunct="1">
-        <a:defRPr sz="1800" kern="1200">
+      <a:lvl5pPr marL="1371600" algn="l" defTabSz="685800" rtl="0" eaLnBrk="1" latinLnBrk="0" hangingPunct="1">
+        <a:defRPr sz="1350" kern="1200">
           <a:solidFill>
             <a:schemeClr val="tx1"/>
           </a:solidFill>
@@ -6303,8 +6314,8 @@
           <a:cs typeface="+mn-cs"/>
         </a:defRPr>
       </a:lvl5pPr>
-      <a:lvl6pPr marL="2286000" algn="l" defTabSz="914400" rtl="0" eaLnBrk="1" latinLnBrk="0" hangingPunct="1">
-        <a:defRPr sz="1800" kern="1200">
+      <a:lvl6pPr marL="1714500" algn="l" defTabSz="685800" rtl="0" eaLnBrk="1" latinLnBrk="0" hangingPunct="1">
+        <a:defRPr sz="1350" kern="1200">
           <a:solidFill>
             <a:schemeClr val="tx1"/>
           </a:solidFill>
@@ -6313,8 +6324,8 @@
           <a:cs typeface="+mn-cs"/>
         </a:defRPr>
       </a:lvl6pPr>
-      <a:lvl7pPr marL="2743200" algn="l" defTabSz="914400" rtl="0" eaLnBrk="1" latinLnBrk="0" hangingPunct="1">
-        <a:defRPr sz="1800" kern="1200">
+      <a:lvl7pPr marL="2057400" algn="l" defTabSz="685800" rtl="0" eaLnBrk="1" latinLnBrk="0" hangingPunct="1">
+        <a:defRPr sz="1350" kern="1200">
           <a:solidFill>
             <a:schemeClr val="tx1"/>
           </a:solidFill>
@@ -6323,8 +6334,8 @@
           <a:cs typeface="+mn-cs"/>
         </a:defRPr>
       </a:lvl7pPr>
-      <a:lvl8pPr marL="3200400" algn="l" defTabSz="914400" rtl="0" eaLnBrk="1" latinLnBrk="0" hangingPunct="1">
-        <a:defRPr sz="1800" kern="1200">
+      <a:lvl8pPr marL="2400300" algn="l" defTabSz="685800" rtl="0" eaLnBrk="1" latinLnBrk="0" hangingPunct="1">
+        <a:defRPr sz="1350" kern="1200">
           <a:solidFill>
             <a:schemeClr val="tx1"/>
           </a:solidFill>
@@ -6333,8 +6344,8 @@
           <a:cs typeface="+mn-cs"/>
         </a:defRPr>
       </a:lvl8pPr>
-      <a:lvl9pPr marL="3657600" algn="l" defTabSz="914400" rtl="0" eaLnBrk="1" latinLnBrk="0" hangingPunct="1">
-        <a:defRPr sz="1800" kern="1200">
+      <a:lvl9pPr marL="2743200" algn="l" defTabSz="685800" rtl="0" eaLnBrk="1" latinLnBrk="0" hangingPunct="1">
+        <a:defRPr sz="1350" kern="1200">
           <a:solidFill>
             <a:schemeClr val="tx1"/>
           </a:solidFill>
@@ -6373,8 +6384,8 @@
         </p:nvGrpSpPr>
         <p:grpSpPr>
           <a:xfrm>
-            <a:off x="0" y="6112080"/>
-            <a:ext cx="12191760" cy="745560"/>
+            <a:off x="0" y="6298830"/>
+            <a:ext cx="9143820" cy="559170"/>
             <a:chOff x="0" y="6112080"/>
             <a:chExt cx="12191760" cy="745560"/>
           </a:xfrm>
@@ -6445,8 +6456,8 @@
         </p:nvSpPr>
         <p:spPr>
           <a:xfrm>
-            <a:off x="1009800" y="699840"/>
-            <a:ext cx="7009920" cy="760680"/>
+            <a:off x="757350" y="1420741"/>
+            <a:ext cx="5257440" cy="575991"/>
           </a:xfrm>
           <a:prstGeom prst="rect">
             <a:avLst/>
@@ -6469,7 +6480,7 @@
           <a:fontRef idx="minor"/>
         </p:style>
         <p:txBody>
-          <a:bodyPr lIns="90000" tIns="45000" rIns="90000" bIns="45000">
+          <a:bodyPr lIns="67500" tIns="33750" rIns="67500" bIns="33750">
             <a:spAutoFit/>
           </a:bodyPr>
           <a:lstStyle/>
@@ -6480,7 +6491,7 @@
               </a:lnSpc>
             </a:pPr>
             <a:r>
-              <a:rPr lang="en-US" sz="4400" b="0" strike="noStrike" spc="-1">
+              <a:rPr lang="en-US" sz="3300" spc="-1" dirty="0">
                 <a:solidFill>
                   <a:srgbClr val="000000"/>
                 </a:solidFill>
@@ -6489,7 +6500,7 @@
               </a:rPr>
               <a:t>FIFA Match Prediction </a:t>
             </a:r>
-            <a:endParaRPr lang="en-US" sz="4400" b="0" strike="noStrike" spc="-1">
+            <a:endParaRPr lang="en-US" sz="3300" spc="-1" dirty="0">
               <a:latin typeface="Arial"/>
             </a:endParaRPr>
           </a:p>
@@ -6503,8 +6514,8 @@
         </p:nvSpPr>
         <p:spPr>
           <a:xfrm>
-            <a:off x="1023840" y="1654920"/>
-            <a:ext cx="7248240" cy="1187640"/>
+            <a:off x="767880" y="2098441"/>
+            <a:ext cx="5436180" cy="1176155"/>
           </a:xfrm>
           <a:prstGeom prst="rect">
             <a:avLst/>
@@ -6527,7 +6538,7 @@
           <a:fontRef idx="minor"/>
         </p:style>
         <p:txBody>
-          <a:bodyPr lIns="90000" tIns="45000" rIns="90000" bIns="45000">
+          <a:bodyPr lIns="67500" tIns="33750" rIns="67500" bIns="33750">
             <a:spAutoFit/>
           </a:bodyPr>
           <a:lstStyle/>
@@ -6538,15 +6549,24 @@
               </a:lnSpc>
             </a:pPr>
             <a:r>
-              <a:rPr lang="en-US" sz="2400" b="0" strike="noStrike" spc="-1">
+              <a:rPr lang="en-US" sz="2400" spc="-1" dirty="0">
                 <a:solidFill>
                   <a:srgbClr val="000000"/>
                 </a:solidFill>
                 <a:latin typeface="Calibri"/>
               </a:rPr>
-              <a:t>Cristian Groza</a:t>
+              <a:t>Cristian </a:t>
             </a:r>
-            <a:endParaRPr lang="en-US" sz="2400" b="0" strike="noStrike" spc="-1">
+            <a:r>
+              <a:rPr lang="en-US" sz="2400" spc="-1" dirty="0" err="1">
+                <a:solidFill>
+                  <a:srgbClr val="000000"/>
+                </a:solidFill>
+                <a:latin typeface="Calibri"/>
+              </a:rPr>
+              <a:t>Groza</a:t>
+            </a:r>
+            <a:endParaRPr lang="en-US" sz="2400" spc="-1" dirty="0">
               <a:latin typeface="Arial"/>
             </a:endParaRPr>
           </a:p>
@@ -6557,15 +6577,24 @@
               </a:lnSpc>
             </a:pPr>
             <a:r>
-              <a:rPr lang="en-US" sz="2400" b="0" strike="noStrike" spc="-1">
+              <a:rPr lang="en-US" sz="2400" spc="-1" dirty="0" err="1">
                 <a:solidFill>
                   <a:srgbClr val="000000"/>
                 </a:solidFill>
                 <a:latin typeface="Calibri"/>
               </a:rPr>
-              <a:t>Yifei Gu</a:t>
+              <a:t>Yifei</a:t>
             </a:r>
-            <a:endParaRPr lang="en-US" sz="2400" b="0" strike="noStrike" spc="-1">
+            <a:r>
+              <a:rPr lang="en-US" sz="2400" spc="-1" dirty="0">
+                <a:solidFill>
+                  <a:srgbClr val="000000"/>
+                </a:solidFill>
+                <a:latin typeface="Calibri"/>
+              </a:rPr>
+              <a:t> Gu</a:t>
+            </a:r>
+            <a:endParaRPr lang="en-US" sz="2400" spc="-1" dirty="0">
               <a:latin typeface="Arial"/>
             </a:endParaRPr>
           </a:p>
@@ -6576,7 +6605,7 @@
               </a:lnSpc>
             </a:pPr>
             <a:r>
-              <a:rPr lang="en-US" sz="2400" b="0" strike="noStrike" spc="-1">
+              <a:rPr lang="en-US" sz="2400" spc="-1" dirty="0">
                 <a:solidFill>
                   <a:srgbClr val="000000"/>
                 </a:solidFill>
@@ -6584,7 +6613,7 @@
               </a:rPr>
               <a:t>Andrew Doyle</a:t>
             </a:r>
-            <a:endParaRPr lang="en-US" sz="2400" b="0" strike="noStrike" spc="-1">
+            <a:endParaRPr lang="en-US" sz="2400" spc="-1" dirty="0">
               <a:latin typeface="Arial"/>
             </a:endParaRPr>
           </a:p>
@@ -6602,8 +6631,8 @@
         </p:blipFill>
         <p:spPr>
           <a:xfrm>
-            <a:off x="9058320" y="605880"/>
-            <a:ext cx="2707200" cy="2097360"/>
+            <a:off x="6793740" y="1311660"/>
+            <a:ext cx="2030400" cy="1573020"/>
           </a:xfrm>
           <a:prstGeom prst="rect">
             <a:avLst/>
@@ -6626,8 +6655,8 @@
         </p:blipFill>
         <p:spPr>
           <a:xfrm>
-            <a:off x="2990880" y="1749960"/>
-            <a:ext cx="885600" cy="1104480"/>
+            <a:off x="3485970" y="2477611"/>
+            <a:ext cx="2659326" cy="3316590"/>
           </a:xfrm>
           <a:prstGeom prst="rect">
             <a:avLst/>
@@ -6692,14 +6721,104 @@
         </p:blipFill>
         <p:spPr>
           <a:xfrm>
-            <a:off x="643467" y="661840"/>
-            <a:ext cx="10905066" cy="5534320"/>
+            <a:off x="0" y="834436"/>
+            <a:ext cx="9143820" cy="4640488"/>
           </a:xfrm>
           <a:prstGeom prst="rect">
             <a:avLst/>
           </a:prstGeom>
         </p:spPr>
       </p:pic>
+      <p:grpSp>
+        <p:nvGrpSpPr>
+          <p:cNvPr id="7" name="Group 1">
+            <a:extLst>
+              <a:ext uri="{FF2B5EF4-FFF2-40B4-BE49-F238E27FC236}">
+                <a16:creationId xmlns:a16="http://schemas.microsoft.com/office/drawing/2014/main" id="{2B313E8D-5251-46A1-9416-3FD26E432713}"/>
+              </a:ext>
+            </a:extLst>
+          </p:cNvPr>
+          <p:cNvGrpSpPr/>
+          <p:nvPr/>
+        </p:nvGrpSpPr>
+        <p:grpSpPr>
+          <a:xfrm>
+            <a:off x="0" y="6298830"/>
+            <a:ext cx="9143820" cy="559170"/>
+            <a:chOff x="0" y="6112080"/>
+            <a:chExt cx="12191760" cy="745560"/>
+          </a:xfrm>
+        </p:grpSpPr>
+        <p:sp>
+          <p:nvSpPr>
+            <p:cNvPr id="8" name="Line 2">
+              <a:extLst>
+                <a:ext uri="{FF2B5EF4-FFF2-40B4-BE49-F238E27FC236}">
+                  <a16:creationId xmlns:a16="http://schemas.microsoft.com/office/drawing/2014/main" id="{A07FBCB6-B323-449F-9044-1DC2BE1F600A}"/>
+                </a:ext>
+              </a:extLst>
+            </p:cNvPr>
+            <p:cNvSpPr/>
+            <p:nvPr/>
+          </p:nvSpPr>
+          <p:spPr>
+            <a:xfrm>
+              <a:off x="0" y="6148440"/>
+              <a:ext cx="12191760" cy="0"/>
+            </a:xfrm>
+            <a:prstGeom prst="line">
+              <a:avLst/>
+            </a:prstGeom>
+            <a:ln w="76320">
+              <a:solidFill>
+                <a:srgbClr val="33B395"/>
+              </a:solidFill>
+            </a:ln>
+          </p:spPr>
+          <p:style>
+            <a:lnRef idx="1">
+              <a:schemeClr val="accent1"/>
+            </a:lnRef>
+            <a:fillRef idx="0">
+              <a:schemeClr val="accent1"/>
+            </a:fillRef>
+            <a:effectRef idx="0">
+              <a:schemeClr val="accent1"/>
+            </a:effectRef>
+            <a:fontRef idx="minor"/>
+          </p:style>
+        </p:sp>
+        <p:pic>
+          <p:nvPicPr>
+            <p:cNvPr id="9" name="Picture 2">
+              <a:extLst>
+                <a:ext uri="{FF2B5EF4-FFF2-40B4-BE49-F238E27FC236}">
+                  <a16:creationId xmlns:a16="http://schemas.microsoft.com/office/drawing/2014/main" id="{30F3BFFC-270A-481B-B889-4269E798884E}"/>
+                </a:ext>
+              </a:extLst>
+            </p:cNvPr>
+            <p:cNvPicPr/>
+            <p:nvPr/>
+          </p:nvPicPr>
+          <p:blipFill>
+            <a:blip r:embed="rId3"/>
+            <a:srcRect l="8961" r="51571"/>
+            <a:stretch/>
+          </p:blipFill>
+          <p:spPr>
+            <a:xfrm>
+              <a:off x="10734840" y="6112080"/>
+              <a:ext cx="1456920" cy="745560"/>
+            </a:xfrm>
+            <a:prstGeom prst="rect">
+              <a:avLst/>
+            </a:prstGeom>
+            <a:ln>
+              <a:noFill/>
+            </a:ln>
+          </p:spPr>
+        </p:pic>
+      </p:grpSp>
     </p:spTree>
     <p:extLst>
       <p:ext uri="{BB962C8B-B14F-4D97-AF65-F5344CB8AC3E}">
@@ -6760,14 +6879,104 @@
         </p:blipFill>
         <p:spPr>
           <a:xfrm>
-            <a:off x="643467" y="975360"/>
-            <a:ext cx="10905066" cy="4907278"/>
+            <a:off x="0" y="1039094"/>
+            <a:ext cx="9143820" cy="4114716"/>
           </a:xfrm>
           <a:prstGeom prst="rect">
             <a:avLst/>
           </a:prstGeom>
         </p:spPr>
       </p:pic>
+      <p:grpSp>
+        <p:nvGrpSpPr>
+          <p:cNvPr id="7" name="Group 1">
+            <a:extLst>
+              <a:ext uri="{FF2B5EF4-FFF2-40B4-BE49-F238E27FC236}">
+                <a16:creationId xmlns:a16="http://schemas.microsoft.com/office/drawing/2014/main" id="{E3AE44E3-B67E-45B7-A361-8729A4F06405}"/>
+              </a:ext>
+            </a:extLst>
+          </p:cNvPr>
+          <p:cNvGrpSpPr/>
+          <p:nvPr/>
+        </p:nvGrpSpPr>
+        <p:grpSpPr>
+          <a:xfrm>
+            <a:off x="0" y="6298830"/>
+            <a:ext cx="9143820" cy="559170"/>
+            <a:chOff x="0" y="6112080"/>
+            <a:chExt cx="12191760" cy="745560"/>
+          </a:xfrm>
+        </p:grpSpPr>
+        <p:sp>
+          <p:nvSpPr>
+            <p:cNvPr id="8" name="Line 2">
+              <a:extLst>
+                <a:ext uri="{FF2B5EF4-FFF2-40B4-BE49-F238E27FC236}">
+                  <a16:creationId xmlns:a16="http://schemas.microsoft.com/office/drawing/2014/main" id="{FFE1DAC4-9E91-401B-AA59-9B4DCBFC156A}"/>
+                </a:ext>
+              </a:extLst>
+            </p:cNvPr>
+            <p:cNvSpPr/>
+            <p:nvPr/>
+          </p:nvSpPr>
+          <p:spPr>
+            <a:xfrm>
+              <a:off x="0" y="6148440"/>
+              <a:ext cx="12191760" cy="0"/>
+            </a:xfrm>
+            <a:prstGeom prst="line">
+              <a:avLst/>
+            </a:prstGeom>
+            <a:ln w="76320">
+              <a:solidFill>
+                <a:srgbClr val="33B395"/>
+              </a:solidFill>
+            </a:ln>
+          </p:spPr>
+          <p:style>
+            <a:lnRef idx="1">
+              <a:schemeClr val="accent1"/>
+            </a:lnRef>
+            <a:fillRef idx="0">
+              <a:schemeClr val="accent1"/>
+            </a:fillRef>
+            <a:effectRef idx="0">
+              <a:schemeClr val="accent1"/>
+            </a:effectRef>
+            <a:fontRef idx="minor"/>
+          </p:style>
+        </p:sp>
+        <p:pic>
+          <p:nvPicPr>
+            <p:cNvPr id="9" name="Picture 2">
+              <a:extLst>
+                <a:ext uri="{FF2B5EF4-FFF2-40B4-BE49-F238E27FC236}">
+                  <a16:creationId xmlns:a16="http://schemas.microsoft.com/office/drawing/2014/main" id="{19672894-136A-4E65-B0A8-D3A818E75822}"/>
+                </a:ext>
+              </a:extLst>
+            </p:cNvPr>
+            <p:cNvPicPr/>
+            <p:nvPr/>
+          </p:nvPicPr>
+          <p:blipFill>
+            <a:blip r:embed="rId3"/>
+            <a:srcRect l="8961" r="51571"/>
+            <a:stretch/>
+          </p:blipFill>
+          <p:spPr>
+            <a:xfrm>
+              <a:off x="10734840" y="6112080"/>
+              <a:ext cx="1456920" cy="745560"/>
+            </a:xfrm>
+            <a:prstGeom prst="rect">
+              <a:avLst/>
+            </a:prstGeom>
+            <a:ln>
+              <a:noFill/>
+            </a:ln>
+          </p:spPr>
+        </p:pic>
+      </p:grpSp>
     </p:spTree>
     <p:extLst>
       <p:ext uri="{BB962C8B-B14F-4D97-AF65-F5344CB8AC3E}">
@@ -6828,14 +7037,104 @@
         </p:blipFill>
         <p:spPr>
           <a:xfrm>
-            <a:off x="643467" y="1275250"/>
-            <a:ext cx="10905066" cy="4307499"/>
+            <a:off x="142240" y="1679246"/>
+            <a:ext cx="8859520" cy="3499508"/>
           </a:xfrm>
           <a:prstGeom prst="rect">
             <a:avLst/>
           </a:prstGeom>
         </p:spPr>
       </p:pic>
+      <p:grpSp>
+        <p:nvGrpSpPr>
+          <p:cNvPr id="7" name="Group 1">
+            <a:extLst>
+              <a:ext uri="{FF2B5EF4-FFF2-40B4-BE49-F238E27FC236}">
+                <a16:creationId xmlns:a16="http://schemas.microsoft.com/office/drawing/2014/main" id="{69E45D1D-DF33-4AF7-B378-A323EEB03B61}"/>
+              </a:ext>
+            </a:extLst>
+          </p:cNvPr>
+          <p:cNvGrpSpPr/>
+          <p:nvPr/>
+        </p:nvGrpSpPr>
+        <p:grpSpPr>
+          <a:xfrm>
+            <a:off x="0" y="6298830"/>
+            <a:ext cx="9143820" cy="559170"/>
+            <a:chOff x="0" y="6112080"/>
+            <a:chExt cx="12191760" cy="745560"/>
+          </a:xfrm>
+        </p:grpSpPr>
+        <p:sp>
+          <p:nvSpPr>
+            <p:cNvPr id="8" name="Line 2">
+              <a:extLst>
+                <a:ext uri="{FF2B5EF4-FFF2-40B4-BE49-F238E27FC236}">
+                  <a16:creationId xmlns:a16="http://schemas.microsoft.com/office/drawing/2014/main" id="{DCA4445B-6772-498C-A7AB-7DFAFBAC5AE5}"/>
+                </a:ext>
+              </a:extLst>
+            </p:cNvPr>
+            <p:cNvSpPr/>
+            <p:nvPr/>
+          </p:nvSpPr>
+          <p:spPr>
+            <a:xfrm>
+              <a:off x="0" y="6148440"/>
+              <a:ext cx="12191760" cy="0"/>
+            </a:xfrm>
+            <a:prstGeom prst="line">
+              <a:avLst/>
+            </a:prstGeom>
+            <a:ln w="76320">
+              <a:solidFill>
+                <a:srgbClr val="33B395"/>
+              </a:solidFill>
+            </a:ln>
+          </p:spPr>
+          <p:style>
+            <a:lnRef idx="1">
+              <a:schemeClr val="accent1"/>
+            </a:lnRef>
+            <a:fillRef idx="0">
+              <a:schemeClr val="accent1"/>
+            </a:fillRef>
+            <a:effectRef idx="0">
+              <a:schemeClr val="accent1"/>
+            </a:effectRef>
+            <a:fontRef idx="minor"/>
+          </p:style>
+        </p:sp>
+        <p:pic>
+          <p:nvPicPr>
+            <p:cNvPr id="9" name="Picture 2">
+              <a:extLst>
+                <a:ext uri="{FF2B5EF4-FFF2-40B4-BE49-F238E27FC236}">
+                  <a16:creationId xmlns:a16="http://schemas.microsoft.com/office/drawing/2014/main" id="{D5539549-5799-4008-BA33-AFDF2F4026DE}"/>
+                </a:ext>
+              </a:extLst>
+            </p:cNvPr>
+            <p:cNvPicPr/>
+            <p:nvPr/>
+          </p:nvPicPr>
+          <p:blipFill>
+            <a:blip r:embed="rId3"/>
+            <a:srcRect l="8961" r="51571"/>
+            <a:stretch/>
+          </p:blipFill>
+          <p:spPr>
+            <a:xfrm>
+              <a:off x="10734840" y="6112080"/>
+              <a:ext cx="1456920" cy="745560"/>
+            </a:xfrm>
+            <a:prstGeom prst="rect">
+              <a:avLst/>
+            </a:prstGeom>
+            <a:ln>
+              <a:noFill/>
+            </a:ln>
+          </p:spPr>
+        </p:pic>
+      </p:grpSp>
     </p:spTree>
     <p:extLst>
       <p:ext uri="{BB962C8B-B14F-4D97-AF65-F5344CB8AC3E}">
@@ -6896,14 +7195,104 @@
         </p:blipFill>
         <p:spPr>
           <a:xfrm>
-            <a:off x="643467" y="1207092"/>
-            <a:ext cx="10905066" cy="4443814"/>
+            <a:off x="180" y="1565984"/>
+            <a:ext cx="9143640" cy="3726032"/>
           </a:xfrm>
           <a:prstGeom prst="rect">
             <a:avLst/>
           </a:prstGeom>
         </p:spPr>
       </p:pic>
+      <p:grpSp>
+        <p:nvGrpSpPr>
+          <p:cNvPr id="7" name="Group 1">
+            <a:extLst>
+              <a:ext uri="{FF2B5EF4-FFF2-40B4-BE49-F238E27FC236}">
+                <a16:creationId xmlns:a16="http://schemas.microsoft.com/office/drawing/2014/main" id="{61DDA6E1-3A7F-4E2A-8729-6E8F55F8EDA1}"/>
+              </a:ext>
+            </a:extLst>
+          </p:cNvPr>
+          <p:cNvGrpSpPr/>
+          <p:nvPr/>
+        </p:nvGrpSpPr>
+        <p:grpSpPr>
+          <a:xfrm>
+            <a:off x="0" y="6298830"/>
+            <a:ext cx="9143820" cy="559170"/>
+            <a:chOff x="0" y="6112080"/>
+            <a:chExt cx="12191760" cy="745560"/>
+          </a:xfrm>
+        </p:grpSpPr>
+        <p:sp>
+          <p:nvSpPr>
+            <p:cNvPr id="8" name="Line 2">
+              <a:extLst>
+                <a:ext uri="{FF2B5EF4-FFF2-40B4-BE49-F238E27FC236}">
+                  <a16:creationId xmlns:a16="http://schemas.microsoft.com/office/drawing/2014/main" id="{F8AA7DC5-C2E3-439B-9CBE-CEF4521463B7}"/>
+                </a:ext>
+              </a:extLst>
+            </p:cNvPr>
+            <p:cNvSpPr/>
+            <p:nvPr/>
+          </p:nvSpPr>
+          <p:spPr>
+            <a:xfrm>
+              <a:off x="0" y="6148440"/>
+              <a:ext cx="12191760" cy="0"/>
+            </a:xfrm>
+            <a:prstGeom prst="line">
+              <a:avLst/>
+            </a:prstGeom>
+            <a:ln w="76320">
+              <a:solidFill>
+                <a:srgbClr val="33B395"/>
+              </a:solidFill>
+            </a:ln>
+          </p:spPr>
+          <p:style>
+            <a:lnRef idx="1">
+              <a:schemeClr val="accent1"/>
+            </a:lnRef>
+            <a:fillRef idx="0">
+              <a:schemeClr val="accent1"/>
+            </a:fillRef>
+            <a:effectRef idx="0">
+              <a:schemeClr val="accent1"/>
+            </a:effectRef>
+            <a:fontRef idx="minor"/>
+          </p:style>
+        </p:sp>
+        <p:pic>
+          <p:nvPicPr>
+            <p:cNvPr id="9" name="Picture 2">
+              <a:extLst>
+                <a:ext uri="{FF2B5EF4-FFF2-40B4-BE49-F238E27FC236}">
+                  <a16:creationId xmlns:a16="http://schemas.microsoft.com/office/drawing/2014/main" id="{D63DBAAB-1B9E-4A87-8382-BE1FDF0BE961}"/>
+                </a:ext>
+              </a:extLst>
+            </p:cNvPr>
+            <p:cNvPicPr/>
+            <p:nvPr/>
+          </p:nvPicPr>
+          <p:blipFill>
+            <a:blip r:embed="rId3"/>
+            <a:srcRect l="8961" r="51571"/>
+            <a:stretch/>
+          </p:blipFill>
+          <p:spPr>
+            <a:xfrm>
+              <a:off x="10734840" y="6112080"/>
+              <a:ext cx="1456920" cy="745560"/>
+            </a:xfrm>
+            <a:prstGeom prst="rect">
+              <a:avLst/>
+            </a:prstGeom>
+            <a:ln>
+              <a:noFill/>
+            </a:ln>
+          </p:spPr>
+        </p:pic>
+      </p:grpSp>
     </p:spTree>
     <p:extLst>
       <p:ext uri="{BB962C8B-B14F-4D97-AF65-F5344CB8AC3E}">
@@ -6964,14 +7353,104 @@
         </p:blipFill>
         <p:spPr>
           <a:xfrm>
-            <a:off x="643467" y="1138936"/>
-            <a:ext cx="10905066" cy="4580126"/>
+            <a:off x="180" y="1508837"/>
+            <a:ext cx="9143640" cy="3840326"/>
           </a:xfrm>
           <a:prstGeom prst="rect">
             <a:avLst/>
           </a:prstGeom>
         </p:spPr>
       </p:pic>
+      <p:grpSp>
+        <p:nvGrpSpPr>
+          <p:cNvPr id="7" name="Group 1">
+            <a:extLst>
+              <a:ext uri="{FF2B5EF4-FFF2-40B4-BE49-F238E27FC236}">
+                <a16:creationId xmlns:a16="http://schemas.microsoft.com/office/drawing/2014/main" id="{E66E1AC9-1835-4B7C-9470-F9A28AEF4B0B}"/>
+              </a:ext>
+            </a:extLst>
+          </p:cNvPr>
+          <p:cNvGrpSpPr/>
+          <p:nvPr/>
+        </p:nvGrpSpPr>
+        <p:grpSpPr>
+          <a:xfrm>
+            <a:off x="0" y="6298830"/>
+            <a:ext cx="9143820" cy="559170"/>
+            <a:chOff x="0" y="6112080"/>
+            <a:chExt cx="12191760" cy="745560"/>
+          </a:xfrm>
+        </p:grpSpPr>
+        <p:sp>
+          <p:nvSpPr>
+            <p:cNvPr id="8" name="Line 2">
+              <a:extLst>
+                <a:ext uri="{FF2B5EF4-FFF2-40B4-BE49-F238E27FC236}">
+                  <a16:creationId xmlns:a16="http://schemas.microsoft.com/office/drawing/2014/main" id="{152865C9-D409-4626-BE5B-8DF309585585}"/>
+                </a:ext>
+              </a:extLst>
+            </p:cNvPr>
+            <p:cNvSpPr/>
+            <p:nvPr/>
+          </p:nvSpPr>
+          <p:spPr>
+            <a:xfrm>
+              <a:off x="0" y="6148440"/>
+              <a:ext cx="12191760" cy="0"/>
+            </a:xfrm>
+            <a:prstGeom prst="line">
+              <a:avLst/>
+            </a:prstGeom>
+            <a:ln w="76320">
+              <a:solidFill>
+                <a:srgbClr val="33B395"/>
+              </a:solidFill>
+            </a:ln>
+          </p:spPr>
+          <p:style>
+            <a:lnRef idx="1">
+              <a:schemeClr val="accent1"/>
+            </a:lnRef>
+            <a:fillRef idx="0">
+              <a:schemeClr val="accent1"/>
+            </a:fillRef>
+            <a:effectRef idx="0">
+              <a:schemeClr val="accent1"/>
+            </a:effectRef>
+            <a:fontRef idx="minor"/>
+          </p:style>
+        </p:sp>
+        <p:pic>
+          <p:nvPicPr>
+            <p:cNvPr id="9" name="Picture 2">
+              <a:extLst>
+                <a:ext uri="{FF2B5EF4-FFF2-40B4-BE49-F238E27FC236}">
+                  <a16:creationId xmlns:a16="http://schemas.microsoft.com/office/drawing/2014/main" id="{F052A361-8110-4F51-BAF3-C55AFD174F6F}"/>
+                </a:ext>
+              </a:extLst>
+            </p:cNvPr>
+            <p:cNvPicPr/>
+            <p:nvPr/>
+          </p:nvPicPr>
+          <p:blipFill>
+            <a:blip r:embed="rId3"/>
+            <a:srcRect l="8961" r="51571"/>
+            <a:stretch/>
+          </p:blipFill>
+          <p:spPr>
+            <a:xfrm>
+              <a:off x="10734840" y="6112080"/>
+              <a:ext cx="1456920" cy="745560"/>
+            </a:xfrm>
+            <a:prstGeom prst="rect">
+              <a:avLst/>
+            </a:prstGeom>
+            <a:ln>
+              <a:noFill/>
+            </a:ln>
+          </p:spPr>
+        </p:pic>
+      </p:grpSp>
     </p:spTree>
     <p:extLst>
       <p:ext uri="{BB962C8B-B14F-4D97-AF65-F5344CB8AC3E}">
@@ -7010,8 +7489,8 @@
         </p:nvSpPr>
         <p:spPr>
           <a:xfrm>
-            <a:off x="838080" y="365040"/>
-            <a:ext cx="10515240" cy="1325160"/>
+            <a:off x="628560" y="1131030"/>
+            <a:ext cx="7886430" cy="993870"/>
           </a:xfrm>
           <a:prstGeom prst="rect">
             <a:avLst/>
@@ -7033,7 +7512,7 @@
               </a:lnSpc>
             </a:pPr>
             <a:r>
-              <a:rPr lang="en-US" sz="4400" b="0" strike="noStrike" spc="-1">
+              <a:rPr lang="en-US" sz="3300" spc="-1">
                 <a:solidFill>
                   <a:srgbClr val="000000"/>
                 </a:solidFill>
@@ -7041,7 +7520,7 @@
               </a:rPr>
               <a:t>Introduction</a:t>
             </a:r>
-            <a:endParaRPr lang="en-US" sz="4400" b="0" strike="noStrike" spc="-1">
+            <a:endParaRPr lang="en-US" sz="3300" spc="-1">
               <a:solidFill>
                 <a:srgbClr val="000000"/>
               </a:solidFill>
@@ -7058,8 +7537,8 @@
         </p:nvSpPr>
         <p:spPr>
           <a:xfrm>
-            <a:off x="838080" y="1825560"/>
-            <a:ext cx="10515240" cy="4350960"/>
+            <a:off x="628560" y="2226420"/>
+            <a:ext cx="7886430" cy="3263220"/>
           </a:xfrm>
           <a:prstGeom prst="rect">
             <a:avLst/>
@@ -7071,16 +7550,16 @@
         </p:spPr>
         <p:txBody>
           <a:bodyPr>
-            <a:normAutofit/>
+            <a:noAutofit/>
           </a:bodyPr>
           <a:lstStyle/>
           <a:p>
-            <a:pPr marL="228600" indent="-228240">
+            <a:pPr marL="171450" indent="-171180">
               <a:lnSpc>
                 <a:spcPct val="90000"/>
               </a:lnSpc>
               <a:spcBef>
-                <a:spcPts val="1001"/>
+                <a:spcPts val="751"/>
               </a:spcBef>
               <a:buClr>
                 <a:srgbClr val="000000"/>
@@ -7089,7 +7568,7 @@
               <a:buChar char="•"/>
             </a:pPr>
             <a:r>
-              <a:rPr lang="en-US" sz="2800" b="0" strike="noStrike" spc="-1">
+              <a:rPr lang="en-US" sz="2200" spc="-1" dirty="0">
                 <a:solidFill>
                   <a:srgbClr val="000000"/>
                 </a:solidFill>
@@ -7099,12 +7578,12 @@
             </a:r>
           </a:p>
           <a:p>
-            <a:pPr marL="685800" lvl="1" indent="-228240">
+            <a:pPr marL="514350" lvl="1" indent="-171180">
               <a:lnSpc>
                 <a:spcPct val="90000"/>
               </a:lnSpc>
               <a:spcBef>
-                <a:spcPts val="499"/>
+                <a:spcPts val="374"/>
               </a:spcBef>
               <a:buClr>
                 <a:srgbClr val="000000"/>
@@ -7113,7 +7592,7 @@
               <a:buChar char="•"/>
             </a:pPr>
             <a:r>
-              <a:rPr lang="en-US" sz="2400" b="0" strike="noStrike" spc="-1">
+              <a:rPr lang="en-US" sz="2200" spc="-1" dirty="0">
                 <a:solidFill>
                   <a:srgbClr val="000000"/>
                 </a:solidFill>
@@ -7122,7 +7601,7 @@
               <a:t>Random variable </a:t>
             </a:r>
             <a:r>
-              <a:rPr lang="en-US" sz="2400" b="1" strike="noStrike" spc="-1">
+              <a:rPr lang="en-US" sz="2200" b="1" spc="-1" dirty="0">
                 <a:solidFill>
                   <a:srgbClr val="000000"/>
                 </a:solidFill>
@@ -7131,7 +7610,7 @@
               <a:t>outcome</a:t>
             </a:r>
             <a:r>
-              <a:rPr lang="en-US" sz="2400" b="0" strike="noStrike" spc="-1">
+              <a:rPr lang="en-US" sz="2200" spc="-1" dirty="0">
                 <a:solidFill>
                   <a:srgbClr val="000000"/>
                 </a:solidFill>
@@ -7140,7 +7619,7 @@
               <a:t> </a:t>
             </a:r>
             <a:r>
-              <a:rPr lang="en-US" sz="2400" b="0" i="1" strike="noStrike" spc="-1">
+              <a:rPr lang="en-US" sz="2200" i="1" spc="-1" dirty="0">
                 <a:solidFill>
                   <a:srgbClr val="000000"/>
                 </a:solidFill>
@@ -7150,7 +7629,7 @@
               <a:t>Y </a:t>
             </a:r>
             <a:r>
-              <a:rPr lang="en-US" sz="2400" b="0" strike="noStrike" spc="-1">
+              <a:rPr lang="en-US" sz="2200" spc="-1" dirty="0">
                 <a:solidFill>
                   <a:srgbClr val="000000"/>
                 </a:solidFill>
@@ -7160,7 +7639,7 @@
               <a:t>can be predicted using input variables </a:t>
             </a:r>
             <a:r>
-              <a:rPr lang="en-US" sz="2400" b="1" i="1" strike="noStrike" spc="-1">
+              <a:rPr lang="en-US" sz="2200" b="1" i="1" spc="-1" dirty="0">
                 <a:solidFill>
                   <a:srgbClr val="000000"/>
                 </a:solidFill>
@@ -7169,7 +7648,7 @@
               </a:rPr>
               <a:t>X</a:t>
             </a:r>
-            <a:endParaRPr lang="en-US" sz="2400" b="0" strike="noStrike" spc="-1">
+            <a:endParaRPr lang="en-US" sz="2200" spc="-1" dirty="0">
               <a:solidFill>
                 <a:srgbClr val="000000"/>
               </a:solidFill>
@@ -7177,12 +7656,12 @@
             </a:endParaRPr>
           </a:p>
           <a:p>
-            <a:pPr marL="228600" indent="-228240">
+            <a:pPr marL="171450" indent="-171180">
               <a:lnSpc>
                 <a:spcPct val="90000"/>
               </a:lnSpc>
               <a:spcBef>
-                <a:spcPts val="1001"/>
+                <a:spcPts val="751"/>
               </a:spcBef>
               <a:buClr>
                 <a:srgbClr val="000000"/>
@@ -7191,7 +7670,7 @@
               <a:buChar char="•"/>
             </a:pPr>
             <a:r>
-              <a:rPr lang="en-US" sz="2800" b="0" strike="noStrike" spc="-1">
+              <a:rPr lang="en-US" sz="2200" spc="-1" dirty="0">
                 <a:solidFill>
                   <a:srgbClr val="000000"/>
                 </a:solidFill>
@@ -7201,7 +7680,7 @@
               <a:t>Input features </a:t>
             </a:r>
             <a:r>
-              <a:rPr lang="en-US" sz="2800" b="1" i="1" strike="noStrike" spc="-1">
+              <a:rPr lang="en-US" sz="2200" b="1" i="1" spc="-1" dirty="0">
                 <a:solidFill>
                   <a:srgbClr val="000000"/>
                 </a:solidFill>
@@ -7210,7 +7689,7 @@
               </a:rPr>
               <a:t>X : </a:t>
             </a:r>
-            <a:endParaRPr lang="en-US" sz="2800" b="0" strike="noStrike" spc="-1">
+            <a:endParaRPr lang="en-US" sz="2200" spc="-1" dirty="0">
               <a:solidFill>
                 <a:srgbClr val="000000"/>
               </a:solidFill>
@@ -7218,12 +7697,12 @@
             </a:endParaRPr>
           </a:p>
           <a:p>
-            <a:pPr marL="971640" lvl="1" indent="-514080">
+            <a:pPr marL="728730" lvl="1" indent="-385560">
               <a:lnSpc>
                 <a:spcPct val="90000"/>
               </a:lnSpc>
               <a:spcBef>
-                <a:spcPts val="499"/>
+                <a:spcPts val="374"/>
               </a:spcBef>
               <a:buClr>
                 <a:srgbClr val="000000"/>
@@ -7232,7 +7711,7 @@
               <a:buAutoNum type="arabicPeriod"/>
             </a:pPr>
             <a:r>
-              <a:rPr lang="en-US" sz="2400" b="0" strike="noStrike" spc="-1">
+              <a:rPr lang="en-US" sz="2200" spc="-1" dirty="0">
                 <a:solidFill>
                   <a:srgbClr val="000000"/>
                 </a:solidFill>
@@ -7241,7 +7720,7 @@
               </a:rPr>
               <a:t># home games</a:t>
             </a:r>
-            <a:endParaRPr lang="en-US" sz="2400" b="0" strike="noStrike" spc="-1">
+            <a:endParaRPr lang="en-US" sz="2200" spc="-1" dirty="0">
               <a:solidFill>
                 <a:srgbClr val="000000"/>
               </a:solidFill>
@@ -7249,12 +7728,12 @@
             </a:endParaRPr>
           </a:p>
           <a:p>
-            <a:pPr marL="971640" lvl="1" indent="-514080">
+            <a:pPr marL="728730" lvl="1" indent="-385560">
               <a:lnSpc>
                 <a:spcPct val="90000"/>
               </a:lnSpc>
               <a:spcBef>
-                <a:spcPts val="499"/>
+                <a:spcPts val="374"/>
               </a:spcBef>
               <a:buClr>
                 <a:srgbClr val="000000"/>
@@ -7263,7 +7742,7 @@
               <a:buAutoNum type="arabicPeriod"/>
             </a:pPr>
             <a:r>
-              <a:rPr lang="en-US" sz="2400" b="0" strike="noStrike" spc="-1">
+              <a:rPr lang="en-US" sz="2200" spc="-1" dirty="0">
                 <a:solidFill>
                   <a:srgbClr val="000000"/>
                 </a:solidFill>
@@ -7272,7 +7751,7 @@
               </a:rPr>
               <a:t># home goals</a:t>
             </a:r>
-            <a:endParaRPr lang="en-US" sz="2400" b="0" strike="noStrike" spc="-1">
+            <a:endParaRPr lang="en-US" sz="2200" spc="-1" dirty="0">
               <a:solidFill>
                 <a:srgbClr val="000000"/>
               </a:solidFill>
@@ -7280,12 +7759,12 @@
             </a:endParaRPr>
           </a:p>
           <a:p>
-            <a:pPr marL="971640" lvl="1" indent="-514080">
+            <a:pPr marL="728730" lvl="1" indent="-385560">
               <a:lnSpc>
                 <a:spcPct val="90000"/>
               </a:lnSpc>
               <a:spcBef>
-                <a:spcPts val="499"/>
+                <a:spcPts val="374"/>
               </a:spcBef>
               <a:buClr>
                 <a:srgbClr val="000000"/>
@@ -7294,7 +7773,7 @@
               <a:buAutoNum type="arabicPeriod"/>
             </a:pPr>
             <a:r>
-              <a:rPr lang="en-US" sz="2400" b="0" strike="noStrike" spc="-1">
+              <a:rPr lang="en-US" sz="2200" spc="-1" dirty="0">
                 <a:solidFill>
                   <a:srgbClr val="000000"/>
                 </a:solidFill>
@@ -7303,7 +7782,7 @@
               </a:rPr>
               <a:t># away games</a:t>
             </a:r>
-            <a:endParaRPr lang="en-US" sz="2400" b="0" strike="noStrike" spc="-1">
+            <a:endParaRPr lang="en-US" sz="2200" spc="-1" dirty="0">
               <a:solidFill>
                 <a:srgbClr val="000000"/>
               </a:solidFill>
@@ -7311,12 +7790,12 @@
             </a:endParaRPr>
           </a:p>
           <a:p>
-            <a:pPr marL="971640" lvl="1" indent="-514080">
+            <a:pPr marL="728730" lvl="1" indent="-385560">
               <a:lnSpc>
                 <a:spcPct val="90000"/>
               </a:lnSpc>
               <a:spcBef>
-                <a:spcPts val="499"/>
+                <a:spcPts val="374"/>
               </a:spcBef>
               <a:buClr>
                 <a:srgbClr val="000000"/>
@@ -7325,7 +7804,7 @@
               <a:buAutoNum type="arabicPeriod"/>
             </a:pPr>
             <a:r>
-              <a:rPr lang="en-US" sz="2400" b="0" strike="noStrike" spc="-1">
+              <a:rPr lang="en-US" sz="2200" spc="-1" dirty="0">
                 <a:solidFill>
                   <a:srgbClr val="000000"/>
                 </a:solidFill>
@@ -7334,7 +7813,7 @@
               </a:rPr>
               <a:t># away goals</a:t>
             </a:r>
-            <a:endParaRPr lang="en-US" sz="2400" b="0" strike="noStrike" spc="-1">
+            <a:endParaRPr lang="en-US" sz="2200" spc="-1" dirty="0">
               <a:solidFill>
                 <a:srgbClr val="000000"/>
               </a:solidFill>
@@ -7342,12 +7821,12 @@
             </a:endParaRPr>
           </a:p>
           <a:p>
-            <a:pPr marL="971640" lvl="1" indent="-514080">
+            <a:pPr marL="728730" lvl="1" indent="-385560">
               <a:lnSpc>
                 <a:spcPct val="90000"/>
               </a:lnSpc>
               <a:spcBef>
-                <a:spcPts val="499"/>
+                <a:spcPts val="374"/>
               </a:spcBef>
               <a:buClr>
                 <a:srgbClr val="000000"/>
@@ -7356,7 +7835,7 @@
               <a:buAutoNum type="arabicPeriod"/>
             </a:pPr>
             <a:r>
-              <a:rPr lang="en-US" sz="2400" b="0" strike="noStrike" spc="-1">
+              <a:rPr lang="en-US" sz="2200" spc="-1" dirty="0">
                 <a:solidFill>
                   <a:srgbClr val="000000"/>
                 </a:solidFill>
@@ -7365,7 +7844,7 @@
               </a:rPr>
               <a:t>home goals/game</a:t>
             </a:r>
-            <a:endParaRPr lang="en-US" sz="2400" b="0" strike="noStrike" spc="-1">
+            <a:endParaRPr lang="en-US" sz="2200" spc="-1" dirty="0">
               <a:solidFill>
                 <a:srgbClr val="000000"/>
               </a:solidFill>
@@ -7373,12 +7852,12 @@
             </a:endParaRPr>
           </a:p>
           <a:p>
-            <a:pPr marL="971640" lvl="1" indent="-514080">
+            <a:pPr marL="728730" lvl="1" indent="-385560">
               <a:lnSpc>
                 <a:spcPct val="90000"/>
               </a:lnSpc>
               <a:spcBef>
-                <a:spcPts val="499"/>
+                <a:spcPts val="374"/>
               </a:spcBef>
               <a:buClr>
                 <a:srgbClr val="000000"/>
@@ -7387,7 +7866,7 @@
               <a:buAutoNum type="arabicPeriod"/>
             </a:pPr>
             <a:r>
-              <a:rPr lang="en-US" sz="2400" b="0" strike="noStrike" spc="-1">
+              <a:rPr lang="en-US" sz="2200" spc="-1" dirty="0">
                 <a:solidFill>
                   <a:srgbClr val="000000"/>
                 </a:solidFill>
@@ -7396,7 +7875,7 @@
               </a:rPr>
               <a:t>away goals/game</a:t>
             </a:r>
-            <a:endParaRPr lang="en-US" sz="2400" b="0" strike="noStrike" spc="-1">
+            <a:endParaRPr lang="en-US" sz="2200" spc="-1" dirty="0">
               <a:solidFill>
                 <a:srgbClr val="000000"/>
               </a:solidFill>
@@ -7409,10 +7888,10 @@
                 <a:spcPct val="90000"/>
               </a:lnSpc>
               <a:spcBef>
-                <a:spcPts val="1001"/>
+                <a:spcPts val="751"/>
               </a:spcBef>
             </a:pPr>
-            <a:endParaRPr lang="en-US" sz="2400" b="0" strike="noStrike" spc="-1">
+            <a:endParaRPr lang="en-US" sz="2200" spc="-1" dirty="0">
               <a:solidFill>
                 <a:srgbClr val="000000"/>
               </a:solidFill>
@@ -7423,21 +7902,33 @@
       </p:sp>
       <p:grpSp>
         <p:nvGrpSpPr>
-          <p:cNvPr id="132" name="Group 3"/>
+          <p:cNvPr id="7" name="Group 1">
+            <a:extLst>
+              <a:ext uri="{FF2B5EF4-FFF2-40B4-BE49-F238E27FC236}">
+                <a16:creationId xmlns:a16="http://schemas.microsoft.com/office/drawing/2014/main" id="{387B26FE-A611-4603-9033-8A1D614D93E1}"/>
+              </a:ext>
+            </a:extLst>
+          </p:cNvPr>
           <p:cNvGrpSpPr/>
           <p:nvPr/>
         </p:nvGrpSpPr>
         <p:grpSpPr>
           <a:xfrm>
-            <a:off x="0" y="6112080"/>
-            <a:ext cx="12191760" cy="745560"/>
+            <a:off x="0" y="6298830"/>
+            <a:ext cx="9143820" cy="559170"/>
             <a:chOff x="0" y="6112080"/>
             <a:chExt cx="12191760" cy="745560"/>
           </a:xfrm>
         </p:grpSpPr>
         <p:sp>
           <p:nvSpPr>
-            <p:cNvPr id="133" name="Line 4"/>
+            <p:cNvPr id="8" name="Line 2">
+              <a:extLst>
+                <a:ext uri="{FF2B5EF4-FFF2-40B4-BE49-F238E27FC236}">
+                  <a16:creationId xmlns:a16="http://schemas.microsoft.com/office/drawing/2014/main" id="{5C025EA5-E76A-41E2-A2F5-7F1D3DB6B4C9}"/>
+                </a:ext>
+              </a:extLst>
+            </p:cNvPr>
             <p:cNvSpPr/>
             <p:nvPr/>
           </p:nvSpPr>
@@ -7470,7 +7961,13 @@
         </p:sp>
         <p:pic>
           <p:nvPicPr>
-            <p:cNvPr id="134" name="Picture 2"/>
+            <p:cNvPr id="9" name="Picture 2">
+              <a:extLst>
+                <a:ext uri="{FF2B5EF4-FFF2-40B4-BE49-F238E27FC236}">
+                  <a16:creationId xmlns:a16="http://schemas.microsoft.com/office/drawing/2014/main" id="{0A89789A-826C-4F71-AAD4-D14FF1B89F38}"/>
+                </a:ext>
+              </a:extLst>
+            </p:cNvPr>
             <p:cNvPicPr/>
             <p:nvPr/>
           </p:nvPicPr>
@@ -7526,8 +8023,8 @@
         </p:nvSpPr>
         <p:spPr>
           <a:xfrm>
-            <a:off x="838080" y="365040"/>
-            <a:ext cx="10515240" cy="1325160"/>
+            <a:off x="628560" y="1131030"/>
+            <a:ext cx="7886430" cy="993870"/>
           </a:xfrm>
           <a:prstGeom prst="rect">
             <a:avLst/>
@@ -7549,7 +8046,7 @@
               </a:lnSpc>
             </a:pPr>
             <a:r>
-              <a:rPr lang="en-US" sz="4400" b="0" strike="noStrike" spc="-1">
+              <a:rPr lang="en-US" sz="3300" spc="-1">
                 <a:solidFill>
                   <a:srgbClr val="000000"/>
                 </a:solidFill>
@@ -7557,7 +8054,7 @@
               </a:rPr>
               <a:t>Methods</a:t>
             </a:r>
-            <a:endParaRPr lang="en-US" sz="4400" b="0" strike="noStrike" spc="-1">
+            <a:endParaRPr lang="en-US" sz="3300" spc="-1">
               <a:solidFill>
                 <a:srgbClr val="000000"/>
               </a:solidFill>
@@ -7566,78 +8063,6 @@
           </a:p>
         </p:txBody>
       </p:sp>
-      <p:grpSp>
-        <p:nvGrpSpPr>
-          <p:cNvPr id="136" name="Group 2"/>
-          <p:cNvGrpSpPr/>
-          <p:nvPr/>
-        </p:nvGrpSpPr>
-        <p:grpSpPr>
-          <a:xfrm>
-            <a:off x="0" y="6112080"/>
-            <a:ext cx="12191760" cy="745560"/>
-            <a:chOff x="0" y="6112080"/>
-            <a:chExt cx="12191760" cy="745560"/>
-          </a:xfrm>
-        </p:grpSpPr>
-        <p:sp>
-          <p:nvSpPr>
-            <p:cNvPr id="137" name="Line 3"/>
-            <p:cNvSpPr/>
-            <p:nvPr/>
-          </p:nvSpPr>
-          <p:spPr>
-            <a:xfrm>
-              <a:off x="0" y="6148440"/>
-              <a:ext cx="12191760" cy="0"/>
-            </a:xfrm>
-            <a:prstGeom prst="line">
-              <a:avLst/>
-            </a:prstGeom>
-            <a:ln w="76320">
-              <a:solidFill>
-                <a:srgbClr val="33B395"/>
-              </a:solidFill>
-            </a:ln>
-          </p:spPr>
-          <p:style>
-            <a:lnRef idx="1">
-              <a:schemeClr val="accent1"/>
-            </a:lnRef>
-            <a:fillRef idx="0">
-              <a:schemeClr val="accent1"/>
-            </a:fillRef>
-            <a:effectRef idx="0">
-              <a:schemeClr val="accent1"/>
-            </a:effectRef>
-            <a:fontRef idx="minor"/>
-          </p:style>
-        </p:sp>
-        <p:pic>
-          <p:nvPicPr>
-            <p:cNvPr id="138" name="Picture 2"/>
-            <p:cNvPicPr/>
-            <p:nvPr/>
-          </p:nvPicPr>
-          <p:blipFill>
-            <a:blip r:embed="rId2"/>
-            <a:srcRect l="8961" r="51571"/>
-            <a:stretch/>
-          </p:blipFill>
-          <p:spPr>
-            <a:xfrm>
-              <a:off x="10734840" y="6112080"/>
-              <a:ext cx="1456920" cy="745560"/>
-            </a:xfrm>
-            <a:prstGeom prst="rect">
-              <a:avLst/>
-            </a:prstGeom>
-            <a:ln>
-              <a:noFill/>
-            </a:ln>
-          </p:spPr>
-        </p:pic>
-      </p:grpSp>
       <p:sp>
         <p:nvSpPr>
           <p:cNvPr id="139" name="TextShape 4"/>
@@ -7646,8 +8071,8 @@
         </p:nvSpPr>
         <p:spPr>
           <a:xfrm>
-            <a:off x="838080" y="1825560"/>
-            <a:ext cx="3828600" cy="1012320"/>
+            <a:off x="628560" y="2226420"/>
+            <a:ext cx="2871450" cy="759240"/>
           </a:xfrm>
           <a:prstGeom prst="rect">
             <a:avLst/>
@@ -7663,12 +8088,12 @@
           </a:bodyPr>
           <a:lstStyle/>
           <a:p>
-            <a:pPr marL="228600" indent="-228240">
+            <a:pPr marL="171450" indent="-171180">
               <a:lnSpc>
                 <a:spcPct val="90000"/>
               </a:lnSpc>
               <a:spcBef>
-                <a:spcPts val="1001"/>
+                <a:spcPts val="751"/>
               </a:spcBef>
               <a:buClr>
                 <a:srgbClr val="000000"/>
@@ -7677,7 +8102,7 @@
               <a:buChar char="•"/>
             </a:pPr>
             <a:r>
-              <a:rPr lang="en-US" sz="2800" b="0" strike="noStrike" spc="-1">
+              <a:rPr lang="en-US" sz="2400" spc="-1" dirty="0">
                 <a:solidFill>
                   <a:srgbClr val="000000"/>
                 </a:solidFill>
@@ -7687,12 +8112,12 @@
             </a:r>
           </a:p>
           <a:p>
-            <a:pPr marL="228600" indent="-228240">
+            <a:pPr marL="171450" indent="-171180">
               <a:lnSpc>
                 <a:spcPct val="90000"/>
               </a:lnSpc>
               <a:spcBef>
-                <a:spcPts val="1001"/>
+                <a:spcPts val="751"/>
               </a:spcBef>
               <a:buClr>
                 <a:srgbClr val="000000"/>
@@ -7701,7 +8126,7 @@
               <a:buChar char="•"/>
             </a:pPr>
             <a:r>
-              <a:rPr lang="en-US" sz="2800" b="0" strike="noStrike" spc="-1">
+              <a:rPr lang="en-US" sz="2400" spc="-1" dirty="0">
                 <a:solidFill>
                   <a:srgbClr val="000000"/>
                 </a:solidFill>
@@ -7720,8 +8145,8 @@
         </p:nvSpPr>
         <p:spPr>
           <a:xfrm>
-            <a:off x="7629480" y="538200"/>
-            <a:ext cx="1233000" cy="1233000"/>
+            <a:off x="5722110" y="1260900"/>
+            <a:ext cx="924750" cy="924750"/>
           </a:xfrm>
           <a:prstGeom prst="ellipse">
             <a:avLst/>
@@ -7744,7 +8169,7 @@
           <a:fontRef idx="minor"/>
         </p:style>
         <p:txBody>
-          <a:bodyPr lIns="90000" tIns="45000" rIns="90000" bIns="45000" anchor="ctr">
+          <a:bodyPr lIns="67500" tIns="33750" rIns="67500" bIns="33750" anchor="ctr">
             <a:noAutofit/>
           </a:bodyPr>
           <a:lstStyle/>
@@ -7755,7 +8180,7 @@
               </a:lnSpc>
             </a:pPr>
             <a:r>
-              <a:rPr lang="en-US" sz="2400" b="0" i="1" strike="noStrike" spc="-1">
+              <a:rPr lang="en-US" i="1" spc="-1">
                 <a:solidFill>
                   <a:srgbClr val="000000"/>
                 </a:solidFill>
@@ -7765,7 +8190,7 @@
               <a:t>X</a:t>
             </a:r>
             <a:r>
-              <a:rPr lang="en-US" sz="2400" b="0" i="1" strike="noStrike" spc="-1" baseline="-25000">
+              <a:rPr lang="en-US" i="1" spc="-1" baseline="-25000">
                 <a:solidFill>
                   <a:srgbClr val="000000"/>
                 </a:solidFill>
@@ -7774,7 +8199,7 @@
               </a:rPr>
               <a:t>1</a:t>
             </a:r>
-            <a:endParaRPr lang="en-US" sz="2400" b="0" strike="noStrike" spc="-1">
+            <a:endParaRPr lang="en-US" spc="-1">
               <a:latin typeface="Arial"/>
             </a:endParaRPr>
           </a:p>
@@ -7785,7 +8210,7 @@
               </a:lnSpc>
             </a:pPr>
             <a:r>
-              <a:rPr lang="en-US" sz="2400" b="0" i="1" strike="noStrike" spc="-1">
+              <a:rPr lang="en-US" i="1" spc="-1">
                 <a:solidFill>
                   <a:srgbClr val="000000"/>
                 </a:solidFill>
@@ -7794,7 +8219,7 @@
               </a:rPr>
               <a:t>&gt;</a:t>
             </a:r>
-            <a:endParaRPr lang="en-US" sz="2400" b="0" strike="noStrike" spc="-1">
+            <a:endParaRPr lang="en-US" spc="-1">
               <a:latin typeface="Arial"/>
             </a:endParaRPr>
           </a:p>
@@ -7805,7 +8230,7 @@
               </a:lnSpc>
             </a:pPr>
             <a:r>
-              <a:rPr lang="en-US" sz="2400" b="0" i="1" strike="noStrike" spc="-1">
+              <a:rPr lang="en-US" i="1" spc="-1">
                 <a:solidFill>
                   <a:srgbClr val="000000"/>
                 </a:solidFill>
@@ -7815,7 +8240,7 @@
               <a:t>X</a:t>
             </a:r>
             <a:r>
-              <a:rPr lang="en-US" sz="2400" b="0" i="1" strike="noStrike" spc="-1" baseline="-25000">
+              <a:rPr lang="en-US" i="1" spc="-1" baseline="-25000">
                 <a:solidFill>
                   <a:srgbClr val="000000"/>
                 </a:solidFill>
@@ -7824,7 +8249,7 @@
               </a:rPr>
               <a:t>3</a:t>
             </a:r>
-            <a:endParaRPr lang="en-US" sz="2400" b="0" strike="noStrike" spc="-1">
+            <a:endParaRPr lang="en-US" spc="-1">
               <a:latin typeface="Arial"/>
             </a:endParaRPr>
           </a:p>
@@ -7838,8 +8263,8 @@
         </p:nvSpPr>
         <p:spPr>
           <a:xfrm>
-            <a:off x="5848560" y="2244960"/>
-            <a:ext cx="1233000" cy="1233000"/>
+            <a:off x="4386420" y="2540970"/>
+            <a:ext cx="924750" cy="924750"/>
           </a:xfrm>
           <a:prstGeom prst="ellipse">
             <a:avLst/>
@@ -7862,7 +8287,7 @@
           <a:fontRef idx="minor"/>
         </p:style>
         <p:txBody>
-          <a:bodyPr lIns="90000" tIns="45000" rIns="90000" bIns="45000" anchor="ctr">
+          <a:bodyPr lIns="67500" tIns="33750" rIns="67500" bIns="33750" anchor="ctr">
             <a:noAutofit/>
           </a:bodyPr>
           <a:lstStyle/>
@@ -7873,7 +8298,7 @@
               </a:lnSpc>
             </a:pPr>
             <a:r>
-              <a:rPr lang="en-US" sz="2400" b="0" i="1" strike="noStrike" spc="-1">
+              <a:rPr lang="en-US" i="1" spc="-1">
                 <a:solidFill>
                   <a:srgbClr val="000000"/>
                 </a:solidFill>
@@ -7883,7 +8308,7 @@
               <a:t>X</a:t>
             </a:r>
             <a:r>
-              <a:rPr lang="en-US" sz="2400" b="0" i="1" strike="noStrike" spc="-1" baseline="-25000">
+              <a:rPr lang="en-US" i="1" spc="-1" baseline="-25000">
                 <a:solidFill>
                   <a:srgbClr val="000000"/>
                 </a:solidFill>
@@ -7892,7 +8317,7 @@
               </a:rPr>
               <a:t>3</a:t>
             </a:r>
-            <a:endParaRPr lang="en-US" sz="2400" b="0" strike="noStrike" spc="-1">
+            <a:endParaRPr lang="en-US" spc="-1">
               <a:latin typeface="Arial"/>
             </a:endParaRPr>
           </a:p>
@@ -7903,7 +8328,7 @@
               </a:lnSpc>
             </a:pPr>
             <a:r>
-              <a:rPr lang="en-US" sz="2400" b="0" i="1" strike="noStrike" spc="-1">
+              <a:rPr lang="en-US" i="1" spc="-1">
                 <a:solidFill>
                   <a:srgbClr val="000000"/>
                 </a:solidFill>
@@ -7912,7 +8337,7 @@
               </a:rPr>
               <a:t>&gt; 1.3</a:t>
             </a:r>
-            <a:endParaRPr lang="en-US" sz="2400" b="0" strike="noStrike" spc="-1">
+            <a:endParaRPr lang="en-US" spc="-1">
               <a:latin typeface="Arial"/>
             </a:endParaRPr>
           </a:p>
@@ -7926,8 +8351,8 @@
         </p:nvSpPr>
         <p:spPr>
           <a:xfrm>
-            <a:off x="9279720" y="2236680"/>
-            <a:ext cx="1233000" cy="1233000"/>
+            <a:off x="6959790" y="2534760"/>
+            <a:ext cx="924750" cy="924750"/>
           </a:xfrm>
           <a:prstGeom prst="ellipse">
             <a:avLst/>
@@ -7950,7 +8375,7 @@
           <a:fontRef idx="minor"/>
         </p:style>
         <p:txBody>
-          <a:bodyPr lIns="90000" tIns="45000" rIns="90000" bIns="45000" anchor="ctr">
+          <a:bodyPr lIns="67500" tIns="33750" rIns="67500" bIns="33750" anchor="ctr">
             <a:noAutofit/>
           </a:bodyPr>
           <a:lstStyle/>
@@ -7961,7 +8386,7 @@
               </a:lnSpc>
             </a:pPr>
             <a:r>
-              <a:rPr lang="en-US" sz="2400" b="0" i="1" strike="noStrike" spc="-1">
+              <a:rPr lang="en-US" i="1" spc="-1">
                 <a:solidFill>
                   <a:srgbClr val="000000"/>
                 </a:solidFill>
@@ -7971,7 +8396,7 @@
               <a:t>X</a:t>
             </a:r>
             <a:r>
-              <a:rPr lang="en-US" sz="2400" b="0" i="1" strike="noStrike" spc="-1" baseline="-25000">
+              <a:rPr lang="en-US" i="1" spc="-1" baseline="-25000">
                 <a:solidFill>
                   <a:srgbClr val="000000"/>
                 </a:solidFill>
@@ -7980,7 +8405,7 @@
               </a:rPr>
               <a:t>5</a:t>
             </a:r>
-            <a:endParaRPr lang="en-US" sz="2400" b="0" strike="noStrike" spc="-1">
+            <a:endParaRPr lang="en-US" spc="-1">
               <a:latin typeface="Arial"/>
             </a:endParaRPr>
           </a:p>
@@ -7991,7 +8416,7 @@
               </a:lnSpc>
             </a:pPr>
             <a:r>
-              <a:rPr lang="en-US" sz="2400" b="0" i="1" strike="noStrike" spc="-1">
+              <a:rPr lang="en-US" i="1" spc="-1">
                 <a:solidFill>
                   <a:srgbClr val="000000"/>
                 </a:solidFill>
@@ -8000,7 +8425,7 @@
               </a:rPr>
               <a:t>&lt;</a:t>
             </a:r>
-            <a:endParaRPr lang="en-US" sz="2400" b="0" strike="noStrike" spc="-1">
+            <a:endParaRPr lang="en-US" spc="-1">
               <a:latin typeface="Arial"/>
             </a:endParaRPr>
           </a:p>
@@ -8011,7 +8436,7 @@
               </a:lnSpc>
             </a:pPr>
             <a:r>
-              <a:rPr lang="en-US" sz="2400" b="0" i="1" strike="noStrike" spc="-1">
+              <a:rPr lang="en-US" i="1" spc="-1">
                 <a:solidFill>
                   <a:srgbClr val="000000"/>
                 </a:solidFill>
@@ -8021,7 +8446,7 @@
               <a:t>X</a:t>
             </a:r>
             <a:r>
-              <a:rPr lang="en-US" sz="2400" b="0" i="1" strike="noStrike" spc="-1" baseline="-25000">
+              <a:rPr lang="en-US" i="1" spc="-1" baseline="-25000">
                 <a:solidFill>
                   <a:srgbClr val="000000"/>
                 </a:solidFill>
@@ -8030,7 +8455,7 @@
               </a:rPr>
               <a:t>6</a:t>
             </a:r>
-            <a:endParaRPr lang="en-US" sz="2400" b="0" strike="noStrike" spc="-1">
+            <a:endParaRPr lang="en-US" spc="-1">
               <a:latin typeface="Arial"/>
             </a:endParaRPr>
           </a:p>
@@ -8044,8 +8469,8 @@
         </p:nvSpPr>
         <p:spPr>
           <a:xfrm>
-            <a:off x="8682480" y="1590840"/>
-            <a:ext cx="1213920" cy="645480"/>
+            <a:off x="6511860" y="2050380"/>
+            <a:ext cx="910440" cy="484110"/>
           </a:xfrm>
           <a:custGeom>
             <a:avLst/>
@@ -8093,8 +8518,8 @@
         </p:nvSpPr>
         <p:spPr>
           <a:xfrm flipH="1">
-            <a:off x="6465600" y="1590840"/>
-            <a:ext cx="1344240" cy="653400"/>
+            <a:off x="4849200" y="2050380"/>
+            <a:ext cx="1008180" cy="490050"/>
           </a:xfrm>
           <a:custGeom>
             <a:avLst/>
@@ -8142,8 +8567,8 @@
         </p:nvSpPr>
         <p:spPr>
           <a:xfrm flipH="1">
-            <a:off x="8892360" y="3289680"/>
-            <a:ext cx="567000" cy="524880"/>
+            <a:off x="6669270" y="3324510"/>
+            <a:ext cx="425250" cy="393660"/>
           </a:xfrm>
           <a:custGeom>
             <a:avLst/>
@@ -8191,8 +8616,8 @@
         </p:nvSpPr>
         <p:spPr>
           <a:xfrm>
-            <a:off x="10332720" y="3289680"/>
-            <a:ext cx="584280" cy="520920"/>
+            <a:off x="7749540" y="3324510"/>
+            <a:ext cx="438210" cy="390690"/>
           </a:xfrm>
           <a:custGeom>
             <a:avLst/>
@@ -8234,91 +8659,61 @@
       </p:sp>
       <p:sp>
         <p:nvSpPr>
-          <p:cNvPr id="147" name="CustomShape 12"/>
+          <p:cNvPr id="148" name="CustomShape 13"/>
           <p:cNvSpPr/>
           <p:nvPr/>
         </p:nvSpPr>
         <p:spPr>
           <a:xfrm>
-            <a:off x="10300680" y="3810960"/>
-            <a:ext cx="1233000" cy="1233000"/>
+            <a:off x="7725375" y="3756220"/>
+            <a:ext cx="924750" cy="924750"/>
           </a:xfrm>
           <a:prstGeom prst="ellipse">
             <a:avLst/>
           </a:prstGeom>
-          <a:noFill/>
+          <a:blipFill rotWithShape="0">
+            <a:blip r:embed="rId2"/>
+            <a:stretch>
+              <a:fillRect b="-6034"/>
+            </a:stretch>
+          </a:blipFill>
           <a:ln w="76320">
             <a:solidFill>
               <a:srgbClr val="00B050"/>
             </a:solidFill>
+            <a:round/>
           </a:ln>
         </p:spPr>
         <p:style>
-          <a:lnRef idx="2">
-            <a:schemeClr val="accent1">
-              <a:shade val="50000"/>
-            </a:schemeClr>
+          <a:lnRef idx="0">
+            <a:scrgbClr r="0" g="0" b="0"/>
           </a:lnRef>
-          <a:fillRef idx="1">
-            <a:schemeClr val="accent1"/>
+          <a:fillRef idx="0">
+            <a:scrgbClr r="0" g="0" b="0"/>
           </a:fillRef>
           <a:effectRef idx="0">
-            <a:schemeClr val="accent1"/>
+            <a:scrgbClr r="0" g="0" b="0"/>
           </a:effectRef>
           <a:fontRef idx="minor"/>
         </p:style>
         <p:txBody>
-          <a:bodyPr lIns="90000" tIns="45000" rIns="90000" bIns="45000" anchor="ctr">
+          <a:bodyPr lIns="67500" tIns="33750" rIns="67500" bIns="33750">
             <a:noAutofit/>
           </a:bodyPr>
           <a:lstStyle/>
           <a:p>
-            <a:pPr algn="ctr">
-              <a:lnSpc>
-                <a:spcPct val="100000"/>
-              </a:lnSpc>
-            </a:pPr>
-            <a:endParaRPr lang="en-US" sz="1800" b="0" strike="noStrike" spc="-1">
-              <a:latin typeface="Arial"/>
-            </a:endParaRPr>
-          </a:p>
-          <a:p>
-            <a:pPr algn="ctr">
+            <a:pPr>
               <a:lnSpc>
                 <a:spcPct val="100000"/>
               </a:lnSpc>
             </a:pPr>
             <a:r>
-              <a:rPr lang="en-US" sz="2400" b="0" i="1" strike="noStrike" spc="-1">
-                <a:solidFill>
-                  <a:srgbClr val="000000"/>
-                </a:solidFill>
-                <a:latin typeface="Cambria Math"/>
-                <a:ea typeface="Cambria Math"/>
+              <a:rPr lang="en-US" sz="1350" spc="-1" dirty="0">
+                <a:latin typeface="Calibri"/>
               </a:rPr>
-              <a:t>= </a:t>
+              <a:t> </a:t>
             </a:r>
-            <a:endParaRPr lang="en-US" sz="2400" b="0" strike="noStrike" spc="-1">
-              <a:latin typeface="Arial"/>
-            </a:endParaRPr>
-          </a:p>
-          <a:p>
-            <a:pPr algn="ctr">
-              <a:lnSpc>
-                <a:spcPct val="100000"/>
-              </a:lnSpc>
-            </a:pPr>
-            <a:r>
-              <a:rPr lang="en-US" sz="2400" b="0" i="1" strike="noStrike" spc="-1">
-                <a:solidFill>
-                  <a:srgbClr val="000000"/>
-                </a:solidFill>
-                <a:latin typeface="Cambria Math"/>
-                <a:ea typeface="Cambria Math"/>
-              </a:rPr>
-              <a:t>W</a:t>
-            </a:r>
-            <a:endParaRPr lang="en-US" sz="2400" b="0" strike="noStrike" spc="-1">
+            <a:endParaRPr lang="en-US" sz="1350" spc="-1" dirty="0">
               <a:latin typeface="Arial"/>
             </a:endParaRPr>
           </a:p>
@@ -8326,14 +8721,14 @@
       </p:sp>
       <p:sp>
         <p:nvSpPr>
-          <p:cNvPr id="148" name="CustomShape 13"/>
+          <p:cNvPr id="150" name="CustomShape 15"/>
           <p:cNvSpPr/>
           <p:nvPr/>
         </p:nvSpPr>
         <p:spPr>
           <a:xfrm>
-            <a:off x="10300680" y="3810960"/>
-            <a:ext cx="1233000" cy="1233000"/>
+            <a:off x="6228700" y="3764320"/>
+            <a:ext cx="924750" cy="924750"/>
           </a:xfrm>
           <a:prstGeom prst="ellipse">
             <a:avLst/>
@@ -8364,7 +8759,7 @@
           <a:fontRef idx="minor"/>
         </p:style>
         <p:txBody>
-          <a:bodyPr lIns="90000" tIns="45000" rIns="90000" bIns="45000">
+          <a:bodyPr lIns="67500" tIns="33750" rIns="67500" bIns="33750">
             <a:noAutofit/>
           </a:bodyPr>
           <a:lstStyle/>
@@ -8375,12 +8770,12 @@
               </a:lnSpc>
             </a:pPr>
             <a:r>
-              <a:rPr lang="en-US" sz="1800" b="0" strike="noStrike" spc="-1">
+              <a:rPr lang="en-US" sz="1350" spc="-1">
                 <a:latin typeface="Calibri"/>
               </a:rPr>
               <a:t> </a:t>
             </a:r>
-            <a:endParaRPr lang="en-US" sz="1800" b="0" strike="noStrike" spc="-1">
+            <a:endParaRPr lang="en-US" sz="1350" spc="-1">
               <a:latin typeface="Arial"/>
             </a:endParaRPr>
           </a:p>
@@ -8388,91 +8783,61 @@
       </p:sp>
       <p:sp>
         <p:nvSpPr>
-          <p:cNvPr id="149" name="CustomShape 14"/>
+          <p:cNvPr id="152" name="CustomShape 17"/>
           <p:cNvSpPr/>
           <p:nvPr/>
         </p:nvSpPr>
         <p:spPr>
           <a:xfrm>
-            <a:off x="8276400" y="3814920"/>
-            <a:ext cx="1233000" cy="1233000"/>
+            <a:off x="5133825" y="3775783"/>
+            <a:ext cx="924750" cy="924750"/>
           </a:xfrm>
           <a:prstGeom prst="ellipse">
             <a:avLst/>
           </a:prstGeom>
-          <a:noFill/>
+          <a:blipFill rotWithShape="0">
+            <a:blip r:embed="rId4"/>
+            <a:stretch>
+              <a:fillRect b="-5542"/>
+            </a:stretch>
+          </a:blipFill>
           <a:ln w="76320">
             <a:solidFill>
               <a:srgbClr val="00B050"/>
             </a:solidFill>
+            <a:round/>
           </a:ln>
         </p:spPr>
         <p:style>
-          <a:lnRef idx="2">
-            <a:schemeClr val="accent1">
-              <a:shade val="50000"/>
-            </a:schemeClr>
+          <a:lnRef idx="0">
+            <a:scrgbClr r="0" g="0" b="0"/>
           </a:lnRef>
-          <a:fillRef idx="1">
-            <a:schemeClr val="accent1"/>
+          <a:fillRef idx="0">
+            <a:scrgbClr r="0" g="0" b="0"/>
           </a:fillRef>
           <a:effectRef idx="0">
-            <a:schemeClr val="accent1"/>
+            <a:scrgbClr r="0" g="0" b="0"/>
           </a:effectRef>
           <a:fontRef idx="minor"/>
         </p:style>
         <p:txBody>
-          <a:bodyPr lIns="90000" tIns="45000" rIns="90000" bIns="45000" anchor="ctr">
+          <a:bodyPr lIns="67500" tIns="33750" rIns="67500" bIns="33750">
             <a:noAutofit/>
           </a:bodyPr>
           <a:lstStyle/>
           <a:p>
-            <a:pPr algn="ctr">
-              <a:lnSpc>
-                <a:spcPct val="100000"/>
-              </a:lnSpc>
-            </a:pPr>
-            <a:endParaRPr lang="en-US" sz="1800" b="0" strike="noStrike" spc="-1">
-              <a:latin typeface="Arial"/>
-            </a:endParaRPr>
-          </a:p>
-          <a:p>
-            <a:pPr algn="ctr">
+            <a:pPr>
               <a:lnSpc>
                 <a:spcPct val="100000"/>
               </a:lnSpc>
             </a:pPr>
             <a:r>
-              <a:rPr lang="en-US" sz="2400" b="0" i="1" strike="noStrike" spc="-1">
-                <a:solidFill>
-                  <a:srgbClr val="000000"/>
-                </a:solidFill>
-                <a:latin typeface="Cambria Math"/>
-                <a:ea typeface="Cambria Math"/>
+              <a:rPr lang="en-US" sz="1350" spc="-1">
+                <a:latin typeface="Calibri"/>
               </a:rPr>
-              <a:t>= </a:t>
+              <a:t> </a:t>
             </a:r>
-            <a:endParaRPr lang="en-US" sz="2400" b="0" strike="noStrike" spc="-1">
-              <a:latin typeface="Arial"/>
-            </a:endParaRPr>
-          </a:p>
-          <a:p>
-            <a:pPr algn="ctr">
-              <a:lnSpc>
-                <a:spcPct val="100000"/>
-              </a:lnSpc>
-            </a:pPr>
-            <a:r>
-              <a:rPr lang="en-US" sz="2400" b="0" i="1" strike="noStrike" spc="-1">
-                <a:solidFill>
-                  <a:srgbClr val="000000"/>
-                </a:solidFill>
-                <a:latin typeface="Cambria Math"/>
-                <a:ea typeface="Cambria Math"/>
-              </a:rPr>
-              <a:t>T</a:t>
-            </a:r>
-            <a:endParaRPr lang="en-US" sz="2400" b="0" strike="noStrike" spc="-1">
+            <a:endParaRPr lang="en-US" sz="1350" spc="-1">
               <a:latin typeface="Arial"/>
             </a:endParaRPr>
           </a:p>
@@ -8480,20 +8845,20 @@
       </p:sp>
       <p:sp>
         <p:nvSpPr>
-          <p:cNvPr id="150" name="CustomShape 15"/>
+          <p:cNvPr id="154" name="CustomShape 19"/>
           <p:cNvSpPr/>
           <p:nvPr/>
         </p:nvSpPr>
         <p:spPr>
           <a:xfrm>
-            <a:off x="8276400" y="3814920"/>
-            <a:ext cx="1233000" cy="1233000"/>
+            <a:off x="3647025" y="3756220"/>
+            <a:ext cx="924750" cy="924750"/>
           </a:xfrm>
           <a:prstGeom prst="ellipse">
             <a:avLst/>
           </a:prstGeom>
           <a:blipFill rotWithShape="0">
-            <a:blip r:embed="rId4"/>
+            <a:blip r:embed="rId5"/>
             <a:stretch>
               <a:fillRect b="-6034"/>
             </a:stretch>
@@ -8518,7 +8883,7 @@
           <a:fontRef idx="minor"/>
         </p:style>
         <p:txBody>
-          <a:bodyPr lIns="90000" tIns="45000" rIns="90000" bIns="45000">
+          <a:bodyPr lIns="67500" tIns="33750" rIns="67500" bIns="33750">
             <a:noAutofit/>
           </a:bodyPr>
           <a:lstStyle/>
@@ -8529,320 +8894,12 @@
               </a:lnSpc>
             </a:pPr>
             <a:r>
-              <a:rPr lang="en-US" sz="1800" b="0" strike="noStrike" spc="-1">
+              <a:rPr lang="en-US" sz="1350" spc="-1">
                 <a:latin typeface="Calibri"/>
               </a:rPr>
               <a:t> </a:t>
             </a:r>
-            <a:endParaRPr lang="en-US" sz="1800" b="0" strike="noStrike" spc="-1">
-              <a:latin typeface="Arial"/>
-            </a:endParaRPr>
-          </a:p>
-        </p:txBody>
-      </p:sp>
-      <p:sp>
-        <p:nvSpPr>
-          <p:cNvPr id="151" name="CustomShape 16"/>
-          <p:cNvSpPr/>
-          <p:nvPr/>
-        </p:nvSpPr>
-        <p:spPr>
-          <a:xfrm>
-            <a:off x="6846480" y="3825360"/>
-            <a:ext cx="1233000" cy="1233000"/>
-          </a:xfrm>
-          <a:prstGeom prst="ellipse">
-            <a:avLst/>
-          </a:prstGeom>
-          <a:noFill/>
-          <a:ln w="76320">
-            <a:solidFill>
-              <a:srgbClr val="00B050"/>
-            </a:solidFill>
-          </a:ln>
-        </p:spPr>
-        <p:style>
-          <a:lnRef idx="2">
-            <a:schemeClr val="accent1">
-              <a:shade val="50000"/>
-            </a:schemeClr>
-          </a:lnRef>
-          <a:fillRef idx="1">
-            <a:schemeClr val="accent1"/>
-          </a:fillRef>
-          <a:effectRef idx="0">
-            <a:schemeClr val="accent1"/>
-          </a:effectRef>
-          <a:fontRef idx="minor"/>
-        </p:style>
-        <p:txBody>
-          <a:bodyPr lIns="90000" tIns="45000" rIns="90000" bIns="45000" anchor="ctr">
-            <a:noAutofit/>
-          </a:bodyPr>
-          <a:lstStyle/>
-          <a:p>
-            <a:pPr algn="ctr">
-              <a:lnSpc>
-                <a:spcPct val="100000"/>
-              </a:lnSpc>
-            </a:pPr>
-            <a:endParaRPr lang="en-US" sz="1800" b="0" strike="noStrike" spc="-1">
-              <a:latin typeface="Arial"/>
-            </a:endParaRPr>
-          </a:p>
-          <a:p>
-            <a:pPr algn="ctr">
-              <a:lnSpc>
-                <a:spcPct val="100000"/>
-              </a:lnSpc>
-            </a:pPr>
-            <a:r>
-              <a:rPr lang="en-US" sz="2400" b="0" i="1" strike="noStrike" spc="-1">
-                <a:solidFill>
-                  <a:srgbClr val="000000"/>
-                </a:solidFill>
-                <a:latin typeface="Cambria Math"/>
-                <a:ea typeface="Cambria Math"/>
-              </a:rPr>
-              <a:t>= </a:t>
-            </a:r>
-            <a:endParaRPr lang="en-US" sz="2400" b="0" strike="noStrike" spc="-1">
-              <a:latin typeface="Arial"/>
-            </a:endParaRPr>
-          </a:p>
-          <a:p>
-            <a:pPr algn="ctr">
-              <a:lnSpc>
-                <a:spcPct val="100000"/>
-              </a:lnSpc>
-            </a:pPr>
-            <a:r>
-              <a:rPr lang="en-US" sz="2400" b="0" i="1" strike="noStrike" spc="-1">
-                <a:solidFill>
-                  <a:srgbClr val="000000"/>
-                </a:solidFill>
-                <a:latin typeface="Cambria Math"/>
-                <a:ea typeface="Cambria Math"/>
-              </a:rPr>
-              <a:t>T</a:t>
-            </a:r>
-            <a:endParaRPr lang="en-US" sz="2400" b="0" strike="noStrike" spc="-1">
-              <a:latin typeface="Arial"/>
-            </a:endParaRPr>
-          </a:p>
-        </p:txBody>
-      </p:sp>
-      <p:sp>
-        <p:nvSpPr>
-          <p:cNvPr id="152" name="CustomShape 17"/>
-          <p:cNvSpPr/>
-          <p:nvPr/>
-        </p:nvSpPr>
-        <p:spPr>
-          <a:xfrm>
-            <a:off x="6846480" y="3825360"/>
-            <a:ext cx="1233000" cy="1233000"/>
-          </a:xfrm>
-          <a:prstGeom prst="ellipse">
-            <a:avLst/>
-          </a:prstGeom>
-          <a:blipFill rotWithShape="0">
-            <a:blip r:embed="rId5"/>
-            <a:stretch>
-              <a:fillRect b="-5542"/>
-            </a:stretch>
-          </a:blipFill>
-          <a:ln w="76320">
-            <a:solidFill>
-              <a:srgbClr val="00B050"/>
-            </a:solidFill>
-            <a:round/>
-          </a:ln>
-        </p:spPr>
-        <p:style>
-          <a:lnRef idx="0">
-            <a:scrgbClr r="0" g="0" b="0"/>
-          </a:lnRef>
-          <a:fillRef idx="0">
-            <a:scrgbClr r="0" g="0" b="0"/>
-          </a:fillRef>
-          <a:effectRef idx="0">
-            <a:scrgbClr r="0" g="0" b="0"/>
-          </a:effectRef>
-          <a:fontRef idx="minor"/>
-        </p:style>
-        <p:txBody>
-          <a:bodyPr lIns="90000" tIns="45000" rIns="90000" bIns="45000">
-            <a:noAutofit/>
-          </a:bodyPr>
-          <a:lstStyle/>
-          <a:p>
-            <a:pPr>
-              <a:lnSpc>
-                <a:spcPct val="100000"/>
-              </a:lnSpc>
-            </a:pPr>
-            <a:r>
-              <a:rPr lang="en-US" sz="1800" b="0" strike="noStrike" spc="-1">
-                <a:latin typeface="Calibri"/>
-              </a:rPr>
-              <a:t> </a:t>
-            </a:r>
-            <a:endParaRPr lang="en-US" sz="1800" b="0" strike="noStrike" spc="-1">
-              <a:latin typeface="Arial"/>
-            </a:endParaRPr>
-          </a:p>
-        </p:txBody>
-      </p:sp>
-      <p:sp>
-        <p:nvSpPr>
-          <p:cNvPr id="153" name="CustomShape 18"/>
-          <p:cNvSpPr/>
-          <p:nvPr/>
-        </p:nvSpPr>
-        <p:spPr>
-          <a:xfrm>
-            <a:off x="4795920" y="3814920"/>
-            <a:ext cx="1233000" cy="1233000"/>
-          </a:xfrm>
-          <a:prstGeom prst="ellipse">
-            <a:avLst/>
-          </a:prstGeom>
-          <a:noFill/>
-          <a:ln w="76320">
-            <a:solidFill>
-              <a:srgbClr val="00B050"/>
-            </a:solidFill>
-          </a:ln>
-        </p:spPr>
-        <p:style>
-          <a:lnRef idx="2">
-            <a:schemeClr val="accent1">
-              <a:shade val="50000"/>
-            </a:schemeClr>
-          </a:lnRef>
-          <a:fillRef idx="1">
-            <a:schemeClr val="accent1"/>
-          </a:fillRef>
-          <a:effectRef idx="0">
-            <a:schemeClr val="accent1"/>
-          </a:effectRef>
-          <a:fontRef idx="minor"/>
-        </p:style>
-        <p:txBody>
-          <a:bodyPr lIns="90000" tIns="45000" rIns="90000" bIns="45000" anchor="ctr">
-            <a:noAutofit/>
-          </a:bodyPr>
-          <a:lstStyle/>
-          <a:p>
-            <a:pPr algn="ctr">
-              <a:lnSpc>
-                <a:spcPct val="100000"/>
-              </a:lnSpc>
-            </a:pPr>
-            <a:endParaRPr lang="en-US" sz="1800" b="0" strike="noStrike" spc="-1">
-              <a:latin typeface="Arial"/>
-            </a:endParaRPr>
-          </a:p>
-          <a:p>
-            <a:pPr algn="ctr">
-              <a:lnSpc>
-                <a:spcPct val="100000"/>
-              </a:lnSpc>
-            </a:pPr>
-            <a:r>
-              <a:rPr lang="en-US" sz="2400" b="0" i="1" strike="noStrike" spc="-1">
-                <a:solidFill>
-                  <a:srgbClr val="000000"/>
-                </a:solidFill>
-                <a:latin typeface="Cambria Math"/>
-                <a:ea typeface="Cambria Math"/>
-              </a:rPr>
-              <a:t>= </a:t>
-            </a:r>
-            <a:endParaRPr lang="en-US" sz="2400" b="0" strike="noStrike" spc="-1">
-              <a:latin typeface="Arial"/>
-            </a:endParaRPr>
-          </a:p>
-          <a:p>
-            <a:pPr algn="ctr">
-              <a:lnSpc>
-                <a:spcPct val="100000"/>
-              </a:lnSpc>
-            </a:pPr>
-            <a:r>
-              <a:rPr lang="en-US" sz="2400" b="0" i="1" strike="noStrike" spc="-1">
-                <a:solidFill>
-                  <a:srgbClr val="000000"/>
-                </a:solidFill>
-                <a:latin typeface="Cambria Math"/>
-                <a:ea typeface="Cambria Math"/>
-              </a:rPr>
-              <a:t>L</a:t>
-            </a:r>
-            <a:endParaRPr lang="en-US" sz="2400" b="0" strike="noStrike" spc="-1">
-              <a:latin typeface="Arial"/>
-            </a:endParaRPr>
-          </a:p>
-        </p:txBody>
-      </p:sp>
-      <p:sp>
-        <p:nvSpPr>
-          <p:cNvPr id="154" name="CustomShape 19"/>
-          <p:cNvSpPr/>
-          <p:nvPr/>
-        </p:nvSpPr>
-        <p:spPr>
-          <a:xfrm>
-            <a:off x="4795920" y="3814920"/>
-            <a:ext cx="1233000" cy="1233000"/>
-          </a:xfrm>
-          <a:prstGeom prst="ellipse">
-            <a:avLst/>
-          </a:prstGeom>
-          <a:blipFill rotWithShape="0">
-            <a:blip r:embed="rId6"/>
-            <a:stretch>
-              <a:fillRect b="-6034"/>
-            </a:stretch>
-          </a:blipFill>
-          <a:ln w="76320">
-            <a:solidFill>
-              <a:srgbClr val="00B050"/>
-            </a:solidFill>
-            <a:round/>
-          </a:ln>
-        </p:spPr>
-        <p:style>
-          <a:lnRef idx="0">
-            <a:scrgbClr r="0" g="0" b="0"/>
-          </a:lnRef>
-          <a:fillRef idx="0">
-            <a:scrgbClr r="0" g="0" b="0"/>
-          </a:fillRef>
-          <a:effectRef idx="0">
-            <a:scrgbClr r="0" g="0" b="0"/>
-          </a:effectRef>
-          <a:fontRef idx="minor"/>
-        </p:style>
-        <p:txBody>
-          <a:bodyPr lIns="90000" tIns="45000" rIns="90000" bIns="45000">
-            <a:noAutofit/>
-          </a:bodyPr>
-          <a:lstStyle/>
-          <a:p>
-            <a:pPr>
-              <a:lnSpc>
-                <a:spcPct val="100000"/>
-              </a:lnSpc>
-            </a:pPr>
-            <a:r>
-              <a:rPr lang="en-US" sz="1800" b="0" strike="noStrike" spc="-1">
-                <a:latin typeface="Calibri"/>
-              </a:rPr>
-              <a:t> </a:t>
-            </a:r>
-            <a:endParaRPr lang="en-US" sz="1800" b="0" strike="noStrike" spc="-1">
+            <a:endParaRPr lang="en-US" sz="1350" spc="-1">
               <a:latin typeface="Arial"/>
             </a:endParaRPr>
           </a:p>
@@ -8856,8 +8913,8 @@
         </p:nvSpPr>
         <p:spPr>
           <a:xfrm>
-            <a:off x="6901560" y="3297600"/>
-            <a:ext cx="561240" cy="527040"/>
+            <a:off x="5176170" y="3330450"/>
+            <a:ext cx="420930" cy="395280"/>
           </a:xfrm>
           <a:custGeom>
             <a:avLst/>
@@ -8905,8 +8962,8 @@
         </p:nvSpPr>
         <p:spPr>
           <a:xfrm flipH="1">
-            <a:off x="5412600" y="3297600"/>
-            <a:ext cx="616320" cy="516960"/>
+            <a:off x="4059450" y="3330450"/>
+            <a:ext cx="462240" cy="387720"/>
           </a:xfrm>
           <a:custGeom>
             <a:avLst/>
@@ -8954,8 +9011,8 @@
         </p:nvSpPr>
         <p:spPr>
           <a:xfrm>
-            <a:off x="9176400" y="1558800"/>
-            <a:ext cx="571320" cy="364680"/>
+            <a:off x="6882300" y="2026350"/>
+            <a:ext cx="432361" cy="275908"/>
           </a:xfrm>
           <a:prstGeom prst="rect">
             <a:avLst/>
@@ -8978,7 +9035,7 @@
           <a:fontRef idx="minor"/>
         </p:style>
         <p:txBody>
-          <a:bodyPr wrap="none" lIns="90000" tIns="45000" rIns="90000" bIns="45000">
+          <a:bodyPr wrap="none" lIns="67500" tIns="33750" rIns="67500" bIns="33750">
             <a:spAutoFit/>
           </a:bodyPr>
           <a:lstStyle/>
@@ -8989,7 +9046,7 @@
               </a:lnSpc>
             </a:pPr>
             <a:r>
-              <a:rPr lang="en-US" sz="1800" b="0" strike="noStrike" spc="-1">
+              <a:rPr lang="en-US" sz="1350" spc="-1">
                 <a:solidFill>
                   <a:srgbClr val="000000"/>
                 </a:solidFill>
@@ -8997,7 +9054,7 @@
               </a:rPr>
               <a:t>true</a:t>
             </a:r>
-            <a:endParaRPr lang="en-US" sz="1800" b="0" strike="noStrike" spc="-1">
+            <a:endParaRPr lang="en-US" sz="1350" spc="-1">
               <a:latin typeface="Arial"/>
             </a:endParaRPr>
           </a:p>
@@ -9011,8 +9068,8 @@
         </p:nvSpPr>
         <p:spPr>
           <a:xfrm>
-            <a:off x="10719360" y="3271320"/>
-            <a:ext cx="571320" cy="364680"/>
+            <a:off x="8039520" y="3310740"/>
+            <a:ext cx="432361" cy="275908"/>
           </a:xfrm>
           <a:prstGeom prst="rect">
             <a:avLst/>
@@ -9035,7 +9092,7 @@
           <a:fontRef idx="minor"/>
         </p:style>
         <p:txBody>
-          <a:bodyPr wrap="none" lIns="90000" tIns="45000" rIns="90000" bIns="45000">
+          <a:bodyPr wrap="none" lIns="67500" tIns="33750" rIns="67500" bIns="33750">
             <a:spAutoFit/>
           </a:bodyPr>
           <a:lstStyle/>
@@ -9046,7 +9103,7 @@
               </a:lnSpc>
             </a:pPr>
             <a:r>
-              <a:rPr lang="en-US" sz="1800" b="0" strike="noStrike" spc="-1">
+              <a:rPr lang="en-US" sz="1350" spc="-1">
                 <a:solidFill>
                   <a:srgbClr val="000000"/>
                 </a:solidFill>
@@ -9054,7 +9111,7 @@
               </a:rPr>
               <a:t>true</a:t>
             </a:r>
-            <a:endParaRPr lang="en-US" sz="1800" b="0" strike="noStrike" spc="-1">
+            <a:endParaRPr lang="en-US" sz="1350" spc="-1">
               <a:latin typeface="Arial"/>
             </a:endParaRPr>
           </a:p>
@@ -9068,8 +9125,8 @@
         </p:nvSpPr>
         <p:spPr>
           <a:xfrm>
-            <a:off x="7173360" y="3192120"/>
-            <a:ext cx="571320" cy="364680"/>
+            <a:off x="5380020" y="3251340"/>
+            <a:ext cx="432361" cy="275908"/>
           </a:xfrm>
           <a:prstGeom prst="rect">
             <a:avLst/>
@@ -9092,7 +9149,7 @@
           <a:fontRef idx="minor"/>
         </p:style>
         <p:txBody>
-          <a:bodyPr wrap="none" lIns="90000" tIns="45000" rIns="90000" bIns="45000">
+          <a:bodyPr wrap="none" lIns="67500" tIns="33750" rIns="67500" bIns="33750">
             <a:spAutoFit/>
           </a:bodyPr>
           <a:lstStyle/>
@@ -9103,7 +9160,7 @@
               </a:lnSpc>
             </a:pPr>
             <a:r>
-              <a:rPr lang="en-US" sz="1800" b="0" strike="noStrike" spc="-1">
+              <a:rPr lang="en-US" sz="1350" spc="-1">
                 <a:solidFill>
                   <a:srgbClr val="000000"/>
                 </a:solidFill>
@@ -9111,7 +9168,7 @@
               </a:rPr>
               <a:t>true</a:t>
             </a:r>
-            <a:endParaRPr lang="en-US" sz="1800" b="0" strike="noStrike" spc="-1">
+            <a:endParaRPr lang="en-US" sz="1350" spc="-1">
               <a:latin typeface="Arial"/>
             </a:endParaRPr>
           </a:p>
@@ -9125,8 +9182,8 @@
         </p:nvSpPr>
         <p:spPr>
           <a:xfrm>
-            <a:off x="6705000" y="1558800"/>
-            <a:ext cx="612360" cy="364680"/>
+            <a:off x="5028750" y="2026350"/>
+            <a:ext cx="462498" cy="275908"/>
           </a:xfrm>
           <a:prstGeom prst="rect">
             <a:avLst/>
@@ -9149,7 +9206,7 @@
           <a:fontRef idx="minor"/>
         </p:style>
         <p:txBody>
-          <a:bodyPr wrap="none" lIns="90000" tIns="45000" rIns="90000" bIns="45000">
+          <a:bodyPr wrap="none" lIns="67500" tIns="33750" rIns="67500" bIns="33750">
             <a:spAutoFit/>
           </a:bodyPr>
           <a:lstStyle/>
@@ -9160,7 +9217,7 @@
               </a:lnSpc>
             </a:pPr>
             <a:r>
-              <a:rPr lang="en-US" sz="1800" b="0" strike="noStrike" spc="-1">
+              <a:rPr lang="en-US" sz="1350" spc="-1">
                 <a:solidFill>
                   <a:srgbClr val="000000"/>
                 </a:solidFill>
@@ -9168,7 +9225,7 @@
               </a:rPr>
               <a:t>false</a:t>
             </a:r>
-            <a:endParaRPr lang="en-US" sz="1800" b="0" strike="noStrike" spc="-1">
+            <a:endParaRPr lang="en-US" sz="1350" spc="-1">
               <a:latin typeface="Arial"/>
             </a:endParaRPr>
           </a:p>
@@ -9182,8 +9239,8 @@
         </p:nvSpPr>
         <p:spPr>
           <a:xfrm>
-            <a:off x="5090040" y="3234600"/>
-            <a:ext cx="612360" cy="364680"/>
+            <a:off x="3817530" y="3283200"/>
+            <a:ext cx="462498" cy="275908"/>
           </a:xfrm>
           <a:prstGeom prst="rect">
             <a:avLst/>
@@ -9206,7 +9263,7 @@
           <a:fontRef idx="minor"/>
         </p:style>
         <p:txBody>
-          <a:bodyPr wrap="none" lIns="90000" tIns="45000" rIns="90000" bIns="45000">
+          <a:bodyPr wrap="none" lIns="67500" tIns="33750" rIns="67500" bIns="33750">
             <a:spAutoFit/>
           </a:bodyPr>
           <a:lstStyle/>
@@ -9217,7 +9274,7 @@
               </a:lnSpc>
             </a:pPr>
             <a:r>
-              <a:rPr lang="en-US" sz="1800" b="0" strike="noStrike" spc="-1">
+              <a:rPr lang="en-US" sz="1350" spc="-1">
                 <a:solidFill>
                   <a:srgbClr val="000000"/>
                 </a:solidFill>
@@ -9225,7 +9282,7 @@
               </a:rPr>
               <a:t>false</a:t>
             </a:r>
-            <a:endParaRPr lang="en-US" sz="1800" b="0" strike="noStrike" spc="-1">
+            <a:endParaRPr lang="en-US" sz="1350" spc="-1">
               <a:latin typeface="Arial"/>
             </a:endParaRPr>
           </a:p>
@@ -9239,8 +9296,8 @@
         </p:nvSpPr>
         <p:spPr>
           <a:xfrm>
-            <a:off x="8610840" y="3245400"/>
-            <a:ext cx="612360" cy="364680"/>
+            <a:off x="6458130" y="3291300"/>
+            <a:ext cx="462498" cy="275908"/>
           </a:xfrm>
           <a:prstGeom prst="rect">
             <a:avLst/>
@@ -9263,7 +9320,7 @@
           <a:fontRef idx="minor"/>
         </p:style>
         <p:txBody>
-          <a:bodyPr wrap="none" lIns="90000" tIns="45000" rIns="90000" bIns="45000">
+          <a:bodyPr wrap="none" lIns="67500" tIns="33750" rIns="67500" bIns="33750">
             <a:spAutoFit/>
           </a:bodyPr>
           <a:lstStyle/>
@@ -9274,7 +9331,7 @@
               </a:lnSpc>
             </a:pPr>
             <a:r>
-              <a:rPr lang="en-US" sz="1800" b="0" strike="noStrike" spc="-1">
+              <a:rPr lang="en-US" sz="1350" spc="-1">
                 <a:solidFill>
                   <a:srgbClr val="000000"/>
                 </a:solidFill>
@@ -9282,12 +9339,102 @@
               </a:rPr>
               <a:t>false</a:t>
             </a:r>
-            <a:endParaRPr lang="en-US" sz="1800" b="0" strike="noStrike" spc="-1">
+            <a:endParaRPr lang="en-US" sz="1350" spc="-1">
               <a:latin typeface="Arial"/>
             </a:endParaRPr>
           </a:p>
         </p:txBody>
       </p:sp>
+      <p:grpSp>
+        <p:nvGrpSpPr>
+          <p:cNvPr id="30" name="Group 1">
+            <a:extLst>
+              <a:ext uri="{FF2B5EF4-FFF2-40B4-BE49-F238E27FC236}">
+                <a16:creationId xmlns:a16="http://schemas.microsoft.com/office/drawing/2014/main" id="{01AC925A-8D08-4FE2-AA89-92E259C85012}"/>
+              </a:ext>
+            </a:extLst>
+          </p:cNvPr>
+          <p:cNvGrpSpPr/>
+          <p:nvPr/>
+        </p:nvGrpSpPr>
+        <p:grpSpPr>
+          <a:xfrm>
+            <a:off x="0" y="6298830"/>
+            <a:ext cx="9143820" cy="559170"/>
+            <a:chOff x="0" y="6112080"/>
+            <a:chExt cx="12191760" cy="745560"/>
+          </a:xfrm>
+        </p:grpSpPr>
+        <p:sp>
+          <p:nvSpPr>
+            <p:cNvPr id="31" name="Line 2">
+              <a:extLst>
+                <a:ext uri="{FF2B5EF4-FFF2-40B4-BE49-F238E27FC236}">
+                  <a16:creationId xmlns:a16="http://schemas.microsoft.com/office/drawing/2014/main" id="{6A661FC5-3FD7-476E-BAE9-D2BF21CD7036}"/>
+                </a:ext>
+              </a:extLst>
+            </p:cNvPr>
+            <p:cNvSpPr/>
+            <p:nvPr/>
+          </p:nvSpPr>
+          <p:spPr>
+            <a:xfrm>
+              <a:off x="0" y="6148440"/>
+              <a:ext cx="12191760" cy="0"/>
+            </a:xfrm>
+            <a:prstGeom prst="line">
+              <a:avLst/>
+            </a:prstGeom>
+            <a:ln w="76320">
+              <a:solidFill>
+                <a:srgbClr val="33B395"/>
+              </a:solidFill>
+            </a:ln>
+          </p:spPr>
+          <p:style>
+            <a:lnRef idx="1">
+              <a:schemeClr val="accent1"/>
+            </a:lnRef>
+            <a:fillRef idx="0">
+              <a:schemeClr val="accent1"/>
+            </a:fillRef>
+            <a:effectRef idx="0">
+              <a:schemeClr val="accent1"/>
+            </a:effectRef>
+            <a:fontRef idx="minor"/>
+          </p:style>
+        </p:sp>
+        <p:pic>
+          <p:nvPicPr>
+            <p:cNvPr id="32" name="Picture 2">
+              <a:extLst>
+                <a:ext uri="{FF2B5EF4-FFF2-40B4-BE49-F238E27FC236}">
+                  <a16:creationId xmlns:a16="http://schemas.microsoft.com/office/drawing/2014/main" id="{D9102EC4-4C39-432B-AD4C-3D0B8FCDD534}"/>
+                </a:ext>
+              </a:extLst>
+            </p:cNvPr>
+            <p:cNvPicPr/>
+            <p:nvPr/>
+          </p:nvPicPr>
+          <p:blipFill>
+            <a:blip r:embed="rId6"/>
+            <a:srcRect l="8961" r="51571"/>
+            <a:stretch/>
+          </p:blipFill>
+          <p:spPr>
+            <a:xfrm>
+              <a:off x="10734840" y="6112080"/>
+              <a:ext cx="1456920" cy="745560"/>
+            </a:xfrm>
+            <a:prstGeom prst="rect">
+              <a:avLst/>
+            </a:prstGeom>
+            <a:ln>
+              <a:noFill/>
+            </a:ln>
+          </p:spPr>
+        </p:pic>
+      </p:grpSp>
     </p:spTree>
   </p:cSld>
   <p:clrMapOvr>
@@ -9954,8 +10101,8 @@
         </p:nvSpPr>
         <p:spPr>
           <a:xfrm>
-            <a:off x="838080" y="365040"/>
-            <a:ext cx="10515240" cy="1325160"/>
+            <a:off x="628560" y="1131030"/>
+            <a:ext cx="7886430" cy="993870"/>
           </a:xfrm>
           <a:prstGeom prst="rect">
             <a:avLst/>
@@ -9977,7 +10124,7 @@
               </a:lnSpc>
             </a:pPr>
             <a:r>
-              <a:rPr lang="en-US" sz="4400" b="0" strike="noStrike" spc="-1">
+              <a:rPr lang="en-US" sz="3300" spc="-1">
                 <a:solidFill>
                   <a:srgbClr val="000000"/>
                 </a:solidFill>
@@ -9985,7 +10132,7 @@
               </a:rPr>
               <a:t>Methods</a:t>
             </a:r>
-            <a:endParaRPr lang="en-US" sz="4400" b="0" strike="noStrike" spc="-1">
+            <a:endParaRPr lang="en-US" sz="3300" spc="-1">
               <a:solidFill>
                 <a:srgbClr val="000000"/>
               </a:solidFill>
@@ -9994,78 +10141,6 @@
           </a:p>
         </p:txBody>
       </p:sp>
-      <p:grpSp>
-        <p:nvGrpSpPr>
-          <p:cNvPr id="164" name="Group 2"/>
-          <p:cNvGrpSpPr/>
-          <p:nvPr/>
-        </p:nvGrpSpPr>
-        <p:grpSpPr>
-          <a:xfrm>
-            <a:off x="0" y="6112080"/>
-            <a:ext cx="12191760" cy="745560"/>
-            <a:chOff x="0" y="6112080"/>
-            <a:chExt cx="12191760" cy="745560"/>
-          </a:xfrm>
-        </p:grpSpPr>
-        <p:sp>
-          <p:nvSpPr>
-            <p:cNvPr id="165" name="Line 3"/>
-            <p:cNvSpPr/>
-            <p:nvPr/>
-          </p:nvSpPr>
-          <p:spPr>
-            <a:xfrm>
-              <a:off x="0" y="6148440"/>
-              <a:ext cx="12191760" cy="0"/>
-            </a:xfrm>
-            <a:prstGeom prst="line">
-              <a:avLst/>
-            </a:prstGeom>
-            <a:ln w="76320">
-              <a:solidFill>
-                <a:srgbClr val="33B395"/>
-              </a:solidFill>
-            </a:ln>
-          </p:spPr>
-          <p:style>
-            <a:lnRef idx="1">
-              <a:schemeClr val="accent1"/>
-            </a:lnRef>
-            <a:fillRef idx="0">
-              <a:schemeClr val="accent1"/>
-            </a:fillRef>
-            <a:effectRef idx="0">
-              <a:schemeClr val="accent1"/>
-            </a:effectRef>
-            <a:fontRef idx="minor"/>
-          </p:style>
-        </p:sp>
-        <p:pic>
-          <p:nvPicPr>
-            <p:cNvPr id="166" name="Picture 2"/>
-            <p:cNvPicPr/>
-            <p:nvPr/>
-          </p:nvPicPr>
-          <p:blipFill>
-            <a:blip r:embed="rId2"/>
-            <a:srcRect l="8961" r="51571"/>
-            <a:stretch/>
-          </p:blipFill>
-          <p:spPr>
-            <a:xfrm>
-              <a:off x="10734840" y="6112080"/>
-              <a:ext cx="1456920" cy="745560"/>
-            </a:xfrm>
-            <a:prstGeom prst="rect">
-              <a:avLst/>
-            </a:prstGeom>
-            <a:ln>
-              <a:noFill/>
-            </a:ln>
-          </p:spPr>
-        </p:pic>
-      </p:grpSp>
       <p:sp>
         <p:nvSpPr>
           <p:cNvPr id="167" name="TextShape 4"/>
@@ -10074,8 +10149,8 @@
         </p:nvSpPr>
         <p:spPr>
           <a:xfrm>
-            <a:off x="838080" y="1825560"/>
-            <a:ext cx="5489280" cy="2525400"/>
+            <a:off x="628560" y="2226420"/>
+            <a:ext cx="4116960" cy="1894050"/>
           </a:xfrm>
           <a:prstGeom prst="rect">
             <a:avLst/>
@@ -10091,12 +10166,12 @@
           </a:bodyPr>
           <a:lstStyle/>
           <a:p>
-            <a:pPr marL="228600" indent="-228240">
+            <a:pPr marL="171450" indent="-171180">
               <a:lnSpc>
                 <a:spcPct val="90000"/>
               </a:lnSpc>
               <a:spcBef>
-                <a:spcPts val="1001"/>
+                <a:spcPts val="751"/>
               </a:spcBef>
               <a:buClr>
                 <a:srgbClr val="000000"/>
@@ -10105,7 +10180,7 @@
               <a:buChar char="•"/>
             </a:pPr>
             <a:r>
-              <a:rPr lang="en-US" sz="2800" b="0" strike="noStrike" spc="-1">
+              <a:rPr lang="en-US" sz="2400" spc="-1" dirty="0">
                 <a:solidFill>
                   <a:srgbClr val="000000"/>
                 </a:solidFill>
@@ -10115,12 +10190,12 @@
             </a:r>
           </a:p>
           <a:p>
-            <a:pPr marL="228600" indent="-228240">
+            <a:pPr marL="171450" indent="-171180">
               <a:lnSpc>
                 <a:spcPct val="90000"/>
               </a:lnSpc>
               <a:spcBef>
-                <a:spcPts val="1001"/>
+                <a:spcPts val="751"/>
               </a:spcBef>
               <a:buClr>
                 <a:srgbClr val="000000"/>
@@ -10129,7 +10204,7 @@
               <a:buChar char="•"/>
             </a:pPr>
             <a:r>
-              <a:rPr lang="en-US" sz="2800" b="0" strike="noStrike" spc="-1">
+              <a:rPr lang="en-US" sz="2400" spc="-1" dirty="0">
                 <a:solidFill>
                   <a:srgbClr val="000000"/>
                 </a:solidFill>
@@ -10148,8 +10223,8 @@
         </p:nvGrpSpPr>
         <p:grpSpPr>
           <a:xfrm>
-            <a:off x="6578280" y="1167480"/>
-            <a:ext cx="850680" cy="559440"/>
+            <a:off x="4933710" y="1732860"/>
+            <a:ext cx="638010" cy="419580"/>
             <a:chOff x="6578280" y="1167480"/>
             <a:chExt cx="850680" cy="559440"/>
           </a:xfrm>
@@ -10408,8 +10483,8 @@
         </p:nvGrpSpPr>
         <p:grpSpPr>
           <a:xfrm>
-            <a:off x="7540920" y="1167480"/>
-            <a:ext cx="850680" cy="559440"/>
+            <a:off x="5655690" y="1732860"/>
+            <a:ext cx="638010" cy="419580"/>
             <a:chOff x="7540920" y="1167480"/>
             <a:chExt cx="850680" cy="559440"/>
           </a:xfrm>
@@ -10668,8 +10743,8 @@
         </p:nvGrpSpPr>
         <p:grpSpPr>
           <a:xfrm>
-            <a:off x="8490600" y="1167480"/>
-            <a:ext cx="850680" cy="559440"/>
+            <a:off x="6367950" y="1732860"/>
+            <a:ext cx="638010" cy="419580"/>
             <a:chOff x="8490600" y="1167480"/>
             <a:chExt cx="850680" cy="559440"/>
           </a:xfrm>
@@ -10928,8 +11003,8 @@
         </p:nvGrpSpPr>
         <p:grpSpPr>
           <a:xfrm>
-            <a:off x="9488520" y="1164240"/>
-            <a:ext cx="850680" cy="559440"/>
+            <a:off x="7116390" y="1730430"/>
+            <a:ext cx="638010" cy="419580"/>
             <a:chOff x="9488520" y="1164240"/>
             <a:chExt cx="850680" cy="559440"/>
           </a:xfrm>
@@ -11188,8 +11263,8 @@
         </p:nvGrpSpPr>
         <p:grpSpPr>
           <a:xfrm>
-            <a:off x="6578280" y="2095920"/>
-            <a:ext cx="850680" cy="559440"/>
+            <a:off x="4933710" y="2429190"/>
+            <a:ext cx="638010" cy="419580"/>
             <a:chOff x="6578280" y="2095920"/>
             <a:chExt cx="850680" cy="559440"/>
           </a:xfrm>
@@ -11448,8 +11523,8 @@
         </p:nvGrpSpPr>
         <p:grpSpPr>
           <a:xfrm>
-            <a:off x="7540920" y="2095920"/>
-            <a:ext cx="850680" cy="559440"/>
+            <a:off x="5655690" y="2429190"/>
+            <a:ext cx="638010" cy="419580"/>
             <a:chOff x="7540920" y="2095920"/>
             <a:chExt cx="850680" cy="559440"/>
           </a:xfrm>
@@ -11708,8 +11783,8 @@
         </p:nvGrpSpPr>
         <p:grpSpPr>
           <a:xfrm>
-            <a:off x="8490600" y="2095920"/>
-            <a:ext cx="850680" cy="559440"/>
+            <a:off x="6367950" y="2429190"/>
+            <a:ext cx="638010" cy="419580"/>
             <a:chOff x="8490600" y="2095920"/>
             <a:chExt cx="850680" cy="559440"/>
           </a:xfrm>
@@ -11968,8 +12043,8 @@
         </p:nvGrpSpPr>
         <p:grpSpPr>
           <a:xfrm>
-            <a:off x="9488520" y="2092680"/>
-            <a:ext cx="850680" cy="559440"/>
+            <a:off x="7116390" y="2426760"/>
+            <a:ext cx="638010" cy="419580"/>
             <a:chOff x="9488520" y="2092680"/>
             <a:chExt cx="850680" cy="559440"/>
           </a:xfrm>
@@ -12228,8 +12303,8 @@
         </p:nvGrpSpPr>
         <p:grpSpPr>
           <a:xfrm>
-            <a:off x="6578280" y="3015360"/>
-            <a:ext cx="850680" cy="559440"/>
+            <a:off x="4933710" y="3118770"/>
+            <a:ext cx="638010" cy="419580"/>
             <a:chOff x="6578280" y="3015360"/>
             <a:chExt cx="850680" cy="559440"/>
           </a:xfrm>
@@ -12488,8 +12563,8 @@
         </p:nvGrpSpPr>
         <p:grpSpPr>
           <a:xfrm>
-            <a:off x="7540920" y="3015360"/>
-            <a:ext cx="850680" cy="559440"/>
+            <a:off x="5655690" y="3118770"/>
+            <a:ext cx="638010" cy="419580"/>
             <a:chOff x="7540920" y="3015360"/>
             <a:chExt cx="850680" cy="559440"/>
           </a:xfrm>
@@ -12748,8 +12823,8 @@
         </p:nvGrpSpPr>
         <p:grpSpPr>
           <a:xfrm>
-            <a:off x="8490600" y="3015360"/>
-            <a:ext cx="850680" cy="559440"/>
+            <a:off x="6367950" y="3118770"/>
+            <a:ext cx="638010" cy="419580"/>
             <a:chOff x="8490600" y="3015360"/>
             <a:chExt cx="850680" cy="559440"/>
           </a:xfrm>
@@ -13008,8 +13083,8 @@
         </p:nvGrpSpPr>
         <p:grpSpPr>
           <a:xfrm>
-            <a:off x="9488520" y="3012120"/>
-            <a:ext cx="850680" cy="559440"/>
+            <a:off x="7116390" y="3116340"/>
+            <a:ext cx="638010" cy="419580"/>
             <a:chOff x="9488520" y="3012120"/>
             <a:chExt cx="850680" cy="559440"/>
           </a:xfrm>
@@ -13268,8 +13343,8 @@
         </p:nvGrpSpPr>
         <p:grpSpPr>
           <a:xfrm>
-            <a:off x="6558840" y="3919320"/>
-            <a:ext cx="850680" cy="559440"/>
+            <a:off x="4919130" y="3796740"/>
+            <a:ext cx="638010" cy="419580"/>
             <a:chOff x="6558840" y="3919320"/>
             <a:chExt cx="850680" cy="559440"/>
           </a:xfrm>
@@ -13528,8 +13603,8 @@
         </p:nvGrpSpPr>
         <p:grpSpPr>
           <a:xfrm>
-            <a:off x="7521840" y="3919320"/>
-            <a:ext cx="850680" cy="559440"/>
+            <a:off x="5641380" y="3796740"/>
+            <a:ext cx="638010" cy="419580"/>
             <a:chOff x="7521840" y="3919320"/>
             <a:chExt cx="850680" cy="559440"/>
           </a:xfrm>
@@ -13788,8 +13863,8 @@
         </p:nvGrpSpPr>
         <p:grpSpPr>
           <a:xfrm>
-            <a:off x="8471160" y="3919320"/>
-            <a:ext cx="850680" cy="559440"/>
+            <a:off x="6353370" y="3796740"/>
+            <a:ext cx="638010" cy="419580"/>
             <a:chOff x="8471160" y="3919320"/>
             <a:chExt cx="850680" cy="559440"/>
           </a:xfrm>
@@ -14048,8 +14123,8 @@
         </p:nvGrpSpPr>
         <p:grpSpPr>
           <a:xfrm>
-            <a:off x="9469440" y="3916080"/>
-            <a:ext cx="850680" cy="559440"/>
+            <a:off x="7102080" y="3794310"/>
+            <a:ext cx="638010" cy="419580"/>
             <a:chOff x="9469440" y="3916080"/>
             <a:chExt cx="850680" cy="559440"/>
           </a:xfrm>
@@ -14308,8 +14383,8 @@
         </p:nvGrpSpPr>
         <p:grpSpPr>
           <a:xfrm>
-            <a:off x="6558840" y="4729320"/>
-            <a:ext cx="850680" cy="559800"/>
+            <a:off x="4919130" y="4404240"/>
+            <a:ext cx="638010" cy="419850"/>
             <a:chOff x="6558840" y="4729320"/>
             <a:chExt cx="850680" cy="559800"/>
           </a:xfrm>
@@ -14568,8 +14643,8 @@
         </p:nvGrpSpPr>
         <p:grpSpPr>
           <a:xfrm>
-            <a:off x="7521840" y="4729320"/>
-            <a:ext cx="850680" cy="559800"/>
+            <a:off x="5641380" y="4404240"/>
+            <a:ext cx="638010" cy="419850"/>
             <a:chOff x="7521840" y="4729320"/>
             <a:chExt cx="850680" cy="559800"/>
           </a:xfrm>
@@ -14828,8 +14903,8 @@
         </p:nvGrpSpPr>
         <p:grpSpPr>
           <a:xfrm>
-            <a:off x="8471160" y="4729320"/>
-            <a:ext cx="850680" cy="559800"/>
+            <a:off x="6353370" y="4404240"/>
+            <a:ext cx="638010" cy="419850"/>
             <a:chOff x="8471160" y="4729320"/>
             <a:chExt cx="850680" cy="559800"/>
           </a:xfrm>
@@ -15088,8 +15163,8 @@
         </p:nvGrpSpPr>
         <p:grpSpPr>
           <a:xfrm>
-            <a:off x="9469440" y="4726440"/>
-            <a:ext cx="850680" cy="559440"/>
+            <a:off x="7102080" y="4402080"/>
+            <a:ext cx="638010" cy="419580"/>
             <a:chOff x="9469440" y="4726440"/>
             <a:chExt cx="850680" cy="559440"/>
           </a:xfrm>
@@ -15340,6 +15415,96 @@
           </p:style>
         </p:sp>
       </p:grpSp>
+      <p:grpSp>
+        <p:nvGrpSpPr>
+          <p:cNvPr id="328" name="Group 1">
+            <a:extLst>
+              <a:ext uri="{FF2B5EF4-FFF2-40B4-BE49-F238E27FC236}">
+                <a16:creationId xmlns:a16="http://schemas.microsoft.com/office/drawing/2014/main" id="{1AEB82F1-BE8D-4354-83C9-2EB28C30ECFD}"/>
+              </a:ext>
+            </a:extLst>
+          </p:cNvPr>
+          <p:cNvGrpSpPr/>
+          <p:nvPr/>
+        </p:nvGrpSpPr>
+        <p:grpSpPr>
+          <a:xfrm>
+            <a:off x="0" y="6298830"/>
+            <a:ext cx="9143820" cy="559170"/>
+            <a:chOff x="0" y="6112080"/>
+            <a:chExt cx="12191760" cy="745560"/>
+          </a:xfrm>
+        </p:grpSpPr>
+        <p:sp>
+          <p:nvSpPr>
+            <p:cNvPr id="329" name="Line 2">
+              <a:extLst>
+                <a:ext uri="{FF2B5EF4-FFF2-40B4-BE49-F238E27FC236}">
+                  <a16:creationId xmlns:a16="http://schemas.microsoft.com/office/drawing/2014/main" id="{38EB6F57-B350-4A6D-BF50-34B5735FED14}"/>
+                </a:ext>
+              </a:extLst>
+            </p:cNvPr>
+            <p:cNvSpPr/>
+            <p:nvPr/>
+          </p:nvSpPr>
+          <p:spPr>
+            <a:xfrm>
+              <a:off x="0" y="6148440"/>
+              <a:ext cx="12191760" cy="0"/>
+            </a:xfrm>
+            <a:prstGeom prst="line">
+              <a:avLst/>
+            </a:prstGeom>
+            <a:ln w="76320">
+              <a:solidFill>
+                <a:srgbClr val="33B395"/>
+              </a:solidFill>
+            </a:ln>
+          </p:spPr>
+          <p:style>
+            <a:lnRef idx="1">
+              <a:schemeClr val="accent1"/>
+            </a:lnRef>
+            <a:fillRef idx="0">
+              <a:schemeClr val="accent1"/>
+            </a:fillRef>
+            <a:effectRef idx="0">
+              <a:schemeClr val="accent1"/>
+            </a:effectRef>
+            <a:fontRef idx="minor"/>
+          </p:style>
+        </p:sp>
+        <p:pic>
+          <p:nvPicPr>
+            <p:cNvPr id="330" name="Picture 2">
+              <a:extLst>
+                <a:ext uri="{FF2B5EF4-FFF2-40B4-BE49-F238E27FC236}">
+                  <a16:creationId xmlns:a16="http://schemas.microsoft.com/office/drawing/2014/main" id="{1AFE1222-6FB0-40C7-8776-06C6FF7FEE6B}"/>
+                </a:ext>
+              </a:extLst>
+            </p:cNvPr>
+            <p:cNvPicPr/>
+            <p:nvPr/>
+          </p:nvPicPr>
+          <p:blipFill>
+            <a:blip r:embed="rId2"/>
+            <a:srcRect l="8961" r="51571"/>
+            <a:stretch/>
+          </p:blipFill>
+          <p:spPr>
+            <a:xfrm>
+              <a:off x="10734840" y="6112080"/>
+              <a:ext cx="1456920" cy="745560"/>
+            </a:xfrm>
+            <a:prstGeom prst="rect">
+              <a:avLst/>
+            </a:prstGeom>
+            <a:ln>
+              <a:noFill/>
+            </a:ln>
+          </p:spPr>
+        </p:pic>
+      </p:grpSp>
     </p:spTree>
   </p:cSld>
   <p:clrMapOvr>
@@ -15373,8 +15538,8 @@
         </p:nvSpPr>
         <p:spPr>
           <a:xfrm>
-            <a:off x="609480" y="273240"/>
-            <a:ext cx="10972440" cy="1144800"/>
+            <a:off x="457110" y="1184474"/>
+            <a:ext cx="8229330" cy="614014"/>
           </a:xfrm>
           <a:prstGeom prst="rect">
             <a:avLst/>
@@ -15392,7 +15557,7 @@
           <a:p>
             <a:pPr algn="ctr"/>
             <a:r>
-              <a:rPr lang="en-US" sz="5320" b="0" strike="noStrike" spc="-1">
+              <a:rPr lang="en-US" sz="3990" spc="-1">
                 <a:latin typeface="Arial"/>
               </a:rPr>
               <a:t>Data</a:t>
@@ -15408,8 +15573,8 @@
         </p:nvSpPr>
         <p:spPr>
           <a:xfrm>
-            <a:off x="609480" y="1604520"/>
-            <a:ext cx="10972440" cy="3977280"/>
+            <a:off x="457110" y="2060640"/>
+            <a:ext cx="8229330" cy="2982960"/>
           </a:xfrm>
           <a:prstGeom prst="rect">
             <a:avLst/>
@@ -15425,9 +15590,9 @@
           </a:bodyPr>
           <a:lstStyle/>
           <a:p>
-            <a:pPr marL="432000" indent="-324000">
+            <a:pPr marL="324000" indent="-243000">
               <a:spcBef>
-                <a:spcPts val="1712"/>
+                <a:spcPts val="1284"/>
               </a:spcBef>
               <a:buClr>
                 <a:srgbClr val="000000"/>
@@ -15437,16 +15602,16 @@
               <a:buChar char=""/>
             </a:pPr>
             <a:r>
-              <a:rPr lang="en-US" sz="3870" b="0" strike="noStrike" spc="-1">
+              <a:rPr lang="en-US" sz="2903" spc="-1" dirty="0">
                 <a:latin typeface="Arial"/>
               </a:rPr>
               <a:t>83 teams</a:t>
             </a:r>
           </a:p>
           <a:p>
-            <a:pPr marL="432000" indent="-324000">
+            <a:pPr marL="324000" indent="-243000">
               <a:spcBef>
-                <a:spcPts val="1712"/>
+                <a:spcPts val="1284"/>
               </a:spcBef>
               <a:buClr>
                 <a:srgbClr val="000000"/>
@@ -15456,16 +15621,16 @@
               <a:buChar char=""/>
             </a:pPr>
             <a:r>
-              <a:rPr lang="en-US" sz="3870" b="0" strike="noStrike" spc="-1">
+              <a:rPr lang="en-US" sz="2903" spc="-1" dirty="0">
                 <a:latin typeface="Arial"/>
               </a:rPr>
               <a:t>852 games</a:t>
             </a:r>
           </a:p>
           <a:p>
-            <a:pPr marL="432000" indent="-324000">
+            <a:pPr marL="324000" indent="-243000">
               <a:spcBef>
-                <a:spcPts val="1712"/>
+                <a:spcPts val="1284"/>
               </a:spcBef>
               <a:buClr>
                 <a:srgbClr val="000000"/>
@@ -15475,16 +15640,16 @@
               <a:buChar char=""/>
             </a:pPr>
             <a:r>
-              <a:rPr lang="en-US" sz="3870" b="0" strike="noStrike" spc="-1">
+              <a:rPr lang="en-US" sz="2903" spc="-1" dirty="0">
                 <a:latin typeface="Arial"/>
               </a:rPr>
               <a:t>Features goals and outcome of games</a:t>
             </a:r>
           </a:p>
           <a:p>
-            <a:pPr marL="432000" indent="-324000">
+            <a:pPr marL="324000" indent="-243000">
               <a:spcBef>
-                <a:spcPts val="1712"/>
+                <a:spcPts val="1284"/>
               </a:spcBef>
               <a:buClr>
                 <a:srgbClr val="000000"/>
@@ -15494,7 +15659,7 @@
               <a:buChar char=""/>
             </a:pPr>
             <a:r>
-              <a:rPr lang="en-US" sz="3870" b="0" strike="noStrike" spc="-1">
+              <a:rPr lang="en-US" sz="2903" spc="-1" dirty="0">
                 <a:latin typeface="Arial"/>
               </a:rPr>
               <a:t>Most features are difficult to leverage without outside data (team names have predictive power with outside data)</a:t>
@@ -15502,6 +15667,96 @@
           </a:p>
         </p:txBody>
       </p:sp>
+      <p:grpSp>
+        <p:nvGrpSpPr>
+          <p:cNvPr id="7" name="Group 1">
+            <a:extLst>
+              <a:ext uri="{FF2B5EF4-FFF2-40B4-BE49-F238E27FC236}">
+                <a16:creationId xmlns:a16="http://schemas.microsoft.com/office/drawing/2014/main" id="{5AB87B36-7112-4F1F-AFED-F432C2FA04DE}"/>
+              </a:ext>
+            </a:extLst>
+          </p:cNvPr>
+          <p:cNvGrpSpPr/>
+          <p:nvPr/>
+        </p:nvGrpSpPr>
+        <p:grpSpPr>
+          <a:xfrm>
+            <a:off x="0" y="6298830"/>
+            <a:ext cx="9143820" cy="559170"/>
+            <a:chOff x="0" y="6112080"/>
+            <a:chExt cx="12191760" cy="745560"/>
+          </a:xfrm>
+        </p:grpSpPr>
+        <p:sp>
+          <p:nvSpPr>
+            <p:cNvPr id="8" name="Line 2">
+              <a:extLst>
+                <a:ext uri="{FF2B5EF4-FFF2-40B4-BE49-F238E27FC236}">
+                  <a16:creationId xmlns:a16="http://schemas.microsoft.com/office/drawing/2014/main" id="{445DF56A-0165-45EA-AF1F-07FED6823C91}"/>
+                </a:ext>
+              </a:extLst>
+            </p:cNvPr>
+            <p:cNvSpPr/>
+            <p:nvPr/>
+          </p:nvSpPr>
+          <p:spPr>
+            <a:xfrm>
+              <a:off x="0" y="6148440"/>
+              <a:ext cx="12191760" cy="0"/>
+            </a:xfrm>
+            <a:prstGeom prst="line">
+              <a:avLst/>
+            </a:prstGeom>
+            <a:ln w="76320">
+              <a:solidFill>
+                <a:srgbClr val="33B395"/>
+              </a:solidFill>
+            </a:ln>
+          </p:spPr>
+          <p:style>
+            <a:lnRef idx="1">
+              <a:schemeClr val="accent1"/>
+            </a:lnRef>
+            <a:fillRef idx="0">
+              <a:schemeClr val="accent1"/>
+            </a:fillRef>
+            <a:effectRef idx="0">
+              <a:schemeClr val="accent1"/>
+            </a:effectRef>
+            <a:fontRef idx="minor"/>
+          </p:style>
+        </p:sp>
+        <p:pic>
+          <p:nvPicPr>
+            <p:cNvPr id="9" name="Picture 2">
+              <a:extLst>
+                <a:ext uri="{FF2B5EF4-FFF2-40B4-BE49-F238E27FC236}">
+                  <a16:creationId xmlns:a16="http://schemas.microsoft.com/office/drawing/2014/main" id="{94321981-3852-4579-8DD7-10485A781FED}"/>
+                </a:ext>
+              </a:extLst>
+            </p:cNvPr>
+            <p:cNvPicPr/>
+            <p:nvPr/>
+          </p:nvPicPr>
+          <p:blipFill>
+            <a:blip r:embed="rId2"/>
+            <a:srcRect l="8961" r="51571"/>
+            <a:stretch/>
+          </p:blipFill>
+          <p:spPr>
+            <a:xfrm>
+              <a:off x="10734840" y="6112080"/>
+              <a:ext cx="1456920" cy="745560"/>
+            </a:xfrm>
+            <a:prstGeom prst="rect">
+              <a:avLst/>
+            </a:prstGeom>
+            <a:ln>
+              <a:noFill/>
+            </a:ln>
+          </p:spPr>
+        </p:pic>
+      </p:grpSp>
     </p:spTree>
   </p:cSld>
   <p:clrMapOvr>
@@ -15535,8 +15790,8 @@
         </p:nvSpPr>
         <p:spPr>
           <a:xfrm>
-            <a:off x="609480" y="273240"/>
-            <a:ext cx="10972440" cy="1144800"/>
+            <a:off x="457110" y="1184474"/>
+            <a:ext cx="8229330" cy="614014"/>
           </a:xfrm>
           <a:prstGeom prst="rect">
             <a:avLst/>
@@ -15554,7 +15809,7 @@
           <a:p>
             <a:pPr algn="ctr"/>
             <a:r>
-              <a:rPr lang="en-US" sz="5320" b="0" strike="noStrike" spc="-1">
+              <a:rPr lang="en-US" sz="3990" spc="-1">
                 <a:latin typeface="Arial"/>
               </a:rPr>
               <a:t>Feature extraction</a:t>
@@ -15574,8 +15829,8 @@
         </p:blipFill>
         <p:spPr>
           <a:xfrm>
-            <a:off x="753120" y="2377440"/>
-            <a:ext cx="5464800" cy="3355200"/>
+            <a:off x="564840" y="2640330"/>
+            <a:ext cx="4098600" cy="2516400"/>
           </a:xfrm>
           <a:prstGeom prst="rect">
             <a:avLst/>
@@ -15593,8 +15848,8 @@
         </p:nvSpPr>
         <p:spPr>
           <a:xfrm>
-            <a:off x="7223760" y="2377440"/>
-            <a:ext cx="4572000" cy="2468880"/>
+            <a:off x="5417820" y="2640331"/>
+            <a:ext cx="3429000" cy="3115147"/>
           </a:xfrm>
           <a:prstGeom prst="rect">
             <a:avLst/>
@@ -15605,12 +15860,12 @@
           </a:ln>
         </p:spPr>
         <p:txBody>
-          <a:bodyPr lIns="90000" tIns="45000" rIns="90000" bIns="45000">
+          <a:bodyPr lIns="67500" tIns="33750" rIns="67500" bIns="33750">
             <a:spAutoFit/>
           </a:bodyPr>
           <a:lstStyle/>
           <a:p>
-            <a:pPr marL="216000" indent="-216000">
+            <a:pPr marL="162000" indent="-162000">
               <a:buClr>
                 <a:srgbClr val="000000"/>
               </a:buClr>
@@ -15619,14 +15874,14 @@
               <a:buChar char=""/>
             </a:pPr>
             <a:r>
-              <a:rPr lang="en-US" sz="1800" b="0" strike="noStrike" spc="-1">
+              <a:rPr lang="en-US" sz="2200" spc="-1" dirty="0">
                 <a:latin typeface="Arial"/>
               </a:rPr>
               <a:t>The total goals in history</a:t>
             </a:r>
           </a:p>
           <a:p>
-            <a:pPr marL="216000" indent="-216000">
+            <a:pPr marL="162000" indent="-162000">
               <a:buClr>
                 <a:srgbClr val="000000"/>
               </a:buClr>
@@ -15635,14 +15890,14 @@
               <a:buChar char=""/>
             </a:pPr>
             <a:r>
-              <a:rPr lang="en-US" sz="1800" b="0" strike="noStrike" spc="-1">
+              <a:rPr lang="en-US" sz="2200" spc="-1" dirty="0">
                 <a:latin typeface="Arial"/>
               </a:rPr>
               <a:t>The total games in history</a:t>
             </a:r>
           </a:p>
           <a:p>
-            <a:pPr marL="216000" indent="-216000">
+            <a:pPr marL="162000" indent="-162000">
               <a:buClr>
                 <a:srgbClr val="000000"/>
               </a:buClr>
@@ -15651,14 +15906,14 @@
               <a:buChar char=""/>
             </a:pPr>
             <a:r>
-              <a:rPr lang="en-US" sz="1800" b="0" strike="noStrike" spc="-1">
+              <a:rPr lang="en-US" sz="2200" spc="-1" dirty="0">
                 <a:latin typeface="Arial"/>
               </a:rPr>
               <a:t>Average goals per game</a:t>
             </a:r>
           </a:p>
           <a:p>
-            <a:pPr marL="216000" indent="-216000">
+            <a:pPr marL="162000" indent="-162000">
               <a:buClr>
                 <a:srgbClr val="000000"/>
               </a:buClr>
@@ -15667,14 +15922,14 @@
               <a:buChar char=""/>
             </a:pPr>
             <a:r>
-              <a:rPr lang="en-US" sz="1800" b="0" strike="noStrike" spc="-1">
+              <a:rPr lang="en-US" sz="2200" spc="-1" dirty="0">
                 <a:latin typeface="Arial"/>
               </a:rPr>
               <a:t>Rank</a:t>
             </a:r>
           </a:p>
           <a:p>
-            <a:pPr marL="216000" indent="-216000">
+            <a:pPr marL="162000" indent="-162000">
               <a:buClr>
                 <a:srgbClr val="000000"/>
               </a:buClr>
@@ -15682,12 +15937,12 @@
               <a:buFont typeface="Wingdings" charset="2"/>
               <a:buChar char=""/>
             </a:pPr>
-            <a:endParaRPr lang="en-US" sz="1800" b="0" strike="noStrike" spc="-1">
+            <a:endParaRPr lang="en-US" sz="2200" spc="-1" dirty="0">
               <a:latin typeface="Arial"/>
             </a:endParaRPr>
           </a:p>
           <a:p>
-            <a:pPr marL="216000" indent="-216000">
+            <a:pPr marL="162000" indent="-162000">
               <a:buClr>
                 <a:srgbClr val="000000"/>
               </a:buClr>
@@ -15695,12 +15950,12 @@
               <a:buFont typeface="Wingdings" charset="2"/>
               <a:buChar char=""/>
             </a:pPr>
-            <a:endParaRPr lang="en-US" sz="1800" b="0" strike="noStrike" spc="-1">
+            <a:endParaRPr lang="en-US" sz="2200" spc="-1" dirty="0">
               <a:latin typeface="Arial"/>
             </a:endParaRPr>
           </a:p>
           <a:p>
-            <a:pPr marL="216000" indent="-216000">
+            <a:pPr marL="162000" indent="-162000">
               <a:buClr>
                 <a:srgbClr val="000000"/>
               </a:buClr>
@@ -15709,14 +15964,125 @@
               <a:buChar char=""/>
             </a:pPr>
             <a:r>
-              <a:rPr lang="en-US" sz="1800" b="0" strike="noStrike" spc="-1">
+              <a:rPr lang="en-US" sz="2200" spc="-1" dirty="0">
                 <a:latin typeface="Arial"/>
               </a:rPr>
-              <a:t>Data reshaped with dplyr from tidyverse</a:t>
+              <a:t>Data reshaped with </a:t>
             </a:r>
+            <a:r>
+              <a:rPr lang="en-US" sz="2200" spc="-1" dirty="0" err="1">
+                <a:latin typeface="Arial"/>
+              </a:rPr>
+              <a:t>dplyr</a:t>
+            </a:r>
+            <a:r>
+              <a:rPr lang="en-US" sz="2200" spc="-1" dirty="0">
+                <a:latin typeface="Arial"/>
+              </a:rPr>
+              <a:t> from </a:t>
+            </a:r>
+            <a:r>
+              <a:rPr lang="en-US" sz="2200" spc="-1" dirty="0" err="1">
+                <a:latin typeface="Arial"/>
+              </a:rPr>
+              <a:t>tidyverse</a:t>
+            </a:r>
+            <a:endParaRPr lang="en-US" sz="2200" spc="-1" dirty="0">
+              <a:latin typeface="Arial"/>
+            </a:endParaRPr>
           </a:p>
         </p:txBody>
       </p:sp>
+      <p:grpSp>
+        <p:nvGrpSpPr>
+          <p:cNvPr id="8" name="Group 1">
+            <a:extLst>
+              <a:ext uri="{FF2B5EF4-FFF2-40B4-BE49-F238E27FC236}">
+                <a16:creationId xmlns:a16="http://schemas.microsoft.com/office/drawing/2014/main" id="{C68D1A3E-2F9B-49E2-AC1D-FE95E4EA4E93}"/>
+              </a:ext>
+            </a:extLst>
+          </p:cNvPr>
+          <p:cNvGrpSpPr/>
+          <p:nvPr/>
+        </p:nvGrpSpPr>
+        <p:grpSpPr>
+          <a:xfrm>
+            <a:off x="0" y="6298830"/>
+            <a:ext cx="9143820" cy="559170"/>
+            <a:chOff x="0" y="6112080"/>
+            <a:chExt cx="12191760" cy="745560"/>
+          </a:xfrm>
+        </p:grpSpPr>
+        <p:sp>
+          <p:nvSpPr>
+            <p:cNvPr id="9" name="Line 2">
+              <a:extLst>
+                <a:ext uri="{FF2B5EF4-FFF2-40B4-BE49-F238E27FC236}">
+                  <a16:creationId xmlns:a16="http://schemas.microsoft.com/office/drawing/2014/main" id="{458AB201-518D-41F4-9F61-0BCDE8ADB3C1}"/>
+                </a:ext>
+              </a:extLst>
+            </p:cNvPr>
+            <p:cNvSpPr/>
+            <p:nvPr/>
+          </p:nvSpPr>
+          <p:spPr>
+            <a:xfrm>
+              <a:off x="0" y="6148440"/>
+              <a:ext cx="12191760" cy="0"/>
+            </a:xfrm>
+            <a:prstGeom prst="line">
+              <a:avLst/>
+            </a:prstGeom>
+            <a:ln w="76320">
+              <a:solidFill>
+                <a:srgbClr val="33B395"/>
+              </a:solidFill>
+            </a:ln>
+          </p:spPr>
+          <p:style>
+            <a:lnRef idx="1">
+              <a:schemeClr val="accent1"/>
+            </a:lnRef>
+            <a:fillRef idx="0">
+              <a:schemeClr val="accent1"/>
+            </a:fillRef>
+            <a:effectRef idx="0">
+              <a:schemeClr val="accent1"/>
+            </a:effectRef>
+            <a:fontRef idx="minor"/>
+          </p:style>
+        </p:sp>
+        <p:pic>
+          <p:nvPicPr>
+            <p:cNvPr id="10" name="Picture 2">
+              <a:extLst>
+                <a:ext uri="{FF2B5EF4-FFF2-40B4-BE49-F238E27FC236}">
+                  <a16:creationId xmlns:a16="http://schemas.microsoft.com/office/drawing/2014/main" id="{EA809E8D-E5A9-4FD1-AF74-92F6634B07A9}"/>
+                </a:ext>
+              </a:extLst>
+            </p:cNvPr>
+            <p:cNvPicPr/>
+            <p:nvPr/>
+          </p:nvPicPr>
+          <p:blipFill>
+            <a:blip r:embed="rId3"/>
+            <a:srcRect l="8961" r="51571"/>
+            <a:stretch/>
+          </p:blipFill>
+          <p:spPr>
+            <a:xfrm>
+              <a:off x="10734840" y="6112080"/>
+              <a:ext cx="1456920" cy="745560"/>
+            </a:xfrm>
+            <a:prstGeom prst="rect">
+              <a:avLst/>
+            </a:prstGeom>
+            <a:ln>
+              <a:noFill/>
+            </a:ln>
+          </p:spPr>
+        </p:pic>
+      </p:grpSp>
     </p:spTree>
   </p:cSld>
   <p:clrMapOvr>
@@ -15750,8 +16116,8 @@
         </p:nvSpPr>
         <p:spPr>
           <a:xfrm>
-            <a:off x="609480" y="273240"/>
-            <a:ext cx="10972440" cy="1144800"/>
+            <a:off x="457110" y="1184474"/>
+            <a:ext cx="8229330" cy="614014"/>
           </a:xfrm>
           <a:prstGeom prst="rect">
             <a:avLst/>
@@ -15769,7 +16135,7 @@
           <a:p>
             <a:pPr algn="ctr"/>
             <a:r>
-              <a:rPr lang="en-US" sz="5320" b="0" strike="noStrike" spc="-1">
+              <a:rPr lang="en-US" sz="3990" spc="-1">
                 <a:latin typeface="Arial"/>
               </a:rPr>
               <a:t>Predictions</a:t>
@@ -15789,8 +16155,8 @@
         </p:blipFill>
         <p:spPr>
           <a:xfrm>
-            <a:off x="3261960" y="2194560"/>
-            <a:ext cx="5657400" cy="1819080"/>
+            <a:off x="2446470" y="2503170"/>
+            <a:ext cx="4243050" cy="1364310"/>
           </a:xfrm>
           <a:prstGeom prst="rect">
             <a:avLst/>
@@ -15808,8 +16174,8 @@
         </p:nvSpPr>
         <p:spPr>
           <a:xfrm>
-            <a:off x="3200400" y="4297680"/>
-            <a:ext cx="5120640" cy="602280"/>
+            <a:off x="2400300" y="4080510"/>
+            <a:ext cx="3840480" cy="1083822"/>
           </a:xfrm>
           <a:prstGeom prst="rect">
             <a:avLst/>
@@ -15820,12 +16186,12 @@
           </a:ln>
         </p:spPr>
         <p:txBody>
-          <a:bodyPr lIns="90000" tIns="45000" rIns="90000" bIns="45000">
+          <a:bodyPr lIns="67500" tIns="33750" rIns="67500" bIns="33750">
             <a:spAutoFit/>
           </a:bodyPr>
           <a:lstStyle/>
           <a:p>
-            <a:pPr marL="216000" indent="-216000">
+            <a:pPr marL="162000" indent="-162000">
               <a:buClr>
                 <a:srgbClr val="000000"/>
               </a:buClr>
@@ -15834,14 +16200,14 @@
               <a:buChar char=""/>
             </a:pPr>
             <a:r>
-              <a:rPr lang="en-US" sz="1800" b="0" strike="noStrike" spc="-1">
+              <a:rPr lang="en-US" sz="2200" spc="-1" dirty="0">
                 <a:latin typeface="Arial"/>
               </a:rPr>
               <a:t>Performance similar to training</a:t>
             </a:r>
           </a:p>
           <a:p>
-            <a:pPr marL="216000" indent="-216000">
+            <a:pPr marL="162000" indent="-162000">
               <a:buClr>
                 <a:srgbClr val="000000"/>
               </a:buClr>
@@ -15850,7 +16216,7 @@
               <a:buChar char=""/>
             </a:pPr>
             <a:r>
-              <a:rPr lang="en-US" sz="1800" b="0" strike="noStrike" spc="-1">
+              <a:rPr lang="en-US" sz="2200" spc="-1" dirty="0">
                 <a:latin typeface="Arial"/>
               </a:rPr>
               <a:t>50% testing accuracy</a:t>
@@ -15858,6 +16224,96 @@
           </a:p>
         </p:txBody>
       </p:sp>
+      <p:grpSp>
+        <p:nvGrpSpPr>
+          <p:cNvPr id="8" name="Group 1">
+            <a:extLst>
+              <a:ext uri="{FF2B5EF4-FFF2-40B4-BE49-F238E27FC236}">
+                <a16:creationId xmlns:a16="http://schemas.microsoft.com/office/drawing/2014/main" id="{4E1CA674-F2F6-4473-96C2-61FF2C9760DA}"/>
+              </a:ext>
+            </a:extLst>
+          </p:cNvPr>
+          <p:cNvGrpSpPr/>
+          <p:nvPr/>
+        </p:nvGrpSpPr>
+        <p:grpSpPr>
+          <a:xfrm>
+            <a:off x="0" y="6298830"/>
+            <a:ext cx="9143820" cy="559170"/>
+            <a:chOff x="0" y="6112080"/>
+            <a:chExt cx="12191760" cy="745560"/>
+          </a:xfrm>
+        </p:grpSpPr>
+        <p:sp>
+          <p:nvSpPr>
+            <p:cNvPr id="9" name="Line 2">
+              <a:extLst>
+                <a:ext uri="{FF2B5EF4-FFF2-40B4-BE49-F238E27FC236}">
+                  <a16:creationId xmlns:a16="http://schemas.microsoft.com/office/drawing/2014/main" id="{E3D90896-4A63-40F3-A9D0-9D84A9978CB1}"/>
+                </a:ext>
+              </a:extLst>
+            </p:cNvPr>
+            <p:cNvSpPr/>
+            <p:nvPr/>
+          </p:nvSpPr>
+          <p:spPr>
+            <a:xfrm>
+              <a:off x="0" y="6148440"/>
+              <a:ext cx="12191760" cy="0"/>
+            </a:xfrm>
+            <a:prstGeom prst="line">
+              <a:avLst/>
+            </a:prstGeom>
+            <a:ln w="76320">
+              <a:solidFill>
+                <a:srgbClr val="33B395"/>
+              </a:solidFill>
+            </a:ln>
+          </p:spPr>
+          <p:style>
+            <a:lnRef idx="1">
+              <a:schemeClr val="accent1"/>
+            </a:lnRef>
+            <a:fillRef idx="0">
+              <a:schemeClr val="accent1"/>
+            </a:fillRef>
+            <a:effectRef idx="0">
+              <a:schemeClr val="accent1"/>
+            </a:effectRef>
+            <a:fontRef idx="minor"/>
+          </p:style>
+        </p:sp>
+        <p:pic>
+          <p:nvPicPr>
+            <p:cNvPr id="10" name="Picture 2">
+              <a:extLst>
+                <a:ext uri="{FF2B5EF4-FFF2-40B4-BE49-F238E27FC236}">
+                  <a16:creationId xmlns:a16="http://schemas.microsoft.com/office/drawing/2014/main" id="{4AF7B3C4-828D-45E1-8D3E-ED0EEBBEA117}"/>
+                </a:ext>
+              </a:extLst>
+            </p:cNvPr>
+            <p:cNvPicPr/>
+            <p:nvPr/>
+          </p:nvPicPr>
+          <p:blipFill>
+            <a:blip r:embed="rId3"/>
+            <a:srcRect l="8961" r="51571"/>
+            <a:stretch/>
+          </p:blipFill>
+          <p:spPr>
+            <a:xfrm>
+              <a:off x="10734840" y="6112080"/>
+              <a:ext cx="1456920" cy="745560"/>
+            </a:xfrm>
+            <a:prstGeom prst="rect">
+              <a:avLst/>
+            </a:prstGeom>
+            <a:ln>
+              <a:noFill/>
+            </a:ln>
+          </p:spPr>
+        </p:pic>
+      </p:grpSp>
     </p:spTree>
   </p:cSld>
   <p:clrMapOvr>
@@ -15891,8 +16347,8 @@
         </p:nvSpPr>
         <p:spPr>
           <a:xfrm>
-            <a:off x="609480" y="273240"/>
-            <a:ext cx="10972440" cy="1144800"/>
+            <a:off x="457110" y="1184474"/>
+            <a:ext cx="8229330" cy="614014"/>
           </a:xfrm>
           <a:prstGeom prst="rect">
             <a:avLst/>
@@ -15910,7 +16366,7 @@
           <a:p>
             <a:pPr algn="ctr"/>
             <a:r>
-              <a:rPr lang="en-US" sz="5320" b="0" strike="noStrike" spc="-1">
+              <a:rPr lang="en-US" sz="3990" spc="-1">
                 <a:latin typeface="Arial"/>
               </a:rPr>
               <a:t>Model fit</a:t>
@@ -15930,8 +16386,8 @@
         </p:blipFill>
         <p:spPr>
           <a:xfrm>
-            <a:off x="2384280" y="1833840"/>
-            <a:ext cx="8039880" cy="2463840"/>
+            <a:off x="1788210" y="2232630"/>
+            <a:ext cx="6029910" cy="1847880"/>
           </a:xfrm>
           <a:prstGeom prst="rect">
             <a:avLst/>
@@ -15949,8 +16405,8 @@
         </p:nvSpPr>
         <p:spPr>
           <a:xfrm>
-            <a:off x="2468880" y="4754880"/>
-            <a:ext cx="7315200" cy="602280"/>
+            <a:off x="1851660" y="4423410"/>
+            <a:ext cx="5486400" cy="745268"/>
           </a:xfrm>
           <a:prstGeom prst="rect">
             <a:avLst/>
@@ -15961,12 +16417,12 @@
           </a:ln>
         </p:spPr>
         <p:txBody>
-          <a:bodyPr lIns="90000" tIns="45000" rIns="90000" bIns="45000">
+          <a:bodyPr lIns="67500" tIns="33750" rIns="67500" bIns="33750">
             <a:spAutoFit/>
           </a:bodyPr>
           <a:lstStyle/>
           <a:p>
-            <a:pPr marL="216000" indent="-216000">
+            <a:pPr marL="162000" indent="-162000">
               <a:buClr>
                 <a:srgbClr val="000000"/>
               </a:buClr>
@@ -15975,14 +16431,14 @@
               <a:buChar char=""/>
             </a:pPr>
             <a:r>
-              <a:rPr lang="en-US" sz="1800" b="0" strike="noStrike" spc="-1">
+              <a:rPr lang="en-US" sz="2200" spc="-1" dirty="0">
                 <a:latin typeface="Arial"/>
               </a:rPr>
               <a:t>Fairly good at classifying wins</a:t>
             </a:r>
           </a:p>
           <a:p>
-            <a:pPr marL="216000" indent="-216000">
+            <a:pPr marL="162000" indent="-162000">
               <a:buClr>
                 <a:srgbClr val="000000"/>
               </a:buClr>
@@ -15991,7 +16447,7 @@
               <a:buChar char=""/>
             </a:pPr>
             <a:r>
-              <a:rPr lang="en-US" sz="1800" b="0" strike="noStrike" spc="-1">
+              <a:rPr lang="en-US" sz="2200" spc="-1" dirty="0">
                 <a:latin typeface="Arial"/>
               </a:rPr>
               <a:t>Pretty bad at predicting ties</a:t>
@@ -15999,6 +16455,96 @@
           </a:p>
         </p:txBody>
       </p:sp>
+      <p:grpSp>
+        <p:nvGrpSpPr>
+          <p:cNvPr id="8" name="Group 1">
+            <a:extLst>
+              <a:ext uri="{FF2B5EF4-FFF2-40B4-BE49-F238E27FC236}">
+                <a16:creationId xmlns:a16="http://schemas.microsoft.com/office/drawing/2014/main" id="{41056CCF-76BA-452D-9936-7DA625E225C4}"/>
+              </a:ext>
+            </a:extLst>
+          </p:cNvPr>
+          <p:cNvGrpSpPr/>
+          <p:nvPr/>
+        </p:nvGrpSpPr>
+        <p:grpSpPr>
+          <a:xfrm>
+            <a:off x="0" y="6298830"/>
+            <a:ext cx="9143820" cy="559170"/>
+            <a:chOff x="0" y="6112080"/>
+            <a:chExt cx="12191760" cy="745560"/>
+          </a:xfrm>
+        </p:grpSpPr>
+        <p:sp>
+          <p:nvSpPr>
+            <p:cNvPr id="9" name="Line 2">
+              <a:extLst>
+                <a:ext uri="{FF2B5EF4-FFF2-40B4-BE49-F238E27FC236}">
+                  <a16:creationId xmlns:a16="http://schemas.microsoft.com/office/drawing/2014/main" id="{761442EB-790E-4184-B21E-D1D55F0453F5}"/>
+                </a:ext>
+              </a:extLst>
+            </p:cNvPr>
+            <p:cNvSpPr/>
+            <p:nvPr/>
+          </p:nvSpPr>
+          <p:spPr>
+            <a:xfrm>
+              <a:off x="0" y="6148440"/>
+              <a:ext cx="12191760" cy="0"/>
+            </a:xfrm>
+            <a:prstGeom prst="line">
+              <a:avLst/>
+            </a:prstGeom>
+            <a:ln w="76320">
+              <a:solidFill>
+                <a:srgbClr val="33B395"/>
+              </a:solidFill>
+            </a:ln>
+          </p:spPr>
+          <p:style>
+            <a:lnRef idx="1">
+              <a:schemeClr val="accent1"/>
+            </a:lnRef>
+            <a:fillRef idx="0">
+              <a:schemeClr val="accent1"/>
+            </a:fillRef>
+            <a:effectRef idx="0">
+              <a:schemeClr val="accent1"/>
+            </a:effectRef>
+            <a:fontRef idx="minor"/>
+          </p:style>
+        </p:sp>
+        <p:pic>
+          <p:nvPicPr>
+            <p:cNvPr id="10" name="Picture 2">
+              <a:extLst>
+                <a:ext uri="{FF2B5EF4-FFF2-40B4-BE49-F238E27FC236}">
+                  <a16:creationId xmlns:a16="http://schemas.microsoft.com/office/drawing/2014/main" id="{1E21D2DE-D558-4EAD-A760-31EFD38F61C1}"/>
+                </a:ext>
+              </a:extLst>
+            </p:cNvPr>
+            <p:cNvPicPr/>
+            <p:nvPr/>
+          </p:nvPicPr>
+          <p:blipFill>
+            <a:blip r:embed="rId3"/>
+            <a:srcRect l="8961" r="51571"/>
+            <a:stretch/>
+          </p:blipFill>
+          <p:spPr>
+            <a:xfrm>
+              <a:off x="10734840" y="6112080"/>
+              <a:ext cx="1456920" cy="745560"/>
+            </a:xfrm>
+            <a:prstGeom prst="rect">
+              <a:avLst/>
+            </a:prstGeom>
+            <a:ln>
+              <a:noFill/>
+            </a:ln>
+          </p:spPr>
+        </p:pic>
+      </p:grpSp>
     </p:spTree>
   </p:cSld>
   <p:clrMapOvr>
@@ -16032,8 +16578,8 @@
         </p:nvSpPr>
         <p:spPr>
           <a:xfrm>
-            <a:off x="609480" y="273240"/>
-            <a:ext cx="10972440" cy="1144800"/>
+            <a:off x="457110" y="1184474"/>
+            <a:ext cx="8229330" cy="614014"/>
           </a:xfrm>
           <a:prstGeom prst="rect">
             <a:avLst/>
@@ -16051,7 +16597,7 @@
           <a:p>
             <a:pPr algn="ctr"/>
             <a:r>
-              <a:rPr lang="en-US" sz="5320" b="0" strike="noStrike" spc="-1">
+              <a:rPr lang="en-US" sz="3990" spc="-1">
                 <a:latin typeface="Arial"/>
               </a:rPr>
               <a:t>Feature importance</a:t>
@@ -16071,8 +16617,8 @@
         </p:blipFill>
         <p:spPr>
           <a:xfrm>
-            <a:off x="3595320" y="2183400"/>
-            <a:ext cx="4990680" cy="2476080"/>
+            <a:off x="2696490" y="2494800"/>
+            <a:ext cx="3743010" cy="1857060"/>
           </a:xfrm>
           <a:prstGeom prst="rect">
             <a:avLst/>
@@ -16090,8 +16636,8 @@
         </p:nvSpPr>
         <p:spPr>
           <a:xfrm>
-            <a:off x="3657600" y="5231520"/>
-            <a:ext cx="6949440" cy="367878"/>
+            <a:off x="2743200" y="4780890"/>
+            <a:ext cx="5212080" cy="406713"/>
           </a:xfrm>
           <a:prstGeom prst="rect">
             <a:avLst/>
@@ -16102,7 +16648,7 @@
           </a:ln>
         </p:spPr>
         <p:txBody>
-          <a:bodyPr lIns="90000" tIns="45000" rIns="90000" bIns="45000">
+          <a:bodyPr lIns="67500" tIns="33750" rIns="67500" bIns="33750">
             <a:spAutoFit/>
           </a:bodyPr>
           <a:lstStyle/>
@@ -16114,20 +16660,104 @@
               <a:buSzPct val="45000"/>
             </a:pPr>
             <a:r>
-              <a:rPr lang="en-US" spc="-1" dirty="0">
+              <a:rPr lang="en-US" sz="2200" spc="-1" dirty="0">
                 <a:latin typeface="Arial"/>
               </a:rPr>
-              <a:t>Larger Gini decrease </a:t>
-            </a:r>
-            <a:r>
-              <a:rPr lang="en-US" sz="1800" b="0" strike="noStrike" spc="-1" dirty="0">
-                <a:latin typeface="Arial"/>
-              </a:rPr>
-              <a:t>is better</a:t>
+              <a:t>Larger Gini decrease is better</a:t>
             </a:r>
           </a:p>
         </p:txBody>
       </p:sp>
+      <p:grpSp>
+        <p:nvGrpSpPr>
+          <p:cNvPr id="8" name="Group 1">
+            <a:extLst>
+              <a:ext uri="{FF2B5EF4-FFF2-40B4-BE49-F238E27FC236}">
+                <a16:creationId xmlns:a16="http://schemas.microsoft.com/office/drawing/2014/main" id="{E2A566A0-0316-4781-AE31-9BEBCDDB0842}"/>
+              </a:ext>
+            </a:extLst>
+          </p:cNvPr>
+          <p:cNvGrpSpPr/>
+          <p:nvPr/>
+        </p:nvGrpSpPr>
+        <p:grpSpPr>
+          <a:xfrm>
+            <a:off x="0" y="6298830"/>
+            <a:ext cx="9143820" cy="559170"/>
+            <a:chOff x="0" y="6112080"/>
+            <a:chExt cx="12191760" cy="745560"/>
+          </a:xfrm>
+        </p:grpSpPr>
+        <p:sp>
+          <p:nvSpPr>
+            <p:cNvPr id="9" name="Line 2">
+              <a:extLst>
+                <a:ext uri="{FF2B5EF4-FFF2-40B4-BE49-F238E27FC236}">
+                  <a16:creationId xmlns:a16="http://schemas.microsoft.com/office/drawing/2014/main" id="{8AA6F6BF-D0AC-488A-A706-D4F4F08E40D9}"/>
+                </a:ext>
+              </a:extLst>
+            </p:cNvPr>
+            <p:cNvSpPr/>
+            <p:nvPr/>
+          </p:nvSpPr>
+          <p:spPr>
+            <a:xfrm>
+              <a:off x="0" y="6148440"/>
+              <a:ext cx="12191760" cy="0"/>
+            </a:xfrm>
+            <a:prstGeom prst="line">
+              <a:avLst/>
+            </a:prstGeom>
+            <a:ln w="76320">
+              <a:solidFill>
+                <a:srgbClr val="33B395"/>
+              </a:solidFill>
+            </a:ln>
+          </p:spPr>
+          <p:style>
+            <a:lnRef idx="1">
+              <a:schemeClr val="accent1"/>
+            </a:lnRef>
+            <a:fillRef idx="0">
+              <a:schemeClr val="accent1"/>
+            </a:fillRef>
+            <a:effectRef idx="0">
+              <a:schemeClr val="accent1"/>
+            </a:effectRef>
+            <a:fontRef idx="minor"/>
+          </p:style>
+        </p:sp>
+        <p:pic>
+          <p:nvPicPr>
+            <p:cNvPr id="10" name="Picture 2">
+              <a:extLst>
+                <a:ext uri="{FF2B5EF4-FFF2-40B4-BE49-F238E27FC236}">
+                  <a16:creationId xmlns:a16="http://schemas.microsoft.com/office/drawing/2014/main" id="{0219F06C-480F-4AEF-BFD2-43E0A9DB944F}"/>
+                </a:ext>
+              </a:extLst>
+            </p:cNvPr>
+            <p:cNvPicPr/>
+            <p:nvPr/>
+          </p:nvPicPr>
+          <p:blipFill>
+            <a:blip r:embed="rId3"/>
+            <a:srcRect l="8961" r="51571"/>
+            <a:stretch/>
+          </p:blipFill>
+          <p:spPr>
+            <a:xfrm>
+              <a:off x="10734840" y="6112080"/>
+              <a:ext cx="1456920" cy="745560"/>
+            </a:xfrm>
+            <a:prstGeom prst="rect">
+              <a:avLst/>
+            </a:prstGeom>
+            <a:ln>
+              <a:noFill/>
+            </a:ln>
+          </p:spPr>
+        </p:pic>
+      </p:grpSp>
     </p:spTree>
   </p:cSld>
   <p:clrMapOvr>
